--- a/PPTs/L8-Exercises ANS.pptx
+++ b/PPTs/L8-Exercises ANS.pptx
@@ -5,14 +5,18 @@
     <p:sldMasterId id="2147483648" r:id="rId1"/>
   </p:sldMasterIdLst>
   <p:notesMasterIdLst>
-    <p:notesMasterId r:id="rId4"/>
+    <p:notesMasterId r:id="rId8"/>
   </p:notesMasterIdLst>
   <p:handoutMasterIdLst>
-    <p:handoutMasterId r:id="rId5"/>
+    <p:handoutMasterId r:id="rId9"/>
   </p:handoutMasterIdLst>
   <p:sldIdLst>
     <p:sldId id="256" r:id="rId2"/>
-    <p:sldId id="257" r:id="rId3"/>
+    <p:sldId id="259" r:id="rId3"/>
+    <p:sldId id="264" r:id="rId4"/>
+    <p:sldId id="265" r:id="rId5"/>
+    <p:sldId id="266" r:id="rId6"/>
+    <p:sldId id="267" r:id="rId7"/>
   </p:sldIdLst>
   <p:sldSz cx="12192000" cy="6858000"/>
   <p:notesSz cx="9601200" cy="7315200"/>
@@ -2838,109 +2842,6 @@
               <a:rPr lang="en-US" altLang="en-US" dirty="0"/>
               <a:t>Fifth Level</a:t>
             </a:r>
-          </a:p>
-        </p:txBody>
-      </p:sp>
-      <p:sp>
-        <p:nvSpPr>
-          <p:cNvPr id="1028" name="Rectangle 4"/>
-          <p:cNvSpPr>
-            <a:spLocks noChangeArrowheads="1"/>
-          </p:cNvSpPr>
-          <p:nvPr userDrawn="1"/>
-        </p:nvSpPr>
-        <p:spPr bwMode="auto">
-          <a:xfrm>
-            <a:off x="10761661" y="6551613"/>
-            <a:ext cx="987431" cy="305202"/>
-          </a:xfrm>
-          <a:prstGeom prst="rect">
-            <a:avLst/>
-          </a:prstGeom>
-          <a:noFill/>
-          <a:ln>
-            <a:noFill/>
-          </a:ln>
-          <a:effectLst/>
-          <a:extLst>
-            <a:ext uri="{909E8E84-426E-40dd-AFC4-6F175D3DCCD1}">
-              <a14:hiddenFill xmlns="" xmlns:a14="http://schemas.microsoft.com/office/drawing/2010/main">
-                <a:solidFill>
-                  <a:schemeClr val="bg1"/>
-                </a:solidFill>
-              </a14:hiddenFill>
-            </a:ext>
-            <a:ext uri="{91240B29-F687-4f45-9708-019B960494DF}">
-              <a14:hiddenLine xmlns="" xmlns:a14="http://schemas.microsoft.com/office/drawing/2010/main" w="12700">
-                <a:pattFill prst="narHorz">
-                  <a:fgClr>
-                    <a:schemeClr val="tx1"/>
-                  </a:fgClr>
-                  <a:bgClr>
-                    <a:schemeClr val="bg1"/>
-                  </a:bgClr>
-                </a:pattFill>
-                <a:miter lim="800000"/>
-                <a:headEnd/>
-                <a:tailEnd/>
-              </a14:hiddenLine>
-            </a:ext>
-            <a:ext uri="{AF507438-7753-43e0-B8FC-AC1667EBCBE1}">
-              <a14:hiddenEffects xmlns="" xmlns:a14="http://schemas.microsoft.com/office/drawing/2010/main">
-                <a:effectLst>
-                  <a:outerShdw dist="35921" dir="2700000" algn="ctr" rotWithShape="0">
-                    <a:schemeClr val="bg2"/>
-                  </a:outerShdw>
-                </a:effectLst>
-              </a14:hiddenEffects>
-            </a:ext>
-          </a:extLst>
-        </p:spPr>
-        <p:txBody>
-          <a:bodyPr wrap="none" lIns="90478" tIns="44445" rIns="90478" bIns="44445">
-            <a:spAutoFit/>
-          </a:bodyPr>
-          <a:lstStyle/>
-          <a:p>
-            <a:pPr algn="ctr"/>
-            <a:r>
-              <a:rPr lang="en-US" sz="1400" b="0" dirty="0" err="1">
-                <a:solidFill>
-                  <a:srgbClr val="2A40E2"/>
-                </a:solidFill>
-                <a:latin typeface="Gill Sans" charset="0"/>
-                <a:cs typeface="Gill Sans" charset="0"/>
-              </a:rPr>
-              <a:t>Lec</a:t>
-            </a:r>
-            <a:r>
-              <a:rPr lang="en-US" sz="1400" b="0" dirty="0">
-                <a:solidFill>
-                  <a:srgbClr val="2A40E2"/>
-                </a:solidFill>
-                <a:latin typeface="Gill Sans" charset="0"/>
-                <a:cs typeface="Gill Sans" charset="0"/>
-              </a:rPr>
-              <a:t> 16.</a:t>
-            </a:r>
-            <a:fld id="{8B82DB86-37F9-954E-8F10-00623E1FD261}" type="slidenum">
-              <a:rPr lang="en-US" sz="1400" b="0" smtClean="0">
-                <a:solidFill>
-                  <a:srgbClr val="2A40E2"/>
-                </a:solidFill>
-                <a:latin typeface="Gill Sans" charset="0"/>
-                <a:cs typeface="Gill Sans" charset="0"/>
-              </a:rPr>
-              <a:pPr algn="ctr"/>
-              <a:t>‹#›</a:t>
-            </a:fld>
-            <a:endParaRPr lang="en-US" sz="1400" b="0" dirty="0">
-              <a:solidFill>
-                <a:srgbClr val="2A40E2"/>
-              </a:solidFill>
-              <a:latin typeface="Gill Sans" charset="0"/>
-              <a:cs typeface="Gill Sans" charset="0"/>
-            </a:endParaRPr>
           </a:p>
         </p:txBody>
       </p:sp>
@@ -3627,7 +3528,7 @@
           <p:cNvPr id="2" name="Title 1">
             <a:extLst>
               <a:ext uri="{FF2B5EF4-FFF2-40B4-BE49-F238E27FC236}">
-                <a16:creationId xmlns:a16="http://schemas.microsoft.com/office/drawing/2014/main" id="{D52D86A3-046F-2ED0-4FFB-7A03C2E396E2}"/>
+                <a16:creationId xmlns:a16="http://schemas.microsoft.com/office/drawing/2014/main" id="{C415D49D-FD1D-03A0-4976-150DE0E00819}"/>
               </a:ext>
             </a:extLst>
           </p:cNvPr>
@@ -3643,7 +3544,11 @@
           <a:bodyPr/>
           <a:lstStyle/>
           <a:p>
-            <a:endParaRPr lang="en-SE"/>
+            <a:r>
+              <a:rPr lang="en-GB" dirty="0"/>
+              <a:t>Q1. Page Replacement</a:t>
+            </a:r>
+            <a:endParaRPr lang="en-SE" dirty="0"/>
           </a:p>
         </p:txBody>
       </p:sp>
@@ -3652,7 +3557,3464 @@
           <p:cNvPr id="3" name="Content Placeholder 2">
             <a:extLst>
               <a:ext uri="{FF2B5EF4-FFF2-40B4-BE49-F238E27FC236}">
-                <a16:creationId xmlns:a16="http://schemas.microsoft.com/office/drawing/2014/main" id="{AF1A4F0A-BD73-DC4C-A501-F81B91C51A1D}"/>
+                <a16:creationId xmlns:a16="http://schemas.microsoft.com/office/drawing/2014/main" id="{5181164F-8575-3C32-C1AE-295EDC1C3177}"/>
+              </a:ext>
+            </a:extLst>
+          </p:cNvPr>
+          <p:cNvSpPr>
+            <a:spLocks noGrp="1"/>
+          </p:cNvSpPr>
+          <p:nvPr>
+            <p:ph idx="1"/>
+          </p:nvPr>
+        </p:nvSpPr>
+        <p:spPr>
+          <a:xfrm>
+            <a:off x="812800" y="914400"/>
+            <a:ext cx="10566400" cy="2225040"/>
+          </a:xfrm>
+        </p:spPr>
+        <p:txBody>
+          <a:bodyPr>
+            <a:normAutofit/>
+          </a:bodyPr>
+          <a:lstStyle/>
+          <a:p>
+            <a:r>
+              <a:rPr lang="en-GB" dirty="0"/>
+              <a:t>Consider cache size of 3 frames, and following reference stream of virtual pages: </a:t>
+            </a:r>
+          </a:p>
+          <a:p>
+            <a:pPr lvl="1"/>
+            <a:r>
+              <a:rPr lang="en-GB" dirty="0"/>
+              <a:t>5, 3, 5, 1, 2, 5, 4, 6, 1</a:t>
+            </a:r>
+          </a:p>
+          <a:p>
+            <a:r>
+              <a:rPr lang="fr-FR" dirty="0"/>
+              <a:t>Fill in the table for FIFO, LRU, and OPT page replacement </a:t>
+            </a:r>
+            <a:r>
+              <a:rPr lang="fr-FR" dirty="0" err="1"/>
+              <a:t>algorithms</a:t>
+            </a:r>
+            <a:r>
+              <a:rPr lang="fr-FR" dirty="0"/>
+              <a:t>, and </a:t>
+            </a:r>
+            <a:r>
+              <a:rPr lang="fr-FR" dirty="0" err="1"/>
+              <a:t>give</a:t>
+            </a:r>
+            <a:r>
+              <a:rPr lang="fr-FR" dirty="0"/>
+              <a:t> the </a:t>
+            </a:r>
+            <a:r>
+              <a:rPr lang="fr-FR" dirty="0" err="1"/>
+              <a:t>number</a:t>
+            </a:r>
+            <a:r>
+              <a:rPr lang="fr-FR" dirty="0"/>
+              <a:t> of page </a:t>
+            </a:r>
+            <a:r>
+              <a:rPr lang="fr-FR" dirty="0" err="1"/>
+              <a:t>faults</a:t>
+            </a:r>
+            <a:r>
+              <a:rPr lang="fr-FR" dirty="0"/>
+              <a:t> for </a:t>
+            </a:r>
+            <a:r>
+              <a:rPr lang="fr-FR" dirty="0" err="1"/>
+              <a:t>each</a:t>
+            </a:r>
+            <a:r>
+              <a:rPr lang="fr-FR" dirty="0"/>
+              <a:t> </a:t>
+            </a:r>
+            <a:r>
+              <a:rPr lang="fr-FR" dirty="0" err="1"/>
+              <a:t>algorithm</a:t>
+            </a:r>
+            <a:r>
+              <a:rPr lang="fr-FR" dirty="0"/>
+              <a:t>.</a:t>
+            </a:r>
+            <a:endParaRPr lang="en-GB" dirty="0"/>
+          </a:p>
+        </p:txBody>
+      </p:sp>
+      <p:graphicFrame>
+        <p:nvGraphicFramePr>
+          <p:cNvPr id="7" name="Table 6">
+            <a:extLst>
+              <a:ext uri="{FF2B5EF4-FFF2-40B4-BE49-F238E27FC236}">
+                <a16:creationId xmlns:a16="http://schemas.microsoft.com/office/drawing/2014/main" id="{AFCFD5E8-ADCB-ECA5-E825-F717913A39F0}"/>
+              </a:ext>
+            </a:extLst>
+          </p:cNvPr>
+          <p:cNvGraphicFramePr>
+            <a:graphicFrameLocks noGrp="1"/>
+          </p:cNvGraphicFramePr>
+          <p:nvPr>
+            <p:extLst>
+              <p:ext uri="{D42A27DB-BD31-4B8C-83A1-F6EECF244321}">
+                <p14:modId xmlns:p14="http://schemas.microsoft.com/office/powerpoint/2010/main" val="2281207263"/>
+              </p:ext>
+            </p:extLst>
+          </p:nvPr>
+        </p:nvGraphicFramePr>
+        <p:xfrm>
+          <a:off x="1905000" y="3139440"/>
+          <a:ext cx="8127999" cy="1483360"/>
+        </p:xfrm>
+        <a:graphic>
+          <a:graphicData uri="http://schemas.openxmlformats.org/drawingml/2006/table">
+            <a:tbl>
+              <a:tblPr firstRow="1" bandRow="1">
+                <a:tableStyleId>{5940675A-B579-460E-94D1-54222C63F5DA}</a:tableStyleId>
+              </a:tblPr>
+              <a:tblGrid>
+                <a:gridCol w="1371600">
+                  <a:extLst>
+                    <a:ext uri="{9D8B030D-6E8A-4147-A177-3AD203B41FA5}">
+                      <a16:colId xmlns:a16="http://schemas.microsoft.com/office/drawing/2014/main" val="932050914"/>
+                    </a:ext>
+                  </a:extLst>
+                </a:gridCol>
+                <a:gridCol w="750711">
+                  <a:extLst>
+                    <a:ext uri="{9D8B030D-6E8A-4147-A177-3AD203B41FA5}">
+                      <a16:colId xmlns:a16="http://schemas.microsoft.com/office/drawing/2014/main" val="3868456712"/>
+                    </a:ext>
+                  </a:extLst>
+                </a:gridCol>
+                <a:gridCol w="750711">
+                  <a:extLst>
+                    <a:ext uri="{9D8B030D-6E8A-4147-A177-3AD203B41FA5}">
+                      <a16:colId xmlns:a16="http://schemas.microsoft.com/office/drawing/2014/main" val="3880331426"/>
+                    </a:ext>
+                  </a:extLst>
+                </a:gridCol>
+                <a:gridCol w="750711">
+                  <a:extLst>
+                    <a:ext uri="{9D8B030D-6E8A-4147-A177-3AD203B41FA5}">
+                      <a16:colId xmlns:a16="http://schemas.microsoft.com/office/drawing/2014/main" val="1247111991"/>
+                    </a:ext>
+                  </a:extLst>
+                </a:gridCol>
+                <a:gridCol w="750711">
+                  <a:extLst>
+                    <a:ext uri="{9D8B030D-6E8A-4147-A177-3AD203B41FA5}">
+                      <a16:colId xmlns:a16="http://schemas.microsoft.com/office/drawing/2014/main" val="2060846370"/>
+                    </a:ext>
+                  </a:extLst>
+                </a:gridCol>
+                <a:gridCol w="750711">
+                  <a:extLst>
+                    <a:ext uri="{9D8B030D-6E8A-4147-A177-3AD203B41FA5}">
+                      <a16:colId xmlns:a16="http://schemas.microsoft.com/office/drawing/2014/main" val="2109822307"/>
+                    </a:ext>
+                  </a:extLst>
+                </a:gridCol>
+                <a:gridCol w="750711">
+                  <a:extLst>
+                    <a:ext uri="{9D8B030D-6E8A-4147-A177-3AD203B41FA5}">
+                      <a16:colId xmlns:a16="http://schemas.microsoft.com/office/drawing/2014/main" val="3424463367"/>
+                    </a:ext>
+                  </a:extLst>
+                </a:gridCol>
+                <a:gridCol w="750711">
+                  <a:extLst>
+                    <a:ext uri="{9D8B030D-6E8A-4147-A177-3AD203B41FA5}">
+                      <a16:colId xmlns:a16="http://schemas.microsoft.com/office/drawing/2014/main" val="3481469953"/>
+                    </a:ext>
+                  </a:extLst>
+                </a:gridCol>
+                <a:gridCol w="750711">
+                  <a:extLst>
+                    <a:ext uri="{9D8B030D-6E8A-4147-A177-3AD203B41FA5}">
+                      <a16:colId xmlns:a16="http://schemas.microsoft.com/office/drawing/2014/main" val="1650596626"/>
+                    </a:ext>
+                  </a:extLst>
+                </a:gridCol>
+                <a:gridCol w="750711">
+                  <a:extLst>
+                    <a:ext uri="{9D8B030D-6E8A-4147-A177-3AD203B41FA5}">
+                      <a16:colId xmlns:a16="http://schemas.microsoft.com/office/drawing/2014/main" val="1007141654"/>
+                    </a:ext>
+                  </a:extLst>
+                </a:gridCol>
+              </a:tblGrid>
+              <a:tr h="370840">
+                <a:tc>
+                  <a:txBody>
+                    <a:bodyPr/>
+                    <a:lstStyle/>
+                    <a:p>
+                      <a:pPr algn="ctr"/>
+                      <a:r>
+                        <a:rPr lang="en-US" dirty="0"/>
+                        <a:t>Ref</a:t>
+                      </a:r>
+                      <a:endParaRPr lang="en-SE" dirty="0"/>
+                    </a:p>
+                  </a:txBody>
+                  <a:tcPr/>
+                </a:tc>
+                <a:tc>
+                  <a:txBody>
+                    <a:bodyPr/>
+                    <a:lstStyle/>
+                    <a:p>
+                      <a:pPr algn="ctr"/>
+                      <a:r>
+                        <a:rPr lang="en-GB" dirty="0"/>
+                        <a:t>5</a:t>
+                      </a:r>
+                      <a:endParaRPr lang="en-SE" dirty="0"/>
+                    </a:p>
+                  </a:txBody>
+                  <a:tcPr/>
+                </a:tc>
+                <a:tc>
+                  <a:txBody>
+                    <a:bodyPr/>
+                    <a:lstStyle/>
+                    <a:p>
+                      <a:pPr algn="ctr"/>
+                      <a:r>
+                        <a:rPr lang="en-GB" dirty="0"/>
+                        <a:t>3</a:t>
+                      </a:r>
+                      <a:endParaRPr lang="en-SE" dirty="0"/>
+                    </a:p>
+                  </a:txBody>
+                  <a:tcPr/>
+                </a:tc>
+                <a:tc>
+                  <a:txBody>
+                    <a:bodyPr/>
+                    <a:lstStyle/>
+                    <a:p>
+                      <a:pPr algn="ctr"/>
+                      <a:r>
+                        <a:rPr lang="en-GB" dirty="0"/>
+                        <a:t>5</a:t>
+                      </a:r>
+                      <a:endParaRPr lang="en-SE" dirty="0"/>
+                    </a:p>
+                  </a:txBody>
+                  <a:tcPr/>
+                </a:tc>
+                <a:tc>
+                  <a:txBody>
+                    <a:bodyPr/>
+                    <a:lstStyle/>
+                    <a:p>
+                      <a:pPr algn="ctr"/>
+                      <a:r>
+                        <a:rPr lang="en-GB" dirty="0"/>
+                        <a:t>1</a:t>
+                      </a:r>
+                      <a:endParaRPr lang="en-SE" dirty="0"/>
+                    </a:p>
+                  </a:txBody>
+                  <a:tcPr/>
+                </a:tc>
+                <a:tc>
+                  <a:txBody>
+                    <a:bodyPr/>
+                    <a:lstStyle/>
+                    <a:p>
+                      <a:pPr algn="ctr"/>
+                      <a:r>
+                        <a:rPr lang="en-GB" dirty="0"/>
+                        <a:t>2</a:t>
+                      </a:r>
+                      <a:endParaRPr lang="en-SE" dirty="0"/>
+                    </a:p>
+                  </a:txBody>
+                  <a:tcPr/>
+                </a:tc>
+                <a:tc>
+                  <a:txBody>
+                    <a:bodyPr/>
+                    <a:lstStyle/>
+                    <a:p>
+                      <a:pPr algn="ctr"/>
+                      <a:r>
+                        <a:rPr lang="en-GB" dirty="0"/>
+                        <a:t>5</a:t>
+                      </a:r>
+                      <a:endParaRPr lang="en-SE" dirty="0"/>
+                    </a:p>
+                  </a:txBody>
+                  <a:tcPr/>
+                </a:tc>
+                <a:tc>
+                  <a:txBody>
+                    <a:bodyPr/>
+                    <a:lstStyle/>
+                    <a:p>
+                      <a:pPr algn="ctr"/>
+                      <a:r>
+                        <a:rPr lang="en-GB" dirty="0"/>
+                        <a:t>4</a:t>
+                      </a:r>
+                      <a:endParaRPr lang="en-SE" dirty="0"/>
+                    </a:p>
+                  </a:txBody>
+                  <a:tcPr/>
+                </a:tc>
+                <a:tc>
+                  <a:txBody>
+                    <a:bodyPr/>
+                    <a:lstStyle/>
+                    <a:p>
+                      <a:pPr algn="ctr"/>
+                      <a:r>
+                        <a:rPr lang="en-GB" dirty="0"/>
+                        <a:t>6</a:t>
+                      </a:r>
+                      <a:endParaRPr lang="en-SE" dirty="0"/>
+                    </a:p>
+                  </a:txBody>
+                  <a:tcPr/>
+                </a:tc>
+                <a:tc>
+                  <a:txBody>
+                    <a:bodyPr/>
+                    <a:lstStyle/>
+                    <a:p>
+                      <a:pPr algn="ctr"/>
+                      <a:r>
+                        <a:rPr lang="en-GB" dirty="0"/>
+                        <a:t>1</a:t>
+                      </a:r>
+                      <a:endParaRPr lang="en-SE" dirty="0"/>
+                    </a:p>
+                  </a:txBody>
+                  <a:tcPr/>
+                </a:tc>
+                <a:extLst>
+                  <a:ext uri="{0D108BD9-81ED-4DB2-BD59-A6C34878D82A}">
+                    <a16:rowId xmlns:a16="http://schemas.microsoft.com/office/drawing/2014/main" val="1743856369"/>
+                  </a:ext>
+                </a:extLst>
+              </a:tr>
+              <a:tr h="370840">
+                <a:tc>
+                  <a:txBody>
+                    <a:bodyPr/>
+                    <a:lstStyle/>
+                    <a:p>
+                      <a:pPr algn="ctr"/>
+                      <a:r>
+                        <a:rPr lang="en-GB" dirty="0"/>
+                        <a:t>F1</a:t>
+                      </a:r>
+                      <a:endParaRPr lang="en-SE" dirty="0"/>
+                    </a:p>
+                  </a:txBody>
+                  <a:tcPr/>
+                </a:tc>
+                <a:tc>
+                  <a:txBody>
+                    <a:bodyPr/>
+                    <a:lstStyle/>
+                    <a:p>
+                      <a:pPr algn="ctr"/>
+                      <a:endParaRPr lang="en-SE" dirty="0"/>
+                    </a:p>
+                  </a:txBody>
+                  <a:tcPr/>
+                </a:tc>
+                <a:tc>
+                  <a:txBody>
+                    <a:bodyPr/>
+                    <a:lstStyle/>
+                    <a:p>
+                      <a:pPr algn="ctr"/>
+                      <a:endParaRPr lang="en-SE" dirty="0"/>
+                    </a:p>
+                  </a:txBody>
+                  <a:tcPr/>
+                </a:tc>
+                <a:tc>
+                  <a:txBody>
+                    <a:bodyPr/>
+                    <a:lstStyle/>
+                    <a:p>
+                      <a:pPr algn="ctr"/>
+                      <a:endParaRPr lang="en-SE" dirty="0"/>
+                    </a:p>
+                  </a:txBody>
+                  <a:tcPr/>
+                </a:tc>
+                <a:tc>
+                  <a:txBody>
+                    <a:bodyPr/>
+                    <a:lstStyle/>
+                    <a:p>
+                      <a:pPr algn="ctr"/>
+                      <a:endParaRPr lang="en-SE" dirty="0"/>
+                    </a:p>
+                  </a:txBody>
+                  <a:tcPr/>
+                </a:tc>
+                <a:tc>
+                  <a:txBody>
+                    <a:bodyPr/>
+                    <a:lstStyle/>
+                    <a:p>
+                      <a:pPr algn="ctr"/>
+                      <a:endParaRPr lang="en-SE" dirty="0"/>
+                    </a:p>
+                  </a:txBody>
+                  <a:tcPr/>
+                </a:tc>
+                <a:tc>
+                  <a:txBody>
+                    <a:bodyPr/>
+                    <a:lstStyle/>
+                    <a:p>
+                      <a:pPr algn="ctr"/>
+                      <a:endParaRPr lang="en-SE" dirty="0"/>
+                    </a:p>
+                  </a:txBody>
+                  <a:tcPr/>
+                </a:tc>
+                <a:tc>
+                  <a:txBody>
+                    <a:bodyPr/>
+                    <a:lstStyle/>
+                    <a:p>
+                      <a:pPr algn="ctr"/>
+                      <a:endParaRPr lang="en-SE" dirty="0"/>
+                    </a:p>
+                  </a:txBody>
+                  <a:tcPr/>
+                </a:tc>
+                <a:tc>
+                  <a:txBody>
+                    <a:bodyPr/>
+                    <a:lstStyle/>
+                    <a:p>
+                      <a:pPr algn="ctr"/>
+                      <a:endParaRPr lang="en-SE" dirty="0"/>
+                    </a:p>
+                  </a:txBody>
+                  <a:tcPr/>
+                </a:tc>
+                <a:tc>
+                  <a:txBody>
+                    <a:bodyPr/>
+                    <a:lstStyle/>
+                    <a:p>
+                      <a:pPr algn="ctr"/>
+                      <a:endParaRPr lang="en-SE" dirty="0"/>
+                    </a:p>
+                  </a:txBody>
+                  <a:tcPr/>
+                </a:tc>
+                <a:extLst>
+                  <a:ext uri="{0D108BD9-81ED-4DB2-BD59-A6C34878D82A}">
+                    <a16:rowId xmlns:a16="http://schemas.microsoft.com/office/drawing/2014/main" val="3815391198"/>
+                  </a:ext>
+                </a:extLst>
+              </a:tr>
+              <a:tr h="370840">
+                <a:tc>
+                  <a:txBody>
+                    <a:bodyPr/>
+                    <a:lstStyle/>
+                    <a:p>
+                      <a:pPr marL="0" marR="0" lvl="0" indent="0" algn="ctr" defTabSz="914400" rtl="0" eaLnBrk="1" fontAlgn="auto" latinLnBrk="0" hangingPunct="1">
+                        <a:lnSpc>
+                          <a:spcPct val="100000"/>
+                        </a:lnSpc>
+                        <a:spcBef>
+                          <a:spcPts val="0"/>
+                        </a:spcBef>
+                        <a:spcAft>
+                          <a:spcPts val="0"/>
+                        </a:spcAft>
+                        <a:buClrTx/>
+                        <a:buSzTx/>
+                        <a:buFontTx/>
+                        <a:buNone/>
+                        <a:tabLst/>
+                        <a:defRPr/>
+                      </a:pPr>
+                      <a:r>
+                        <a:rPr lang="en-GB" dirty="0"/>
+                        <a:t>F2</a:t>
+                      </a:r>
+                      <a:endParaRPr lang="en-SE" dirty="0"/>
+                    </a:p>
+                  </a:txBody>
+                  <a:tcPr/>
+                </a:tc>
+                <a:tc>
+                  <a:txBody>
+                    <a:bodyPr/>
+                    <a:lstStyle/>
+                    <a:p>
+                      <a:pPr algn="ctr"/>
+                      <a:endParaRPr lang="en-SE" dirty="0"/>
+                    </a:p>
+                  </a:txBody>
+                  <a:tcPr/>
+                </a:tc>
+                <a:tc>
+                  <a:txBody>
+                    <a:bodyPr/>
+                    <a:lstStyle/>
+                    <a:p>
+                      <a:pPr algn="ctr"/>
+                      <a:endParaRPr lang="en-SE" dirty="0"/>
+                    </a:p>
+                  </a:txBody>
+                  <a:tcPr/>
+                </a:tc>
+                <a:tc>
+                  <a:txBody>
+                    <a:bodyPr/>
+                    <a:lstStyle/>
+                    <a:p>
+                      <a:pPr algn="ctr"/>
+                      <a:endParaRPr lang="en-SE" dirty="0"/>
+                    </a:p>
+                  </a:txBody>
+                  <a:tcPr/>
+                </a:tc>
+                <a:tc>
+                  <a:txBody>
+                    <a:bodyPr/>
+                    <a:lstStyle/>
+                    <a:p>
+                      <a:pPr algn="ctr"/>
+                      <a:endParaRPr lang="en-SE" dirty="0"/>
+                    </a:p>
+                  </a:txBody>
+                  <a:tcPr/>
+                </a:tc>
+                <a:tc>
+                  <a:txBody>
+                    <a:bodyPr/>
+                    <a:lstStyle/>
+                    <a:p>
+                      <a:pPr algn="ctr"/>
+                      <a:endParaRPr lang="en-SE" dirty="0"/>
+                    </a:p>
+                  </a:txBody>
+                  <a:tcPr/>
+                </a:tc>
+                <a:tc>
+                  <a:txBody>
+                    <a:bodyPr/>
+                    <a:lstStyle/>
+                    <a:p>
+                      <a:pPr algn="ctr"/>
+                      <a:endParaRPr lang="en-SE" dirty="0"/>
+                    </a:p>
+                  </a:txBody>
+                  <a:tcPr/>
+                </a:tc>
+                <a:tc>
+                  <a:txBody>
+                    <a:bodyPr/>
+                    <a:lstStyle/>
+                    <a:p>
+                      <a:pPr algn="ctr"/>
+                      <a:endParaRPr lang="en-SE" dirty="0"/>
+                    </a:p>
+                  </a:txBody>
+                  <a:tcPr/>
+                </a:tc>
+                <a:tc>
+                  <a:txBody>
+                    <a:bodyPr/>
+                    <a:lstStyle/>
+                    <a:p>
+                      <a:pPr algn="ctr"/>
+                      <a:endParaRPr lang="en-SE" dirty="0"/>
+                    </a:p>
+                  </a:txBody>
+                  <a:tcPr/>
+                </a:tc>
+                <a:tc>
+                  <a:txBody>
+                    <a:bodyPr/>
+                    <a:lstStyle/>
+                    <a:p>
+                      <a:pPr algn="ctr"/>
+                      <a:endParaRPr lang="en-SE" dirty="0"/>
+                    </a:p>
+                  </a:txBody>
+                  <a:tcPr/>
+                </a:tc>
+                <a:extLst>
+                  <a:ext uri="{0D108BD9-81ED-4DB2-BD59-A6C34878D82A}">
+                    <a16:rowId xmlns:a16="http://schemas.microsoft.com/office/drawing/2014/main" val="2062456169"/>
+                  </a:ext>
+                </a:extLst>
+              </a:tr>
+              <a:tr h="370840">
+                <a:tc>
+                  <a:txBody>
+                    <a:bodyPr/>
+                    <a:lstStyle/>
+                    <a:p>
+                      <a:pPr marL="0" marR="0" lvl="0" indent="0" algn="ctr" defTabSz="914400" rtl="0" eaLnBrk="1" fontAlgn="auto" latinLnBrk="0" hangingPunct="1">
+                        <a:lnSpc>
+                          <a:spcPct val="100000"/>
+                        </a:lnSpc>
+                        <a:spcBef>
+                          <a:spcPts val="0"/>
+                        </a:spcBef>
+                        <a:spcAft>
+                          <a:spcPts val="0"/>
+                        </a:spcAft>
+                        <a:buClrTx/>
+                        <a:buSzTx/>
+                        <a:buFontTx/>
+                        <a:buNone/>
+                        <a:tabLst/>
+                        <a:defRPr/>
+                      </a:pPr>
+                      <a:r>
+                        <a:rPr lang="en-GB" dirty="0"/>
+                        <a:t>F3</a:t>
+                      </a:r>
+                      <a:endParaRPr lang="en-SE" dirty="0"/>
+                    </a:p>
+                  </a:txBody>
+                  <a:tcPr/>
+                </a:tc>
+                <a:tc>
+                  <a:txBody>
+                    <a:bodyPr/>
+                    <a:lstStyle/>
+                    <a:p>
+                      <a:pPr algn="ctr"/>
+                      <a:endParaRPr lang="en-SE"/>
+                    </a:p>
+                  </a:txBody>
+                  <a:tcPr/>
+                </a:tc>
+                <a:tc>
+                  <a:txBody>
+                    <a:bodyPr/>
+                    <a:lstStyle/>
+                    <a:p>
+                      <a:pPr algn="ctr"/>
+                      <a:endParaRPr lang="en-SE"/>
+                    </a:p>
+                  </a:txBody>
+                  <a:tcPr/>
+                </a:tc>
+                <a:tc>
+                  <a:txBody>
+                    <a:bodyPr/>
+                    <a:lstStyle/>
+                    <a:p>
+                      <a:pPr algn="ctr"/>
+                      <a:endParaRPr lang="en-SE" dirty="0"/>
+                    </a:p>
+                  </a:txBody>
+                  <a:tcPr/>
+                </a:tc>
+                <a:tc>
+                  <a:txBody>
+                    <a:bodyPr/>
+                    <a:lstStyle/>
+                    <a:p>
+                      <a:pPr algn="ctr"/>
+                      <a:endParaRPr lang="en-SE" dirty="0"/>
+                    </a:p>
+                  </a:txBody>
+                  <a:tcPr/>
+                </a:tc>
+                <a:tc>
+                  <a:txBody>
+                    <a:bodyPr/>
+                    <a:lstStyle/>
+                    <a:p>
+                      <a:pPr algn="ctr"/>
+                      <a:endParaRPr lang="en-SE" dirty="0"/>
+                    </a:p>
+                  </a:txBody>
+                  <a:tcPr/>
+                </a:tc>
+                <a:tc>
+                  <a:txBody>
+                    <a:bodyPr/>
+                    <a:lstStyle/>
+                    <a:p>
+                      <a:pPr algn="ctr"/>
+                      <a:endParaRPr lang="en-SE" dirty="0"/>
+                    </a:p>
+                  </a:txBody>
+                  <a:tcPr/>
+                </a:tc>
+                <a:tc>
+                  <a:txBody>
+                    <a:bodyPr/>
+                    <a:lstStyle/>
+                    <a:p>
+                      <a:pPr algn="ctr"/>
+                      <a:endParaRPr lang="en-SE" dirty="0"/>
+                    </a:p>
+                  </a:txBody>
+                  <a:tcPr/>
+                </a:tc>
+                <a:tc>
+                  <a:txBody>
+                    <a:bodyPr/>
+                    <a:lstStyle/>
+                    <a:p>
+                      <a:pPr algn="ctr"/>
+                      <a:endParaRPr lang="en-SE" dirty="0"/>
+                    </a:p>
+                  </a:txBody>
+                  <a:tcPr/>
+                </a:tc>
+                <a:tc>
+                  <a:txBody>
+                    <a:bodyPr/>
+                    <a:lstStyle/>
+                    <a:p>
+                      <a:pPr algn="ctr"/>
+                      <a:endParaRPr lang="en-SE" dirty="0"/>
+                    </a:p>
+                  </a:txBody>
+                  <a:tcPr/>
+                </a:tc>
+                <a:extLst>
+                  <a:ext uri="{0D108BD9-81ED-4DB2-BD59-A6C34878D82A}">
+                    <a16:rowId xmlns:a16="http://schemas.microsoft.com/office/drawing/2014/main" val="2750492530"/>
+                  </a:ext>
+                </a:extLst>
+              </a:tr>
+            </a:tbl>
+          </a:graphicData>
+        </a:graphic>
+      </p:graphicFrame>
+    </p:spTree>
+    <p:extLst>
+      <p:ext uri="{BB962C8B-B14F-4D97-AF65-F5344CB8AC3E}">
+        <p14:creationId xmlns:p14="http://schemas.microsoft.com/office/powerpoint/2010/main" val="4196026125"/>
+      </p:ext>
+    </p:extLst>
+  </p:cSld>
+  <p:clrMapOvr>
+    <a:masterClrMapping/>
+  </p:clrMapOvr>
+  <p:transition/>
+</p:sld>
+</file>
+
+<file path=ppt/slides/slide3.xml><?xml version="1.0" encoding="utf-8"?>
+<p:sld xmlns:a="http://schemas.openxmlformats.org/drawingml/2006/main" xmlns:r="http://schemas.openxmlformats.org/officeDocument/2006/relationships" xmlns:p="http://schemas.openxmlformats.org/presentationml/2006/main">
+  <p:cSld>
+    <p:spTree>
+      <p:nvGrpSpPr>
+        <p:cNvPr id="1" name=""/>
+        <p:cNvGrpSpPr/>
+        <p:nvPr/>
+      </p:nvGrpSpPr>
+      <p:grpSpPr>
+        <a:xfrm>
+          <a:off x="0" y="0"/>
+          <a:ext cx="0" cy="0"/>
+          <a:chOff x="0" y="0"/>
+          <a:chExt cx="0" cy="0"/>
+        </a:xfrm>
+      </p:grpSpPr>
+      <p:sp>
+        <p:nvSpPr>
+          <p:cNvPr id="2" name="Title 1">
+            <a:extLst>
+              <a:ext uri="{FF2B5EF4-FFF2-40B4-BE49-F238E27FC236}">
+                <a16:creationId xmlns:a16="http://schemas.microsoft.com/office/drawing/2014/main" id="{7E149139-1EB2-A436-42BD-F72109983BA9}"/>
+              </a:ext>
+            </a:extLst>
+          </p:cNvPr>
+          <p:cNvSpPr>
+            <a:spLocks noGrp="1"/>
+          </p:cNvSpPr>
+          <p:nvPr>
+            <p:ph type="title"/>
+          </p:nvPr>
+        </p:nvSpPr>
+        <p:spPr/>
+        <p:txBody>
+          <a:bodyPr/>
+          <a:lstStyle/>
+          <a:p>
+            <a:r>
+              <a:rPr lang="en-GB" dirty="0"/>
+              <a:t>Q1. Page Replacement ANS</a:t>
+            </a:r>
+            <a:endParaRPr lang="en-SE" dirty="0"/>
+          </a:p>
+        </p:txBody>
+      </p:sp>
+      <p:graphicFrame>
+        <p:nvGraphicFramePr>
+          <p:cNvPr id="8" name="Table 7">
+            <a:extLst>
+              <a:ext uri="{FF2B5EF4-FFF2-40B4-BE49-F238E27FC236}">
+                <a16:creationId xmlns:a16="http://schemas.microsoft.com/office/drawing/2014/main" id="{CBE14573-421E-3979-AF1F-1054CEA15E02}"/>
+              </a:ext>
+            </a:extLst>
+          </p:cNvPr>
+          <p:cNvGraphicFramePr>
+            <a:graphicFrameLocks noGrp="1"/>
+          </p:cNvGraphicFramePr>
+          <p:nvPr>
+            <p:extLst>
+              <p:ext uri="{D42A27DB-BD31-4B8C-83A1-F6EECF244321}">
+                <p14:modId xmlns:p14="http://schemas.microsoft.com/office/powerpoint/2010/main" val="199452399"/>
+              </p:ext>
+            </p:extLst>
+          </p:nvPr>
+        </p:nvGraphicFramePr>
+        <p:xfrm>
+          <a:off x="1820780" y="2562833"/>
+          <a:ext cx="8127999" cy="1478280"/>
+        </p:xfrm>
+        <a:graphic>
+          <a:graphicData uri="http://schemas.openxmlformats.org/drawingml/2006/table">
+            <a:tbl>
+              <a:tblPr firstRow="1" bandRow="1">
+                <a:tableStyleId>{5940675A-B579-460E-94D1-54222C63F5DA}</a:tableStyleId>
+              </a:tblPr>
+              <a:tblGrid>
+                <a:gridCol w="1371600">
+                  <a:extLst>
+                    <a:ext uri="{9D8B030D-6E8A-4147-A177-3AD203B41FA5}">
+                      <a16:colId xmlns:a16="http://schemas.microsoft.com/office/drawing/2014/main" val="932050914"/>
+                    </a:ext>
+                  </a:extLst>
+                </a:gridCol>
+                <a:gridCol w="750711">
+                  <a:extLst>
+                    <a:ext uri="{9D8B030D-6E8A-4147-A177-3AD203B41FA5}">
+                      <a16:colId xmlns:a16="http://schemas.microsoft.com/office/drawing/2014/main" val="3868456712"/>
+                    </a:ext>
+                  </a:extLst>
+                </a:gridCol>
+                <a:gridCol w="750711">
+                  <a:extLst>
+                    <a:ext uri="{9D8B030D-6E8A-4147-A177-3AD203B41FA5}">
+                      <a16:colId xmlns:a16="http://schemas.microsoft.com/office/drawing/2014/main" val="3880331426"/>
+                    </a:ext>
+                  </a:extLst>
+                </a:gridCol>
+                <a:gridCol w="750711">
+                  <a:extLst>
+                    <a:ext uri="{9D8B030D-6E8A-4147-A177-3AD203B41FA5}">
+                      <a16:colId xmlns:a16="http://schemas.microsoft.com/office/drawing/2014/main" val="1247111991"/>
+                    </a:ext>
+                  </a:extLst>
+                </a:gridCol>
+                <a:gridCol w="750711">
+                  <a:extLst>
+                    <a:ext uri="{9D8B030D-6E8A-4147-A177-3AD203B41FA5}">
+                      <a16:colId xmlns:a16="http://schemas.microsoft.com/office/drawing/2014/main" val="2060846370"/>
+                    </a:ext>
+                  </a:extLst>
+                </a:gridCol>
+                <a:gridCol w="750711">
+                  <a:extLst>
+                    <a:ext uri="{9D8B030D-6E8A-4147-A177-3AD203B41FA5}">
+                      <a16:colId xmlns:a16="http://schemas.microsoft.com/office/drawing/2014/main" val="2109822307"/>
+                    </a:ext>
+                  </a:extLst>
+                </a:gridCol>
+                <a:gridCol w="750711">
+                  <a:extLst>
+                    <a:ext uri="{9D8B030D-6E8A-4147-A177-3AD203B41FA5}">
+                      <a16:colId xmlns:a16="http://schemas.microsoft.com/office/drawing/2014/main" val="3424463367"/>
+                    </a:ext>
+                  </a:extLst>
+                </a:gridCol>
+                <a:gridCol w="750711">
+                  <a:extLst>
+                    <a:ext uri="{9D8B030D-6E8A-4147-A177-3AD203B41FA5}">
+                      <a16:colId xmlns:a16="http://schemas.microsoft.com/office/drawing/2014/main" val="3481469953"/>
+                    </a:ext>
+                  </a:extLst>
+                </a:gridCol>
+                <a:gridCol w="750711">
+                  <a:extLst>
+                    <a:ext uri="{9D8B030D-6E8A-4147-A177-3AD203B41FA5}">
+                      <a16:colId xmlns:a16="http://schemas.microsoft.com/office/drawing/2014/main" val="1650596626"/>
+                    </a:ext>
+                  </a:extLst>
+                </a:gridCol>
+                <a:gridCol w="750711">
+                  <a:extLst>
+                    <a:ext uri="{9D8B030D-6E8A-4147-A177-3AD203B41FA5}">
+                      <a16:colId xmlns:a16="http://schemas.microsoft.com/office/drawing/2014/main" val="1007141654"/>
+                    </a:ext>
+                  </a:extLst>
+                </a:gridCol>
+              </a:tblGrid>
+              <a:tr h="294640">
+                <a:tc>
+                  <a:txBody>
+                    <a:bodyPr/>
+                    <a:lstStyle/>
+                    <a:p>
+                      <a:pPr algn="ctr"/>
+                      <a:r>
+                        <a:rPr lang="en-US" dirty="0"/>
+                        <a:t>Ref</a:t>
+                      </a:r>
+                      <a:endParaRPr lang="en-SE" dirty="0"/>
+                    </a:p>
+                  </a:txBody>
+                  <a:tcPr/>
+                </a:tc>
+                <a:tc>
+                  <a:txBody>
+                    <a:bodyPr/>
+                    <a:lstStyle/>
+                    <a:p>
+                      <a:pPr algn="ctr"/>
+                      <a:r>
+                        <a:rPr lang="en-GB" dirty="0"/>
+                        <a:t>5</a:t>
+                      </a:r>
+                      <a:endParaRPr lang="en-SE" dirty="0"/>
+                    </a:p>
+                  </a:txBody>
+                  <a:tcPr/>
+                </a:tc>
+                <a:tc>
+                  <a:txBody>
+                    <a:bodyPr/>
+                    <a:lstStyle/>
+                    <a:p>
+                      <a:pPr algn="ctr"/>
+                      <a:r>
+                        <a:rPr lang="en-GB" dirty="0"/>
+                        <a:t>3</a:t>
+                      </a:r>
+                      <a:endParaRPr lang="en-SE" dirty="0"/>
+                    </a:p>
+                  </a:txBody>
+                  <a:tcPr/>
+                </a:tc>
+                <a:tc>
+                  <a:txBody>
+                    <a:bodyPr/>
+                    <a:lstStyle/>
+                    <a:p>
+                      <a:pPr algn="ctr"/>
+                      <a:r>
+                        <a:rPr lang="en-GB" dirty="0"/>
+                        <a:t>5</a:t>
+                      </a:r>
+                      <a:endParaRPr lang="en-SE" dirty="0"/>
+                    </a:p>
+                  </a:txBody>
+                  <a:tcPr/>
+                </a:tc>
+                <a:tc>
+                  <a:txBody>
+                    <a:bodyPr/>
+                    <a:lstStyle/>
+                    <a:p>
+                      <a:pPr algn="ctr"/>
+                      <a:r>
+                        <a:rPr lang="en-GB" dirty="0"/>
+                        <a:t>1</a:t>
+                      </a:r>
+                      <a:endParaRPr lang="en-SE" dirty="0"/>
+                    </a:p>
+                  </a:txBody>
+                  <a:tcPr/>
+                </a:tc>
+                <a:tc>
+                  <a:txBody>
+                    <a:bodyPr/>
+                    <a:lstStyle/>
+                    <a:p>
+                      <a:pPr algn="ctr"/>
+                      <a:r>
+                        <a:rPr lang="en-GB" dirty="0"/>
+                        <a:t>2</a:t>
+                      </a:r>
+                      <a:endParaRPr lang="en-SE" dirty="0"/>
+                    </a:p>
+                  </a:txBody>
+                  <a:tcPr/>
+                </a:tc>
+                <a:tc>
+                  <a:txBody>
+                    <a:bodyPr/>
+                    <a:lstStyle/>
+                    <a:p>
+                      <a:pPr algn="ctr"/>
+                      <a:r>
+                        <a:rPr lang="en-GB" dirty="0"/>
+                        <a:t>5</a:t>
+                      </a:r>
+                      <a:endParaRPr lang="en-SE" dirty="0"/>
+                    </a:p>
+                  </a:txBody>
+                  <a:tcPr/>
+                </a:tc>
+                <a:tc>
+                  <a:txBody>
+                    <a:bodyPr/>
+                    <a:lstStyle/>
+                    <a:p>
+                      <a:pPr algn="ctr"/>
+                      <a:r>
+                        <a:rPr lang="en-GB" dirty="0"/>
+                        <a:t>4</a:t>
+                      </a:r>
+                      <a:endParaRPr lang="en-SE" dirty="0"/>
+                    </a:p>
+                  </a:txBody>
+                  <a:tcPr/>
+                </a:tc>
+                <a:tc>
+                  <a:txBody>
+                    <a:bodyPr/>
+                    <a:lstStyle/>
+                    <a:p>
+                      <a:pPr algn="ctr"/>
+                      <a:r>
+                        <a:rPr lang="en-GB" dirty="0"/>
+                        <a:t>6</a:t>
+                      </a:r>
+                      <a:endParaRPr lang="en-SE" dirty="0"/>
+                    </a:p>
+                  </a:txBody>
+                  <a:tcPr/>
+                </a:tc>
+                <a:tc>
+                  <a:txBody>
+                    <a:bodyPr/>
+                    <a:lstStyle/>
+                    <a:p>
+                      <a:pPr algn="ctr"/>
+                      <a:r>
+                        <a:rPr lang="en-GB" dirty="0"/>
+                        <a:t>1</a:t>
+                      </a:r>
+                      <a:endParaRPr lang="en-SE" dirty="0"/>
+                    </a:p>
+                  </a:txBody>
+                  <a:tcPr/>
+                </a:tc>
+                <a:extLst>
+                  <a:ext uri="{0D108BD9-81ED-4DB2-BD59-A6C34878D82A}">
+                    <a16:rowId xmlns:a16="http://schemas.microsoft.com/office/drawing/2014/main" val="1743856369"/>
+                  </a:ext>
+                </a:extLst>
+              </a:tr>
+              <a:tr h="370840">
+                <a:tc>
+                  <a:txBody>
+                    <a:bodyPr/>
+                    <a:lstStyle/>
+                    <a:p>
+                      <a:pPr algn="ctr"/>
+                      <a:r>
+                        <a:rPr lang="en-GB" dirty="0"/>
+                        <a:t>Frame 1</a:t>
+                      </a:r>
+                      <a:endParaRPr lang="en-SE" dirty="0"/>
+                    </a:p>
+                  </a:txBody>
+                  <a:tcPr/>
+                </a:tc>
+                <a:tc>
+                  <a:txBody>
+                    <a:bodyPr/>
+                    <a:lstStyle/>
+                    <a:p>
+                      <a:pPr algn="ctr"/>
+                      <a:r>
+                        <a:rPr lang="en-GB" dirty="0">
+                          <a:solidFill>
+                            <a:srgbClr val="FF0000"/>
+                          </a:solidFill>
+                        </a:rPr>
+                        <a:t>5</a:t>
+                      </a:r>
+                      <a:endParaRPr lang="en-SE" dirty="0">
+                        <a:solidFill>
+                          <a:srgbClr val="FF0000"/>
+                        </a:solidFill>
+                      </a:endParaRPr>
+                    </a:p>
+                  </a:txBody>
+                  <a:tcPr/>
+                </a:tc>
+                <a:tc>
+                  <a:txBody>
+                    <a:bodyPr/>
+                    <a:lstStyle/>
+                    <a:p>
+                      <a:pPr algn="ctr"/>
+                      <a:r>
+                        <a:rPr lang="en-GB" dirty="0"/>
+                        <a:t>5</a:t>
+                      </a:r>
+                      <a:endParaRPr lang="en-SE" dirty="0"/>
+                    </a:p>
+                  </a:txBody>
+                  <a:tcPr/>
+                </a:tc>
+                <a:tc>
+                  <a:txBody>
+                    <a:bodyPr/>
+                    <a:lstStyle/>
+                    <a:p>
+                      <a:pPr algn="ctr"/>
+                      <a:r>
+                        <a:rPr lang="en-GB" dirty="0"/>
+                        <a:t>5</a:t>
+                      </a:r>
+                      <a:endParaRPr lang="en-SE" dirty="0"/>
+                    </a:p>
+                  </a:txBody>
+                  <a:tcPr/>
+                </a:tc>
+                <a:tc>
+                  <a:txBody>
+                    <a:bodyPr/>
+                    <a:lstStyle/>
+                    <a:p>
+                      <a:pPr algn="ctr"/>
+                      <a:r>
+                        <a:rPr lang="en-GB" dirty="0"/>
+                        <a:t>5</a:t>
+                      </a:r>
+                      <a:endParaRPr lang="en-SE" dirty="0"/>
+                    </a:p>
+                  </a:txBody>
+                  <a:tcPr/>
+                </a:tc>
+                <a:tc>
+                  <a:txBody>
+                    <a:bodyPr/>
+                    <a:lstStyle/>
+                    <a:p>
+                      <a:pPr algn="ctr"/>
+                      <a:r>
+                        <a:rPr lang="en-GB" dirty="0"/>
+                        <a:t>5</a:t>
+                      </a:r>
+                      <a:endParaRPr lang="en-SE" dirty="0"/>
+                    </a:p>
+                  </a:txBody>
+                  <a:tcPr/>
+                </a:tc>
+                <a:tc>
+                  <a:txBody>
+                    <a:bodyPr/>
+                    <a:lstStyle/>
+                    <a:p>
+                      <a:pPr algn="ctr"/>
+                      <a:r>
+                        <a:rPr lang="en-GB" dirty="0"/>
+                        <a:t>5</a:t>
+                      </a:r>
+                      <a:endParaRPr lang="en-SE" dirty="0"/>
+                    </a:p>
+                  </a:txBody>
+                  <a:tcPr/>
+                </a:tc>
+                <a:tc>
+                  <a:txBody>
+                    <a:bodyPr/>
+                    <a:lstStyle/>
+                    <a:p>
+                      <a:pPr algn="ctr"/>
+                      <a:r>
+                        <a:rPr lang="en-GB" dirty="0"/>
+                        <a:t>5</a:t>
+                      </a:r>
+                      <a:endParaRPr lang="en-SE" dirty="0"/>
+                    </a:p>
+                  </a:txBody>
+                  <a:tcPr/>
+                </a:tc>
+                <a:tc>
+                  <a:txBody>
+                    <a:bodyPr/>
+                    <a:lstStyle/>
+                    <a:p>
+                      <a:pPr algn="ctr"/>
+                      <a:r>
+                        <a:rPr lang="en-GB" dirty="0"/>
+                        <a:t>5</a:t>
+                      </a:r>
+                      <a:endParaRPr lang="en-SE" dirty="0"/>
+                    </a:p>
+                  </a:txBody>
+                  <a:tcPr/>
+                </a:tc>
+                <a:tc>
+                  <a:txBody>
+                    <a:bodyPr/>
+                    <a:lstStyle/>
+                    <a:p>
+                      <a:pPr algn="ctr"/>
+                      <a:r>
+                        <a:rPr lang="en-GB" dirty="0">
+                          <a:solidFill>
+                            <a:srgbClr val="FF0000"/>
+                          </a:solidFill>
+                        </a:rPr>
+                        <a:t>1</a:t>
+                      </a:r>
+                      <a:endParaRPr lang="en-SE" dirty="0">
+                        <a:solidFill>
+                          <a:srgbClr val="FF0000"/>
+                        </a:solidFill>
+                      </a:endParaRPr>
+                    </a:p>
+                  </a:txBody>
+                  <a:tcPr/>
+                </a:tc>
+                <a:extLst>
+                  <a:ext uri="{0D108BD9-81ED-4DB2-BD59-A6C34878D82A}">
+                    <a16:rowId xmlns:a16="http://schemas.microsoft.com/office/drawing/2014/main" val="3815391198"/>
+                  </a:ext>
+                </a:extLst>
+              </a:tr>
+              <a:tr h="370840">
+                <a:tc>
+                  <a:txBody>
+                    <a:bodyPr/>
+                    <a:lstStyle/>
+                    <a:p>
+                      <a:pPr marL="0" marR="0" lvl="0" indent="0" algn="ctr" defTabSz="914400" rtl="0" eaLnBrk="1" fontAlgn="auto" latinLnBrk="0" hangingPunct="1">
+                        <a:lnSpc>
+                          <a:spcPct val="100000"/>
+                        </a:lnSpc>
+                        <a:spcBef>
+                          <a:spcPts val="0"/>
+                        </a:spcBef>
+                        <a:spcAft>
+                          <a:spcPts val="0"/>
+                        </a:spcAft>
+                        <a:buClrTx/>
+                        <a:buSzTx/>
+                        <a:buFontTx/>
+                        <a:buNone/>
+                        <a:tabLst/>
+                        <a:defRPr/>
+                      </a:pPr>
+                      <a:r>
+                        <a:rPr lang="en-GB" dirty="0"/>
+                        <a:t>Frame 2</a:t>
+                      </a:r>
+                      <a:endParaRPr lang="en-SE" dirty="0"/>
+                    </a:p>
+                  </a:txBody>
+                  <a:tcPr/>
+                </a:tc>
+                <a:tc>
+                  <a:txBody>
+                    <a:bodyPr/>
+                    <a:lstStyle/>
+                    <a:p>
+                      <a:pPr algn="ctr"/>
+                      <a:endParaRPr lang="en-SE" dirty="0"/>
+                    </a:p>
+                  </a:txBody>
+                  <a:tcPr/>
+                </a:tc>
+                <a:tc>
+                  <a:txBody>
+                    <a:bodyPr/>
+                    <a:lstStyle/>
+                    <a:p>
+                      <a:pPr algn="ctr"/>
+                      <a:r>
+                        <a:rPr lang="en-GB" dirty="0">
+                          <a:solidFill>
+                            <a:srgbClr val="FF0000"/>
+                          </a:solidFill>
+                        </a:rPr>
+                        <a:t>3</a:t>
+                      </a:r>
+                      <a:endParaRPr lang="en-SE" dirty="0">
+                        <a:solidFill>
+                          <a:srgbClr val="FF0000"/>
+                        </a:solidFill>
+                      </a:endParaRPr>
+                    </a:p>
+                  </a:txBody>
+                  <a:tcPr/>
+                </a:tc>
+                <a:tc>
+                  <a:txBody>
+                    <a:bodyPr/>
+                    <a:lstStyle/>
+                    <a:p>
+                      <a:pPr algn="ctr"/>
+                      <a:r>
+                        <a:rPr lang="en-GB" dirty="0"/>
+                        <a:t>3</a:t>
+                      </a:r>
+                      <a:endParaRPr lang="en-SE" dirty="0"/>
+                    </a:p>
+                  </a:txBody>
+                  <a:tcPr/>
+                </a:tc>
+                <a:tc>
+                  <a:txBody>
+                    <a:bodyPr/>
+                    <a:lstStyle/>
+                    <a:p>
+                      <a:pPr algn="ctr"/>
+                      <a:r>
+                        <a:rPr lang="en-GB" dirty="0"/>
+                        <a:t>3</a:t>
+                      </a:r>
+                      <a:endParaRPr lang="en-SE" dirty="0"/>
+                    </a:p>
+                  </a:txBody>
+                  <a:tcPr/>
+                </a:tc>
+                <a:tc>
+                  <a:txBody>
+                    <a:bodyPr/>
+                    <a:lstStyle/>
+                    <a:p>
+                      <a:pPr algn="ctr"/>
+                      <a:r>
+                        <a:rPr lang="en-GB" dirty="0"/>
+                        <a:t>2</a:t>
+                      </a:r>
+                      <a:endParaRPr lang="en-SE" dirty="0"/>
+                    </a:p>
+                  </a:txBody>
+                  <a:tcPr/>
+                </a:tc>
+                <a:tc>
+                  <a:txBody>
+                    <a:bodyPr/>
+                    <a:lstStyle/>
+                    <a:p>
+                      <a:pPr algn="ctr"/>
+                      <a:r>
+                        <a:rPr lang="en-GB" dirty="0"/>
+                        <a:t>2</a:t>
+                      </a:r>
+                      <a:endParaRPr lang="en-SE" dirty="0"/>
+                    </a:p>
+                  </a:txBody>
+                  <a:tcPr/>
+                </a:tc>
+                <a:tc>
+                  <a:txBody>
+                    <a:bodyPr/>
+                    <a:lstStyle/>
+                    <a:p>
+                      <a:pPr algn="ctr"/>
+                      <a:r>
+                        <a:rPr lang="en-GB" dirty="0"/>
+                        <a:t>2</a:t>
+                      </a:r>
+                      <a:endParaRPr lang="en-SE" dirty="0"/>
+                    </a:p>
+                  </a:txBody>
+                  <a:tcPr/>
+                </a:tc>
+                <a:tc>
+                  <a:txBody>
+                    <a:bodyPr/>
+                    <a:lstStyle/>
+                    <a:p>
+                      <a:pPr algn="ctr"/>
+                      <a:r>
+                        <a:rPr lang="en-GB" dirty="0">
+                          <a:solidFill>
+                            <a:srgbClr val="FF0000"/>
+                          </a:solidFill>
+                        </a:rPr>
+                        <a:t>6</a:t>
+                      </a:r>
+                      <a:endParaRPr lang="en-SE" dirty="0">
+                        <a:solidFill>
+                          <a:srgbClr val="FF0000"/>
+                        </a:solidFill>
+                      </a:endParaRPr>
+                    </a:p>
+                  </a:txBody>
+                  <a:tcPr/>
+                </a:tc>
+                <a:tc>
+                  <a:txBody>
+                    <a:bodyPr/>
+                    <a:lstStyle/>
+                    <a:p>
+                      <a:pPr algn="ctr"/>
+                      <a:r>
+                        <a:rPr lang="en-GB" dirty="0"/>
+                        <a:t>6</a:t>
+                      </a:r>
+                      <a:endParaRPr lang="en-SE" dirty="0"/>
+                    </a:p>
+                  </a:txBody>
+                  <a:tcPr/>
+                </a:tc>
+                <a:extLst>
+                  <a:ext uri="{0D108BD9-81ED-4DB2-BD59-A6C34878D82A}">
+                    <a16:rowId xmlns:a16="http://schemas.microsoft.com/office/drawing/2014/main" val="2062456169"/>
+                  </a:ext>
+                </a:extLst>
+              </a:tr>
+              <a:tr h="370840">
+                <a:tc>
+                  <a:txBody>
+                    <a:bodyPr/>
+                    <a:lstStyle/>
+                    <a:p>
+                      <a:pPr marL="0" marR="0" lvl="0" indent="0" algn="ctr" defTabSz="914400" rtl="0" eaLnBrk="1" fontAlgn="auto" latinLnBrk="0" hangingPunct="1">
+                        <a:lnSpc>
+                          <a:spcPct val="100000"/>
+                        </a:lnSpc>
+                        <a:spcBef>
+                          <a:spcPts val="0"/>
+                        </a:spcBef>
+                        <a:spcAft>
+                          <a:spcPts val="0"/>
+                        </a:spcAft>
+                        <a:buClrTx/>
+                        <a:buSzTx/>
+                        <a:buFontTx/>
+                        <a:buNone/>
+                        <a:tabLst/>
+                        <a:defRPr/>
+                      </a:pPr>
+                      <a:r>
+                        <a:rPr lang="en-GB" dirty="0"/>
+                        <a:t>Frame 3</a:t>
+                      </a:r>
+                      <a:endParaRPr lang="en-SE" dirty="0"/>
+                    </a:p>
+                  </a:txBody>
+                  <a:tcPr/>
+                </a:tc>
+                <a:tc>
+                  <a:txBody>
+                    <a:bodyPr/>
+                    <a:lstStyle/>
+                    <a:p>
+                      <a:pPr algn="ctr"/>
+                      <a:endParaRPr lang="en-SE"/>
+                    </a:p>
+                  </a:txBody>
+                  <a:tcPr/>
+                </a:tc>
+                <a:tc>
+                  <a:txBody>
+                    <a:bodyPr/>
+                    <a:lstStyle/>
+                    <a:p>
+                      <a:pPr algn="ctr"/>
+                      <a:endParaRPr lang="en-SE"/>
+                    </a:p>
+                  </a:txBody>
+                  <a:tcPr/>
+                </a:tc>
+                <a:tc>
+                  <a:txBody>
+                    <a:bodyPr/>
+                    <a:lstStyle/>
+                    <a:p>
+                      <a:pPr algn="ctr"/>
+                      <a:endParaRPr lang="en-SE" dirty="0"/>
+                    </a:p>
+                  </a:txBody>
+                  <a:tcPr/>
+                </a:tc>
+                <a:tc>
+                  <a:txBody>
+                    <a:bodyPr/>
+                    <a:lstStyle/>
+                    <a:p>
+                      <a:pPr algn="ctr"/>
+                      <a:r>
+                        <a:rPr lang="en-GB" dirty="0">
+                          <a:solidFill>
+                            <a:srgbClr val="FF0000"/>
+                          </a:solidFill>
+                        </a:rPr>
+                        <a:t>1</a:t>
+                      </a:r>
+                      <a:endParaRPr lang="en-SE" dirty="0">
+                        <a:solidFill>
+                          <a:srgbClr val="FF0000"/>
+                        </a:solidFill>
+                      </a:endParaRPr>
+                    </a:p>
+                  </a:txBody>
+                  <a:tcPr/>
+                </a:tc>
+                <a:tc>
+                  <a:txBody>
+                    <a:bodyPr/>
+                    <a:lstStyle/>
+                    <a:p>
+                      <a:pPr algn="ctr"/>
+                      <a:r>
+                        <a:rPr lang="en-GB" dirty="0"/>
+                        <a:t>1</a:t>
+                      </a:r>
+                      <a:endParaRPr lang="en-SE" dirty="0"/>
+                    </a:p>
+                  </a:txBody>
+                  <a:tcPr/>
+                </a:tc>
+                <a:tc>
+                  <a:txBody>
+                    <a:bodyPr/>
+                    <a:lstStyle/>
+                    <a:p>
+                      <a:pPr algn="ctr"/>
+                      <a:r>
+                        <a:rPr lang="en-GB" dirty="0"/>
+                        <a:t>1</a:t>
+                      </a:r>
+                      <a:endParaRPr lang="en-SE" dirty="0"/>
+                    </a:p>
+                  </a:txBody>
+                  <a:tcPr/>
+                </a:tc>
+                <a:tc>
+                  <a:txBody>
+                    <a:bodyPr/>
+                    <a:lstStyle/>
+                    <a:p>
+                      <a:pPr algn="ctr"/>
+                      <a:r>
+                        <a:rPr lang="en-GB" dirty="0">
+                          <a:solidFill>
+                            <a:srgbClr val="FF0000"/>
+                          </a:solidFill>
+                        </a:rPr>
+                        <a:t>4</a:t>
+                      </a:r>
+                      <a:endParaRPr lang="en-SE" dirty="0">
+                        <a:solidFill>
+                          <a:srgbClr val="FF0000"/>
+                        </a:solidFill>
+                      </a:endParaRPr>
+                    </a:p>
+                  </a:txBody>
+                  <a:tcPr/>
+                </a:tc>
+                <a:tc>
+                  <a:txBody>
+                    <a:bodyPr/>
+                    <a:lstStyle/>
+                    <a:p>
+                      <a:pPr algn="ctr"/>
+                      <a:r>
+                        <a:rPr lang="en-GB" dirty="0"/>
+                        <a:t>4</a:t>
+                      </a:r>
+                      <a:endParaRPr lang="en-SE" dirty="0"/>
+                    </a:p>
+                  </a:txBody>
+                  <a:tcPr/>
+                </a:tc>
+                <a:tc>
+                  <a:txBody>
+                    <a:bodyPr/>
+                    <a:lstStyle/>
+                    <a:p>
+                      <a:pPr algn="ctr"/>
+                      <a:r>
+                        <a:rPr lang="en-GB" dirty="0"/>
+                        <a:t>4</a:t>
+                      </a:r>
+                      <a:endParaRPr lang="en-SE" dirty="0"/>
+                    </a:p>
+                  </a:txBody>
+                  <a:tcPr/>
+                </a:tc>
+                <a:extLst>
+                  <a:ext uri="{0D108BD9-81ED-4DB2-BD59-A6C34878D82A}">
+                    <a16:rowId xmlns:a16="http://schemas.microsoft.com/office/drawing/2014/main" val="2750492530"/>
+                  </a:ext>
+                </a:extLst>
+              </a:tr>
+            </a:tbl>
+          </a:graphicData>
+        </a:graphic>
+      </p:graphicFrame>
+      <p:sp>
+        <p:nvSpPr>
+          <p:cNvPr id="4" name="TextBox 3">
+            <a:extLst>
+              <a:ext uri="{FF2B5EF4-FFF2-40B4-BE49-F238E27FC236}">
+                <a16:creationId xmlns:a16="http://schemas.microsoft.com/office/drawing/2014/main" id="{84624B7B-4A91-B2CD-91B2-F05A6EF8C67A}"/>
+              </a:ext>
+            </a:extLst>
+          </p:cNvPr>
+          <p:cNvSpPr txBox="1"/>
+          <p:nvPr/>
+        </p:nvSpPr>
+        <p:spPr>
+          <a:xfrm>
+            <a:off x="4804996" y="2198920"/>
+            <a:ext cx="2159566" cy="369332"/>
+          </a:xfrm>
+          <a:prstGeom prst="rect">
+            <a:avLst/>
+          </a:prstGeom>
+          <a:noFill/>
+        </p:spPr>
+        <p:txBody>
+          <a:bodyPr wrap="none" rtlCol="0">
+            <a:spAutoFit/>
+          </a:bodyPr>
+          <a:lstStyle/>
+          <a:p>
+            <a:r>
+              <a:rPr lang="en-GB" b="0" dirty="0">
+                <a:latin typeface="+mj-lt"/>
+              </a:rPr>
+              <a:t>FIFO: 6 page faults</a:t>
+            </a:r>
+            <a:endParaRPr lang="en-SE" b="0" dirty="0">
+              <a:latin typeface="+mj-lt"/>
+            </a:endParaRPr>
+          </a:p>
+        </p:txBody>
+      </p:sp>
+      <p:sp>
+        <p:nvSpPr>
+          <p:cNvPr id="5" name="TextBox 4">
+            <a:extLst>
+              <a:ext uri="{FF2B5EF4-FFF2-40B4-BE49-F238E27FC236}">
+                <a16:creationId xmlns:a16="http://schemas.microsoft.com/office/drawing/2014/main" id="{9B0E2BD9-F827-7387-2B46-DF675C18BF7D}"/>
+              </a:ext>
+            </a:extLst>
+          </p:cNvPr>
+          <p:cNvSpPr txBox="1"/>
+          <p:nvPr/>
+        </p:nvSpPr>
+        <p:spPr>
+          <a:xfrm>
+            <a:off x="4779879" y="4015431"/>
+            <a:ext cx="2209800" cy="369332"/>
+          </a:xfrm>
+          <a:prstGeom prst="rect">
+            <a:avLst/>
+          </a:prstGeom>
+          <a:noFill/>
+        </p:spPr>
+        <p:txBody>
+          <a:bodyPr wrap="square" rtlCol="0">
+            <a:spAutoFit/>
+          </a:bodyPr>
+          <a:lstStyle/>
+          <a:p>
+            <a:r>
+              <a:rPr lang="en-GB" b="0" dirty="0">
+                <a:latin typeface="+mj-lt"/>
+              </a:rPr>
+              <a:t>LRU: </a:t>
+            </a:r>
+            <a:r>
+              <a:rPr lang="en-US" b="0" dirty="0">
+                <a:latin typeface="+mj-lt"/>
+              </a:rPr>
+              <a:t>6 page faults</a:t>
+            </a:r>
+            <a:endParaRPr lang="en-SE" b="0" dirty="0">
+              <a:latin typeface="+mj-lt"/>
+            </a:endParaRPr>
+          </a:p>
+        </p:txBody>
+      </p:sp>
+      <p:sp>
+        <p:nvSpPr>
+          <p:cNvPr id="6" name="TextBox 5">
+            <a:extLst>
+              <a:ext uri="{FF2B5EF4-FFF2-40B4-BE49-F238E27FC236}">
+                <a16:creationId xmlns:a16="http://schemas.microsoft.com/office/drawing/2014/main" id="{15016534-02CB-9A79-5594-17E92DEF198E}"/>
+              </a:ext>
+            </a:extLst>
+          </p:cNvPr>
+          <p:cNvSpPr txBox="1"/>
+          <p:nvPr/>
+        </p:nvSpPr>
+        <p:spPr>
+          <a:xfrm>
+            <a:off x="2684378" y="5957207"/>
+            <a:ext cx="6993021" cy="830997"/>
+          </a:xfrm>
+          <a:prstGeom prst="rect">
+            <a:avLst/>
+          </a:prstGeom>
+          <a:noFill/>
+        </p:spPr>
+        <p:txBody>
+          <a:bodyPr wrap="square" rtlCol="0">
+            <a:spAutoFit/>
+          </a:bodyPr>
+          <a:lstStyle/>
+          <a:p>
+            <a:r>
+              <a:rPr lang="en-GB" sz="1600" b="0" dirty="0">
+                <a:latin typeface="+mj-lt"/>
+              </a:rPr>
+              <a:t>OPT: </a:t>
+            </a:r>
+            <a:r>
+              <a:rPr lang="en-US" sz="1600" b="0" dirty="0">
+                <a:latin typeface="+mj-lt"/>
+              </a:rPr>
+              <a:t>5 page faults</a:t>
+            </a:r>
+          </a:p>
+          <a:p>
+            <a:r>
+              <a:rPr lang="en-GB" sz="1600" b="0" dirty="0">
+                <a:latin typeface="+mj-lt"/>
+              </a:rPr>
+              <a:t>(When referencing 4 and 6, you can replace any page, as long it page 1 is not replaced, since only it will be referenced again in the future)</a:t>
+            </a:r>
+            <a:endParaRPr lang="en-SE" sz="1600" b="0" dirty="0">
+              <a:latin typeface="+mj-lt"/>
+            </a:endParaRPr>
+          </a:p>
+        </p:txBody>
+      </p:sp>
+      <p:graphicFrame>
+        <p:nvGraphicFramePr>
+          <p:cNvPr id="7" name="Table 6">
+            <a:extLst>
+              <a:ext uri="{FF2B5EF4-FFF2-40B4-BE49-F238E27FC236}">
+                <a16:creationId xmlns:a16="http://schemas.microsoft.com/office/drawing/2014/main" id="{71190916-EB84-B6ED-89CC-C07CDCCD622D}"/>
+              </a:ext>
+            </a:extLst>
+          </p:cNvPr>
+          <p:cNvGraphicFramePr>
+            <a:graphicFrameLocks noGrp="1"/>
+          </p:cNvGraphicFramePr>
+          <p:nvPr>
+            <p:extLst>
+              <p:ext uri="{D42A27DB-BD31-4B8C-83A1-F6EECF244321}">
+                <p14:modId xmlns:p14="http://schemas.microsoft.com/office/powerpoint/2010/main" val="1313396755"/>
+              </p:ext>
+            </p:extLst>
+          </p:nvPr>
+        </p:nvGraphicFramePr>
+        <p:xfrm>
+          <a:off x="1820780" y="721895"/>
+          <a:ext cx="8127999" cy="1478280"/>
+        </p:xfrm>
+        <a:graphic>
+          <a:graphicData uri="http://schemas.openxmlformats.org/drawingml/2006/table">
+            <a:tbl>
+              <a:tblPr firstRow="1" bandRow="1">
+                <a:tableStyleId>{5940675A-B579-460E-94D1-54222C63F5DA}</a:tableStyleId>
+              </a:tblPr>
+              <a:tblGrid>
+                <a:gridCol w="1371600">
+                  <a:extLst>
+                    <a:ext uri="{9D8B030D-6E8A-4147-A177-3AD203B41FA5}">
+                      <a16:colId xmlns:a16="http://schemas.microsoft.com/office/drawing/2014/main" val="932050914"/>
+                    </a:ext>
+                  </a:extLst>
+                </a:gridCol>
+                <a:gridCol w="750711">
+                  <a:extLst>
+                    <a:ext uri="{9D8B030D-6E8A-4147-A177-3AD203B41FA5}">
+                      <a16:colId xmlns:a16="http://schemas.microsoft.com/office/drawing/2014/main" val="3868456712"/>
+                    </a:ext>
+                  </a:extLst>
+                </a:gridCol>
+                <a:gridCol w="750711">
+                  <a:extLst>
+                    <a:ext uri="{9D8B030D-6E8A-4147-A177-3AD203B41FA5}">
+                      <a16:colId xmlns:a16="http://schemas.microsoft.com/office/drawing/2014/main" val="3880331426"/>
+                    </a:ext>
+                  </a:extLst>
+                </a:gridCol>
+                <a:gridCol w="750711">
+                  <a:extLst>
+                    <a:ext uri="{9D8B030D-6E8A-4147-A177-3AD203B41FA5}">
+                      <a16:colId xmlns:a16="http://schemas.microsoft.com/office/drawing/2014/main" val="1247111991"/>
+                    </a:ext>
+                  </a:extLst>
+                </a:gridCol>
+                <a:gridCol w="750711">
+                  <a:extLst>
+                    <a:ext uri="{9D8B030D-6E8A-4147-A177-3AD203B41FA5}">
+                      <a16:colId xmlns:a16="http://schemas.microsoft.com/office/drawing/2014/main" val="2060846370"/>
+                    </a:ext>
+                  </a:extLst>
+                </a:gridCol>
+                <a:gridCol w="750711">
+                  <a:extLst>
+                    <a:ext uri="{9D8B030D-6E8A-4147-A177-3AD203B41FA5}">
+                      <a16:colId xmlns:a16="http://schemas.microsoft.com/office/drawing/2014/main" val="2109822307"/>
+                    </a:ext>
+                  </a:extLst>
+                </a:gridCol>
+                <a:gridCol w="750711">
+                  <a:extLst>
+                    <a:ext uri="{9D8B030D-6E8A-4147-A177-3AD203B41FA5}">
+                      <a16:colId xmlns:a16="http://schemas.microsoft.com/office/drawing/2014/main" val="3424463367"/>
+                    </a:ext>
+                  </a:extLst>
+                </a:gridCol>
+                <a:gridCol w="750711">
+                  <a:extLst>
+                    <a:ext uri="{9D8B030D-6E8A-4147-A177-3AD203B41FA5}">
+                      <a16:colId xmlns:a16="http://schemas.microsoft.com/office/drawing/2014/main" val="3481469953"/>
+                    </a:ext>
+                  </a:extLst>
+                </a:gridCol>
+                <a:gridCol w="750711">
+                  <a:extLst>
+                    <a:ext uri="{9D8B030D-6E8A-4147-A177-3AD203B41FA5}">
+                      <a16:colId xmlns:a16="http://schemas.microsoft.com/office/drawing/2014/main" val="1650596626"/>
+                    </a:ext>
+                  </a:extLst>
+                </a:gridCol>
+                <a:gridCol w="750711">
+                  <a:extLst>
+                    <a:ext uri="{9D8B030D-6E8A-4147-A177-3AD203B41FA5}">
+                      <a16:colId xmlns:a16="http://schemas.microsoft.com/office/drawing/2014/main" val="1007141654"/>
+                    </a:ext>
+                  </a:extLst>
+                </a:gridCol>
+              </a:tblGrid>
+              <a:tr h="294640">
+                <a:tc>
+                  <a:txBody>
+                    <a:bodyPr/>
+                    <a:lstStyle/>
+                    <a:p>
+                      <a:pPr algn="ctr"/>
+                      <a:r>
+                        <a:rPr lang="en-US" dirty="0"/>
+                        <a:t>Ref</a:t>
+                      </a:r>
+                      <a:endParaRPr lang="en-SE" dirty="0"/>
+                    </a:p>
+                  </a:txBody>
+                  <a:tcPr/>
+                </a:tc>
+                <a:tc>
+                  <a:txBody>
+                    <a:bodyPr/>
+                    <a:lstStyle/>
+                    <a:p>
+                      <a:pPr algn="ctr"/>
+                      <a:r>
+                        <a:rPr lang="en-GB" dirty="0"/>
+                        <a:t>5</a:t>
+                      </a:r>
+                      <a:endParaRPr lang="en-SE" dirty="0"/>
+                    </a:p>
+                  </a:txBody>
+                  <a:tcPr/>
+                </a:tc>
+                <a:tc>
+                  <a:txBody>
+                    <a:bodyPr/>
+                    <a:lstStyle/>
+                    <a:p>
+                      <a:pPr algn="ctr"/>
+                      <a:r>
+                        <a:rPr lang="en-GB" dirty="0"/>
+                        <a:t>3</a:t>
+                      </a:r>
+                      <a:endParaRPr lang="en-SE" dirty="0"/>
+                    </a:p>
+                  </a:txBody>
+                  <a:tcPr/>
+                </a:tc>
+                <a:tc>
+                  <a:txBody>
+                    <a:bodyPr/>
+                    <a:lstStyle/>
+                    <a:p>
+                      <a:pPr algn="ctr"/>
+                      <a:r>
+                        <a:rPr lang="en-GB" dirty="0"/>
+                        <a:t>5</a:t>
+                      </a:r>
+                      <a:endParaRPr lang="en-SE" dirty="0"/>
+                    </a:p>
+                  </a:txBody>
+                  <a:tcPr/>
+                </a:tc>
+                <a:tc>
+                  <a:txBody>
+                    <a:bodyPr/>
+                    <a:lstStyle/>
+                    <a:p>
+                      <a:pPr algn="ctr"/>
+                      <a:r>
+                        <a:rPr lang="en-GB" dirty="0"/>
+                        <a:t>1</a:t>
+                      </a:r>
+                      <a:endParaRPr lang="en-SE" dirty="0"/>
+                    </a:p>
+                  </a:txBody>
+                  <a:tcPr/>
+                </a:tc>
+                <a:tc>
+                  <a:txBody>
+                    <a:bodyPr/>
+                    <a:lstStyle/>
+                    <a:p>
+                      <a:pPr algn="ctr"/>
+                      <a:r>
+                        <a:rPr lang="en-GB" dirty="0"/>
+                        <a:t>2</a:t>
+                      </a:r>
+                      <a:endParaRPr lang="en-SE" dirty="0"/>
+                    </a:p>
+                  </a:txBody>
+                  <a:tcPr/>
+                </a:tc>
+                <a:tc>
+                  <a:txBody>
+                    <a:bodyPr/>
+                    <a:lstStyle/>
+                    <a:p>
+                      <a:pPr algn="ctr"/>
+                      <a:r>
+                        <a:rPr lang="en-GB" dirty="0"/>
+                        <a:t>5</a:t>
+                      </a:r>
+                      <a:endParaRPr lang="en-SE" dirty="0"/>
+                    </a:p>
+                  </a:txBody>
+                  <a:tcPr/>
+                </a:tc>
+                <a:tc>
+                  <a:txBody>
+                    <a:bodyPr/>
+                    <a:lstStyle/>
+                    <a:p>
+                      <a:pPr algn="ctr"/>
+                      <a:r>
+                        <a:rPr lang="en-GB" dirty="0"/>
+                        <a:t>4</a:t>
+                      </a:r>
+                      <a:endParaRPr lang="en-SE" dirty="0"/>
+                    </a:p>
+                  </a:txBody>
+                  <a:tcPr/>
+                </a:tc>
+                <a:tc>
+                  <a:txBody>
+                    <a:bodyPr/>
+                    <a:lstStyle/>
+                    <a:p>
+                      <a:pPr algn="ctr"/>
+                      <a:r>
+                        <a:rPr lang="en-GB" dirty="0"/>
+                        <a:t>6</a:t>
+                      </a:r>
+                      <a:endParaRPr lang="en-SE" dirty="0"/>
+                    </a:p>
+                  </a:txBody>
+                  <a:tcPr/>
+                </a:tc>
+                <a:tc>
+                  <a:txBody>
+                    <a:bodyPr/>
+                    <a:lstStyle/>
+                    <a:p>
+                      <a:pPr algn="ctr"/>
+                      <a:r>
+                        <a:rPr lang="en-GB" dirty="0"/>
+                        <a:t>1</a:t>
+                      </a:r>
+                      <a:endParaRPr lang="en-SE" dirty="0"/>
+                    </a:p>
+                  </a:txBody>
+                  <a:tcPr/>
+                </a:tc>
+                <a:extLst>
+                  <a:ext uri="{0D108BD9-81ED-4DB2-BD59-A6C34878D82A}">
+                    <a16:rowId xmlns:a16="http://schemas.microsoft.com/office/drawing/2014/main" val="1743856369"/>
+                  </a:ext>
+                </a:extLst>
+              </a:tr>
+              <a:tr h="370840">
+                <a:tc>
+                  <a:txBody>
+                    <a:bodyPr/>
+                    <a:lstStyle/>
+                    <a:p>
+                      <a:pPr algn="ctr"/>
+                      <a:r>
+                        <a:rPr lang="en-GB" dirty="0"/>
+                        <a:t>Frame 1</a:t>
+                      </a:r>
+                      <a:endParaRPr lang="en-SE" dirty="0"/>
+                    </a:p>
+                  </a:txBody>
+                  <a:tcPr/>
+                </a:tc>
+                <a:tc>
+                  <a:txBody>
+                    <a:bodyPr/>
+                    <a:lstStyle/>
+                    <a:p>
+                      <a:pPr algn="ctr"/>
+                      <a:r>
+                        <a:rPr lang="en-GB" dirty="0">
+                          <a:solidFill>
+                            <a:srgbClr val="FF0000"/>
+                          </a:solidFill>
+                        </a:rPr>
+                        <a:t>5</a:t>
+                      </a:r>
+                      <a:endParaRPr lang="en-SE" dirty="0">
+                        <a:solidFill>
+                          <a:srgbClr val="FF0000"/>
+                        </a:solidFill>
+                      </a:endParaRPr>
+                    </a:p>
+                  </a:txBody>
+                  <a:tcPr/>
+                </a:tc>
+                <a:tc>
+                  <a:txBody>
+                    <a:bodyPr/>
+                    <a:lstStyle/>
+                    <a:p>
+                      <a:pPr algn="ctr"/>
+                      <a:r>
+                        <a:rPr lang="en-GB" dirty="0"/>
+                        <a:t>5</a:t>
+                      </a:r>
+                      <a:endParaRPr lang="en-SE" dirty="0"/>
+                    </a:p>
+                  </a:txBody>
+                  <a:tcPr/>
+                </a:tc>
+                <a:tc>
+                  <a:txBody>
+                    <a:bodyPr/>
+                    <a:lstStyle/>
+                    <a:p>
+                      <a:pPr algn="ctr"/>
+                      <a:r>
+                        <a:rPr lang="en-GB" dirty="0"/>
+                        <a:t>5</a:t>
+                      </a:r>
+                      <a:endParaRPr lang="en-SE" dirty="0"/>
+                    </a:p>
+                  </a:txBody>
+                  <a:tcPr/>
+                </a:tc>
+                <a:tc>
+                  <a:txBody>
+                    <a:bodyPr/>
+                    <a:lstStyle/>
+                    <a:p>
+                      <a:pPr algn="ctr"/>
+                      <a:r>
+                        <a:rPr lang="en-GB" dirty="0"/>
+                        <a:t>5</a:t>
+                      </a:r>
+                      <a:endParaRPr lang="en-SE" dirty="0"/>
+                    </a:p>
+                  </a:txBody>
+                  <a:tcPr/>
+                </a:tc>
+                <a:tc>
+                  <a:txBody>
+                    <a:bodyPr/>
+                    <a:lstStyle/>
+                    <a:p>
+                      <a:pPr algn="ctr"/>
+                      <a:r>
+                        <a:rPr lang="en-GB" dirty="0"/>
+                        <a:t>5</a:t>
+                      </a:r>
+                      <a:endParaRPr lang="en-SE" dirty="0"/>
+                    </a:p>
+                  </a:txBody>
+                  <a:tcPr/>
+                </a:tc>
+                <a:tc>
+                  <a:txBody>
+                    <a:bodyPr/>
+                    <a:lstStyle/>
+                    <a:p>
+                      <a:pPr algn="ctr"/>
+                      <a:r>
+                        <a:rPr lang="en-GB" dirty="0"/>
+                        <a:t>5</a:t>
+                      </a:r>
+                      <a:endParaRPr lang="en-SE" dirty="0"/>
+                    </a:p>
+                  </a:txBody>
+                  <a:tcPr/>
+                </a:tc>
+                <a:tc>
+                  <a:txBody>
+                    <a:bodyPr/>
+                    <a:lstStyle/>
+                    <a:p>
+                      <a:pPr algn="ctr"/>
+                      <a:r>
+                        <a:rPr lang="en-GB" dirty="0">
+                          <a:solidFill>
+                            <a:srgbClr val="FF0000"/>
+                          </a:solidFill>
+                        </a:rPr>
+                        <a:t>4</a:t>
+                      </a:r>
+                      <a:endParaRPr lang="en-SE" dirty="0">
+                        <a:solidFill>
+                          <a:srgbClr val="FF0000"/>
+                        </a:solidFill>
+                      </a:endParaRPr>
+                    </a:p>
+                  </a:txBody>
+                  <a:tcPr/>
+                </a:tc>
+                <a:tc>
+                  <a:txBody>
+                    <a:bodyPr/>
+                    <a:lstStyle/>
+                    <a:p>
+                      <a:pPr algn="ctr"/>
+                      <a:r>
+                        <a:rPr lang="en-GB" dirty="0"/>
+                        <a:t>4</a:t>
+                      </a:r>
+                      <a:endParaRPr lang="en-SE" dirty="0"/>
+                    </a:p>
+                  </a:txBody>
+                  <a:tcPr/>
+                </a:tc>
+                <a:tc>
+                  <a:txBody>
+                    <a:bodyPr/>
+                    <a:lstStyle/>
+                    <a:p>
+                      <a:pPr algn="ctr"/>
+                      <a:r>
+                        <a:rPr lang="en-GB" dirty="0">
+                          <a:solidFill>
+                            <a:schemeClr val="tx1"/>
+                          </a:solidFill>
+                        </a:rPr>
+                        <a:t>4</a:t>
+                      </a:r>
+                      <a:endParaRPr lang="en-SE" dirty="0">
+                        <a:solidFill>
+                          <a:schemeClr val="tx1"/>
+                        </a:solidFill>
+                      </a:endParaRPr>
+                    </a:p>
+                  </a:txBody>
+                  <a:tcPr/>
+                </a:tc>
+                <a:extLst>
+                  <a:ext uri="{0D108BD9-81ED-4DB2-BD59-A6C34878D82A}">
+                    <a16:rowId xmlns:a16="http://schemas.microsoft.com/office/drawing/2014/main" val="3815391198"/>
+                  </a:ext>
+                </a:extLst>
+              </a:tr>
+              <a:tr h="370840">
+                <a:tc>
+                  <a:txBody>
+                    <a:bodyPr/>
+                    <a:lstStyle/>
+                    <a:p>
+                      <a:pPr marL="0" marR="0" lvl="0" indent="0" algn="ctr" defTabSz="914400" rtl="0" eaLnBrk="1" fontAlgn="auto" latinLnBrk="0" hangingPunct="1">
+                        <a:lnSpc>
+                          <a:spcPct val="100000"/>
+                        </a:lnSpc>
+                        <a:spcBef>
+                          <a:spcPts val="0"/>
+                        </a:spcBef>
+                        <a:spcAft>
+                          <a:spcPts val="0"/>
+                        </a:spcAft>
+                        <a:buClrTx/>
+                        <a:buSzTx/>
+                        <a:buFontTx/>
+                        <a:buNone/>
+                        <a:tabLst/>
+                        <a:defRPr/>
+                      </a:pPr>
+                      <a:r>
+                        <a:rPr lang="en-GB" dirty="0"/>
+                        <a:t>Frame 2</a:t>
+                      </a:r>
+                      <a:endParaRPr lang="en-SE" dirty="0"/>
+                    </a:p>
+                  </a:txBody>
+                  <a:tcPr/>
+                </a:tc>
+                <a:tc>
+                  <a:txBody>
+                    <a:bodyPr/>
+                    <a:lstStyle/>
+                    <a:p>
+                      <a:pPr algn="ctr"/>
+                      <a:endParaRPr lang="en-SE" dirty="0"/>
+                    </a:p>
+                  </a:txBody>
+                  <a:tcPr/>
+                </a:tc>
+                <a:tc>
+                  <a:txBody>
+                    <a:bodyPr/>
+                    <a:lstStyle/>
+                    <a:p>
+                      <a:pPr algn="ctr"/>
+                      <a:r>
+                        <a:rPr lang="en-GB" dirty="0">
+                          <a:solidFill>
+                            <a:srgbClr val="FF0000"/>
+                          </a:solidFill>
+                        </a:rPr>
+                        <a:t>3</a:t>
+                      </a:r>
+                      <a:endParaRPr lang="en-SE" dirty="0">
+                        <a:solidFill>
+                          <a:srgbClr val="FF0000"/>
+                        </a:solidFill>
+                      </a:endParaRPr>
+                    </a:p>
+                  </a:txBody>
+                  <a:tcPr/>
+                </a:tc>
+                <a:tc>
+                  <a:txBody>
+                    <a:bodyPr/>
+                    <a:lstStyle/>
+                    <a:p>
+                      <a:pPr algn="ctr"/>
+                      <a:r>
+                        <a:rPr lang="en-GB" dirty="0"/>
+                        <a:t>3</a:t>
+                      </a:r>
+                      <a:endParaRPr lang="en-SE" dirty="0"/>
+                    </a:p>
+                  </a:txBody>
+                  <a:tcPr/>
+                </a:tc>
+                <a:tc>
+                  <a:txBody>
+                    <a:bodyPr/>
+                    <a:lstStyle/>
+                    <a:p>
+                      <a:pPr algn="ctr"/>
+                      <a:r>
+                        <a:rPr lang="en-GB" dirty="0"/>
+                        <a:t>3</a:t>
+                      </a:r>
+                      <a:endParaRPr lang="en-SE" dirty="0"/>
+                    </a:p>
+                  </a:txBody>
+                  <a:tcPr/>
+                </a:tc>
+                <a:tc>
+                  <a:txBody>
+                    <a:bodyPr/>
+                    <a:lstStyle/>
+                    <a:p>
+                      <a:pPr algn="ctr"/>
+                      <a:r>
+                        <a:rPr lang="en-GB" dirty="0"/>
+                        <a:t>2</a:t>
+                      </a:r>
+                      <a:endParaRPr lang="en-SE" dirty="0"/>
+                    </a:p>
+                  </a:txBody>
+                  <a:tcPr/>
+                </a:tc>
+                <a:tc>
+                  <a:txBody>
+                    <a:bodyPr/>
+                    <a:lstStyle/>
+                    <a:p>
+                      <a:pPr algn="ctr"/>
+                      <a:r>
+                        <a:rPr lang="en-GB" dirty="0"/>
+                        <a:t>2</a:t>
+                      </a:r>
+                      <a:endParaRPr lang="en-SE" dirty="0"/>
+                    </a:p>
+                  </a:txBody>
+                  <a:tcPr/>
+                </a:tc>
+                <a:tc>
+                  <a:txBody>
+                    <a:bodyPr/>
+                    <a:lstStyle/>
+                    <a:p>
+                      <a:pPr algn="ctr"/>
+                      <a:r>
+                        <a:rPr lang="en-GB" dirty="0"/>
+                        <a:t>2</a:t>
+                      </a:r>
+                      <a:endParaRPr lang="en-SE" dirty="0"/>
+                    </a:p>
+                  </a:txBody>
+                  <a:tcPr/>
+                </a:tc>
+                <a:tc>
+                  <a:txBody>
+                    <a:bodyPr/>
+                    <a:lstStyle/>
+                    <a:p>
+                      <a:pPr algn="ctr"/>
+                      <a:r>
+                        <a:rPr lang="en-GB" dirty="0">
+                          <a:solidFill>
+                            <a:schemeClr val="tx1"/>
+                          </a:solidFill>
+                        </a:rPr>
+                        <a:t>2</a:t>
+                      </a:r>
+                      <a:endParaRPr lang="en-SE" dirty="0">
+                        <a:solidFill>
+                          <a:schemeClr val="tx1"/>
+                        </a:solidFill>
+                      </a:endParaRPr>
+                    </a:p>
+                  </a:txBody>
+                  <a:tcPr/>
+                </a:tc>
+                <a:tc>
+                  <a:txBody>
+                    <a:bodyPr/>
+                    <a:lstStyle/>
+                    <a:p>
+                      <a:pPr algn="ctr"/>
+                      <a:r>
+                        <a:rPr lang="en-GB" dirty="0">
+                          <a:solidFill>
+                            <a:srgbClr val="FF0000"/>
+                          </a:solidFill>
+                        </a:rPr>
+                        <a:t>1</a:t>
+                      </a:r>
+                      <a:endParaRPr lang="en-SE" dirty="0">
+                        <a:solidFill>
+                          <a:srgbClr val="FF0000"/>
+                        </a:solidFill>
+                      </a:endParaRPr>
+                    </a:p>
+                  </a:txBody>
+                  <a:tcPr/>
+                </a:tc>
+                <a:extLst>
+                  <a:ext uri="{0D108BD9-81ED-4DB2-BD59-A6C34878D82A}">
+                    <a16:rowId xmlns:a16="http://schemas.microsoft.com/office/drawing/2014/main" val="2062456169"/>
+                  </a:ext>
+                </a:extLst>
+              </a:tr>
+              <a:tr h="370840">
+                <a:tc>
+                  <a:txBody>
+                    <a:bodyPr/>
+                    <a:lstStyle/>
+                    <a:p>
+                      <a:pPr marL="0" marR="0" lvl="0" indent="0" algn="ctr" defTabSz="914400" rtl="0" eaLnBrk="1" fontAlgn="auto" latinLnBrk="0" hangingPunct="1">
+                        <a:lnSpc>
+                          <a:spcPct val="100000"/>
+                        </a:lnSpc>
+                        <a:spcBef>
+                          <a:spcPts val="0"/>
+                        </a:spcBef>
+                        <a:spcAft>
+                          <a:spcPts val="0"/>
+                        </a:spcAft>
+                        <a:buClrTx/>
+                        <a:buSzTx/>
+                        <a:buFontTx/>
+                        <a:buNone/>
+                        <a:tabLst/>
+                        <a:defRPr/>
+                      </a:pPr>
+                      <a:r>
+                        <a:rPr lang="en-GB" dirty="0"/>
+                        <a:t>Frame 3</a:t>
+                      </a:r>
+                      <a:endParaRPr lang="en-SE" dirty="0"/>
+                    </a:p>
+                  </a:txBody>
+                  <a:tcPr/>
+                </a:tc>
+                <a:tc>
+                  <a:txBody>
+                    <a:bodyPr/>
+                    <a:lstStyle/>
+                    <a:p>
+                      <a:pPr algn="ctr"/>
+                      <a:endParaRPr lang="en-SE"/>
+                    </a:p>
+                  </a:txBody>
+                  <a:tcPr/>
+                </a:tc>
+                <a:tc>
+                  <a:txBody>
+                    <a:bodyPr/>
+                    <a:lstStyle/>
+                    <a:p>
+                      <a:pPr algn="ctr"/>
+                      <a:endParaRPr lang="en-SE"/>
+                    </a:p>
+                  </a:txBody>
+                  <a:tcPr/>
+                </a:tc>
+                <a:tc>
+                  <a:txBody>
+                    <a:bodyPr/>
+                    <a:lstStyle/>
+                    <a:p>
+                      <a:pPr algn="ctr"/>
+                      <a:endParaRPr lang="en-SE" dirty="0"/>
+                    </a:p>
+                  </a:txBody>
+                  <a:tcPr/>
+                </a:tc>
+                <a:tc>
+                  <a:txBody>
+                    <a:bodyPr/>
+                    <a:lstStyle/>
+                    <a:p>
+                      <a:pPr algn="ctr"/>
+                      <a:r>
+                        <a:rPr lang="en-GB" dirty="0">
+                          <a:solidFill>
+                            <a:srgbClr val="FF0000"/>
+                          </a:solidFill>
+                        </a:rPr>
+                        <a:t>1</a:t>
+                      </a:r>
+                      <a:endParaRPr lang="en-SE" dirty="0">
+                        <a:solidFill>
+                          <a:srgbClr val="FF0000"/>
+                        </a:solidFill>
+                      </a:endParaRPr>
+                    </a:p>
+                  </a:txBody>
+                  <a:tcPr/>
+                </a:tc>
+                <a:tc>
+                  <a:txBody>
+                    <a:bodyPr/>
+                    <a:lstStyle/>
+                    <a:p>
+                      <a:pPr algn="ctr"/>
+                      <a:r>
+                        <a:rPr lang="en-GB" dirty="0"/>
+                        <a:t>1</a:t>
+                      </a:r>
+                      <a:endParaRPr lang="en-SE" dirty="0"/>
+                    </a:p>
+                  </a:txBody>
+                  <a:tcPr/>
+                </a:tc>
+                <a:tc>
+                  <a:txBody>
+                    <a:bodyPr/>
+                    <a:lstStyle/>
+                    <a:p>
+                      <a:pPr algn="ctr"/>
+                      <a:r>
+                        <a:rPr lang="en-GB" dirty="0"/>
+                        <a:t>1</a:t>
+                      </a:r>
+                      <a:endParaRPr lang="en-SE" dirty="0"/>
+                    </a:p>
+                  </a:txBody>
+                  <a:tcPr/>
+                </a:tc>
+                <a:tc>
+                  <a:txBody>
+                    <a:bodyPr/>
+                    <a:lstStyle/>
+                    <a:p>
+                      <a:pPr algn="ctr"/>
+                      <a:r>
+                        <a:rPr lang="en-GB" dirty="0">
+                          <a:solidFill>
+                            <a:schemeClr val="tx1"/>
+                          </a:solidFill>
+                        </a:rPr>
+                        <a:t>1</a:t>
+                      </a:r>
+                      <a:endParaRPr lang="en-SE" dirty="0">
+                        <a:solidFill>
+                          <a:schemeClr val="tx1"/>
+                        </a:solidFill>
+                      </a:endParaRPr>
+                    </a:p>
+                  </a:txBody>
+                  <a:tcPr/>
+                </a:tc>
+                <a:tc>
+                  <a:txBody>
+                    <a:bodyPr/>
+                    <a:lstStyle/>
+                    <a:p>
+                      <a:pPr algn="ctr"/>
+                      <a:r>
+                        <a:rPr lang="en-GB" dirty="0">
+                          <a:solidFill>
+                            <a:srgbClr val="FF0000"/>
+                          </a:solidFill>
+                        </a:rPr>
+                        <a:t>6</a:t>
+                      </a:r>
+                      <a:endParaRPr lang="en-SE" dirty="0">
+                        <a:solidFill>
+                          <a:srgbClr val="FF0000"/>
+                        </a:solidFill>
+                      </a:endParaRPr>
+                    </a:p>
+                  </a:txBody>
+                  <a:tcPr/>
+                </a:tc>
+                <a:tc>
+                  <a:txBody>
+                    <a:bodyPr/>
+                    <a:lstStyle/>
+                    <a:p>
+                      <a:pPr algn="ctr"/>
+                      <a:r>
+                        <a:rPr lang="en-GB" dirty="0"/>
+                        <a:t>6</a:t>
+                      </a:r>
+                      <a:endParaRPr lang="en-SE" dirty="0"/>
+                    </a:p>
+                  </a:txBody>
+                  <a:tcPr/>
+                </a:tc>
+                <a:extLst>
+                  <a:ext uri="{0D108BD9-81ED-4DB2-BD59-A6C34878D82A}">
+                    <a16:rowId xmlns:a16="http://schemas.microsoft.com/office/drawing/2014/main" val="2750492530"/>
+                  </a:ext>
+                </a:extLst>
+              </a:tr>
+            </a:tbl>
+          </a:graphicData>
+        </a:graphic>
+      </p:graphicFrame>
+      <p:graphicFrame>
+        <p:nvGraphicFramePr>
+          <p:cNvPr id="10" name="Table 9">
+            <a:extLst>
+              <a:ext uri="{FF2B5EF4-FFF2-40B4-BE49-F238E27FC236}">
+                <a16:creationId xmlns:a16="http://schemas.microsoft.com/office/drawing/2014/main" id="{E33AE755-4DE3-8C4D-82C5-F60B20D5DFDD}"/>
+              </a:ext>
+            </a:extLst>
+          </p:cNvPr>
+          <p:cNvGraphicFramePr>
+            <a:graphicFrameLocks noGrp="1"/>
+          </p:cNvGraphicFramePr>
+          <p:nvPr>
+            <p:extLst>
+              <p:ext uri="{D42A27DB-BD31-4B8C-83A1-F6EECF244321}">
+                <p14:modId xmlns:p14="http://schemas.microsoft.com/office/powerpoint/2010/main" val="1594144024"/>
+              </p:ext>
+            </p:extLst>
+          </p:nvPr>
+        </p:nvGraphicFramePr>
+        <p:xfrm>
+          <a:off x="1820780" y="4431845"/>
+          <a:ext cx="8127999" cy="1478280"/>
+        </p:xfrm>
+        <a:graphic>
+          <a:graphicData uri="http://schemas.openxmlformats.org/drawingml/2006/table">
+            <a:tbl>
+              <a:tblPr firstRow="1" bandRow="1">
+                <a:tableStyleId>{5940675A-B579-460E-94D1-54222C63F5DA}</a:tableStyleId>
+              </a:tblPr>
+              <a:tblGrid>
+                <a:gridCol w="1371600">
+                  <a:extLst>
+                    <a:ext uri="{9D8B030D-6E8A-4147-A177-3AD203B41FA5}">
+                      <a16:colId xmlns:a16="http://schemas.microsoft.com/office/drawing/2014/main" val="932050914"/>
+                    </a:ext>
+                  </a:extLst>
+                </a:gridCol>
+                <a:gridCol w="750711">
+                  <a:extLst>
+                    <a:ext uri="{9D8B030D-6E8A-4147-A177-3AD203B41FA5}">
+                      <a16:colId xmlns:a16="http://schemas.microsoft.com/office/drawing/2014/main" val="3868456712"/>
+                    </a:ext>
+                  </a:extLst>
+                </a:gridCol>
+                <a:gridCol w="750711">
+                  <a:extLst>
+                    <a:ext uri="{9D8B030D-6E8A-4147-A177-3AD203B41FA5}">
+                      <a16:colId xmlns:a16="http://schemas.microsoft.com/office/drawing/2014/main" val="3880331426"/>
+                    </a:ext>
+                  </a:extLst>
+                </a:gridCol>
+                <a:gridCol w="750711">
+                  <a:extLst>
+                    <a:ext uri="{9D8B030D-6E8A-4147-A177-3AD203B41FA5}">
+                      <a16:colId xmlns:a16="http://schemas.microsoft.com/office/drawing/2014/main" val="1247111991"/>
+                    </a:ext>
+                  </a:extLst>
+                </a:gridCol>
+                <a:gridCol w="750711">
+                  <a:extLst>
+                    <a:ext uri="{9D8B030D-6E8A-4147-A177-3AD203B41FA5}">
+                      <a16:colId xmlns:a16="http://schemas.microsoft.com/office/drawing/2014/main" val="2060846370"/>
+                    </a:ext>
+                  </a:extLst>
+                </a:gridCol>
+                <a:gridCol w="750711">
+                  <a:extLst>
+                    <a:ext uri="{9D8B030D-6E8A-4147-A177-3AD203B41FA5}">
+                      <a16:colId xmlns:a16="http://schemas.microsoft.com/office/drawing/2014/main" val="2109822307"/>
+                    </a:ext>
+                  </a:extLst>
+                </a:gridCol>
+                <a:gridCol w="750711">
+                  <a:extLst>
+                    <a:ext uri="{9D8B030D-6E8A-4147-A177-3AD203B41FA5}">
+                      <a16:colId xmlns:a16="http://schemas.microsoft.com/office/drawing/2014/main" val="3424463367"/>
+                    </a:ext>
+                  </a:extLst>
+                </a:gridCol>
+                <a:gridCol w="750711">
+                  <a:extLst>
+                    <a:ext uri="{9D8B030D-6E8A-4147-A177-3AD203B41FA5}">
+                      <a16:colId xmlns:a16="http://schemas.microsoft.com/office/drawing/2014/main" val="3481469953"/>
+                    </a:ext>
+                  </a:extLst>
+                </a:gridCol>
+                <a:gridCol w="750711">
+                  <a:extLst>
+                    <a:ext uri="{9D8B030D-6E8A-4147-A177-3AD203B41FA5}">
+                      <a16:colId xmlns:a16="http://schemas.microsoft.com/office/drawing/2014/main" val="1650596626"/>
+                    </a:ext>
+                  </a:extLst>
+                </a:gridCol>
+                <a:gridCol w="750711">
+                  <a:extLst>
+                    <a:ext uri="{9D8B030D-6E8A-4147-A177-3AD203B41FA5}">
+                      <a16:colId xmlns:a16="http://schemas.microsoft.com/office/drawing/2014/main" val="1007141654"/>
+                    </a:ext>
+                  </a:extLst>
+                </a:gridCol>
+              </a:tblGrid>
+              <a:tr h="294640">
+                <a:tc>
+                  <a:txBody>
+                    <a:bodyPr/>
+                    <a:lstStyle/>
+                    <a:p>
+                      <a:pPr algn="ctr"/>
+                      <a:r>
+                        <a:rPr lang="en-US" dirty="0"/>
+                        <a:t>Ref</a:t>
+                      </a:r>
+                      <a:endParaRPr lang="en-SE" dirty="0"/>
+                    </a:p>
+                  </a:txBody>
+                  <a:tcPr/>
+                </a:tc>
+                <a:tc>
+                  <a:txBody>
+                    <a:bodyPr/>
+                    <a:lstStyle/>
+                    <a:p>
+                      <a:pPr algn="ctr"/>
+                      <a:r>
+                        <a:rPr lang="en-GB" dirty="0"/>
+                        <a:t>5</a:t>
+                      </a:r>
+                      <a:endParaRPr lang="en-SE" dirty="0"/>
+                    </a:p>
+                  </a:txBody>
+                  <a:tcPr/>
+                </a:tc>
+                <a:tc>
+                  <a:txBody>
+                    <a:bodyPr/>
+                    <a:lstStyle/>
+                    <a:p>
+                      <a:pPr algn="ctr"/>
+                      <a:r>
+                        <a:rPr lang="en-GB" dirty="0"/>
+                        <a:t>3</a:t>
+                      </a:r>
+                      <a:endParaRPr lang="en-SE" dirty="0"/>
+                    </a:p>
+                  </a:txBody>
+                  <a:tcPr/>
+                </a:tc>
+                <a:tc>
+                  <a:txBody>
+                    <a:bodyPr/>
+                    <a:lstStyle/>
+                    <a:p>
+                      <a:pPr algn="ctr"/>
+                      <a:r>
+                        <a:rPr lang="en-GB" dirty="0"/>
+                        <a:t>5</a:t>
+                      </a:r>
+                      <a:endParaRPr lang="en-SE" dirty="0"/>
+                    </a:p>
+                  </a:txBody>
+                  <a:tcPr/>
+                </a:tc>
+                <a:tc>
+                  <a:txBody>
+                    <a:bodyPr/>
+                    <a:lstStyle/>
+                    <a:p>
+                      <a:pPr algn="ctr"/>
+                      <a:r>
+                        <a:rPr lang="en-GB" dirty="0"/>
+                        <a:t>1</a:t>
+                      </a:r>
+                      <a:endParaRPr lang="en-SE" dirty="0"/>
+                    </a:p>
+                  </a:txBody>
+                  <a:tcPr/>
+                </a:tc>
+                <a:tc>
+                  <a:txBody>
+                    <a:bodyPr/>
+                    <a:lstStyle/>
+                    <a:p>
+                      <a:pPr algn="ctr"/>
+                      <a:r>
+                        <a:rPr lang="en-GB" dirty="0"/>
+                        <a:t>2</a:t>
+                      </a:r>
+                      <a:endParaRPr lang="en-SE" dirty="0"/>
+                    </a:p>
+                  </a:txBody>
+                  <a:tcPr/>
+                </a:tc>
+                <a:tc>
+                  <a:txBody>
+                    <a:bodyPr/>
+                    <a:lstStyle/>
+                    <a:p>
+                      <a:pPr algn="ctr"/>
+                      <a:r>
+                        <a:rPr lang="en-GB" dirty="0"/>
+                        <a:t>5</a:t>
+                      </a:r>
+                      <a:endParaRPr lang="en-SE" dirty="0"/>
+                    </a:p>
+                  </a:txBody>
+                  <a:tcPr/>
+                </a:tc>
+                <a:tc>
+                  <a:txBody>
+                    <a:bodyPr/>
+                    <a:lstStyle/>
+                    <a:p>
+                      <a:pPr algn="ctr"/>
+                      <a:r>
+                        <a:rPr lang="en-GB" dirty="0"/>
+                        <a:t>4</a:t>
+                      </a:r>
+                      <a:endParaRPr lang="en-SE" dirty="0"/>
+                    </a:p>
+                  </a:txBody>
+                  <a:tcPr/>
+                </a:tc>
+                <a:tc>
+                  <a:txBody>
+                    <a:bodyPr/>
+                    <a:lstStyle/>
+                    <a:p>
+                      <a:pPr algn="ctr"/>
+                      <a:r>
+                        <a:rPr lang="en-GB" dirty="0"/>
+                        <a:t>6</a:t>
+                      </a:r>
+                      <a:endParaRPr lang="en-SE" dirty="0"/>
+                    </a:p>
+                  </a:txBody>
+                  <a:tcPr/>
+                </a:tc>
+                <a:tc>
+                  <a:txBody>
+                    <a:bodyPr/>
+                    <a:lstStyle/>
+                    <a:p>
+                      <a:pPr algn="ctr"/>
+                      <a:r>
+                        <a:rPr lang="en-GB" dirty="0"/>
+                        <a:t>1</a:t>
+                      </a:r>
+                      <a:endParaRPr lang="en-SE" dirty="0"/>
+                    </a:p>
+                  </a:txBody>
+                  <a:tcPr/>
+                </a:tc>
+                <a:extLst>
+                  <a:ext uri="{0D108BD9-81ED-4DB2-BD59-A6C34878D82A}">
+                    <a16:rowId xmlns:a16="http://schemas.microsoft.com/office/drawing/2014/main" val="1743856369"/>
+                  </a:ext>
+                </a:extLst>
+              </a:tr>
+              <a:tr h="370840">
+                <a:tc>
+                  <a:txBody>
+                    <a:bodyPr/>
+                    <a:lstStyle/>
+                    <a:p>
+                      <a:pPr algn="ctr"/>
+                      <a:r>
+                        <a:rPr lang="en-GB" dirty="0"/>
+                        <a:t>Frame 1</a:t>
+                      </a:r>
+                      <a:endParaRPr lang="en-SE" dirty="0"/>
+                    </a:p>
+                  </a:txBody>
+                  <a:tcPr/>
+                </a:tc>
+                <a:tc>
+                  <a:txBody>
+                    <a:bodyPr/>
+                    <a:lstStyle/>
+                    <a:p>
+                      <a:pPr algn="ctr"/>
+                      <a:r>
+                        <a:rPr lang="en-GB" dirty="0">
+                          <a:solidFill>
+                            <a:srgbClr val="FF0000"/>
+                          </a:solidFill>
+                        </a:rPr>
+                        <a:t>5</a:t>
+                      </a:r>
+                      <a:endParaRPr lang="en-SE" dirty="0">
+                        <a:solidFill>
+                          <a:srgbClr val="FF0000"/>
+                        </a:solidFill>
+                      </a:endParaRPr>
+                    </a:p>
+                  </a:txBody>
+                  <a:tcPr/>
+                </a:tc>
+                <a:tc>
+                  <a:txBody>
+                    <a:bodyPr/>
+                    <a:lstStyle/>
+                    <a:p>
+                      <a:pPr algn="ctr"/>
+                      <a:r>
+                        <a:rPr lang="en-GB" dirty="0"/>
+                        <a:t>5</a:t>
+                      </a:r>
+                      <a:endParaRPr lang="en-SE" dirty="0"/>
+                    </a:p>
+                  </a:txBody>
+                  <a:tcPr/>
+                </a:tc>
+                <a:tc>
+                  <a:txBody>
+                    <a:bodyPr/>
+                    <a:lstStyle/>
+                    <a:p>
+                      <a:pPr algn="ctr"/>
+                      <a:r>
+                        <a:rPr lang="en-GB" dirty="0"/>
+                        <a:t>5</a:t>
+                      </a:r>
+                      <a:endParaRPr lang="en-SE" dirty="0"/>
+                    </a:p>
+                  </a:txBody>
+                  <a:tcPr/>
+                </a:tc>
+                <a:tc>
+                  <a:txBody>
+                    <a:bodyPr/>
+                    <a:lstStyle/>
+                    <a:p>
+                      <a:pPr algn="ctr"/>
+                      <a:r>
+                        <a:rPr lang="en-GB" dirty="0"/>
+                        <a:t>5</a:t>
+                      </a:r>
+                      <a:endParaRPr lang="en-SE" dirty="0"/>
+                    </a:p>
+                  </a:txBody>
+                  <a:tcPr/>
+                </a:tc>
+                <a:tc>
+                  <a:txBody>
+                    <a:bodyPr/>
+                    <a:lstStyle/>
+                    <a:p>
+                      <a:pPr algn="ctr"/>
+                      <a:r>
+                        <a:rPr lang="en-GB" dirty="0"/>
+                        <a:t>5</a:t>
+                      </a:r>
+                      <a:endParaRPr lang="en-SE" dirty="0"/>
+                    </a:p>
+                  </a:txBody>
+                  <a:tcPr/>
+                </a:tc>
+                <a:tc>
+                  <a:txBody>
+                    <a:bodyPr/>
+                    <a:lstStyle/>
+                    <a:p>
+                      <a:pPr algn="ctr"/>
+                      <a:r>
+                        <a:rPr lang="en-GB" dirty="0"/>
+                        <a:t>5</a:t>
+                      </a:r>
+                      <a:endParaRPr lang="en-SE" dirty="0"/>
+                    </a:p>
+                  </a:txBody>
+                  <a:tcPr/>
+                </a:tc>
+                <a:tc>
+                  <a:txBody>
+                    <a:bodyPr/>
+                    <a:lstStyle/>
+                    <a:p>
+                      <a:pPr algn="ctr"/>
+                      <a:r>
+                        <a:rPr lang="en-GB" dirty="0">
+                          <a:solidFill>
+                            <a:srgbClr val="FF0000"/>
+                          </a:solidFill>
+                        </a:rPr>
+                        <a:t>4</a:t>
+                      </a:r>
+                      <a:endParaRPr lang="en-SE" dirty="0">
+                        <a:solidFill>
+                          <a:srgbClr val="FF0000"/>
+                        </a:solidFill>
+                      </a:endParaRPr>
+                    </a:p>
+                  </a:txBody>
+                  <a:tcPr/>
+                </a:tc>
+                <a:tc>
+                  <a:txBody>
+                    <a:bodyPr/>
+                    <a:lstStyle/>
+                    <a:p>
+                      <a:pPr algn="ctr"/>
+                      <a:r>
+                        <a:rPr lang="en-GB" dirty="0"/>
+                        <a:t>4</a:t>
+                      </a:r>
+                      <a:endParaRPr lang="en-SE" dirty="0"/>
+                    </a:p>
+                  </a:txBody>
+                  <a:tcPr/>
+                </a:tc>
+                <a:tc>
+                  <a:txBody>
+                    <a:bodyPr/>
+                    <a:lstStyle/>
+                    <a:p>
+                      <a:pPr algn="ctr"/>
+                      <a:r>
+                        <a:rPr lang="en-GB" dirty="0">
+                          <a:solidFill>
+                            <a:schemeClr val="tx1"/>
+                          </a:solidFill>
+                        </a:rPr>
+                        <a:t>4</a:t>
+                      </a:r>
+                      <a:endParaRPr lang="en-SE" dirty="0">
+                        <a:solidFill>
+                          <a:schemeClr val="tx1"/>
+                        </a:solidFill>
+                      </a:endParaRPr>
+                    </a:p>
+                  </a:txBody>
+                  <a:tcPr/>
+                </a:tc>
+                <a:extLst>
+                  <a:ext uri="{0D108BD9-81ED-4DB2-BD59-A6C34878D82A}">
+                    <a16:rowId xmlns:a16="http://schemas.microsoft.com/office/drawing/2014/main" val="3815391198"/>
+                  </a:ext>
+                </a:extLst>
+              </a:tr>
+              <a:tr h="370840">
+                <a:tc>
+                  <a:txBody>
+                    <a:bodyPr/>
+                    <a:lstStyle/>
+                    <a:p>
+                      <a:pPr marL="0" marR="0" lvl="0" indent="0" algn="ctr" defTabSz="914400" rtl="0" eaLnBrk="1" fontAlgn="auto" latinLnBrk="0" hangingPunct="1">
+                        <a:lnSpc>
+                          <a:spcPct val="100000"/>
+                        </a:lnSpc>
+                        <a:spcBef>
+                          <a:spcPts val="0"/>
+                        </a:spcBef>
+                        <a:spcAft>
+                          <a:spcPts val="0"/>
+                        </a:spcAft>
+                        <a:buClrTx/>
+                        <a:buSzTx/>
+                        <a:buFontTx/>
+                        <a:buNone/>
+                        <a:tabLst/>
+                        <a:defRPr/>
+                      </a:pPr>
+                      <a:r>
+                        <a:rPr lang="en-GB" dirty="0"/>
+                        <a:t>Frame 2</a:t>
+                      </a:r>
+                      <a:endParaRPr lang="en-SE" dirty="0"/>
+                    </a:p>
+                  </a:txBody>
+                  <a:tcPr/>
+                </a:tc>
+                <a:tc>
+                  <a:txBody>
+                    <a:bodyPr/>
+                    <a:lstStyle/>
+                    <a:p>
+                      <a:pPr algn="ctr"/>
+                      <a:endParaRPr lang="en-SE" dirty="0"/>
+                    </a:p>
+                  </a:txBody>
+                  <a:tcPr/>
+                </a:tc>
+                <a:tc>
+                  <a:txBody>
+                    <a:bodyPr/>
+                    <a:lstStyle/>
+                    <a:p>
+                      <a:pPr algn="ctr"/>
+                      <a:r>
+                        <a:rPr lang="en-GB" dirty="0">
+                          <a:solidFill>
+                            <a:srgbClr val="FF0000"/>
+                          </a:solidFill>
+                        </a:rPr>
+                        <a:t>3</a:t>
+                      </a:r>
+                      <a:endParaRPr lang="en-SE" dirty="0">
+                        <a:solidFill>
+                          <a:srgbClr val="FF0000"/>
+                        </a:solidFill>
+                      </a:endParaRPr>
+                    </a:p>
+                  </a:txBody>
+                  <a:tcPr/>
+                </a:tc>
+                <a:tc>
+                  <a:txBody>
+                    <a:bodyPr/>
+                    <a:lstStyle/>
+                    <a:p>
+                      <a:pPr algn="ctr"/>
+                      <a:r>
+                        <a:rPr lang="en-GB" dirty="0"/>
+                        <a:t>3</a:t>
+                      </a:r>
+                      <a:endParaRPr lang="en-SE" dirty="0"/>
+                    </a:p>
+                  </a:txBody>
+                  <a:tcPr/>
+                </a:tc>
+                <a:tc>
+                  <a:txBody>
+                    <a:bodyPr/>
+                    <a:lstStyle/>
+                    <a:p>
+                      <a:pPr algn="ctr"/>
+                      <a:r>
+                        <a:rPr lang="en-GB" dirty="0"/>
+                        <a:t>3</a:t>
+                      </a:r>
+                      <a:endParaRPr lang="en-SE" dirty="0"/>
+                    </a:p>
+                  </a:txBody>
+                  <a:tcPr/>
+                </a:tc>
+                <a:tc>
+                  <a:txBody>
+                    <a:bodyPr/>
+                    <a:lstStyle/>
+                    <a:p>
+                      <a:pPr algn="ctr"/>
+                      <a:r>
+                        <a:rPr lang="en-GB" dirty="0"/>
+                        <a:t>2</a:t>
+                      </a:r>
+                      <a:endParaRPr lang="en-SE" dirty="0"/>
+                    </a:p>
+                  </a:txBody>
+                  <a:tcPr/>
+                </a:tc>
+                <a:tc>
+                  <a:txBody>
+                    <a:bodyPr/>
+                    <a:lstStyle/>
+                    <a:p>
+                      <a:pPr algn="ctr"/>
+                      <a:r>
+                        <a:rPr lang="en-GB" dirty="0"/>
+                        <a:t>2</a:t>
+                      </a:r>
+                      <a:endParaRPr lang="en-SE" dirty="0"/>
+                    </a:p>
+                  </a:txBody>
+                  <a:tcPr/>
+                </a:tc>
+                <a:tc>
+                  <a:txBody>
+                    <a:bodyPr/>
+                    <a:lstStyle/>
+                    <a:p>
+                      <a:pPr algn="ctr"/>
+                      <a:r>
+                        <a:rPr lang="en-GB" dirty="0"/>
+                        <a:t>2</a:t>
+                      </a:r>
+                      <a:endParaRPr lang="en-SE" dirty="0"/>
+                    </a:p>
+                  </a:txBody>
+                  <a:tcPr/>
+                </a:tc>
+                <a:tc>
+                  <a:txBody>
+                    <a:bodyPr/>
+                    <a:lstStyle/>
+                    <a:p>
+                      <a:pPr algn="ctr"/>
+                      <a:r>
+                        <a:rPr lang="en-GB" dirty="0">
+                          <a:solidFill>
+                            <a:srgbClr val="FF0000"/>
+                          </a:solidFill>
+                        </a:rPr>
+                        <a:t>6</a:t>
+                      </a:r>
+                      <a:endParaRPr lang="en-SE" dirty="0">
+                        <a:solidFill>
+                          <a:srgbClr val="FF0000"/>
+                        </a:solidFill>
+                      </a:endParaRPr>
+                    </a:p>
+                  </a:txBody>
+                  <a:tcPr/>
+                </a:tc>
+                <a:tc>
+                  <a:txBody>
+                    <a:bodyPr/>
+                    <a:lstStyle/>
+                    <a:p>
+                      <a:pPr algn="ctr"/>
+                      <a:r>
+                        <a:rPr lang="en-GB" dirty="0">
+                          <a:solidFill>
+                            <a:schemeClr val="tx1"/>
+                          </a:solidFill>
+                        </a:rPr>
+                        <a:t>6</a:t>
+                      </a:r>
+                      <a:endParaRPr lang="en-SE" dirty="0">
+                        <a:solidFill>
+                          <a:schemeClr val="tx1"/>
+                        </a:solidFill>
+                      </a:endParaRPr>
+                    </a:p>
+                  </a:txBody>
+                  <a:tcPr/>
+                </a:tc>
+                <a:extLst>
+                  <a:ext uri="{0D108BD9-81ED-4DB2-BD59-A6C34878D82A}">
+                    <a16:rowId xmlns:a16="http://schemas.microsoft.com/office/drawing/2014/main" val="2062456169"/>
+                  </a:ext>
+                </a:extLst>
+              </a:tr>
+              <a:tr h="370840">
+                <a:tc>
+                  <a:txBody>
+                    <a:bodyPr/>
+                    <a:lstStyle/>
+                    <a:p>
+                      <a:pPr marL="0" marR="0" lvl="0" indent="0" algn="ctr" defTabSz="914400" rtl="0" eaLnBrk="1" fontAlgn="auto" latinLnBrk="0" hangingPunct="1">
+                        <a:lnSpc>
+                          <a:spcPct val="100000"/>
+                        </a:lnSpc>
+                        <a:spcBef>
+                          <a:spcPts val="0"/>
+                        </a:spcBef>
+                        <a:spcAft>
+                          <a:spcPts val="0"/>
+                        </a:spcAft>
+                        <a:buClrTx/>
+                        <a:buSzTx/>
+                        <a:buFontTx/>
+                        <a:buNone/>
+                        <a:tabLst/>
+                        <a:defRPr/>
+                      </a:pPr>
+                      <a:r>
+                        <a:rPr lang="en-GB" dirty="0"/>
+                        <a:t>Frame 3</a:t>
+                      </a:r>
+                      <a:endParaRPr lang="en-SE" dirty="0"/>
+                    </a:p>
+                  </a:txBody>
+                  <a:tcPr/>
+                </a:tc>
+                <a:tc>
+                  <a:txBody>
+                    <a:bodyPr/>
+                    <a:lstStyle/>
+                    <a:p>
+                      <a:pPr algn="ctr"/>
+                      <a:endParaRPr lang="en-SE"/>
+                    </a:p>
+                  </a:txBody>
+                  <a:tcPr/>
+                </a:tc>
+                <a:tc>
+                  <a:txBody>
+                    <a:bodyPr/>
+                    <a:lstStyle/>
+                    <a:p>
+                      <a:pPr algn="ctr"/>
+                      <a:endParaRPr lang="en-SE"/>
+                    </a:p>
+                  </a:txBody>
+                  <a:tcPr/>
+                </a:tc>
+                <a:tc>
+                  <a:txBody>
+                    <a:bodyPr/>
+                    <a:lstStyle/>
+                    <a:p>
+                      <a:pPr algn="ctr"/>
+                      <a:endParaRPr lang="en-SE" dirty="0"/>
+                    </a:p>
+                  </a:txBody>
+                  <a:tcPr/>
+                </a:tc>
+                <a:tc>
+                  <a:txBody>
+                    <a:bodyPr/>
+                    <a:lstStyle/>
+                    <a:p>
+                      <a:pPr algn="ctr"/>
+                      <a:r>
+                        <a:rPr lang="en-GB" dirty="0">
+                          <a:solidFill>
+                            <a:srgbClr val="FF0000"/>
+                          </a:solidFill>
+                        </a:rPr>
+                        <a:t>1</a:t>
+                      </a:r>
+                      <a:endParaRPr lang="en-SE" dirty="0">
+                        <a:solidFill>
+                          <a:srgbClr val="FF0000"/>
+                        </a:solidFill>
+                      </a:endParaRPr>
+                    </a:p>
+                  </a:txBody>
+                  <a:tcPr/>
+                </a:tc>
+                <a:tc>
+                  <a:txBody>
+                    <a:bodyPr/>
+                    <a:lstStyle/>
+                    <a:p>
+                      <a:pPr algn="ctr"/>
+                      <a:r>
+                        <a:rPr lang="en-GB" dirty="0"/>
+                        <a:t>1</a:t>
+                      </a:r>
+                      <a:endParaRPr lang="en-SE" dirty="0"/>
+                    </a:p>
+                  </a:txBody>
+                  <a:tcPr/>
+                </a:tc>
+                <a:tc>
+                  <a:txBody>
+                    <a:bodyPr/>
+                    <a:lstStyle/>
+                    <a:p>
+                      <a:pPr algn="ctr"/>
+                      <a:r>
+                        <a:rPr lang="en-GB" dirty="0"/>
+                        <a:t>1</a:t>
+                      </a:r>
+                      <a:endParaRPr lang="en-SE" dirty="0"/>
+                    </a:p>
+                  </a:txBody>
+                  <a:tcPr/>
+                </a:tc>
+                <a:tc>
+                  <a:txBody>
+                    <a:bodyPr/>
+                    <a:lstStyle/>
+                    <a:p>
+                      <a:pPr algn="ctr"/>
+                      <a:r>
+                        <a:rPr lang="en-GB" dirty="0">
+                          <a:solidFill>
+                            <a:schemeClr val="tx1"/>
+                          </a:solidFill>
+                        </a:rPr>
+                        <a:t>1</a:t>
+                      </a:r>
+                      <a:endParaRPr lang="en-SE" dirty="0">
+                        <a:solidFill>
+                          <a:schemeClr val="tx1"/>
+                        </a:solidFill>
+                      </a:endParaRPr>
+                    </a:p>
+                  </a:txBody>
+                  <a:tcPr/>
+                </a:tc>
+                <a:tc>
+                  <a:txBody>
+                    <a:bodyPr/>
+                    <a:lstStyle/>
+                    <a:p>
+                      <a:pPr algn="ctr"/>
+                      <a:r>
+                        <a:rPr lang="en-GB" dirty="0">
+                          <a:solidFill>
+                            <a:schemeClr val="tx1"/>
+                          </a:solidFill>
+                        </a:rPr>
+                        <a:t>1</a:t>
+                      </a:r>
+                      <a:endParaRPr lang="en-SE" dirty="0">
+                        <a:solidFill>
+                          <a:schemeClr val="tx1"/>
+                        </a:solidFill>
+                      </a:endParaRPr>
+                    </a:p>
+                  </a:txBody>
+                  <a:tcPr/>
+                </a:tc>
+                <a:tc>
+                  <a:txBody>
+                    <a:bodyPr/>
+                    <a:lstStyle/>
+                    <a:p>
+                      <a:pPr algn="ctr"/>
+                      <a:r>
+                        <a:rPr lang="en-GB" dirty="0"/>
+                        <a:t>1</a:t>
+                      </a:r>
+                      <a:endParaRPr lang="en-SE" dirty="0"/>
+                    </a:p>
+                  </a:txBody>
+                  <a:tcPr/>
+                </a:tc>
+                <a:extLst>
+                  <a:ext uri="{0D108BD9-81ED-4DB2-BD59-A6C34878D82A}">
+                    <a16:rowId xmlns:a16="http://schemas.microsoft.com/office/drawing/2014/main" val="2750492530"/>
+                  </a:ext>
+                </a:extLst>
+              </a:tr>
+            </a:tbl>
+          </a:graphicData>
+        </a:graphic>
+      </p:graphicFrame>
+    </p:spTree>
+    <p:extLst>
+      <p:ext uri="{BB962C8B-B14F-4D97-AF65-F5344CB8AC3E}">
+        <p14:creationId xmlns:p14="http://schemas.microsoft.com/office/powerpoint/2010/main" val="4160011509"/>
+      </p:ext>
+    </p:extLst>
+  </p:cSld>
+  <p:clrMapOvr>
+    <a:masterClrMapping/>
+  </p:clrMapOvr>
+  <p:transition/>
+</p:sld>
+</file>
+
+<file path=ppt/slides/slide4.xml><?xml version="1.0" encoding="utf-8"?>
+<p:sld xmlns:a="http://schemas.openxmlformats.org/drawingml/2006/main" xmlns:r="http://schemas.openxmlformats.org/officeDocument/2006/relationships" xmlns:p="http://schemas.openxmlformats.org/presentationml/2006/main">
+  <p:cSld>
+    <p:spTree>
+      <p:nvGrpSpPr>
+        <p:cNvPr id="1" name=""/>
+        <p:cNvGrpSpPr/>
+        <p:nvPr/>
+      </p:nvGrpSpPr>
+      <p:grpSpPr>
+        <a:xfrm>
+          <a:off x="0" y="0"/>
+          <a:ext cx="0" cy="0"/>
+          <a:chOff x="0" y="0"/>
+          <a:chExt cx="0" cy="0"/>
+        </a:xfrm>
+      </p:grpSpPr>
+      <p:sp>
+        <p:nvSpPr>
+          <p:cNvPr id="2" name="Title 1">
+            <a:extLst>
+              <a:ext uri="{FF2B5EF4-FFF2-40B4-BE49-F238E27FC236}">
+                <a16:creationId xmlns:a16="http://schemas.microsoft.com/office/drawing/2014/main" id="{A55BD856-519C-DB20-2E27-213B3A09CF80}"/>
+              </a:ext>
+            </a:extLst>
+          </p:cNvPr>
+          <p:cNvSpPr>
+            <a:spLocks noGrp="1"/>
+          </p:cNvSpPr>
+          <p:nvPr>
+            <p:ph type="title"/>
+          </p:nvPr>
+        </p:nvSpPr>
+        <p:spPr/>
+        <p:txBody>
+          <a:bodyPr/>
+          <a:lstStyle/>
+          <a:p>
+            <a:r>
+              <a:rPr lang="en-GB" dirty="0"/>
+              <a:t>Q2. Page Replacement</a:t>
+            </a:r>
+            <a:endParaRPr lang="en-SE" dirty="0"/>
+          </a:p>
+        </p:txBody>
+      </p:sp>
+      <p:sp>
+        <p:nvSpPr>
+          <p:cNvPr id="3" name="Content Placeholder 2">
+            <a:extLst>
+              <a:ext uri="{FF2B5EF4-FFF2-40B4-BE49-F238E27FC236}">
+                <a16:creationId xmlns:a16="http://schemas.microsoft.com/office/drawing/2014/main" id="{494495FC-E3ED-BF8C-11E8-E5310D67777D}"/>
               </a:ext>
             </a:extLst>
           </p:cNvPr>
@@ -3668,14 +7030,5239 @@
           <a:bodyPr/>
           <a:lstStyle/>
           <a:p>
-            <a:endParaRPr lang="en-SE"/>
+            <a:r>
+              <a:rPr lang="en-GB" dirty="0"/>
+              <a:t>Consider cache size of 3 frames, and following reference stream of virtual pages: </a:t>
+            </a:r>
+          </a:p>
+          <a:p>
+            <a:pPr lvl="1"/>
+            <a:r>
+              <a:rPr lang="en-GB" dirty="0"/>
+              <a:t>7, 0, 1, 2, 0, 3, 0, 4, 2, 3, 0, 3, 1, 2, 0</a:t>
+            </a:r>
+          </a:p>
+          <a:p>
+            <a:r>
+              <a:rPr lang="fr-FR" dirty="0"/>
+              <a:t>Fill in the table for FIFO, LRU, and OPT page replacement </a:t>
+            </a:r>
+            <a:r>
+              <a:rPr lang="fr-FR" dirty="0" err="1"/>
+              <a:t>algorithms</a:t>
+            </a:r>
+            <a:r>
+              <a:rPr lang="fr-FR" dirty="0"/>
+              <a:t>, and </a:t>
+            </a:r>
+            <a:r>
+              <a:rPr lang="fr-FR" dirty="0" err="1"/>
+              <a:t>give</a:t>
+            </a:r>
+            <a:r>
+              <a:rPr lang="fr-FR" dirty="0"/>
+              <a:t> the </a:t>
+            </a:r>
+            <a:r>
+              <a:rPr lang="fr-FR" dirty="0" err="1"/>
+              <a:t>number</a:t>
+            </a:r>
+            <a:r>
+              <a:rPr lang="fr-FR" dirty="0"/>
+              <a:t> of page </a:t>
+            </a:r>
+            <a:r>
+              <a:rPr lang="fr-FR" dirty="0" err="1"/>
+              <a:t>faults</a:t>
+            </a:r>
+            <a:r>
+              <a:rPr lang="fr-FR" dirty="0"/>
+              <a:t> for </a:t>
+            </a:r>
+            <a:r>
+              <a:rPr lang="fr-FR" dirty="0" err="1"/>
+              <a:t>each</a:t>
+            </a:r>
+            <a:r>
+              <a:rPr lang="fr-FR" dirty="0"/>
+              <a:t> </a:t>
+            </a:r>
+            <a:r>
+              <a:rPr lang="fr-FR" dirty="0" err="1"/>
+              <a:t>algorithm</a:t>
+            </a:r>
+            <a:r>
+              <a:rPr lang="fr-FR" dirty="0"/>
+              <a:t>.</a:t>
+            </a:r>
+            <a:endParaRPr lang="en-GB" dirty="0"/>
+          </a:p>
+          <a:p>
+            <a:endParaRPr lang="en-SE" dirty="0"/>
+          </a:p>
+        </p:txBody>
+      </p:sp>
+      <p:graphicFrame>
+        <p:nvGraphicFramePr>
+          <p:cNvPr id="4" name="Table 3">
+            <a:extLst>
+              <a:ext uri="{FF2B5EF4-FFF2-40B4-BE49-F238E27FC236}">
+                <a16:creationId xmlns:a16="http://schemas.microsoft.com/office/drawing/2014/main" id="{E32D97FC-63CE-D118-1597-4AE7B956B6E7}"/>
+              </a:ext>
+            </a:extLst>
+          </p:cNvPr>
+          <p:cNvGraphicFramePr>
+            <a:graphicFrameLocks noGrp="1"/>
+          </p:cNvGraphicFramePr>
+          <p:nvPr>
+            <p:extLst>
+              <p:ext uri="{D42A27DB-BD31-4B8C-83A1-F6EECF244321}">
+                <p14:modId xmlns:p14="http://schemas.microsoft.com/office/powerpoint/2010/main" val="380253184"/>
+              </p:ext>
+            </p:extLst>
+          </p:nvPr>
+        </p:nvGraphicFramePr>
+        <p:xfrm>
+          <a:off x="1295400" y="3200400"/>
+          <a:ext cx="9601200" cy="1483360"/>
+        </p:xfrm>
+        <a:graphic>
+          <a:graphicData uri="http://schemas.openxmlformats.org/drawingml/2006/table">
+            <a:tbl>
+              <a:tblPr firstRow="1" bandRow="1">
+                <a:tableStyleId>{5940675A-B579-460E-94D1-54222C63F5DA}</a:tableStyleId>
+              </a:tblPr>
+              <a:tblGrid>
+                <a:gridCol w="600075">
+                  <a:extLst>
+                    <a:ext uri="{9D8B030D-6E8A-4147-A177-3AD203B41FA5}">
+                      <a16:colId xmlns:a16="http://schemas.microsoft.com/office/drawing/2014/main" val="292060264"/>
+                    </a:ext>
+                  </a:extLst>
+                </a:gridCol>
+                <a:gridCol w="600075">
+                  <a:extLst>
+                    <a:ext uri="{9D8B030D-6E8A-4147-A177-3AD203B41FA5}">
+                      <a16:colId xmlns:a16="http://schemas.microsoft.com/office/drawing/2014/main" val="2963604161"/>
+                    </a:ext>
+                  </a:extLst>
+                </a:gridCol>
+                <a:gridCol w="600075">
+                  <a:extLst>
+                    <a:ext uri="{9D8B030D-6E8A-4147-A177-3AD203B41FA5}">
+                      <a16:colId xmlns:a16="http://schemas.microsoft.com/office/drawing/2014/main" val="973972083"/>
+                    </a:ext>
+                  </a:extLst>
+                </a:gridCol>
+                <a:gridCol w="600075">
+                  <a:extLst>
+                    <a:ext uri="{9D8B030D-6E8A-4147-A177-3AD203B41FA5}">
+                      <a16:colId xmlns:a16="http://schemas.microsoft.com/office/drawing/2014/main" val="3228715825"/>
+                    </a:ext>
+                  </a:extLst>
+                </a:gridCol>
+                <a:gridCol w="600075">
+                  <a:extLst>
+                    <a:ext uri="{9D8B030D-6E8A-4147-A177-3AD203B41FA5}">
+                      <a16:colId xmlns:a16="http://schemas.microsoft.com/office/drawing/2014/main" val="4061598519"/>
+                    </a:ext>
+                  </a:extLst>
+                </a:gridCol>
+                <a:gridCol w="600075">
+                  <a:extLst>
+                    <a:ext uri="{9D8B030D-6E8A-4147-A177-3AD203B41FA5}">
+                      <a16:colId xmlns:a16="http://schemas.microsoft.com/office/drawing/2014/main" val="4235665240"/>
+                    </a:ext>
+                  </a:extLst>
+                </a:gridCol>
+                <a:gridCol w="600075">
+                  <a:extLst>
+                    <a:ext uri="{9D8B030D-6E8A-4147-A177-3AD203B41FA5}">
+                      <a16:colId xmlns:a16="http://schemas.microsoft.com/office/drawing/2014/main" val="441605830"/>
+                    </a:ext>
+                  </a:extLst>
+                </a:gridCol>
+                <a:gridCol w="600075">
+                  <a:extLst>
+                    <a:ext uri="{9D8B030D-6E8A-4147-A177-3AD203B41FA5}">
+                      <a16:colId xmlns:a16="http://schemas.microsoft.com/office/drawing/2014/main" val="2715802762"/>
+                    </a:ext>
+                  </a:extLst>
+                </a:gridCol>
+                <a:gridCol w="600075">
+                  <a:extLst>
+                    <a:ext uri="{9D8B030D-6E8A-4147-A177-3AD203B41FA5}">
+                      <a16:colId xmlns:a16="http://schemas.microsoft.com/office/drawing/2014/main" val="3720376829"/>
+                    </a:ext>
+                  </a:extLst>
+                </a:gridCol>
+                <a:gridCol w="600075">
+                  <a:extLst>
+                    <a:ext uri="{9D8B030D-6E8A-4147-A177-3AD203B41FA5}">
+                      <a16:colId xmlns:a16="http://schemas.microsoft.com/office/drawing/2014/main" val="4215981938"/>
+                    </a:ext>
+                  </a:extLst>
+                </a:gridCol>
+                <a:gridCol w="600075">
+                  <a:extLst>
+                    <a:ext uri="{9D8B030D-6E8A-4147-A177-3AD203B41FA5}">
+                      <a16:colId xmlns:a16="http://schemas.microsoft.com/office/drawing/2014/main" val="3764429309"/>
+                    </a:ext>
+                  </a:extLst>
+                </a:gridCol>
+                <a:gridCol w="600075">
+                  <a:extLst>
+                    <a:ext uri="{9D8B030D-6E8A-4147-A177-3AD203B41FA5}">
+                      <a16:colId xmlns:a16="http://schemas.microsoft.com/office/drawing/2014/main" val="4122870511"/>
+                    </a:ext>
+                  </a:extLst>
+                </a:gridCol>
+                <a:gridCol w="600075">
+                  <a:extLst>
+                    <a:ext uri="{9D8B030D-6E8A-4147-A177-3AD203B41FA5}">
+                      <a16:colId xmlns:a16="http://schemas.microsoft.com/office/drawing/2014/main" val="3200705457"/>
+                    </a:ext>
+                  </a:extLst>
+                </a:gridCol>
+                <a:gridCol w="600075">
+                  <a:extLst>
+                    <a:ext uri="{9D8B030D-6E8A-4147-A177-3AD203B41FA5}">
+                      <a16:colId xmlns:a16="http://schemas.microsoft.com/office/drawing/2014/main" val="890063204"/>
+                    </a:ext>
+                  </a:extLst>
+                </a:gridCol>
+                <a:gridCol w="600075">
+                  <a:extLst>
+                    <a:ext uri="{9D8B030D-6E8A-4147-A177-3AD203B41FA5}">
+                      <a16:colId xmlns:a16="http://schemas.microsoft.com/office/drawing/2014/main" val="1884647162"/>
+                    </a:ext>
+                  </a:extLst>
+                </a:gridCol>
+                <a:gridCol w="600075">
+                  <a:extLst>
+                    <a:ext uri="{9D8B030D-6E8A-4147-A177-3AD203B41FA5}">
+                      <a16:colId xmlns:a16="http://schemas.microsoft.com/office/drawing/2014/main" val="2301853606"/>
+                    </a:ext>
+                  </a:extLst>
+                </a:gridCol>
+              </a:tblGrid>
+              <a:tr h="370840">
+                <a:tc>
+                  <a:txBody>
+                    <a:bodyPr/>
+                    <a:lstStyle/>
+                    <a:p>
+                      <a:pPr algn="ctr"/>
+                      <a:r>
+                        <a:rPr lang="en-GB" dirty="0"/>
+                        <a:t>Ref</a:t>
+                      </a:r>
+                      <a:endParaRPr lang="en-SE" dirty="0"/>
+                    </a:p>
+                  </a:txBody>
+                  <a:tcPr/>
+                </a:tc>
+                <a:tc>
+                  <a:txBody>
+                    <a:bodyPr/>
+                    <a:lstStyle/>
+                    <a:p>
+                      <a:pPr algn="ctr"/>
+                      <a:r>
+                        <a:rPr lang="en-GB" dirty="0"/>
+                        <a:t>7</a:t>
+                      </a:r>
+                      <a:endParaRPr lang="en-SE" dirty="0"/>
+                    </a:p>
+                  </a:txBody>
+                  <a:tcPr/>
+                </a:tc>
+                <a:tc>
+                  <a:txBody>
+                    <a:bodyPr/>
+                    <a:lstStyle/>
+                    <a:p>
+                      <a:pPr algn="ctr"/>
+                      <a:r>
+                        <a:rPr lang="en-GB" dirty="0"/>
+                        <a:t>0</a:t>
+                      </a:r>
+                      <a:endParaRPr lang="en-SE" dirty="0"/>
+                    </a:p>
+                  </a:txBody>
+                  <a:tcPr/>
+                </a:tc>
+                <a:tc>
+                  <a:txBody>
+                    <a:bodyPr/>
+                    <a:lstStyle/>
+                    <a:p>
+                      <a:pPr algn="ctr"/>
+                      <a:r>
+                        <a:rPr lang="en-GB" dirty="0"/>
+                        <a:t>1</a:t>
+                      </a:r>
+                      <a:endParaRPr lang="en-SE" dirty="0"/>
+                    </a:p>
+                  </a:txBody>
+                  <a:tcPr/>
+                </a:tc>
+                <a:tc>
+                  <a:txBody>
+                    <a:bodyPr/>
+                    <a:lstStyle/>
+                    <a:p>
+                      <a:pPr algn="ctr"/>
+                      <a:r>
+                        <a:rPr lang="en-GB" dirty="0"/>
+                        <a:t>2</a:t>
+                      </a:r>
+                      <a:endParaRPr lang="en-SE" dirty="0"/>
+                    </a:p>
+                  </a:txBody>
+                  <a:tcPr/>
+                </a:tc>
+                <a:tc>
+                  <a:txBody>
+                    <a:bodyPr/>
+                    <a:lstStyle/>
+                    <a:p>
+                      <a:pPr algn="ctr"/>
+                      <a:r>
+                        <a:rPr lang="en-GB" dirty="0"/>
+                        <a:t>0</a:t>
+                      </a:r>
+                      <a:endParaRPr lang="en-SE" dirty="0"/>
+                    </a:p>
+                  </a:txBody>
+                  <a:tcPr/>
+                </a:tc>
+                <a:tc>
+                  <a:txBody>
+                    <a:bodyPr/>
+                    <a:lstStyle/>
+                    <a:p>
+                      <a:pPr algn="ctr"/>
+                      <a:r>
+                        <a:rPr lang="en-GB" dirty="0"/>
+                        <a:t>3</a:t>
+                      </a:r>
+                      <a:endParaRPr lang="en-SE" dirty="0"/>
+                    </a:p>
+                  </a:txBody>
+                  <a:tcPr/>
+                </a:tc>
+                <a:tc>
+                  <a:txBody>
+                    <a:bodyPr/>
+                    <a:lstStyle/>
+                    <a:p>
+                      <a:pPr algn="ctr"/>
+                      <a:r>
+                        <a:rPr lang="en-GB" dirty="0"/>
+                        <a:t>0</a:t>
+                      </a:r>
+                      <a:endParaRPr lang="en-SE" dirty="0"/>
+                    </a:p>
+                  </a:txBody>
+                  <a:tcPr/>
+                </a:tc>
+                <a:tc>
+                  <a:txBody>
+                    <a:bodyPr/>
+                    <a:lstStyle/>
+                    <a:p>
+                      <a:pPr algn="ctr"/>
+                      <a:r>
+                        <a:rPr lang="en-GB" dirty="0"/>
+                        <a:t>4</a:t>
+                      </a:r>
+                      <a:endParaRPr lang="en-SE" dirty="0"/>
+                    </a:p>
+                  </a:txBody>
+                  <a:tcPr/>
+                </a:tc>
+                <a:tc>
+                  <a:txBody>
+                    <a:bodyPr/>
+                    <a:lstStyle/>
+                    <a:p>
+                      <a:pPr algn="ctr"/>
+                      <a:r>
+                        <a:rPr lang="en-GB" dirty="0"/>
+                        <a:t>2</a:t>
+                      </a:r>
+                      <a:endParaRPr lang="en-SE" dirty="0"/>
+                    </a:p>
+                  </a:txBody>
+                  <a:tcPr/>
+                </a:tc>
+                <a:tc>
+                  <a:txBody>
+                    <a:bodyPr/>
+                    <a:lstStyle/>
+                    <a:p>
+                      <a:pPr algn="ctr"/>
+                      <a:r>
+                        <a:rPr lang="en-GB" dirty="0"/>
+                        <a:t>3</a:t>
+                      </a:r>
+                      <a:endParaRPr lang="en-SE" dirty="0"/>
+                    </a:p>
+                  </a:txBody>
+                  <a:tcPr/>
+                </a:tc>
+                <a:tc>
+                  <a:txBody>
+                    <a:bodyPr/>
+                    <a:lstStyle/>
+                    <a:p>
+                      <a:pPr algn="ctr"/>
+                      <a:r>
+                        <a:rPr lang="en-GB" dirty="0"/>
+                        <a:t>0</a:t>
+                      </a:r>
+                      <a:endParaRPr lang="en-SE" dirty="0"/>
+                    </a:p>
+                  </a:txBody>
+                  <a:tcPr/>
+                </a:tc>
+                <a:tc>
+                  <a:txBody>
+                    <a:bodyPr/>
+                    <a:lstStyle/>
+                    <a:p>
+                      <a:pPr algn="ctr"/>
+                      <a:r>
+                        <a:rPr lang="en-GB" dirty="0"/>
+                        <a:t>3</a:t>
+                      </a:r>
+                      <a:endParaRPr lang="en-SE" dirty="0"/>
+                    </a:p>
+                  </a:txBody>
+                  <a:tcPr/>
+                </a:tc>
+                <a:tc>
+                  <a:txBody>
+                    <a:bodyPr/>
+                    <a:lstStyle/>
+                    <a:p>
+                      <a:pPr algn="ctr"/>
+                      <a:r>
+                        <a:rPr lang="en-GB" dirty="0"/>
+                        <a:t>1</a:t>
+                      </a:r>
+                      <a:endParaRPr lang="en-SE" dirty="0"/>
+                    </a:p>
+                  </a:txBody>
+                  <a:tcPr/>
+                </a:tc>
+                <a:tc>
+                  <a:txBody>
+                    <a:bodyPr/>
+                    <a:lstStyle/>
+                    <a:p>
+                      <a:pPr algn="ctr"/>
+                      <a:r>
+                        <a:rPr lang="en-GB" dirty="0"/>
+                        <a:t>2</a:t>
+                      </a:r>
+                      <a:endParaRPr lang="en-SE" dirty="0"/>
+                    </a:p>
+                  </a:txBody>
+                  <a:tcPr/>
+                </a:tc>
+                <a:tc>
+                  <a:txBody>
+                    <a:bodyPr/>
+                    <a:lstStyle/>
+                    <a:p>
+                      <a:pPr algn="ctr"/>
+                      <a:r>
+                        <a:rPr lang="en-GB" dirty="0"/>
+                        <a:t>0</a:t>
+                      </a:r>
+                      <a:endParaRPr lang="en-SE" dirty="0"/>
+                    </a:p>
+                  </a:txBody>
+                  <a:tcPr/>
+                </a:tc>
+                <a:extLst>
+                  <a:ext uri="{0D108BD9-81ED-4DB2-BD59-A6C34878D82A}">
+                    <a16:rowId xmlns:a16="http://schemas.microsoft.com/office/drawing/2014/main" val="3125541730"/>
+                  </a:ext>
+                </a:extLst>
+              </a:tr>
+              <a:tr h="370840">
+                <a:tc>
+                  <a:txBody>
+                    <a:bodyPr/>
+                    <a:lstStyle/>
+                    <a:p>
+                      <a:pPr algn="ctr"/>
+                      <a:r>
+                        <a:rPr lang="en-GB" dirty="0"/>
+                        <a:t>F1</a:t>
+                      </a:r>
+                      <a:endParaRPr lang="en-SE" dirty="0"/>
+                    </a:p>
+                  </a:txBody>
+                  <a:tcPr/>
+                </a:tc>
+                <a:tc>
+                  <a:txBody>
+                    <a:bodyPr/>
+                    <a:lstStyle/>
+                    <a:p>
+                      <a:pPr algn="ctr"/>
+                      <a:endParaRPr lang="en-SE" dirty="0">
+                        <a:solidFill>
+                          <a:srgbClr val="FF0000"/>
+                        </a:solidFill>
+                      </a:endParaRPr>
+                    </a:p>
+                  </a:txBody>
+                  <a:tcPr/>
+                </a:tc>
+                <a:tc>
+                  <a:txBody>
+                    <a:bodyPr/>
+                    <a:lstStyle/>
+                    <a:p>
+                      <a:pPr algn="ctr"/>
+                      <a:endParaRPr lang="en-SE" dirty="0"/>
+                    </a:p>
+                  </a:txBody>
+                  <a:tcPr/>
+                </a:tc>
+                <a:tc>
+                  <a:txBody>
+                    <a:bodyPr/>
+                    <a:lstStyle/>
+                    <a:p>
+                      <a:pPr algn="ctr"/>
+                      <a:endParaRPr lang="en-SE" dirty="0"/>
+                    </a:p>
+                  </a:txBody>
+                  <a:tcPr/>
+                </a:tc>
+                <a:tc>
+                  <a:txBody>
+                    <a:bodyPr/>
+                    <a:lstStyle/>
+                    <a:p>
+                      <a:pPr algn="ctr"/>
+                      <a:endParaRPr lang="en-SE" dirty="0">
+                        <a:solidFill>
+                          <a:srgbClr val="FF0000"/>
+                        </a:solidFill>
+                      </a:endParaRPr>
+                    </a:p>
+                  </a:txBody>
+                  <a:tcPr/>
+                </a:tc>
+                <a:tc>
+                  <a:txBody>
+                    <a:bodyPr/>
+                    <a:lstStyle/>
+                    <a:p>
+                      <a:pPr algn="ctr"/>
+                      <a:endParaRPr lang="en-SE" dirty="0"/>
+                    </a:p>
+                  </a:txBody>
+                  <a:tcPr/>
+                </a:tc>
+                <a:tc>
+                  <a:txBody>
+                    <a:bodyPr/>
+                    <a:lstStyle/>
+                    <a:p>
+                      <a:pPr algn="ctr"/>
+                      <a:endParaRPr lang="en-SE" dirty="0"/>
+                    </a:p>
+                  </a:txBody>
+                  <a:tcPr/>
+                </a:tc>
+                <a:tc>
+                  <a:txBody>
+                    <a:bodyPr/>
+                    <a:lstStyle/>
+                    <a:p>
+                      <a:pPr algn="ctr"/>
+                      <a:endParaRPr lang="en-SE" dirty="0"/>
+                    </a:p>
+                  </a:txBody>
+                  <a:tcPr/>
+                </a:tc>
+                <a:tc>
+                  <a:txBody>
+                    <a:bodyPr/>
+                    <a:lstStyle/>
+                    <a:p>
+                      <a:pPr algn="ctr"/>
+                      <a:endParaRPr lang="en-SE" dirty="0">
+                        <a:solidFill>
+                          <a:srgbClr val="FF0000"/>
+                        </a:solidFill>
+                      </a:endParaRPr>
+                    </a:p>
+                  </a:txBody>
+                  <a:tcPr/>
+                </a:tc>
+                <a:tc>
+                  <a:txBody>
+                    <a:bodyPr/>
+                    <a:lstStyle/>
+                    <a:p>
+                      <a:pPr algn="ctr"/>
+                      <a:endParaRPr lang="en-SE" dirty="0"/>
+                    </a:p>
+                  </a:txBody>
+                  <a:tcPr/>
+                </a:tc>
+                <a:tc>
+                  <a:txBody>
+                    <a:bodyPr/>
+                    <a:lstStyle/>
+                    <a:p>
+                      <a:pPr algn="ctr"/>
+                      <a:endParaRPr lang="en-SE" dirty="0"/>
+                    </a:p>
+                  </a:txBody>
+                  <a:tcPr/>
+                </a:tc>
+                <a:tc>
+                  <a:txBody>
+                    <a:bodyPr/>
+                    <a:lstStyle/>
+                    <a:p>
+                      <a:pPr algn="ctr"/>
+                      <a:endParaRPr lang="en-SE" dirty="0">
+                        <a:solidFill>
+                          <a:srgbClr val="FF0000"/>
+                        </a:solidFill>
+                      </a:endParaRPr>
+                    </a:p>
+                  </a:txBody>
+                  <a:tcPr/>
+                </a:tc>
+                <a:tc>
+                  <a:txBody>
+                    <a:bodyPr/>
+                    <a:lstStyle/>
+                    <a:p>
+                      <a:pPr algn="ctr"/>
+                      <a:endParaRPr lang="en-SE" dirty="0"/>
+                    </a:p>
+                  </a:txBody>
+                  <a:tcPr/>
+                </a:tc>
+                <a:tc>
+                  <a:txBody>
+                    <a:bodyPr/>
+                    <a:lstStyle/>
+                    <a:p>
+                      <a:pPr algn="ctr"/>
+                      <a:endParaRPr lang="en-SE" dirty="0"/>
+                    </a:p>
+                  </a:txBody>
+                  <a:tcPr/>
+                </a:tc>
+                <a:tc>
+                  <a:txBody>
+                    <a:bodyPr/>
+                    <a:lstStyle/>
+                    <a:p>
+                      <a:pPr algn="ctr"/>
+                      <a:endParaRPr lang="en-SE" dirty="0">
+                        <a:solidFill>
+                          <a:schemeClr val="tx1"/>
+                        </a:solidFill>
+                      </a:endParaRPr>
+                    </a:p>
+                  </a:txBody>
+                  <a:tcPr/>
+                </a:tc>
+                <a:tc>
+                  <a:txBody>
+                    <a:bodyPr/>
+                    <a:lstStyle/>
+                    <a:p>
+                      <a:pPr algn="ctr"/>
+                      <a:endParaRPr lang="en-SE" dirty="0">
+                        <a:solidFill>
+                          <a:schemeClr val="tx1"/>
+                        </a:solidFill>
+                      </a:endParaRPr>
+                    </a:p>
+                  </a:txBody>
+                  <a:tcPr/>
+                </a:tc>
+                <a:extLst>
+                  <a:ext uri="{0D108BD9-81ED-4DB2-BD59-A6C34878D82A}">
+                    <a16:rowId xmlns:a16="http://schemas.microsoft.com/office/drawing/2014/main" val="505469124"/>
+                  </a:ext>
+                </a:extLst>
+              </a:tr>
+              <a:tr h="370840">
+                <a:tc>
+                  <a:txBody>
+                    <a:bodyPr/>
+                    <a:lstStyle/>
+                    <a:p>
+                      <a:pPr algn="ctr"/>
+                      <a:r>
+                        <a:rPr lang="en-GB" dirty="0"/>
+                        <a:t>F2</a:t>
+                      </a:r>
+                      <a:endParaRPr lang="en-SE" dirty="0"/>
+                    </a:p>
+                  </a:txBody>
+                  <a:tcPr/>
+                </a:tc>
+                <a:tc>
+                  <a:txBody>
+                    <a:bodyPr/>
+                    <a:lstStyle/>
+                    <a:p>
+                      <a:pPr algn="ctr"/>
+                      <a:endParaRPr lang="en-SE"/>
+                    </a:p>
+                  </a:txBody>
+                  <a:tcPr/>
+                </a:tc>
+                <a:tc>
+                  <a:txBody>
+                    <a:bodyPr/>
+                    <a:lstStyle/>
+                    <a:p>
+                      <a:pPr algn="ctr"/>
+                      <a:endParaRPr lang="en-SE" dirty="0">
+                        <a:solidFill>
+                          <a:srgbClr val="FF0000"/>
+                        </a:solidFill>
+                      </a:endParaRPr>
+                    </a:p>
+                  </a:txBody>
+                  <a:tcPr/>
+                </a:tc>
+                <a:tc>
+                  <a:txBody>
+                    <a:bodyPr/>
+                    <a:lstStyle/>
+                    <a:p>
+                      <a:pPr algn="ctr"/>
+                      <a:endParaRPr lang="en-SE" dirty="0"/>
+                    </a:p>
+                  </a:txBody>
+                  <a:tcPr/>
+                </a:tc>
+                <a:tc>
+                  <a:txBody>
+                    <a:bodyPr/>
+                    <a:lstStyle/>
+                    <a:p>
+                      <a:pPr algn="ctr"/>
+                      <a:endParaRPr lang="en-SE" dirty="0"/>
+                    </a:p>
+                  </a:txBody>
+                  <a:tcPr/>
+                </a:tc>
+                <a:tc>
+                  <a:txBody>
+                    <a:bodyPr/>
+                    <a:lstStyle/>
+                    <a:p>
+                      <a:pPr algn="ctr"/>
+                      <a:endParaRPr lang="en-SE" dirty="0"/>
+                    </a:p>
+                  </a:txBody>
+                  <a:tcPr/>
+                </a:tc>
+                <a:tc>
+                  <a:txBody>
+                    <a:bodyPr/>
+                    <a:lstStyle/>
+                    <a:p>
+                      <a:pPr algn="ctr"/>
+                      <a:endParaRPr lang="en-SE" dirty="0">
+                        <a:solidFill>
+                          <a:srgbClr val="FF0000"/>
+                        </a:solidFill>
+                      </a:endParaRPr>
+                    </a:p>
+                  </a:txBody>
+                  <a:tcPr/>
+                </a:tc>
+                <a:tc>
+                  <a:txBody>
+                    <a:bodyPr/>
+                    <a:lstStyle/>
+                    <a:p>
+                      <a:pPr algn="ctr"/>
+                      <a:endParaRPr lang="en-SE" dirty="0"/>
+                    </a:p>
+                  </a:txBody>
+                  <a:tcPr/>
+                </a:tc>
+                <a:tc>
+                  <a:txBody>
+                    <a:bodyPr/>
+                    <a:lstStyle/>
+                    <a:p>
+                      <a:pPr algn="ctr"/>
+                      <a:endParaRPr lang="en-SE" dirty="0"/>
+                    </a:p>
+                  </a:txBody>
+                  <a:tcPr/>
+                </a:tc>
+                <a:tc>
+                  <a:txBody>
+                    <a:bodyPr/>
+                    <a:lstStyle/>
+                    <a:p>
+                      <a:pPr algn="ctr"/>
+                      <a:endParaRPr lang="en-SE" dirty="0">
+                        <a:solidFill>
+                          <a:srgbClr val="FF0000"/>
+                        </a:solidFill>
+                      </a:endParaRPr>
+                    </a:p>
+                  </a:txBody>
+                  <a:tcPr/>
+                </a:tc>
+                <a:tc>
+                  <a:txBody>
+                    <a:bodyPr/>
+                    <a:lstStyle/>
+                    <a:p>
+                      <a:pPr algn="ctr"/>
+                      <a:endParaRPr lang="en-SE" dirty="0">
+                        <a:solidFill>
+                          <a:schemeClr val="tx1"/>
+                        </a:solidFill>
+                      </a:endParaRPr>
+                    </a:p>
+                  </a:txBody>
+                  <a:tcPr/>
+                </a:tc>
+                <a:tc>
+                  <a:txBody>
+                    <a:bodyPr/>
+                    <a:lstStyle/>
+                    <a:p>
+                      <a:pPr algn="ctr"/>
+                      <a:endParaRPr lang="en-SE" dirty="0"/>
+                    </a:p>
+                  </a:txBody>
+                  <a:tcPr/>
+                </a:tc>
+                <a:tc>
+                  <a:txBody>
+                    <a:bodyPr/>
+                    <a:lstStyle/>
+                    <a:p>
+                      <a:pPr algn="ctr"/>
+                      <a:endParaRPr lang="en-SE" dirty="0"/>
+                    </a:p>
+                  </a:txBody>
+                  <a:tcPr/>
+                </a:tc>
+                <a:tc>
+                  <a:txBody>
+                    <a:bodyPr/>
+                    <a:lstStyle/>
+                    <a:p>
+                      <a:pPr algn="ctr"/>
+                      <a:endParaRPr lang="en-SE" dirty="0">
+                        <a:solidFill>
+                          <a:srgbClr val="FF0000"/>
+                        </a:solidFill>
+                      </a:endParaRPr>
+                    </a:p>
+                  </a:txBody>
+                  <a:tcPr/>
+                </a:tc>
+                <a:tc>
+                  <a:txBody>
+                    <a:bodyPr/>
+                    <a:lstStyle/>
+                    <a:p>
+                      <a:pPr algn="ctr"/>
+                      <a:endParaRPr lang="en-SE" dirty="0">
+                        <a:solidFill>
+                          <a:schemeClr val="tx1"/>
+                        </a:solidFill>
+                      </a:endParaRPr>
+                    </a:p>
+                  </a:txBody>
+                  <a:tcPr/>
+                </a:tc>
+                <a:tc>
+                  <a:txBody>
+                    <a:bodyPr/>
+                    <a:lstStyle/>
+                    <a:p>
+                      <a:pPr algn="ctr"/>
+                      <a:endParaRPr lang="en-SE" dirty="0">
+                        <a:solidFill>
+                          <a:schemeClr val="tx1"/>
+                        </a:solidFill>
+                      </a:endParaRPr>
+                    </a:p>
+                  </a:txBody>
+                  <a:tcPr/>
+                </a:tc>
+                <a:extLst>
+                  <a:ext uri="{0D108BD9-81ED-4DB2-BD59-A6C34878D82A}">
+                    <a16:rowId xmlns:a16="http://schemas.microsoft.com/office/drawing/2014/main" val="647869353"/>
+                  </a:ext>
+                </a:extLst>
+              </a:tr>
+              <a:tr h="370840">
+                <a:tc>
+                  <a:txBody>
+                    <a:bodyPr/>
+                    <a:lstStyle/>
+                    <a:p>
+                      <a:pPr algn="ctr"/>
+                      <a:r>
+                        <a:rPr lang="en-GB" dirty="0"/>
+                        <a:t>F3</a:t>
+                      </a:r>
+                      <a:endParaRPr lang="en-SE" dirty="0"/>
+                    </a:p>
+                  </a:txBody>
+                  <a:tcPr/>
+                </a:tc>
+                <a:tc>
+                  <a:txBody>
+                    <a:bodyPr/>
+                    <a:lstStyle/>
+                    <a:p>
+                      <a:pPr algn="ctr"/>
+                      <a:endParaRPr lang="en-SE"/>
+                    </a:p>
+                  </a:txBody>
+                  <a:tcPr/>
+                </a:tc>
+                <a:tc>
+                  <a:txBody>
+                    <a:bodyPr/>
+                    <a:lstStyle/>
+                    <a:p>
+                      <a:pPr algn="ctr"/>
+                      <a:endParaRPr lang="en-SE"/>
+                    </a:p>
+                  </a:txBody>
+                  <a:tcPr/>
+                </a:tc>
+                <a:tc>
+                  <a:txBody>
+                    <a:bodyPr/>
+                    <a:lstStyle/>
+                    <a:p>
+                      <a:pPr algn="ctr"/>
+                      <a:endParaRPr lang="en-SE" dirty="0">
+                        <a:solidFill>
+                          <a:srgbClr val="FF0000"/>
+                        </a:solidFill>
+                      </a:endParaRPr>
+                    </a:p>
+                  </a:txBody>
+                  <a:tcPr/>
+                </a:tc>
+                <a:tc>
+                  <a:txBody>
+                    <a:bodyPr/>
+                    <a:lstStyle/>
+                    <a:p>
+                      <a:pPr algn="ctr"/>
+                      <a:endParaRPr lang="en-SE" dirty="0"/>
+                    </a:p>
+                  </a:txBody>
+                  <a:tcPr/>
+                </a:tc>
+                <a:tc>
+                  <a:txBody>
+                    <a:bodyPr/>
+                    <a:lstStyle/>
+                    <a:p>
+                      <a:pPr algn="ctr"/>
+                      <a:endParaRPr lang="en-SE" dirty="0"/>
+                    </a:p>
+                  </a:txBody>
+                  <a:tcPr/>
+                </a:tc>
+                <a:tc>
+                  <a:txBody>
+                    <a:bodyPr/>
+                    <a:lstStyle/>
+                    <a:p>
+                      <a:pPr algn="ctr"/>
+                      <a:endParaRPr lang="en-SE" dirty="0">
+                        <a:solidFill>
+                          <a:schemeClr val="tx1"/>
+                        </a:solidFill>
+                      </a:endParaRPr>
+                    </a:p>
+                  </a:txBody>
+                  <a:tcPr/>
+                </a:tc>
+                <a:tc>
+                  <a:txBody>
+                    <a:bodyPr/>
+                    <a:lstStyle/>
+                    <a:p>
+                      <a:pPr algn="ctr"/>
+                      <a:endParaRPr lang="en-SE" dirty="0">
+                        <a:solidFill>
+                          <a:srgbClr val="FF0000"/>
+                        </a:solidFill>
+                      </a:endParaRPr>
+                    </a:p>
+                  </a:txBody>
+                  <a:tcPr/>
+                </a:tc>
+                <a:tc>
+                  <a:txBody>
+                    <a:bodyPr/>
+                    <a:lstStyle/>
+                    <a:p>
+                      <a:pPr algn="ctr"/>
+                      <a:endParaRPr lang="en-SE" dirty="0"/>
+                    </a:p>
+                  </a:txBody>
+                  <a:tcPr/>
+                </a:tc>
+                <a:tc>
+                  <a:txBody>
+                    <a:bodyPr/>
+                    <a:lstStyle/>
+                    <a:p>
+                      <a:pPr algn="ctr"/>
+                      <a:endParaRPr lang="en-SE" dirty="0">
+                        <a:solidFill>
+                          <a:schemeClr val="tx1"/>
+                        </a:solidFill>
+                      </a:endParaRPr>
+                    </a:p>
+                  </a:txBody>
+                  <a:tcPr/>
+                </a:tc>
+                <a:tc>
+                  <a:txBody>
+                    <a:bodyPr/>
+                    <a:lstStyle/>
+                    <a:p>
+                      <a:pPr algn="ctr"/>
+                      <a:endParaRPr lang="en-SE" dirty="0">
+                        <a:solidFill>
+                          <a:srgbClr val="FF0000"/>
+                        </a:solidFill>
+                      </a:endParaRPr>
+                    </a:p>
+                  </a:txBody>
+                  <a:tcPr/>
+                </a:tc>
+                <a:tc>
+                  <a:txBody>
+                    <a:bodyPr/>
+                    <a:lstStyle/>
+                    <a:p>
+                      <a:pPr algn="ctr"/>
+                      <a:endParaRPr lang="en-SE" dirty="0"/>
+                    </a:p>
+                  </a:txBody>
+                  <a:tcPr/>
+                </a:tc>
+                <a:tc>
+                  <a:txBody>
+                    <a:bodyPr/>
+                    <a:lstStyle/>
+                    <a:p>
+                      <a:pPr algn="ctr"/>
+                      <a:endParaRPr lang="en-SE" dirty="0">
+                        <a:solidFill>
+                          <a:schemeClr val="tx1"/>
+                        </a:solidFill>
+                      </a:endParaRPr>
+                    </a:p>
+                  </a:txBody>
+                  <a:tcPr/>
+                </a:tc>
+                <a:tc>
+                  <a:txBody>
+                    <a:bodyPr/>
+                    <a:lstStyle/>
+                    <a:p>
+                      <a:pPr algn="ctr"/>
+                      <a:endParaRPr lang="en-SE" dirty="0">
+                        <a:solidFill>
+                          <a:schemeClr val="tx1"/>
+                        </a:solidFill>
+                      </a:endParaRPr>
+                    </a:p>
+                  </a:txBody>
+                  <a:tcPr/>
+                </a:tc>
+                <a:tc>
+                  <a:txBody>
+                    <a:bodyPr/>
+                    <a:lstStyle/>
+                    <a:p>
+                      <a:pPr algn="ctr"/>
+                      <a:endParaRPr lang="en-SE" dirty="0">
+                        <a:solidFill>
+                          <a:srgbClr val="FF0000"/>
+                        </a:solidFill>
+                      </a:endParaRPr>
+                    </a:p>
+                  </a:txBody>
+                  <a:tcPr/>
+                </a:tc>
+                <a:tc>
+                  <a:txBody>
+                    <a:bodyPr/>
+                    <a:lstStyle/>
+                    <a:p>
+                      <a:pPr algn="ctr"/>
+                      <a:endParaRPr lang="en-SE" dirty="0">
+                        <a:solidFill>
+                          <a:schemeClr val="tx1"/>
+                        </a:solidFill>
+                      </a:endParaRPr>
+                    </a:p>
+                  </a:txBody>
+                  <a:tcPr/>
+                </a:tc>
+                <a:extLst>
+                  <a:ext uri="{0D108BD9-81ED-4DB2-BD59-A6C34878D82A}">
+                    <a16:rowId xmlns:a16="http://schemas.microsoft.com/office/drawing/2014/main" val="3092924220"/>
+                  </a:ext>
+                </a:extLst>
+              </a:tr>
+            </a:tbl>
+          </a:graphicData>
+        </a:graphic>
+      </p:graphicFrame>
+    </p:spTree>
+    <p:extLst>
+      <p:ext uri="{BB962C8B-B14F-4D97-AF65-F5344CB8AC3E}">
+        <p14:creationId xmlns:p14="http://schemas.microsoft.com/office/powerpoint/2010/main" val="3973735403"/>
+      </p:ext>
+    </p:extLst>
+  </p:cSld>
+  <p:clrMapOvr>
+    <a:masterClrMapping/>
+  </p:clrMapOvr>
+  <p:transition/>
+</p:sld>
+</file>
+
+<file path=ppt/slides/slide5.xml><?xml version="1.0" encoding="utf-8"?>
+<p:sld xmlns:a="http://schemas.openxmlformats.org/drawingml/2006/main" xmlns:r="http://schemas.openxmlformats.org/officeDocument/2006/relationships" xmlns:p="http://schemas.openxmlformats.org/presentationml/2006/main">
+  <p:cSld>
+    <p:spTree>
+      <p:nvGrpSpPr>
+        <p:cNvPr id="1" name=""/>
+        <p:cNvGrpSpPr/>
+        <p:nvPr/>
+      </p:nvGrpSpPr>
+      <p:grpSpPr>
+        <a:xfrm>
+          <a:off x="0" y="0"/>
+          <a:ext cx="0" cy="0"/>
+          <a:chOff x="0" y="0"/>
+          <a:chExt cx="0" cy="0"/>
+        </a:xfrm>
+      </p:grpSpPr>
+      <p:sp>
+        <p:nvSpPr>
+          <p:cNvPr id="2" name="Title 1">
+            <a:extLst>
+              <a:ext uri="{FF2B5EF4-FFF2-40B4-BE49-F238E27FC236}">
+                <a16:creationId xmlns:a16="http://schemas.microsoft.com/office/drawing/2014/main" id="{1A6D6CB9-CBBD-AF7D-45C6-E4ABA3136A42}"/>
+              </a:ext>
+            </a:extLst>
+          </p:cNvPr>
+          <p:cNvSpPr>
+            <a:spLocks noGrp="1"/>
+          </p:cNvSpPr>
+          <p:nvPr>
+            <p:ph type="title"/>
+          </p:nvPr>
+        </p:nvSpPr>
+        <p:spPr/>
+        <p:txBody>
+          <a:bodyPr/>
+          <a:lstStyle/>
+          <a:p>
+            <a:r>
+              <a:rPr lang="en-GB" dirty="0"/>
+              <a:t>Q2. Page Replacement ANS</a:t>
+            </a:r>
+            <a:endParaRPr lang="en-SE" dirty="0"/>
+          </a:p>
+        </p:txBody>
+      </p:sp>
+      <p:sp>
+        <p:nvSpPr>
+          <p:cNvPr id="4" name="TextBox 3">
+            <a:extLst>
+              <a:ext uri="{FF2B5EF4-FFF2-40B4-BE49-F238E27FC236}">
+                <a16:creationId xmlns:a16="http://schemas.microsoft.com/office/drawing/2014/main" id="{645F0BBA-E9EE-945F-C887-C09C63133180}"/>
+              </a:ext>
+            </a:extLst>
+          </p:cNvPr>
+          <p:cNvSpPr txBox="1"/>
+          <p:nvPr/>
+        </p:nvSpPr>
+        <p:spPr>
+          <a:xfrm>
+            <a:off x="4824663" y="4170680"/>
+            <a:ext cx="2286000" cy="369332"/>
+          </a:xfrm>
+          <a:prstGeom prst="rect">
+            <a:avLst/>
+          </a:prstGeom>
+          <a:noFill/>
+        </p:spPr>
+        <p:txBody>
+          <a:bodyPr wrap="square" rtlCol="0">
+            <a:spAutoFit/>
+          </a:bodyPr>
+          <a:lstStyle/>
+          <a:p>
+            <a:r>
+              <a:rPr lang="en-GB" b="0" dirty="0">
+                <a:latin typeface="+mj-lt"/>
+              </a:rPr>
+              <a:t>LRU: </a:t>
+            </a:r>
+            <a:r>
+              <a:rPr lang="en-US" b="0" dirty="0">
+                <a:latin typeface="+mj-lt"/>
+              </a:rPr>
+              <a:t>12 page faults</a:t>
+            </a:r>
+            <a:endParaRPr lang="en-SE" b="0" dirty="0">
+              <a:latin typeface="+mj-lt"/>
+            </a:endParaRPr>
+          </a:p>
+        </p:txBody>
+      </p:sp>
+      <p:graphicFrame>
+        <p:nvGraphicFramePr>
+          <p:cNvPr id="5" name="Table 4">
+            <a:extLst>
+              <a:ext uri="{FF2B5EF4-FFF2-40B4-BE49-F238E27FC236}">
+                <a16:creationId xmlns:a16="http://schemas.microsoft.com/office/drawing/2014/main" id="{66A1DCE8-C0F1-E52A-4F83-DEF4D447ECB9}"/>
+              </a:ext>
+            </a:extLst>
+          </p:cNvPr>
+          <p:cNvGraphicFramePr>
+            <a:graphicFrameLocks noGrp="1"/>
+          </p:cNvGraphicFramePr>
+          <p:nvPr>
+            <p:extLst>
+              <p:ext uri="{D42A27DB-BD31-4B8C-83A1-F6EECF244321}">
+                <p14:modId xmlns:p14="http://schemas.microsoft.com/office/powerpoint/2010/main" val="2402083319"/>
+              </p:ext>
+            </p:extLst>
+          </p:nvPr>
+        </p:nvGraphicFramePr>
+        <p:xfrm>
+          <a:off x="1270000" y="2687320"/>
+          <a:ext cx="9601200" cy="1483360"/>
+        </p:xfrm>
+        <a:graphic>
+          <a:graphicData uri="http://schemas.openxmlformats.org/drawingml/2006/table">
+            <a:tbl>
+              <a:tblPr firstRow="1" bandRow="1">
+                <a:tableStyleId>{5940675A-B579-460E-94D1-54222C63F5DA}</a:tableStyleId>
+              </a:tblPr>
+              <a:tblGrid>
+                <a:gridCol w="600075">
+                  <a:extLst>
+                    <a:ext uri="{9D8B030D-6E8A-4147-A177-3AD203B41FA5}">
+                      <a16:colId xmlns:a16="http://schemas.microsoft.com/office/drawing/2014/main" val="292060264"/>
+                    </a:ext>
+                  </a:extLst>
+                </a:gridCol>
+                <a:gridCol w="600075">
+                  <a:extLst>
+                    <a:ext uri="{9D8B030D-6E8A-4147-A177-3AD203B41FA5}">
+                      <a16:colId xmlns:a16="http://schemas.microsoft.com/office/drawing/2014/main" val="2963604161"/>
+                    </a:ext>
+                  </a:extLst>
+                </a:gridCol>
+                <a:gridCol w="600075">
+                  <a:extLst>
+                    <a:ext uri="{9D8B030D-6E8A-4147-A177-3AD203B41FA5}">
+                      <a16:colId xmlns:a16="http://schemas.microsoft.com/office/drawing/2014/main" val="973972083"/>
+                    </a:ext>
+                  </a:extLst>
+                </a:gridCol>
+                <a:gridCol w="600075">
+                  <a:extLst>
+                    <a:ext uri="{9D8B030D-6E8A-4147-A177-3AD203B41FA5}">
+                      <a16:colId xmlns:a16="http://schemas.microsoft.com/office/drawing/2014/main" val="3228715825"/>
+                    </a:ext>
+                  </a:extLst>
+                </a:gridCol>
+                <a:gridCol w="600075">
+                  <a:extLst>
+                    <a:ext uri="{9D8B030D-6E8A-4147-A177-3AD203B41FA5}">
+                      <a16:colId xmlns:a16="http://schemas.microsoft.com/office/drawing/2014/main" val="4061598519"/>
+                    </a:ext>
+                  </a:extLst>
+                </a:gridCol>
+                <a:gridCol w="600075">
+                  <a:extLst>
+                    <a:ext uri="{9D8B030D-6E8A-4147-A177-3AD203B41FA5}">
+                      <a16:colId xmlns:a16="http://schemas.microsoft.com/office/drawing/2014/main" val="4235665240"/>
+                    </a:ext>
+                  </a:extLst>
+                </a:gridCol>
+                <a:gridCol w="600075">
+                  <a:extLst>
+                    <a:ext uri="{9D8B030D-6E8A-4147-A177-3AD203B41FA5}">
+                      <a16:colId xmlns:a16="http://schemas.microsoft.com/office/drawing/2014/main" val="441605830"/>
+                    </a:ext>
+                  </a:extLst>
+                </a:gridCol>
+                <a:gridCol w="600075">
+                  <a:extLst>
+                    <a:ext uri="{9D8B030D-6E8A-4147-A177-3AD203B41FA5}">
+                      <a16:colId xmlns:a16="http://schemas.microsoft.com/office/drawing/2014/main" val="2715802762"/>
+                    </a:ext>
+                  </a:extLst>
+                </a:gridCol>
+                <a:gridCol w="600075">
+                  <a:extLst>
+                    <a:ext uri="{9D8B030D-6E8A-4147-A177-3AD203B41FA5}">
+                      <a16:colId xmlns:a16="http://schemas.microsoft.com/office/drawing/2014/main" val="3720376829"/>
+                    </a:ext>
+                  </a:extLst>
+                </a:gridCol>
+                <a:gridCol w="600075">
+                  <a:extLst>
+                    <a:ext uri="{9D8B030D-6E8A-4147-A177-3AD203B41FA5}">
+                      <a16:colId xmlns:a16="http://schemas.microsoft.com/office/drawing/2014/main" val="4215981938"/>
+                    </a:ext>
+                  </a:extLst>
+                </a:gridCol>
+                <a:gridCol w="600075">
+                  <a:extLst>
+                    <a:ext uri="{9D8B030D-6E8A-4147-A177-3AD203B41FA5}">
+                      <a16:colId xmlns:a16="http://schemas.microsoft.com/office/drawing/2014/main" val="3764429309"/>
+                    </a:ext>
+                  </a:extLst>
+                </a:gridCol>
+                <a:gridCol w="600075">
+                  <a:extLst>
+                    <a:ext uri="{9D8B030D-6E8A-4147-A177-3AD203B41FA5}">
+                      <a16:colId xmlns:a16="http://schemas.microsoft.com/office/drawing/2014/main" val="4122870511"/>
+                    </a:ext>
+                  </a:extLst>
+                </a:gridCol>
+                <a:gridCol w="600075">
+                  <a:extLst>
+                    <a:ext uri="{9D8B030D-6E8A-4147-A177-3AD203B41FA5}">
+                      <a16:colId xmlns:a16="http://schemas.microsoft.com/office/drawing/2014/main" val="3200705457"/>
+                    </a:ext>
+                  </a:extLst>
+                </a:gridCol>
+                <a:gridCol w="600075">
+                  <a:extLst>
+                    <a:ext uri="{9D8B030D-6E8A-4147-A177-3AD203B41FA5}">
+                      <a16:colId xmlns:a16="http://schemas.microsoft.com/office/drawing/2014/main" val="890063204"/>
+                    </a:ext>
+                  </a:extLst>
+                </a:gridCol>
+                <a:gridCol w="600075">
+                  <a:extLst>
+                    <a:ext uri="{9D8B030D-6E8A-4147-A177-3AD203B41FA5}">
+                      <a16:colId xmlns:a16="http://schemas.microsoft.com/office/drawing/2014/main" val="1884647162"/>
+                    </a:ext>
+                  </a:extLst>
+                </a:gridCol>
+                <a:gridCol w="600075">
+                  <a:extLst>
+                    <a:ext uri="{9D8B030D-6E8A-4147-A177-3AD203B41FA5}">
+                      <a16:colId xmlns:a16="http://schemas.microsoft.com/office/drawing/2014/main" val="2301853606"/>
+                    </a:ext>
+                  </a:extLst>
+                </a:gridCol>
+              </a:tblGrid>
+              <a:tr h="370840">
+                <a:tc>
+                  <a:txBody>
+                    <a:bodyPr/>
+                    <a:lstStyle/>
+                    <a:p>
+                      <a:pPr algn="ctr"/>
+                      <a:r>
+                        <a:rPr lang="en-GB" dirty="0"/>
+                        <a:t>Ref</a:t>
+                      </a:r>
+                      <a:endParaRPr lang="en-SE" dirty="0"/>
+                    </a:p>
+                  </a:txBody>
+                  <a:tcPr/>
+                </a:tc>
+                <a:tc>
+                  <a:txBody>
+                    <a:bodyPr/>
+                    <a:lstStyle/>
+                    <a:p>
+                      <a:pPr algn="ctr"/>
+                      <a:r>
+                        <a:rPr lang="en-GB" dirty="0"/>
+                        <a:t>7</a:t>
+                      </a:r>
+                      <a:endParaRPr lang="en-SE" dirty="0"/>
+                    </a:p>
+                  </a:txBody>
+                  <a:tcPr/>
+                </a:tc>
+                <a:tc>
+                  <a:txBody>
+                    <a:bodyPr/>
+                    <a:lstStyle/>
+                    <a:p>
+                      <a:pPr algn="ctr"/>
+                      <a:r>
+                        <a:rPr lang="en-GB" dirty="0"/>
+                        <a:t>0</a:t>
+                      </a:r>
+                      <a:endParaRPr lang="en-SE" dirty="0"/>
+                    </a:p>
+                  </a:txBody>
+                  <a:tcPr/>
+                </a:tc>
+                <a:tc>
+                  <a:txBody>
+                    <a:bodyPr/>
+                    <a:lstStyle/>
+                    <a:p>
+                      <a:pPr algn="ctr"/>
+                      <a:r>
+                        <a:rPr lang="en-GB" dirty="0"/>
+                        <a:t>1</a:t>
+                      </a:r>
+                      <a:endParaRPr lang="en-SE" dirty="0"/>
+                    </a:p>
+                  </a:txBody>
+                  <a:tcPr/>
+                </a:tc>
+                <a:tc>
+                  <a:txBody>
+                    <a:bodyPr/>
+                    <a:lstStyle/>
+                    <a:p>
+                      <a:pPr algn="ctr"/>
+                      <a:r>
+                        <a:rPr lang="en-GB" dirty="0"/>
+                        <a:t>2</a:t>
+                      </a:r>
+                      <a:endParaRPr lang="en-SE" dirty="0"/>
+                    </a:p>
+                  </a:txBody>
+                  <a:tcPr/>
+                </a:tc>
+                <a:tc>
+                  <a:txBody>
+                    <a:bodyPr/>
+                    <a:lstStyle/>
+                    <a:p>
+                      <a:pPr algn="ctr"/>
+                      <a:r>
+                        <a:rPr lang="en-GB" dirty="0"/>
+                        <a:t>0</a:t>
+                      </a:r>
+                      <a:endParaRPr lang="en-SE" dirty="0"/>
+                    </a:p>
+                  </a:txBody>
+                  <a:tcPr/>
+                </a:tc>
+                <a:tc>
+                  <a:txBody>
+                    <a:bodyPr/>
+                    <a:lstStyle/>
+                    <a:p>
+                      <a:pPr algn="ctr"/>
+                      <a:r>
+                        <a:rPr lang="en-GB" dirty="0"/>
+                        <a:t>3</a:t>
+                      </a:r>
+                      <a:endParaRPr lang="en-SE" dirty="0"/>
+                    </a:p>
+                  </a:txBody>
+                  <a:tcPr/>
+                </a:tc>
+                <a:tc>
+                  <a:txBody>
+                    <a:bodyPr/>
+                    <a:lstStyle/>
+                    <a:p>
+                      <a:pPr algn="ctr"/>
+                      <a:r>
+                        <a:rPr lang="en-GB" dirty="0"/>
+                        <a:t>0</a:t>
+                      </a:r>
+                      <a:endParaRPr lang="en-SE" dirty="0"/>
+                    </a:p>
+                  </a:txBody>
+                  <a:tcPr/>
+                </a:tc>
+                <a:tc>
+                  <a:txBody>
+                    <a:bodyPr/>
+                    <a:lstStyle/>
+                    <a:p>
+                      <a:pPr algn="ctr"/>
+                      <a:r>
+                        <a:rPr lang="en-GB" dirty="0"/>
+                        <a:t>4</a:t>
+                      </a:r>
+                      <a:endParaRPr lang="en-SE" dirty="0"/>
+                    </a:p>
+                  </a:txBody>
+                  <a:tcPr/>
+                </a:tc>
+                <a:tc>
+                  <a:txBody>
+                    <a:bodyPr/>
+                    <a:lstStyle/>
+                    <a:p>
+                      <a:pPr algn="ctr"/>
+                      <a:r>
+                        <a:rPr lang="en-GB" dirty="0"/>
+                        <a:t>2</a:t>
+                      </a:r>
+                      <a:endParaRPr lang="en-SE" dirty="0"/>
+                    </a:p>
+                  </a:txBody>
+                  <a:tcPr/>
+                </a:tc>
+                <a:tc>
+                  <a:txBody>
+                    <a:bodyPr/>
+                    <a:lstStyle/>
+                    <a:p>
+                      <a:pPr algn="ctr"/>
+                      <a:r>
+                        <a:rPr lang="en-GB" dirty="0"/>
+                        <a:t>3</a:t>
+                      </a:r>
+                      <a:endParaRPr lang="en-SE" dirty="0"/>
+                    </a:p>
+                  </a:txBody>
+                  <a:tcPr/>
+                </a:tc>
+                <a:tc>
+                  <a:txBody>
+                    <a:bodyPr/>
+                    <a:lstStyle/>
+                    <a:p>
+                      <a:pPr algn="ctr"/>
+                      <a:r>
+                        <a:rPr lang="en-GB" dirty="0"/>
+                        <a:t>0</a:t>
+                      </a:r>
+                      <a:endParaRPr lang="en-SE" dirty="0"/>
+                    </a:p>
+                  </a:txBody>
+                  <a:tcPr/>
+                </a:tc>
+                <a:tc>
+                  <a:txBody>
+                    <a:bodyPr/>
+                    <a:lstStyle/>
+                    <a:p>
+                      <a:pPr algn="ctr"/>
+                      <a:r>
+                        <a:rPr lang="en-GB" dirty="0"/>
+                        <a:t>3</a:t>
+                      </a:r>
+                      <a:endParaRPr lang="en-SE" dirty="0"/>
+                    </a:p>
+                  </a:txBody>
+                  <a:tcPr/>
+                </a:tc>
+                <a:tc>
+                  <a:txBody>
+                    <a:bodyPr/>
+                    <a:lstStyle/>
+                    <a:p>
+                      <a:pPr algn="ctr"/>
+                      <a:r>
+                        <a:rPr lang="en-GB" dirty="0"/>
+                        <a:t>1</a:t>
+                      </a:r>
+                      <a:endParaRPr lang="en-SE" dirty="0"/>
+                    </a:p>
+                  </a:txBody>
+                  <a:tcPr/>
+                </a:tc>
+                <a:tc>
+                  <a:txBody>
+                    <a:bodyPr/>
+                    <a:lstStyle/>
+                    <a:p>
+                      <a:pPr algn="ctr"/>
+                      <a:r>
+                        <a:rPr lang="en-GB" dirty="0"/>
+                        <a:t>2</a:t>
+                      </a:r>
+                      <a:endParaRPr lang="en-SE" dirty="0"/>
+                    </a:p>
+                  </a:txBody>
+                  <a:tcPr/>
+                </a:tc>
+                <a:tc>
+                  <a:txBody>
+                    <a:bodyPr/>
+                    <a:lstStyle/>
+                    <a:p>
+                      <a:pPr algn="ctr"/>
+                      <a:r>
+                        <a:rPr lang="en-GB" dirty="0"/>
+                        <a:t>0</a:t>
+                      </a:r>
+                      <a:endParaRPr lang="en-SE" dirty="0"/>
+                    </a:p>
+                  </a:txBody>
+                  <a:tcPr/>
+                </a:tc>
+                <a:extLst>
+                  <a:ext uri="{0D108BD9-81ED-4DB2-BD59-A6C34878D82A}">
+                    <a16:rowId xmlns:a16="http://schemas.microsoft.com/office/drawing/2014/main" val="3125541730"/>
+                  </a:ext>
+                </a:extLst>
+              </a:tr>
+              <a:tr h="370840">
+                <a:tc>
+                  <a:txBody>
+                    <a:bodyPr/>
+                    <a:lstStyle/>
+                    <a:p>
+                      <a:pPr algn="ctr"/>
+                      <a:r>
+                        <a:rPr lang="en-GB" dirty="0"/>
+                        <a:t>F1</a:t>
+                      </a:r>
+                      <a:endParaRPr lang="en-SE" dirty="0"/>
+                    </a:p>
+                  </a:txBody>
+                  <a:tcPr/>
+                </a:tc>
+                <a:tc>
+                  <a:txBody>
+                    <a:bodyPr/>
+                    <a:lstStyle/>
+                    <a:p>
+                      <a:pPr algn="ctr"/>
+                      <a:r>
+                        <a:rPr lang="en-GB" dirty="0">
+                          <a:solidFill>
+                            <a:srgbClr val="FF0000"/>
+                          </a:solidFill>
+                        </a:rPr>
+                        <a:t>7</a:t>
+                      </a:r>
+                      <a:endParaRPr lang="en-SE" dirty="0">
+                        <a:solidFill>
+                          <a:srgbClr val="FF0000"/>
+                        </a:solidFill>
+                      </a:endParaRPr>
+                    </a:p>
+                  </a:txBody>
+                  <a:tcPr/>
+                </a:tc>
+                <a:tc>
+                  <a:txBody>
+                    <a:bodyPr/>
+                    <a:lstStyle/>
+                    <a:p>
+                      <a:pPr algn="ctr"/>
+                      <a:r>
+                        <a:rPr lang="en-GB" dirty="0"/>
+                        <a:t>7</a:t>
+                      </a:r>
+                      <a:endParaRPr lang="en-SE" dirty="0"/>
+                    </a:p>
+                  </a:txBody>
+                  <a:tcPr/>
+                </a:tc>
+                <a:tc>
+                  <a:txBody>
+                    <a:bodyPr/>
+                    <a:lstStyle/>
+                    <a:p>
+                      <a:pPr algn="ctr"/>
+                      <a:r>
+                        <a:rPr lang="en-GB" dirty="0"/>
+                        <a:t>7</a:t>
+                      </a:r>
+                      <a:endParaRPr lang="en-SE" dirty="0"/>
+                    </a:p>
+                  </a:txBody>
+                  <a:tcPr/>
+                </a:tc>
+                <a:tc>
+                  <a:txBody>
+                    <a:bodyPr/>
+                    <a:lstStyle/>
+                    <a:p>
+                      <a:pPr algn="ctr"/>
+                      <a:r>
+                        <a:rPr lang="en-GB" dirty="0">
+                          <a:solidFill>
+                            <a:srgbClr val="FF0000"/>
+                          </a:solidFill>
+                        </a:rPr>
+                        <a:t>2</a:t>
+                      </a:r>
+                      <a:endParaRPr lang="en-SE" dirty="0">
+                        <a:solidFill>
+                          <a:srgbClr val="FF0000"/>
+                        </a:solidFill>
+                      </a:endParaRPr>
+                    </a:p>
+                  </a:txBody>
+                  <a:tcPr/>
+                </a:tc>
+                <a:tc>
+                  <a:txBody>
+                    <a:bodyPr/>
+                    <a:lstStyle/>
+                    <a:p>
+                      <a:pPr algn="ctr"/>
+                      <a:r>
+                        <a:rPr lang="en-GB" dirty="0"/>
+                        <a:t>2</a:t>
+                      </a:r>
+                      <a:endParaRPr lang="en-SE" dirty="0"/>
+                    </a:p>
+                  </a:txBody>
+                  <a:tcPr/>
+                </a:tc>
+                <a:tc>
+                  <a:txBody>
+                    <a:bodyPr/>
+                    <a:lstStyle/>
+                    <a:p>
+                      <a:pPr algn="ctr"/>
+                      <a:r>
+                        <a:rPr lang="en-GB" dirty="0"/>
+                        <a:t>2</a:t>
+                      </a:r>
+                      <a:endParaRPr lang="en-SE" dirty="0"/>
+                    </a:p>
+                  </a:txBody>
+                  <a:tcPr/>
+                </a:tc>
+                <a:tc>
+                  <a:txBody>
+                    <a:bodyPr/>
+                    <a:lstStyle/>
+                    <a:p>
+                      <a:pPr algn="ctr"/>
+                      <a:r>
+                        <a:rPr lang="en-GB" dirty="0"/>
+                        <a:t>2</a:t>
+                      </a:r>
+                      <a:endParaRPr lang="en-SE" dirty="0"/>
+                    </a:p>
+                  </a:txBody>
+                  <a:tcPr/>
+                </a:tc>
+                <a:tc>
+                  <a:txBody>
+                    <a:bodyPr/>
+                    <a:lstStyle/>
+                    <a:p>
+                      <a:pPr algn="ctr"/>
+                      <a:r>
+                        <a:rPr lang="en-GB" dirty="0">
+                          <a:solidFill>
+                            <a:srgbClr val="FF0000"/>
+                          </a:solidFill>
+                        </a:rPr>
+                        <a:t>4</a:t>
+                      </a:r>
+                      <a:endParaRPr lang="en-SE" dirty="0">
+                        <a:solidFill>
+                          <a:srgbClr val="FF0000"/>
+                        </a:solidFill>
+                      </a:endParaRPr>
+                    </a:p>
+                  </a:txBody>
+                  <a:tcPr/>
+                </a:tc>
+                <a:tc>
+                  <a:txBody>
+                    <a:bodyPr/>
+                    <a:lstStyle/>
+                    <a:p>
+                      <a:pPr algn="ctr"/>
+                      <a:r>
+                        <a:rPr lang="en-GB" dirty="0"/>
+                        <a:t>4</a:t>
+                      </a:r>
+                      <a:endParaRPr lang="en-SE" dirty="0"/>
+                    </a:p>
+                  </a:txBody>
+                  <a:tcPr/>
+                </a:tc>
+                <a:tc>
+                  <a:txBody>
+                    <a:bodyPr/>
+                    <a:lstStyle/>
+                    <a:p>
+                      <a:pPr algn="ctr"/>
+                      <a:r>
+                        <a:rPr lang="en-GB" dirty="0"/>
+                        <a:t>4</a:t>
+                      </a:r>
+                      <a:endParaRPr lang="en-SE" dirty="0"/>
+                    </a:p>
+                  </a:txBody>
+                  <a:tcPr/>
+                </a:tc>
+                <a:tc>
+                  <a:txBody>
+                    <a:bodyPr/>
+                    <a:lstStyle/>
+                    <a:p>
+                      <a:pPr algn="ctr"/>
+                      <a:r>
+                        <a:rPr lang="en-GB" dirty="0">
+                          <a:solidFill>
+                            <a:srgbClr val="FF0000"/>
+                          </a:solidFill>
+                        </a:rPr>
+                        <a:t>0</a:t>
+                      </a:r>
+                      <a:endParaRPr lang="en-SE" dirty="0">
+                        <a:solidFill>
+                          <a:srgbClr val="FF0000"/>
+                        </a:solidFill>
+                      </a:endParaRPr>
+                    </a:p>
+                  </a:txBody>
+                  <a:tcPr/>
+                </a:tc>
+                <a:tc>
+                  <a:txBody>
+                    <a:bodyPr/>
+                    <a:lstStyle/>
+                    <a:p>
+                      <a:pPr algn="ctr"/>
+                      <a:r>
+                        <a:rPr lang="en-GB" dirty="0"/>
+                        <a:t>0</a:t>
+                      </a:r>
+                      <a:endParaRPr lang="en-SE" dirty="0"/>
+                    </a:p>
+                  </a:txBody>
+                  <a:tcPr/>
+                </a:tc>
+                <a:tc>
+                  <a:txBody>
+                    <a:bodyPr/>
+                    <a:lstStyle/>
+                    <a:p>
+                      <a:pPr algn="ctr"/>
+                      <a:r>
+                        <a:rPr lang="en-GB" dirty="0"/>
+                        <a:t>0</a:t>
+                      </a:r>
+                      <a:endParaRPr lang="en-SE" dirty="0"/>
+                    </a:p>
+                  </a:txBody>
+                  <a:tcPr/>
+                </a:tc>
+                <a:tc>
+                  <a:txBody>
+                    <a:bodyPr/>
+                    <a:lstStyle/>
+                    <a:p>
+                      <a:pPr algn="ctr"/>
+                      <a:r>
+                        <a:rPr lang="en-GB" dirty="0">
+                          <a:solidFill>
+                            <a:srgbClr val="FF0000"/>
+                          </a:solidFill>
+                        </a:rPr>
+                        <a:t>2</a:t>
+                      </a:r>
+                      <a:endParaRPr lang="en-SE" dirty="0">
+                        <a:solidFill>
+                          <a:srgbClr val="FF0000"/>
+                        </a:solidFill>
+                      </a:endParaRPr>
+                    </a:p>
+                  </a:txBody>
+                  <a:tcPr/>
+                </a:tc>
+                <a:tc>
+                  <a:txBody>
+                    <a:bodyPr/>
+                    <a:lstStyle/>
+                    <a:p>
+                      <a:pPr algn="ctr"/>
+                      <a:r>
+                        <a:rPr lang="en-GB" dirty="0"/>
+                        <a:t>2</a:t>
+                      </a:r>
+                      <a:endParaRPr lang="en-SE" dirty="0"/>
+                    </a:p>
+                  </a:txBody>
+                  <a:tcPr/>
+                </a:tc>
+                <a:extLst>
+                  <a:ext uri="{0D108BD9-81ED-4DB2-BD59-A6C34878D82A}">
+                    <a16:rowId xmlns:a16="http://schemas.microsoft.com/office/drawing/2014/main" val="505469124"/>
+                  </a:ext>
+                </a:extLst>
+              </a:tr>
+              <a:tr h="370840">
+                <a:tc>
+                  <a:txBody>
+                    <a:bodyPr/>
+                    <a:lstStyle/>
+                    <a:p>
+                      <a:pPr algn="ctr"/>
+                      <a:r>
+                        <a:rPr lang="en-GB" dirty="0"/>
+                        <a:t>F2</a:t>
+                      </a:r>
+                      <a:endParaRPr lang="en-SE" dirty="0"/>
+                    </a:p>
+                  </a:txBody>
+                  <a:tcPr/>
+                </a:tc>
+                <a:tc>
+                  <a:txBody>
+                    <a:bodyPr/>
+                    <a:lstStyle/>
+                    <a:p>
+                      <a:pPr algn="ctr"/>
+                      <a:endParaRPr lang="en-SE"/>
+                    </a:p>
+                  </a:txBody>
+                  <a:tcPr/>
+                </a:tc>
+                <a:tc>
+                  <a:txBody>
+                    <a:bodyPr/>
+                    <a:lstStyle/>
+                    <a:p>
+                      <a:pPr algn="ctr"/>
+                      <a:r>
+                        <a:rPr lang="en-GB" dirty="0">
+                          <a:solidFill>
+                            <a:srgbClr val="FF0000"/>
+                          </a:solidFill>
+                        </a:rPr>
+                        <a:t>0</a:t>
+                      </a:r>
+                      <a:endParaRPr lang="en-SE" dirty="0">
+                        <a:solidFill>
+                          <a:srgbClr val="FF0000"/>
+                        </a:solidFill>
+                      </a:endParaRPr>
+                    </a:p>
+                  </a:txBody>
+                  <a:tcPr/>
+                </a:tc>
+                <a:tc>
+                  <a:txBody>
+                    <a:bodyPr/>
+                    <a:lstStyle/>
+                    <a:p>
+                      <a:pPr algn="ctr"/>
+                      <a:r>
+                        <a:rPr lang="en-GB" dirty="0"/>
+                        <a:t>0</a:t>
+                      </a:r>
+                      <a:endParaRPr lang="en-SE" dirty="0"/>
+                    </a:p>
+                  </a:txBody>
+                  <a:tcPr/>
+                </a:tc>
+                <a:tc>
+                  <a:txBody>
+                    <a:bodyPr/>
+                    <a:lstStyle/>
+                    <a:p>
+                      <a:pPr algn="ctr"/>
+                      <a:r>
+                        <a:rPr lang="en-GB" dirty="0"/>
+                        <a:t>0</a:t>
+                      </a:r>
+                      <a:endParaRPr lang="en-SE" dirty="0"/>
+                    </a:p>
+                  </a:txBody>
+                  <a:tcPr/>
+                </a:tc>
+                <a:tc>
+                  <a:txBody>
+                    <a:bodyPr/>
+                    <a:lstStyle/>
+                    <a:p>
+                      <a:pPr algn="ctr"/>
+                      <a:r>
+                        <a:rPr lang="en-GB" dirty="0"/>
+                        <a:t>0</a:t>
+                      </a:r>
+                      <a:endParaRPr lang="en-SE" dirty="0"/>
+                    </a:p>
+                  </a:txBody>
+                  <a:tcPr/>
+                </a:tc>
+                <a:tc>
+                  <a:txBody>
+                    <a:bodyPr/>
+                    <a:lstStyle/>
+                    <a:p>
+                      <a:pPr algn="ctr"/>
+                      <a:r>
+                        <a:rPr lang="en-GB" dirty="0"/>
+                        <a:t>0</a:t>
+                      </a:r>
+                      <a:endParaRPr lang="en-SE" dirty="0"/>
+                    </a:p>
+                  </a:txBody>
+                  <a:tcPr/>
+                </a:tc>
+                <a:tc>
+                  <a:txBody>
+                    <a:bodyPr/>
+                    <a:lstStyle/>
+                    <a:p>
+                      <a:pPr algn="ctr"/>
+                      <a:r>
+                        <a:rPr lang="en-GB" dirty="0"/>
+                        <a:t>0</a:t>
+                      </a:r>
+                      <a:endParaRPr lang="en-SE" dirty="0"/>
+                    </a:p>
+                  </a:txBody>
+                  <a:tcPr/>
+                </a:tc>
+                <a:tc>
+                  <a:txBody>
+                    <a:bodyPr/>
+                    <a:lstStyle/>
+                    <a:p>
+                      <a:pPr algn="ctr"/>
+                      <a:r>
+                        <a:rPr lang="en-GB" dirty="0"/>
+                        <a:t>0</a:t>
+                      </a:r>
+                      <a:endParaRPr lang="en-SE" dirty="0"/>
+                    </a:p>
+                  </a:txBody>
+                  <a:tcPr/>
+                </a:tc>
+                <a:tc>
+                  <a:txBody>
+                    <a:bodyPr/>
+                    <a:lstStyle/>
+                    <a:p>
+                      <a:pPr algn="ctr"/>
+                      <a:r>
+                        <a:rPr lang="en-GB" dirty="0"/>
+                        <a:t>0</a:t>
+                      </a:r>
+                      <a:endParaRPr lang="en-SE" dirty="0"/>
+                    </a:p>
+                  </a:txBody>
+                  <a:tcPr/>
+                </a:tc>
+                <a:tc>
+                  <a:txBody>
+                    <a:bodyPr/>
+                    <a:lstStyle/>
+                    <a:p>
+                      <a:pPr algn="ctr"/>
+                      <a:r>
+                        <a:rPr lang="en-GB" dirty="0">
+                          <a:solidFill>
+                            <a:srgbClr val="FF0000"/>
+                          </a:solidFill>
+                        </a:rPr>
+                        <a:t>3</a:t>
+                      </a:r>
+                      <a:endParaRPr lang="en-SE" dirty="0">
+                        <a:solidFill>
+                          <a:srgbClr val="FF0000"/>
+                        </a:solidFill>
+                      </a:endParaRPr>
+                    </a:p>
+                  </a:txBody>
+                  <a:tcPr/>
+                </a:tc>
+                <a:tc>
+                  <a:txBody>
+                    <a:bodyPr/>
+                    <a:lstStyle/>
+                    <a:p>
+                      <a:pPr algn="ctr"/>
+                      <a:r>
+                        <a:rPr lang="en-GB" dirty="0"/>
+                        <a:t>3</a:t>
+                      </a:r>
+                      <a:endParaRPr lang="en-SE" dirty="0"/>
+                    </a:p>
+                  </a:txBody>
+                  <a:tcPr/>
+                </a:tc>
+                <a:tc>
+                  <a:txBody>
+                    <a:bodyPr/>
+                    <a:lstStyle/>
+                    <a:p>
+                      <a:pPr algn="ctr"/>
+                      <a:r>
+                        <a:rPr lang="en-GB" dirty="0"/>
+                        <a:t>3</a:t>
+                      </a:r>
+                      <a:endParaRPr lang="en-SE" dirty="0"/>
+                    </a:p>
+                  </a:txBody>
+                  <a:tcPr/>
+                </a:tc>
+                <a:tc>
+                  <a:txBody>
+                    <a:bodyPr/>
+                    <a:lstStyle/>
+                    <a:p>
+                      <a:pPr algn="ctr"/>
+                      <a:r>
+                        <a:rPr lang="en-GB" dirty="0"/>
+                        <a:t>3</a:t>
+                      </a:r>
+                      <a:endParaRPr lang="en-SE" dirty="0"/>
+                    </a:p>
+                  </a:txBody>
+                  <a:tcPr/>
+                </a:tc>
+                <a:tc>
+                  <a:txBody>
+                    <a:bodyPr/>
+                    <a:lstStyle/>
+                    <a:p>
+                      <a:pPr algn="ctr"/>
+                      <a:r>
+                        <a:rPr lang="en-GB" dirty="0"/>
+                        <a:t>3</a:t>
+                      </a:r>
+                      <a:endParaRPr lang="en-SE" dirty="0"/>
+                    </a:p>
+                  </a:txBody>
+                  <a:tcPr/>
+                </a:tc>
+                <a:tc>
+                  <a:txBody>
+                    <a:bodyPr/>
+                    <a:lstStyle/>
+                    <a:p>
+                      <a:pPr algn="ctr"/>
+                      <a:r>
+                        <a:rPr lang="en-GB" dirty="0">
+                          <a:solidFill>
+                            <a:srgbClr val="FF0000"/>
+                          </a:solidFill>
+                        </a:rPr>
+                        <a:t>0</a:t>
+                      </a:r>
+                      <a:endParaRPr lang="en-SE" dirty="0">
+                        <a:solidFill>
+                          <a:srgbClr val="FF0000"/>
+                        </a:solidFill>
+                      </a:endParaRPr>
+                    </a:p>
+                  </a:txBody>
+                  <a:tcPr/>
+                </a:tc>
+                <a:extLst>
+                  <a:ext uri="{0D108BD9-81ED-4DB2-BD59-A6C34878D82A}">
+                    <a16:rowId xmlns:a16="http://schemas.microsoft.com/office/drawing/2014/main" val="647869353"/>
+                  </a:ext>
+                </a:extLst>
+              </a:tr>
+              <a:tr h="370840">
+                <a:tc>
+                  <a:txBody>
+                    <a:bodyPr/>
+                    <a:lstStyle/>
+                    <a:p>
+                      <a:pPr algn="ctr"/>
+                      <a:r>
+                        <a:rPr lang="en-GB" dirty="0"/>
+                        <a:t>F3</a:t>
+                      </a:r>
+                      <a:endParaRPr lang="en-SE" dirty="0"/>
+                    </a:p>
+                  </a:txBody>
+                  <a:tcPr/>
+                </a:tc>
+                <a:tc>
+                  <a:txBody>
+                    <a:bodyPr/>
+                    <a:lstStyle/>
+                    <a:p>
+                      <a:pPr algn="ctr"/>
+                      <a:endParaRPr lang="en-SE"/>
+                    </a:p>
+                  </a:txBody>
+                  <a:tcPr/>
+                </a:tc>
+                <a:tc>
+                  <a:txBody>
+                    <a:bodyPr/>
+                    <a:lstStyle/>
+                    <a:p>
+                      <a:pPr algn="ctr"/>
+                      <a:endParaRPr lang="en-SE"/>
+                    </a:p>
+                  </a:txBody>
+                  <a:tcPr/>
+                </a:tc>
+                <a:tc>
+                  <a:txBody>
+                    <a:bodyPr/>
+                    <a:lstStyle/>
+                    <a:p>
+                      <a:pPr algn="ctr"/>
+                      <a:r>
+                        <a:rPr lang="en-GB" dirty="0">
+                          <a:solidFill>
+                            <a:srgbClr val="FF0000"/>
+                          </a:solidFill>
+                        </a:rPr>
+                        <a:t>1</a:t>
+                      </a:r>
+                      <a:endParaRPr lang="en-SE" dirty="0">
+                        <a:solidFill>
+                          <a:srgbClr val="FF0000"/>
+                        </a:solidFill>
+                      </a:endParaRPr>
+                    </a:p>
+                  </a:txBody>
+                  <a:tcPr/>
+                </a:tc>
+                <a:tc>
+                  <a:txBody>
+                    <a:bodyPr/>
+                    <a:lstStyle/>
+                    <a:p>
+                      <a:pPr algn="ctr"/>
+                      <a:r>
+                        <a:rPr lang="en-GB" dirty="0"/>
+                        <a:t>1</a:t>
+                      </a:r>
+                      <a:endParaRPr lang="en-SE" dirty="0"/>
+                    </a:p>
+                  </a:txBody>
+                  <a:tcPr/>
+                </a:tc>
+                <a:tc>
+                  <a:txBody>
+                    <a:bodyPr/>
+                    <a:lstStyle/>
+                    <a:p>
+                      <a:pPr algn="ctr"/>
+                      <a:r>
+                        <a:rPr lang="en-GB" dirty="0"/>
+                        <a:t>1</a:t>
+                      </a:r>
+                      <a:endParaRPr lang="en-SE" dirty="0"/>
+                    </a:p>
+                  </a:txBody>
+                  <a:tcPr/>
+                </a:tc>
+                <a:tc>
+                  <a:txBody>
+                    <a:bodyPr/>
+                    <a:lstStyle/>
+                    <a:p>
+                      <a:pPr algn="ctr"/>
+                      <a:r>
+                        <a:rPr lang="en-GB" dirty="0">
+                          <a:solidFill>
+                            <a:srgbClr val="FF0000"/>
+                          </a:solidFill>
+                        </a:rPr>
+                        <a:t>3</a:t>
+                      </a:r>
+                      <a:endParaRPr lang="en-SE" dirty="0">
+                        <a:solidFill>
+                          <a:srgbClr val="FF0000"/>
+                        </a:solidFill>
+                      </a:endParaRPr>
+                    </a:p>
+                  </a:txBody>
+                  <a:tcPr/>
+                </a:tc>
+                <a:tc>
+                  <a:txBody>
+                    <a:bodyPr/>
+                    <a:lstStyle/>
+                    <a:p>
+                      <a:pPr algn="ctr"/>
+                      <a:r>
+                        <a:rPr lang="en-GB" dirty="0"/>
+                        <a:t>3</a:t>
+                      </a:r>
+                      <a:endParaRPr lang="en-SE" dirty="0"/>
+                    </a:p>
+                  </a:txBody>
+                  <a:tcPr/>
+                </a:tc>
+                <a:tc>
+                  <a:txBody>
+                    <a:bodyPr/>
+                    <a:lstStyle/>
+                    <a:p>
+                      <a:pPr algn="ctr"/>
+                      <a:r>
+                        <a:rPr lang="en-GB" dirty="0"/>
+                        <a:t>3</a:t>
+                      </a:r>
+                      <a:endParaRPr lang="en-SE" dirty="0"/>
+                    </a:p>
+                  </a:txBody>
+                  <a:tcPr/>
+                </a:tc>
+                <a:tc>
+                  <a:txBody>
+                    <a:bodyPr/>
+                    <a:lstStyle/>
+                    <a:p>
+                      <a:pPr algn="ctr"/>
+                      <a:r>
+                        <a:rPr lang="en-GB" dirty="0">
+                          <a:solidFill>
+                            <a:srgbClr val="FF0000"/>
+                          </a:solidFill>
+                        </a:rPr>
+                        <a:t>2</a:t>
+                      </a:r>
+                      <a:endParaRPr lang="en-SE" dirty="0">
+                        <a:solidFill>
+                          <a:srgbClr val="FF0000"/>
+                        </a:solidFill>
+                      </a:endParaRPr>
+                    </a:p>
+                  </a:txBody>
+                  <a:tcPr/>
+                </a:tc>
+                <a:tc>
+                  <a:txBody>
+                    <a:bodyPr/>
+                    <a:lstStyle/>
+                    <a:p>
+                      <a:pPr algn="ctr"/>
+                      <a:r>
+                        <a:rPr lang="en-GB" dirty="0"/>
+                        <a:t>2</a:t>
+                      </a:r>
+                      <a:endParaRPr lang="en-SE" dirty="0"/>
+                    </a:p>
+                  </a:txBody>
+                  <a:tcPr/>
+                </a:tc>
+                <a:tc>
+                  <a:txBody>
+                    <a:bodyPr/>
+                    <a:lstStyle/>
+                    <a:p>
+                      <a:pPr algn="ctr"/>
+                      <a:r>
+                        <a:rPr lang="en-GB" dirty="0"/>
+                        <a:t>2</a:t>
+                      </a:r>
+                      <a:endParaRPr lang="en-SE" dirty="0"/>
+                    </a:p>
+                  </a:txBody>
+                  <a:tcPr/>
+                </a:tc>
+                <a:tc>
+                  <a:txBody>
+                    <a:bodyPr/>
+                    <a:lstStyle/>
+                    <a:p>
+                      <a:pPr algn="ctr"/>
+                      <a:r>
+                        <a:rPr lang="en-GB" dirty="0"/>
+                        <a:t>2</a:t>
+                      </a:r>
+                      <a:endParaRPr lang="en-SE" dirty="0"/>
+                    </a:p>
+                  </a:txBody>
+                  <a:tcPr/>
+                </a:tc>
+                <a:tc>
+                  <a:txBody>
+                    <a:bodyPr/>
+                    <a:lstStyle/>
+                    <a:p>
+                      <a:pPr algn="ctr"/>
+                      <a:r>
+                        <a:rPr lang="en-GB" dirty="0">
+                          <a:solidFill>
+                            <a:srgbClr val="FF0000"/>
+                          </a:solidFill>
+                        </a:rPr>
+                        <a:t>1</a:t>
+                      </a:r>
+                      <a:endParaRPr lang="en-SE" dirty="0">
+                        <a:solidFill>
+                          <a:srgbClr val="FF0000"/>
+                        </a:solidFill>
+                      </a:endParaRPr>
+                    </a:p>
+                  </a:txBody>
+                  <a:tcPr/>
+                </a:tc>
+                <a:tc>
+                  <a:txBody>
+                    <a:bodyPr/>
+                    <a:lstStyle/>
+                    <a:p>
+                      <a:pPr algn="ctr"/>
+                      <a:r>
+                        <a:rPr lang="en-GB" dirty="0"/>
+                        <a:t>1</a:t>
+                      </a:r>
+                      <a:endParaRPr lang="en-SE" dirty="0"/>
+                    </a:p>
+                  </a:txBody>
+                  <a:tcPr/>
+                </a:tc>
+                <a:tc>
+                  <a:txBody>
+                    <a:bodyPr/>
+                    <a:lstStyle/>
+                    <a:p>
+                      <a:pPr algn="ctr"/>
+                      <a:r>
+                        <a:rPr lang="en-GB" dirty="0"/>
+                        <a:t>1</a:t>
+                      </a:r>
+                      <a:endParaRPr lang="en-SE" dirty="0"/>
+                    </a:p>
+                  </a:txBody>
+                  <a:tcPr/>
+                </a:tc>
+                <a:extLst>
+                  <a:ext uri="{0D108BD9-81ED-4DB2-BD59-A6C34878D82A}">
+                    <a16:rowId xmlns:a16="http://schemas.microsoft.com/office/drawing/2014/main" val="3092924220"/>
+                  </a:ext>
+                </a:extLst>
+              </a:tr>
+            </a:tbl>
+          </a:graphicData>
+        </a:graphic>
+      </p:graphicFrame>
+      <p:sp>
+        <p:nvSpPr>
+          <p:cNvPr id="6" name="TextBox 5">
+            <a:extLst>
+              <a:ext uri="{FF2B5EF4-FFF2-40B4-BE49-F238E27FC236}">
+                <a16:creationId xmlns:a16="http://schemas.microsoft.com/office/drawing/2014/main" id="{08ABF115-36ED-5189-D822-D3150342DA36}"/>
+              </a:ext>
+            </a:extLst>
+          </p:cNvPr>
+          <p:cNvSpPr txBox="1"/>
+          <p:nvPr/>
+        </p:nvSpPr>
+        <p:spPr>
+          <a:xfrm>
+            <a:off x="4824663" y="2245360"/>
+            <a:ext cx="2561646" cy="369332"/>
+          </a:xfrm>
+          <a:prstGeom prst="rect">
+            <a:avLst/>
+          </a:prstGeom>
+          <a:noFill/>
+        </p:spPr>
+        <p:txBody>
+          <a:bodyPr wrap="square" rtlCol="0">
+            <a:spAutoFit/>
+          </a:bodyPr>
+          <a:lstStyle/>
+          <a:p>
+            <a:r>
+              <a:rPr lang="en-GB" b="0" dirty="0">
+                <a:latin typeface="+mj-lt"/>
+              </a:rPr>
+              <a:t>FIFO: </a:t>
+            </a:r>
+            <a:r>
+              <a:rPr lang="en-US" b="0" dirty="0">
+                <a:latin typeface="+mj-lt"/>
+              </a:rPr>
+              <a:t>12 page faults</a:t>
+            </a:r>
+            <a:endParaRPr lang="en-SE" b="0" dirty="0">
+              <a:latin typeface="+mj-lt"/>
+            </a:endParaRPr>
+          </a:p>
+        </p:txBody>
+      </p:sp>
+      <p:graphicFrame>
+        <p:nvGraphicFramePr>
+          <p:cNvPr id="7" name="Table 6">
+            <a:extLst>
+              <a:ext uri="{FF2B5EF4-FFF2-40B4-BE49-F238E27FC236}">
+                <a16:creationId xmlns:a16="http://schemas.microsoft.com/office/drawing/2014/main" id="{899E3988-DD18-D146-114E-8E0606266CB0}"/>
+              </a:ext>
+            </a:extLst>
+          </p:cNvPr>
+          <p:cNvGraphicFramePr>
+            <a:graphicFrameLocks noGrp="1"/>
+          </p:cNvGraphicFramePr>
+          <p:nvPr>
+            <p:extLst>
+              <p:ext uri="{D42A27DB-BD31-4B8C-83A1-F6EECF244321}">
+                <p14:modId xmlns:p14="http://schemas.microsoft.com/office/powerpoint/2010/main" val="1255691902"/>
+              </p:ext>
+            </p:extLst>
+          </p:nvPr>
+        </p:nvGraphicFramePr>
+        <p:xfrm>
+          <a:off x="1270000" y="762000"/>
+          <a:ext cx="9601200" cy="1483360"/>
+        </p:xfrm>
+        <a:graphic>
+          <a:graphicData uri="http://schemas.openxmlformats.org/drawingml/2006/table">
+            <a:tbl>
+              <a:tblPr firstRow="1" bandRow="1">
+                <a:tableStyleId>{5940675A-B579-460E-94D1-54222C63F5DA}</a:tableStyleId>
+              </a:tblPr>
+              <a:tblGrid>
+                <a:gridCol w="600075">
+                  <a:extLst>
+                    <a:ext uri="{9D8B030D-6E8A-4147-A177-3AD203B41FA5}">
+                      <a16:colId xmlns:a16="http://schemas.microsoft.com/office/drawing/2014/main" val="292060264"/>
+                    </a:ext>
+                  </a:extLst>
+                </a:gridCol>
+                <a:gridCol w="600075">
+                  <a:extLst>
+                    <a:ext uri="{9D8B030D-6E8A-4147-A177-3AD203B41FA5}">
+                      <a16:colId xmlns:a16="http://schemas.microsoft.com/office/drawing/2014/main" val="2963604161"/>
+                    </a:ext>
+                  </a:extLst>
+                </a:gridCol>
+                <a:gridCol w="600075">
+                  <a:extLst>
+                    <a:ext uri="{9D8B030D-6E8A-4147-A177-3AD203B41FA5}">
+                      <a16:colId xmlns:a16="http://schemas.microsoft.com/office/drawing/2014/main" val="973972083"/>
+                    </a:ext>
+                  </a:extLst>
+                </a:gridCol>
+                <a:gridCol w="600075">
+                  <a:extLst>
+                    <a:ext uri="{9D8B030D-6E8A-4147-A177-3AD203B41FA5}">
+                      <a16:colId xmlns:a16="http://schemas.microsoft.com/office/drawing/2014/main" val="3228715825"/>
+                    </a:ext>
+                  </a:extLst>
+                </a:gridCol>
+                <a:gridCol w="600075">
+                  <a:extLst>
+                    <a:ext uri="{9D8B030D-6E8A-4147-A177-3AD203B41FA5}">
+                      <a16:colId xmlns:a16="http://schemas.microsoft.com/office/drawing/2014/main" val="4061598519"/>
+                    </a:ext>
+                  </a:extLst>
+                </a:gridCol>
+                <a:gridCol w="600075">
+                  <a:extLst>
+                    <a:ext uri="{9D8B030D-6E8A-4147-A177-3AD203B41FA5}">
+                      <a16:colId xmlns:a16="http://schemas.microsoft.com/office/drawing/2014/main" val="4235665240"/>
+                    </a:ext>
+                  </a:extLst>
+                </a:gridCol>
+                <a:gridCol w="600075">
+                  <a:extLst>
+                    <a:ext uri="{9D8B030D-6E8A-4147-A177-3AD203B41FA5}">
+                      <a16:colId xmlns:a16="http://schemas.microsoft.com/office/drawing/2014/main" val="441605830"/>
+                    </a:ext>
+                  </a:extLst>
+                </a:gridCol>
+                <a:gridCol w="600075">
+                  <a:extLst>
+                    <a:ext uri="{9D8B030D-6E8A-4147-A177-3AD203B41FA5}">
+                      <a16:colId xmlns:a16="http://schemas.microsoft.com/office/drawing/2014/main" val="2715802762"/>
+                    </a:ext>
+                  </a:extLst>
+                </a:gridCol>
+                <a:gridCol w="600075">
+                  <a:extLst>
+                    <a:ext uri="{9D8B030D-6E8A-4147-A177-3AD203B41FA5}">
+                      <a16:colId xmlns:a16="http://schemas.microsoft.com/office/drawing/2014/main" val="3720376829"/>
+                    </a:ext>
+                  </a:extLst>
+                </a:gridCol>
+                <a:gridCol w="600075">
+                  <a:extLst>
+                    <a:ext uri="{9D8B030D-6E8A-4147-A177-3AD203B41FA5}">
+                      <a16:colId xmlns:a16="http://schemas.microsoft.com/office/drawing/2014/main" val="4215981938"/>
+                    </a:ext>
+                  </a:extLst>
+                </a:gridCol>
+                <a:gridCol w="600075">
+                  <a:extLst>
+                    <a:ext uri="{9D8B030D-6E8A-4147-A177-3AD203B41FA5}">
+                      <a16:colId xmlns:a16="http://schemas.microsoft.com/office/drawing/2014/main" val="3764429309"/>
+                    </a:ext>
+                  </a:extLst>
+                </a:gridCol>
+                <a:gridCol w="600075">
+                  <a:extLst>
+                    <a:ext uri="{9D8B030D-6E8A-4147-A177-3AD203B41FA5}">
+                      <a16:colId xmlns:a16="http://schemas.microsoft.com/office/drawing/2014/main" val="4122870511"/>
+                    </a:ext>
+                  </a:extLst>
+                </a:gridCol>
+                <a:gridCol w="600075">
+                  <a:extLst>
+                    <a:ext uri="{9D8B030D-6E8A-4147-A177-3AD203B41FA5}">
+                      <a16:colId xmlns:a16="http://schemas.microsoft.com/office/drawing/2014/main" val="3200705457"/>
+                    </a:ext>
+                  </a:extLst>
+                </a:gridCol>
+                <a:gridCol w="600075">
+                  <a:extLst>
+                    <a:ext uri="{9D8B030D-6E8A-4147-A177-3AD203B41FA5}">
+                      <a16:colId xmlns:a16="http://schemas.microsoft.com/office/drawing/2014/main" val="890063204"/>
+                    </a:ext>
+                  </a:extLst>
+                </a:gridCol>
+                <a:gridCol w="600075">
+                  <a:extLst>
+                    <a:ext uri="{9D8B030D-6E8A-4147-A177-3AD203B41FA5}">
+                      <a16:colId xmlns:a16="http://schemas.microsoft.com/office/drawing/2014/main" val="1884647162"/>
+                    </a:ext>
+                  </a:extLst>
+                </a:gridCol>
+                <a:gridCol w="600075">
+                  <a:extLst>
+                    <a:ext uri="{9D8B030D-6E8A-4147-A177-3AD203B41FA5}">
+                      <a16:colId xmlns:a16="http://schemas.microsoft.com/office/drawing/2014/main" val="2301853606"/>
+                    </a:ext>
+                  </a:extLst>
+                </a:gridCol>
+              </a:tblGrid>
+              <a:tr h="370840">
+                <a:tc>
+                  <a:txBody>
+                    <a:bodyPr/>
+                    <a:lstStyle/>
+                    <a:p>
+                      <a:pPr algn="ctr"/>
+                      <a:r>
+                        <a:rPr lang="en-GB" dirty="0"/>
+                        <a:t>Ref</a:t>
+                      </a:r>
+                      <a:endParaRPr lang="en-SE" dirty="0"/>
+                    </a:p>
+                  </a:txBody>
+                  <a:tcPr/>
+                </a:tc>
+                <a:tc>
+                  <a:txBody>
+                    <a:bodyPr/>
+                    <a:lstStyle/>
+                    <a:p>
+                      <a:pPr algn="ctr"/>
+                      <a:r>
+                        <a:rPr lang="en-GB" dirty="0"/>
+                        <a:t>7</a:t>
+                      </a:r>
+                      <a:endParaRPr lang="en-SE" dirty="0"/>
+                    </a:p>
+                  </a:txBody>
+                  <a:tcPr/>
+                </a:tc>
+                <a:tc>
+                  <a:txBody>
+                    <a:bodyPr/>
+                    <a:lstStyle/>
+                    <a:p>
+                      <a:pPr algn="ctr"/>
+                      <a:r>
+                        <a:rPr lang="en-GB" dirty="0"/>
+                        <a:t>0</a:t>
+                      </a:r>
+                      <a:endParaRPr lang="en-SE" dirty="0"/>
+                    </a:p>
+                  </a:txBody>
+                  <a:tcPr/>
+                </a:tc>
+                <a:tc>
+                  <a:txBody>
+                    <a:bodyPr/>
+                    <a:lstStyle/>
+                    <a:p>
+                      <a:pPr algn="ctr"/>
+                      <a:r>
+                        <a:rPr lang="en-GB" dirty="0"/>
+                        <a:t>1</a:t>
+                      </a:r>
+                      <a:endParaRPr lang="en-SE" dirty="0"/>
+                    </a:p>
+                  </a:txBody>
+                  <a:tcPr/>
+                </a:tc>
+                <a:tc>
+                  <a:txBody>
+                    <a:bodyPr/>
+                    <a:lstStyle/>
+                    <a:p>
+                      <a:pPr algn="ctr"/>
+                      <a:r>
+                        <a:rPr lang="en-GB" dirty="0"/>
+                        <a:t>2</a:t>
+                      </a:r>
+                      <a:endParaRPr lang="en-SE" dirty="0"/>
+                    </a:p>
+                  </a:txBody>
+                  <a:tcPr/>
+                </a:tc>
+                <a:tc>
+                  <a:txBody>
+                    <a:bodyPr/>
+                    <a:lstStyle/>
+                    <a:p>
+                      <a:pPr algn="ctr"/>
+                      <a:r>
+                        <a:rPr lang="en-GB" dirty="0"/>
+                        <a:t>0</a:t>
+                      </a:r>
+                      <a:endParaRPr lang="en-SE" dirty="0"/>
+                    </a:p>
+                  </a:txBody>
+                  <a:tcPr/>
+                </a:tc>
+                <a:tc>
+                  <a:txBody>
+                    <a:bodyPr/>
+                    <a:lstStyle/>
+                    <a:p>
+                      <a:pPr algn="ctr"/>
+                      <a:r>
+                        <a:rPr lang="en-GB" dirty="0"/>
+                        <a:t>3</a:t>
+                      </a:r>
+                      <a:endParaRPr lang="en-SE" dirty="0"/>
+                    </a:p>
+                  </a:txBody>
+                  <a:tcPr/>
+                </a:tc>
+                <a:tc>
+                  <a:txBody>
+                    <a:bodyPr/>
+                    <a:lstStyle/>
+                    <a:p>
+                      <a:pPr algn="ctr"/>
+                      <a:r>
+                        <a:rPr lang="en-GB" dirty="0"/>
+                        <a:t>0</a:t>
+                      </a:r>
+                      <a:endParaRPr lang="en-SE" dirty="0"/>
+                    </a:p>
+                  </a:txBody>
+                  <a:tcPr/>
+                </a:tc>
+                <a:tc>
+                  <a:txBody>
+                    <a:bodyPr/>
+                    <a:lstStyle/>
+                    <a:p>
+                      <a:pPr algn="ctr"/>
+                      <a:r>
+                        <a:rPr lang="en-GB" dirty="0"/>
+                        <a:t>4</a:t>
+                      </a:r>
+                      <a:endParaRPr lang="en-SE" dirty="0"/>
+                    </a:p>
+                  </a:txBody>
+                  <a:tcPr/>
+                </a:tc>
+                <a:tc>
+                  <a:txBody>
+                    <a:bodyPr/>
+                    <a:lstStyle/>
+                    <a:p>
+                      <a:pPr algn="ctr"/>
+                      <a:r>
+                        <a:rPr lang="en-GB" dirty="0"/>
+                        <a:t>2</a:t>
+                      </a:r>
+                      <a:endParaRPr lang="en-SE" dirty="0"/>
+                    </a:p>
+                  </a:txBody>
+                  <a:tcPr/>
+                </a:tc>
+                <a:tc>
+                  <a:txBody>
+                    <a:bodyPr/>
+                    <a:lstStyle/>
+                    <a:p>
+                      <a:pPr algn="ctr"/>
+                      <a:r>
+                        <a:rPr lang="en-GB" dirty="0"/>
+                        <a:t>3</a:t>
+                      </a:r>
+                      <a:endParaRPr lang="en-SE" dirty="0"/>
+                    </a:p>
+                  </a:txBody>
+                  <a:tcPr/>
+                </a:tc>
+                <a:tc>
+                  <a:txBody>
+                    <a:bodyPr/>
+                    <a:lstStyle/>
+                    <a:p>
+                      <a:pPr algn="ctr"/>
+                      <a:r>
+                        <a:rPr lang="en-GB" dirty="0"/>
+                        <a:t>0</a:t>
+                      </a:r>
+                      <a:endParaRPr lang="en-SE" dirty="0"/>
+                    </a:p>
+                  </a:txBody>
+                  <a:tcPr/>
+                </a:tc>
+                <a:tc>
+                  <a:txBody>
+                    <a:bodyPr/>
+                    <a:lstStyle/>
+                    <a:p>
+                      <a:pPr algn="ctr"/>
+                      <a:r>
+                        <a:rPr lang="en-GB" dirty="0"/>
+                        <a:t>3</a:t>
+                      </a:r>
+                      <a:endParaRPr lang="en-SE" dirty="0"/>
+                    </a:p>
+                  </a:txBody>
+                  <a:tcPr/>
+                </a:tc>
+                <a:tc>
+                  <a:txBody>
+                    <a:bodyPr/>
+                    <a:lstStyle/>
+                    <a:p>
+                      <a:pPr algn="ctr"/>
+                      <a:r>
+                        <a:rPr lang="en-GB" dirty="0"/>
+                        <a:t>1</a:t>
+                      </a:r>
+                      <a:endParaRPr lang="en-SE" dirty="0"/>
+                    </a:p>
+                  </a:txBody>
+                  <a:tcPr/>
+                </a:tc>
+                <a:tc>
+                  <a:txBody>
+                    <a:bodyPr/>
+                    <a:lstStyle/>
+                    <a:p>
+                      <a:pPr algn="ctr"/>
+                      <a:r>
+                        <a:rPr lang="en-GB" dirty="0"/>
+                        <a:t>2</a:t>
+                      </a:r>
+                      <a:endParaRPr lang="en-SE" dirty="0"/>
+                    </a:p>
+                  </a:txBody>
+                  <a:tcPr/>
+                </a:tc>
+                <a:tc>
+                  <a:txBody>
+                    <a:bodyPr/>
+                    <a:lstStyle/>
+                    <a:p>
+                      <a:pPr algn="ctr"/>
+                      <a:r>
+                        <a:rPr lang="en-GB" dirty="0"/>
+                        <a:t>0</a:t>
+                      </a:r>
+                      <a:endParaRPr lang="en-SE" dirty="0"/>
+                    </a:p>
+                  </a:txBody>
+                  <a:tcPr/>
+                </a:tc>
+                <a:extLst>
+                  <a:ext uri="{0D108BD9-81ED-4DB2-BD59-A6C34878D82A}">
+                    <a16:rowId xmlns:a16="http://schemas.microsoft.com/office/drawing/2014/main" val="3125541730"/>
+                  </a:ext>
+                </a:extLst>
+              </a:tr>
+              <a:tr h="370840">
+                <a:tc>
+                  <a:txBody>
+                    <a:bodyPr/>
+                    <a:lstStyle/>
+                    <a:p>
+                      <a:pPr algn="ctr"/>
+                      <a:r>
+                        <a:rPr lang="en-GB" dirty="0"/>
+                        <a:t>F1</a:t>
+                      </a:r>
+                      <a:endParaRPr lang="en-SE" dirty="0"/>
+                    </a:p>
+                  </a:txBody>
+                  <a:tcPr/>
+                </a:tc>
+                <a:tc>
+                  <a:txBody>
+                    <a:bodyPr/>
+                    <a:lstStyle/>
+                    <a:p>
+                      <a:pPr algn="ctr"/>
+                      <a:r>
+                        <a:rPr lang="en-GB" dirty="0">
+                          <a:solidFill>
+                            <a:srgbClr val="FF0000"/>
+                          </a:solidFill>
+                        </a:rPr>
+                        <a:t>7</a:t>
+                      </a:r>
+                      <a:endParaRPr lang="en-SE" dirty="0">
+                        <a:solidFill>
+                          <a:srgbClr val="FF0000"/>
+                        </a:solidFill>
+                      </a:endParaRPr>
+                    </a:p>
+                  </a:txBody>
+                  <a:tcPr/>
+                </a:tc>
+                <a:tc>
+                  <a:txBody>
+                    <a:bodyPr/>
+                    <a:lstStyle/>
+                    <a:p>
+                      <a:pPr algn="ctr"/>
+                      <a:r>
+                        <a:rPr lang="en-GB" dirty="0"/>
+                        <a:t>7</a:t>
+                      </a:r>
+                      <a:endParaRPr lang="en-SE" dirty="0"/>
+                    </a:p>
+                  </a:txBody>
+                  <a:tcPr/>
+                </a:tc>
+                <a:tc>
+                  <a:txBody>
+                    <a:bodyPr/>
+                    <a:lstStyle/>
+                    <a:p>
+                      <a:pPr algn="ctr"/>
+                      <a:r>
+                        <a:rPr lang="en-GB" dirty="0"/>
+                        <a:t>7</a:t>
+                      </a:r>
+                      <a:endParaRPr lang="en-SE" dirty="0"/>
+                    </a:p>
+                  </a:txBody>
+                  <a:tcPr/>
+                </a:tc>
+                <a:tc>
+                  <a:txBody>
+                    <a:bodyPr/>
+                    <a:lstStyle/>
+                    <a:p>
+                      <a:pPr algn="ctr"/>
+                      <a:r>
+                        <a:rPr lang="en-GB" dirty="0">
+                          <a:solidFill>
+                            <a:srgbClr val="FF0000"/>
+                          </a:solidFill>
+                        </a:rPr>
+                        <a:t>2</a:t>
+                      </a:r>
+                      <a:endParaRPr lang="en-SE" dirty="0">
+                        <a:solidFill>
+                          <a:srgbClr val="FF0000"/>
+                        </a:solidFill>
+                      </a:endParaRPr>
+                    </a:p>
+                  </a:txBody>
+                  <a:tcPr/>
+                </a:tc>
+                <a:tc>
+                  <a:txBody>
+                    <a:bodyPr/>
+                    <a:lstStyle/>
+                    <a:p>
+                      <a:pPr algn="ctr"/>
+                      <a:r>
+                        <a:rPr lang="en-GB" dirty="0"/>
+                        <a:t>2</a:t>
+                      </a:r>
+                      <a:endParaRPr lang="en-SE" dirty="0"/>
+                    </a:p>
+                  </a:txBody>
+                  <a:tcPr/>
+                </a:tc>
+                <a:tc>
+                  <a:txBody>
+                    <a:bodyPr/>
+                    <a:lstStyle/>
+                    <a:p>
+                      <a:pPr algn="ctr"/>
+                      <a:r>
+                        <a:rPr lang="en-GB" dirty="0"/>
+                        <a:t>2</a:t>
+                      </a:r>
+                      <a:endParaRPr lang="en-SE" dirty="0"/>
+                    </a:p>
+                  </a:txBody>
+                  <a:tcPr/>
+                </a:tc>
+                <a:tc>
+                  <a:txBody>
+                    <a:bodyPr/>
+                    <a:lstStyle/>
+                    <a:p>
+                      <a:pPr algn="ctr"/>
+                      <a:r>
+                        <a:rPr lang="en-GB" dirty="0"/>
+                        <a:t>2</a:t>
+                      </a:r>
+                      <a:endParaRPr lang="en-SE" dirty="0"/>
+                    </a:p>
+                  </a:txBody>
+                  <a:tcPr/>
+                </a:tc>
+                <a:tc>
+                  <a:txBody>
+                    <a:bodyPr/>
+                    <a:lstStyle/>
+                    <a:p>
+                      <a:pPr algn="ctr"/>
+                      <a:r>
+                        <a:rPr lang="en-GB" dirty="0">
+                          <a:solidFill>
+                            <a:srgbClr val="FF0000"/>
+                          </a:solidFill>
+                        </a:rPr>
+                        <a:t>4</a:t>
+                      </a:r>
+                      <a:endParaRPr lang="en-SE" dirty="0">
+                        <a:solidFill>
+                          <a:srgbClr val="FF0000"/>
+                        </a:solidFill>
+                      </a:endParaRPr>
+                    </a:p>
+                  </a:txBody>
+                  <a:tcPr/>
+                </a:tc>
+                <a:tc>
+                  <a:txBody>
+                    <a:bodyPr/>
+                    <a:lstStyle/>
+                    <a:p>
+                      <a:pPr algn="ctr"/>
+                      <a:r>
+                        <a:rPr lang="en-GB" dirty="0"/>
+                        <a:t>4</a:t>
+                      </a:r>
+                      <a:endParaRPr lang="en-SE" dirty="0"/>
+                    </a:p>
+                  </a:txBody>
+                  <a:tcPr/>
+                </a:tc>
+                <a:tc>
+                  <a:txBody>
+                    <a:bodyPr/>
+                    <a:lstStyle/>
+                    <a:p>
+                      <a:pPr algn="ctr"/>
+                      <a:r>
+                        <a:rPr lang="en-GB" dirty="0"/>
+                        <a:t>4</a:t>
+                      </a:r>
+                      <a:endParaRPr lang="en-SE" dirty="0"/>
+                    </a:p>
+                  </a:txBody>
+                  <a:tcPr/>
+                </a:tc>
+                <a:tc>
+                  <a:txBody>
+                    <a:bodyPr/>
+                    <a:lstStyle/>
+                    <a:p>
+                      <a:pPr algn="ctr"/>
+                      <a:r>
+                        <a:rPr lang="en-GB" dirty="0">
+                          <a:solidFill>
+                            <a:srgbClr val="FF0000"/>
+                          </a:solidFill>
+                        </a:rPr>
+                        <a:t>0</a:t>
+                      </a:r>
+                      <a:endParaRPr lang="en-SE" dirty="0">
+                        <a:solidFill>
+                          <a:srgbClr val="FF0000"/>
+                        </a:solidFill>
+                      </a:endParaRPr>
+                    </a:p>
+                  </a:txBody>
+                  <a:tcPr/>
+                </a:tc>
+                <a:tc>
+                  <a:txBody>
+                    <a:bodyPr/>
+                    <a:lstStyle/>
+                    <a:p>
+                      <a:pPr algn="ctr"/>
+                      <a:r>
+                        <a:rPr lang="en-GB" dirty="0"/>
+                        <a:t>0</a:t>
+                      </a:r>
+                      <a:endParaRPr lang="en-SE" dirty="0"/>
+                    </a:p>
+                  </a:txBody>
+                  <a:tcPr/>
+                </a:tc>
+                <a:tc>
+                  <a:txBody>
+                    <a:bodyPr/>
+                    <a:lstStyle/>
+                    <a:p>
+                      <a:pPr algn="ctr"/>
+                      <a:r>
+                        <a:rPr lang="en-GB" dirty="0"/>
+                        <a:t>0</a:t>
+                      </a:r>
+                      <a:endParaRPr lang="en-SE" dirty="0"/>
+                    </a:p>
+                  </a:txBody>
+                  <a:tcPr/>
+                </a:tc>
+                <a:tc>
+                  <a:txBody>
+                    <a:bodyPr/>
+                    <a:lstStyle/>
+                    <a:p>
+                      <a:pPr algn="ctr"/>
+                      <a:r>
+                        <a:rPr lang="en-GB" dirty="0">
+                          <a:solidFill>
+                            <a:schemeClr val="tx1"/>
+                          </a:solidFill>
+                        </a:rPr>
+                        <a:t>0</a:t>
+                      </a:r>
+                      <a:endParaRPr lang="en-SE" dirty="0">
+                        <a:solidFill>
+                          <a:schemeClr val="tx1"/>
+                        </a:solidFill>
+                      </a:endParaRPr>
+                    </a:p>
+                  </a:txBody>
+                  <a:tcPr/>
+                </a:tc>
+                <a:tc>
+                  <a:txBody>
+                    <a:bodyPr/>
+                    <a:lstStyle/>
+                    <a:p>
+                      <a:pPr algn="ctr"/>
+                      <a:r>
+                        <a:rPr lang="en-GB" dirty="0">
+                          <a:solidFill>
+                            <a:schemeClr val="tx1"/>
+                          </a:solidFill>
+                        </a:rPr>
+                        <a:t>0</a:t>
+                      </a:r>
+                      <a:endParaRPr lang="en-SE" dirty="0">
+                        <a:solidFill>
+                          <a:schemeClr val="tx1"/>
+                        </a:solidFill>
+                      </a:endParaRPr>
+                    </a:p>
+                  </a:txBody>
+                  <a:tcPr/>
+                </a:tc>
+                <a:extLst>
+                  <a:ext uri="{0D108BD9-81ED-4DB2-BD59-A6C34878D82A}">
+                    <a16:rowId xmlns:a16="http://schemas.microsoft.com/office/drawing/2014/main" val="505469124"/>
+                  </a:ext>
+                </a:extLst>
+              </a:tr>
+              <a:tr h="370840">
+                <a:tc>
+                  <a:txBody>
+                    <a:bodyPr/>
+                    <a:lstStyle/>
+                    <a:p>
+                      <a:pPr algn="ctr"/>
+                      <a:r>
+                        <a:rPr lang="en-GB" dirty="0"/>
+                        <a:t>F2</a:t>
+                      </a:r>
+                      <a:endParaRPr lang="en-SE" dirty="0"/>
+                    </a:p>
+                  </a:txBody>
+                  <a:tcPr/>
+                </a:tc>
+                <a:tc>
+                  <a:txBody>
+                    <a:bodyPr/>
+                    <a:lstStyle/>
+                    <a:p>
+                      <a:pPr algn="ctr"/>
+                      <a:endParaRPr lang="en-SE"/>
+                    </a:p>
+                  </a:txBody>
+                  <a:tcPr/>
+                </a:tc>
+                <a:tc>
+                  <a:txBody>
+                    <a:bodyPr/>
+                    <a:lstStyle/>
+                    <a:p>
+                      <a:pPr algn="ctr"/>
+                      <a:r>
+                        <a:rPr lang="en-GB" dirty="0">
+                          <a:solidFill>
+                            <a:srgbClr val="FF0000"/>
+                          </a:solidFill>
+                        </a:rPr>
+                        <a:t>0</a:t>
+                      </a:r>
+                      <a:endParaRPr lang="en-SE" dirty="0">
+                        <a:solidFill>
+                          <a:srgbClr val="FF0000"/>
+                        </a:solidFill>
+                      </a:endParaRPr>
+                    </a:p>
+                  </a:txBody>
+                  <a:tcPr/>
+                </a:tc>
+                <a:tc>
+                  <a:txBody>
+                    <a:bodyPr/>
+                    <a:lstStyle/>
+                    <a:p>
+                      <a:pPr algn="ctr"/>
+                      <a:r>
+                        <a:rPr lang="en-GB" dirty="0"/>
+                        <a:t>0</a:t>
+                      </a:r>
+                      <a:endParaRPr lang="en-SE" dirty="0"/>
+                    </a:p>
+                  </a:txBody>
+                  <a:tcPr/>
+                </a:tc>
+                <a:tc>
+                  <a:txBody>
+                    <a:bodyPr/>
+                    <a:lstStyle/>
+                    <a:p>
+                      <a:pPr algn="ctr"/>
+                      <a:r>
+                        <a:rPr lang="en-GB" dirty="0"/>
+                        <a:t>0</a:t>
+                      </a:r>
+                      <a:endParaRPr lang="en-SE" dirty="0"/>
+                    </a:p>
+                  </a:txBody>
+                  <a:tcPr/>
+                </a:tc>
+                <a:tc>
+                  <a:txBody>
+                    <a:bodyPr/>
+                    <a:lstStyle/>
+                    <a:p>
+                      <a:pPr algn="ctr"/>
+                      <a:r>
+                        <a:rPr lang="en-GB" dirty="0"/>
+                        <a:t>0</a:t>
+                      </a:r>
+                      <a:endParaRPr lang="en-SE" dirty="0"/>
+                    </a:p>
+                  </a:txBody>
+                  <a:tcPr/>
+                </a:tc>
+                <a:tc>
+                  <a:txBody>
+                    <a:bodyPr/>
+                    <a:lstStyle/>
+                    <a:p>
+                      <a:pPr algn="ctr"/>
+                      <a:r>
+                        <a:rPr lang="en-GB" dirty="0">
+                          <a:solidFill>
+                            <a:srgbClr val="FF0000"/>
+                          </a:solidFill>
+                        </a:rPr>
+                        <a:t>3</a:t>
+                      </a:r>
+                      <a:endParaRPr lang="en-SE" dirty="0">
+                        <a:solidFill>
+                          <a:srgbClr val="FF0000"/>
+                        </a:solidFill>
+                      </a:endParaRPr>
+                    </a:p>
+                  </a:txBody>
+                  <a:tcPr/>
+                </a:tc>
+                <a:tc>
+                  <a:txBody>
+                    <a:bodyPr/>
+                    <a:lstStyle/>
+                    <a:p>
+                      <a:pPr algn="ctr"/>
+                      <a:r>
+                        <a:rPr lang="en-GB" dirty="0"/>
+                        <a:t>3</a:t>
+                      </a:r>
+                      <a:endParaRPr lang="en-SE" dirty="0"/>
+                    </a:p>
+                  </a:txBody>
+                  <a:tcPr/>
+                </a:tc>
+                <a:tc>
+                  <a:txBody>
+                    <a:bodyPr/>
+                    <a:lstStyle/>
+                    <a:p>
+                      <a:pPr algn="ctr"/>
+                      <a:r>
+                        <a:rPr lang="en-GB" dirty="0"/>
+                        <a:t>3</a:t>
+                      </a:r>
+                      <a:endParaRPr lang="en-SE" dirty="0"/>
+                    </a:p>
+                  </a:txBody>
+                  <a:tcPr/>
+                </a:tc>
+                <a:tc>
+                  <a:txBody>
+                    <a:bodyPr/>
+                    <a:lstStyle/>
+                    <a:p>
+                      <a:pPr algn="ctr"/>
+                      <a:r>
+                        <a:rPr lang="en-GB" dirty="0">
+                          <a:solidFill>
+                            <a:srgbClr val="FF0000"/>
+                          </a:solidFill>
+                        </a:rPr>
+                        <a:t>2</a:t>
+                      </a:r>
+                      <a:endParaRPr lang="en-SE" dirty="0">
+                        <a:solidFill>
+                          <a:srgbClr val="FF0000"/>
+                        </a:solidFill>
+                      </a:endParaRPr>
+                    </a:p>
+                  </a:txBody>
+                  <a:tcPr/>
+                </a:tc>
+                <a:tc>
+                  <a:txBody>
+                    <a:bodyPr/>
+                    <a:lstStyle/>
+                    <a:p>
+                      <a:pPr algn="ctr"/>
+                      <a:r>
+                        <a:rPr lang="en-GB" dirty="0">
+                          <a:solidFill>
+                            <a:schemeClr val="tx1"/>
+                          </a:solidFill>
+                        </a:rPr>
+                        <a:t>2</a:t>
+                      </a:r>
+                      <a:endParaRPr lang="en-SE" dirty="0">
+                        <a:solidFill>
+                          <a:schemeClr val="tx1"/>
+                        </a:solidFill>
+                      </a:endParaRPr>
+                    </a:p>
+                  </a:txBody>
+                  <a:tcPr/>
+                </a:tc>
+                <a:tc>
+                  <a:txBody>
+                    <a:bodyPr/>
+                    <a:lstStyle/>
+                    <a:p>
+                      <a:pPr algn="ctr"/>
+                      <a:r>
+                        <a:rPr lang="en-GB" dirty="0"/>
+                        <a:t>2</a:t>
+                      </a:r>
+                      <a:endParaRPr lang="en-SE" dirty="0"/>
+                    </a:p>
+                  </a:txBody>
+                  <a:tcPr/>
+                </a:tc>
+                <a:tc>
+                  <a:txBody>
+                    <a:bodyPr/>
+                    <a:lstStyle/>
+                    <a:p>
+                      <a:pPr algn="ctr"/>
+                      <a:r>
+                        <a:rPr lang="en-GB" dirty="0"/>
+                        <a:t>2</a:t>
+                      </a:r>
+                      <a:endParaRPr lang="en-SE" dirty="0"/>
+                    </a:p>
+                  </a:txBody>
+                  <a:tcPr/>
+                </a:tc>
+                <a:tc>
+                  <a:txBody>
+                    <a:bodyPr/>
+                    <a:lstStyle/>
+                    <a:p>
+                      <a:pPr algn="ctr"/>
+                      <a:r>
+                        <a:rPr lang="en-GB" dirty="0">
+                          <a:solidFill>
+                            <a:srgbClr val="FF0000"/>
+                          </a:solidFill>
+                        </a:rPr>
+                        <a:t>1</a:t>
+                      </a:r>
+                      <a:endParaRPr lang="en-SE" dirty="0">
+                        <a:solidFill>
+                          <a:srgbClr val="FF0000"/>
+                        </a:solidFill>
+                      </a:endParaRPr>
+                    </a:p>
+                  </a:txBody>
+                  <a:tcPr/>
+                </a:tc>
+                <a:tc>
+                  <a:txBody>
+                    <a:bodyPr/>
+                    <a:lstStyle/>
+                    <a:p>
+                      <a:pPr algn="ctr"/>
+                      <a:r>
+                        <a:rPr lang="en-GB" dirty="0">
+                          <a:solidFill>
+                            <a:schemeClr val="tx1"/>
+                          </a:solidFill>
+                        </a:rPr>
+                        <a:t>1</a:t>
+                      </a:r>
+                      <a:endParaRPr lang="en-SE" dirty="0">
+                        <a:solidFill>
+                          <a:schemeClr val="tx1"/>
+                        </a:solidFill>
+                      </a:endParaRPr>
+                    </a:p>
+                  </a:txBody>
+                  <a:tcPr/>
+                </a:tc>
+                <a:tc>
+                  <a:txBody>
+                    <a:bodyPr/>
+                    <a:lstStyle/>
+                    <a:p>
+                      <a:pPr algn="ctr"/>
+                      <a:r>
+                        <a:rPr lang="en-GB" dirty="0">
+                          <a:solidFill>
+                            <a:schemeClr val="tx1"/>
+                          </a:solidFill>
+                        </a:rPr>
+                        <a:t>1</a:t>
+                      </a:r>
+                      <a:endParaRPr lang="en-SE" dirty="0">
+                        <a:solidFill>
+                          <a:schemeClr val="tx1"/>
+                        </a:solidFill>
+                      </a:endParaRPr>
+                    </a:p>
+                  </a:txBody>
+                  <a:tcPr/>
+                </a:tc>
+                <a:extLst>
+                  <a:ext uri="{0D108BD9-81ED-4DB2-BD59-A6C34878D82A}">
+                    <a16:rowId xmlns:a16="http://schemas.microsoft.com/office/drawing/2014/main" val="647869353"/>
+                  </a:ext>
+                </a:extLst>
+              </a:tr>
+              <a:tr h="370840">
+                <a:tc>
+                  <a:txBody>
+                    <a:bodyPr/>
+                    <a:lstStyle/>
+                    <a:p>
+                      <a:pPr algn="ctr"/>
+                      <a:r>
+                        <a:rPr lang="en-GB" dirty="0"/>
+                        <a:t>F3</a:t>
+                      </a:r>
+                      <a:endParaRPr lang="en-SE" dirty="0"/>
+                    </a:p>
+                  </a:txBody>
+                  <a:tcPr/>
+                </a:tc>
+                <a:tc>
+                  <a:txBody>
+                    <a:bodyPr/>
+                    <a:lstStyle/>
+                    <a:p>
+                      <a:pPr algn="ctr"/>
+                      <a:endParaRPr lang="en-SE"/>
+                    </a:p>
+                  </a:txBody>
+                  <a:tcPr/>
+                </a:tc>
+                <a:tc>
+                  <a:txBody>
+                    <a:bodyPr/>
+                    <a:lstStyle/>
+                    <a:p>
+                      <a:pPr algn="ctr"/>
+                      <a:endParaRPr lang="en-SE"/>
+                    </a:p>
+                  </a:txBody>
+                  <a:tcPr/>
+                </a:tc>
+                <a:tc>
+                  <a:txBody>
+                    <a:bodyPr/>
+                    <a:lstStyle/>
+                    <a:p>
+                      <a:pPr algn="ctr"/>
+                      <a:r>
+                        <a:rPr lang="en-GB" dirty="0">
+                          <a:solidFill>
+                            <a:srgbClr val="FF0000"/>
+                          </a:solidFill>
+                        </a:rPr>
+                        <a:t>1</a:t>
+                      </a:r>
+                      <a:endParaRPr lang="en-SE" dirty="0">
+                        <a:solidFill>
+                          <a:srgbClr val="FF0000"/>
+                        </a:solidFill>
+                      </a:endParaRPr>
+                    </a:p>
+                  </a:txBody>
+                  <a:tcPr/>
+                </a:tc>
+                <a:tc>
+                  <a:txBody>
+                    <a:bodyPr/>
+                    <a:lstStyle/>
+                    <a:p>
+                      <a:pPr algn="ctr"/>
+                      <a:r>
+                        <a:rPr lang="en-GB" dirty="0"/>
+                        <a:t>1</a:t>
+                      </a:r>
+                      <a:endParaRPr lang="en-SE" dirty="0"/>
+                    </a:p>
+                  </a:txBody>
+                  <a:tcPr/>
+                </a:tc>
+                <a:tc>
+                  <a:txBody>
+                    <a:bodyPr/>
+                    <a:lstStyle/>
+                    <a:p>
+                      <a:pPr algn="ctr"/>
+                      <a:r>
+                        <a:rPr lang="en-GB" dirty="0"/>
+                        <a:t>1</a:t>
+                      </a:r>
+                      <a:endParaRPr lang="en-SE" dirty="0"/>
+                    </a:p>
+                  </a:txBody>
+                  <a:tcPr/>
+                </a:tc>
+                <a:tc>
+                  <a:txBody>
+                    <a:bodyPr/>
+                    <a:lstStyle/>
+                    <a:p>
+                      <a:pPr algn="ctr"/>
+                      <a:r>
+                        <a:rPr lang="en-GB" dirty="0">
+                          <a:solidFill>
+                            <a:schemeClr val="tx1"/>
+                          </a:solidFill>
+                        </a:rPr>
+                        <a:t>1</a:t>
+                      </a:r>
+                      <a:endParaRPr lang="en-SE" dirty="0">
+                        <a:solidFill>
+                          <a:schemeClr val="tx1"/>
+                        </a:solidFill>
+                      </a:endParaRPr>
+                    </a:p>
+                  </a:txBody>
+                  <a:tcPr/>
+                </a:tc>
+                <a:tc>
+                  <a:txBody>
+                    <a:bodyPr/>
+                    <a:lstStyle/>
+                    <a:p>
+                      <a:pPr algn="ctr"/>
+                      <a:r>
+                        <a:rPr lang="en-GB" dirty="0">
+                          <a:solidFill>
+                            <a:srgbClr val="FF0000"/>
+                          </a:solidFill>
+                        </a:rPr>
+                        <a:t>0</a:t>
+                      </a:r>
+                      <a:endParaRPr lang="en-SE" dirty="0">
+                        <a:solidFill>
+                          <a:srgbClr val="FF0000"/>
+                        </a:solidFill>
+                      </a:endParaRPr>
+                    </a:p>
+                  </a:txBody>
+                  <a:tcPr/>
+                </a:tc>
+                <a:tc>
+                  <a:txBody>
+                    <a:bodyPr/>
+                    <a:lstStyle/>
+                    <a:p>
+                      <a:pPr algn="ctr"/>
+                      <a:r>
+                        <a:rPr lang="en-GB" dirty="0"/>
+                        <a:t>0</a:t>
+                      </a:r>
+                      <a:endParaRPr lang="en-SE" dirty="0"/>
+                    </a:p>
+                  </a:txBody>
+                  <a:tcPr/>
+                </a:tc>
+                <a:tc>
+                  <a:txBody>
+                    <a:bodyPr/>
+                    <a:lstStyle/>
+                    <a:p>
+                      <a:pPr algn="ctr"/>
+                      <a:r>
+                        <a:rPr lang="en-GB" dirty="0">
+                          <a:solidFill>
+                            <a:schemeClr val="tx1"/>
+                          </a:solidFill>
+                        </a:rPr>
+                        <a:t>0</a:t>
+                      </a:r>
+                      <a:endParaRPr lang="en-SE" dirty="0">
+                        <a:solidFill>
+                          <a:schemeClr val="tx1"/>
+                        </a:solidFill>
+                      </a:endParaRPr>
+                    </a:p>
+                  </a:txBody>
+                  <a:tcPr/>
+                </a:tc>
+                <a:tc>
+                  <a:txBody>
+                    <a:bodyPr/>
+                    <a:lstStyle/>
+                    <a:p>
+                      <a:pPr algn="ctr"/>
+                      <a:r>
+                        <a:rPr lang="en-GB" dirty="0">
+                          <a:solidFill>
+                            <a:srgbClr val="FF0000"/>
+                          </a:solidFill>
+                        </a:rPr>
+                        <a:t>3</a:t>
+                      </a:r>
+                      <a:endParaRPr lang="en-SE" dirty="0">
+                        <a:solidFill>
+                          <a:srgbClr val="FF0000"/>
+                        </a:solidFill>
+                      </a:endParaRPr>
+                    </a:p>
+                  </a:txBody>
+                  <a:tcPr/>
+                </a:tc>
+                <a:tc>
+                  <a:txBody>
+                    <a:bodyPr/>
+                    <a:lstStyle/>
+                    <a:p>
+                      <a:pPr algn="ctr"/>
+                      <a:r>
+                        <a:rPr lang="en-GB" dirty="0"/>
+                        <a:t>3</a:t>
+                      </a:r>
+                      <a:endParaRPr lang="en-SE" dirty="0"/>
+                    </a:p>
+                  </a:txBody>
+                  <a:tcPr/>
+                </a:tc>
+                <a:tc>
+                  <a:txBody>
+                    <a:bodyPr/>
+                    <a:lstStyle/>
+                    <a:p>
+                      <a:pPr algn="ctr"/>
+                      <a:r>
+                        <a:rPr lang="en-GB" dirty="0">
+                          <a:solidFill>
+                            <a:schemeClr val="tx1"/>
+                          </a:solidFill>
+                        </a:rPr>
+                        <a:t>3</a:t>
+                      </a:r>
+                      <a:endParaRPr lang="en-SE" dirty="0">
+                        <a:solidFill>
+                          <a:schemeClr val="tx1"/>
+                        </a:solidFill>
+                      </a:endParaRPr>
+                    </a:p>
+                  </a:txBody>
+                  <a:tcPr/>
+                </a:tc>
+                <a:tc>
+                  <a:txBody>
+                    <a:bodyPr/>
+                    <a:lstStyle/>
+                    <a:p>
+                      <a:pPr algn="ctr"/>
+                      <a:r>
+                        <a:rPr lang="en-GB" dirty="0">
+                          <a:solidFill>
+                            <a:schemeClr val="tx1"/>
+                          </a:solidFill>
+                        </a:rPr>
+                        <a:t>3</a:t>
+                      </a:r>
+                      <a:endParaRPr lang="en-SE" dirty="0">
+                        <a:solidFill>
+                          <a:schemeClr val="tx1"/>
+                        </a:solidFill>
+                      </a:endParaRPr>
+                    </a:p>
+                  </a:txBody>
+                  <a:tcPr/>
+                </a:tc>
+                <a:tc>
+                  <a:txBody>
+                    <a:bodyPr/>
+                    <a:lstStyle/>
+                    <a:p>
+                      <a:pPr algn="ctr"/>
+                      <a:r>
+                        <a:rPr lang="en-GB" dirty="0">
+                          <a:solidFill>
+                            <a:srgbClr val="FF0000"/>
+                          </a:solidFill>
+                        </a:rPr>
+                        <a:t>2</a:t>
+                      </a:r>
+                      <a:endParaRPr lang="en-SE" dirty="0">
+                        <a:solidFill>
+                          <a:srgbClr val="FF0000"/>
+                        </a:solidFill>
+                      </a:endParaRPr>
+                    </a:p>
+                  </a:txBody>
+                  <a:tcPr/>
+                </a:tc>
+                <a:tc>
+                  <a:txBody>
+                    <a:bodyPr/>
+                    <a:lstStyle/>
+                    <a:p>
+                      <a:pPr algn="ctr"/>
+                      <a:r>
+                        <a:rPr lang="en-GB" dirty="0">
+                          <a:solidFill>
+                            <a:schemeClr val="tx1"/>
+                          </a:solidFill>
+                        </a:rPr>
+                        <a:t>2</a:t>
+                      </a:r>
+                      <a:endParaRPr lang="en-SE" dirty="0">
+                        <a:solidFill>
+                          <a:schemeClr val="tx1"/>
+                        </a:solidFill>
+                      </a:endParaRPr>
+                    </a:p>
+                  </a:txBody>
+                  <a:tcPr/>
+                </a:tc>
+                <a:extLst>
+                  <a:ext uri="{0D108BD9-81ED-4DB2-BD59-A6C34878D82A}">
+                    <a16:rowId xmlns:a16="http://schemas.microsoft.com/office/drawing/2014/main" val="3092924220"/>
+                  </a:ext>
+                </a:extLst>
+              </a:tr>
+            </a:tbl>
+          </a:graphicData>
+        </a:graphic>
+      </p:graphicFrame>
+      <p:sp>
+        <p:nvSpPr>
+          <p:cNvPr id="8" name="TextBox 7">
+            <a:extLst>
+              <a:ext uri="{FF2B5EF4-FFF2-40B4-BE49-F238E27FC236}">
+                <a16:creationId xmlns:a16="http://schemas.microsoft.com/office/drawing/2014/main" id="{33D78281-6FAE-5DCA-EF0D-9B1B34F79695}"/>
+              </a:ext>
+            </a:extLst>
+          </p:cNvPr>
+          <p:cNvSpPr txBox="1"/>
+          <p:nvPr/>
+        </p:nvSpPr>
+        <p:spPr>
+          <a:xfrm>
+            <a:off x="4839368" y="6096000"/>
+            <a:ext cx="2286000" cy="369332"/>
+          </a:xfrm>
+          <a:prstGeom prst="rect">
+            <a:avLst/>
+          </a:prstGeom>
+          <a:noFill/>
+        </p:spPr>
+        <p:txBody>
+          <a:bodyPr wrap="square" rtlCol="0">
+            <a:spAutoFit/>
+          </a:bodyPr>
+          <a:lstStyle/>
+          <a:p>
+            <a:r>
+              <a:rPr lang="en-GB" b="0" dirty="0">
+                <a:latin typeface="+mj-lt"/>
+              </a:rPr>
+              <a:t>OPT: </a:t>
+            </a:r>
+            <a:r>
+              <a:rPr lang="en-US" b="0" dirty="0">
+                <a:latin typeface="+mj-lt"/>
+              </a:rPr>
+              <a:t>8 page faults</a:t>
+            </a:r>
+            <a:endParaRPr lang="en-SE" b="0" dirty="0">
+              <a:latin typeface="+mj-lt"/>
+            </a:endParaRPr>
+          </a:p>
+        </p:txBody>
+      </p:sp>
+      <p:graphicFrame>
+        <p:nvGraphicFramePr>
+          <p:cNvPr id="9" name="Table 8">
+            <a:extLst>
+              <a:ext uri="{FF2B5EF4-FFF2-40B4-BE49-F238E27FC236}">
+                <a16:creationId xmlns:a16="http://schemas.microsoft.com/office/drawing/2014/main" id="{29C774A1-C1A8-B330-D65B-94A2FCFF5861}"/>
+              </a:ext>
+            </a:extLst>
+          </p:cNvPr>
+          <p:cNvGraphicFramePr>
+            <a:graphicFrameLocks noGrp="1"/>
+          </p:cNvGraphicFramePr>
+          <p:nvPr>
+            <p:extLst>
+              <p:ext uri="{D42A27DB-BD31-4B8C-83A1-F6EECF244321}">
+                <p14:modId xmlns:p14="http://schemas.microsoft.com/office/powerpoint/2010/main" val="2922566088"/>
+              </p:ext>
+            </p:extLst>
+          </p:nvPr>
+        </p:nvGraphicFramePr>
+        <p:xfrm>
+          <a:off x="1284705" y="4612640"/>
+          <a:ext cx="9601200" cy="1483360"/>
+        </p:xfrm>
+        <a:graphic>
+          <a:graphicData uri="http://schemas.openxmlformats.org/drawingml/2006/table">
+            <a:tbl>
+              <a:tblPr firstRow="1" bandRow="1">
+                <a:tableStyleId>{5940675A-B579-460E-94D1-54222C63F5DA}</a:tableStyleId>
+              </a:tblPr>
+              <a:tblGrid>
+                <a:gridCol w="600075">
+                  <a:extLst>
+                    <a:ext uri="{9D8B030D-6E8A-4147-A177-3AD203B41FA5}">
+                      <a16:colId xmlns:a16="http://schemas.microsoft.com/office/drawing/2014/main" val="292060264"/>
+                    </a:ext>
+                  </a:extLst>
+                </a:gridCol>
+                <a:gridCol w="600075">
+                  <a:extLst>
+                    <a:ext uri="{9D8B030D-6E8A-4147-A177-3AD203B41FA5}">
+                      <a16:colId xmlns:a16="http://schemas.microsoft.com/office/drawing/2014/main" val="2963604161"/>
+                    </a:ext>
+                  </a:extLst>
+                </a:gridCol>
+                <a:gridCol w="600075">
+                  <a:extLst>
+                    <a:ext uri="{9D8B030D-6E8A-4147-A177-3AD203B41FA5}">
+                      <a16:colId xmlns:a16="http://schemas.microsoft.com/office/drawing/2014/main" val="973972083"/>
+                    </a:ext>
+                  </a:extLst>
+                </a:gridCol>
+                <a:gridCol w="600075">
+                  <a:extLst>
+                    <a:ext uri="{9D8B030D-6E8A-4147-A177-3AD203B41FA5}">
+                      <a16:colId xmlns:a16="http://schemas.microsoft.com/office/drawing/2014/main" val="3228715825"/>
+                    </a:ext>
+                  </a:extLst>
+                </a:gridCol>
+                <a:gridCol w="600075">
+                  <a:extLst>
+                    <a:ext uri="{9D8B030D-6E8A-4147-A177-3AD203B41FA5}">
+                      <a16:colId xmlns:a16="http://schemas.microsoft.com/office/drawing/2014/main" val="4061598519"/>
+                    </a:ext>
+                  </a:extLst>
+                </a:gridCol>
+                <a:gridCol w="600075">
+                  <a:extLst>
+                    <a:ext uri="{9D8B030D-6E8A-4147-A177-3AD203B41FA5}">
+                      <a16:colId xmlns:a16="http://schemas.microsoft.com/office/drawing/2014/main" val="4235665240"/>
+                    </a:ext>
+                  </a:extLst>
+                </a:gridCol>
+                <a:gridCol w="600075">
+                  <a:extLst>
+                    <a:ext uri="{9D8B030D-6E8A-4147-A177-3AD203B41FA5}">
+                      <a16:colId xmlns:a16="http://schemas.microsoft.com/office/drawing/2014/main" val="441605830"/>
+                    </a:ext>
+                  </a:extLst>
+                </a:gridCol>
+                <a:gridCol w="600075">
+                  <a:extLst>
+                    <a:ext uri="{9D8B030D-6E8A-4147-A177-3AD203B41FA5}">
+                      <a16:colId xmlns:a16="http://schemas.microsoft.com/office/drawing/2014/main" val="2715802762"/>
+                    </a:ext>
+                  </a:extLst>
+                </a:gridCol>
+                <a:gridCol w="600075">
+                  <a:extLst>
+                    <a:ext uri="{9D8B030D-6E8A-4147-A177-3AD203B41FA5}">
+                      <a16:colId xmlns:a16="http://schemas.microsoft.com/office/drawing/2014/main" val="3720376829"/>
+                    </a:ext>
+                  </a:extLst>
+                </a:gridCol>
+                <a:gridCol w="600075">
+                  <a:extLst>
+                    <a:ext uri="{9D8B030D-6E8A-4147-A177-3AD203B41FA5}">
+                      <a16:colId xmlns:a16="http://schemas.microsoft.com/office/drawing/2014/main" val="4215981938"/>
+                    </a:ext>
+                  </a:extLst>
+                </a:gridCol>
+                <a:gridCol w="600075">
+                  <a:extLst>
+                    <a:ext uri="{9D8B030D-6E8A-4147-A177-3AD203B41FA5}">
+                      <a16:colId xmlns:a16="http://schemas.microsoft.com/office/drawing/2014/main" val="3764429309"/>
+                    </a:ext>
+                  </a:extLst>
+                </a:gridCol>
+                <a:gridCol w="600075">
+                  <a:extLst>
+                    <a:ext uri="{9D8B030D-6E8A-4147-A177-3AD203B41FA5}">
+                      <a16:colId xmlns:a16="http://schemas.microsoft.com/office/drawing/2014/main" val="4122870511"/>
+                    </a:ext>
+                  </a:extLst>
+                </a:gridCol>
+                <a:gridCol w="600075">
+                  <a:extLst>
+                    <a:ext uri="{9D8B030D-6E8A-4147-A177-3AD203B41FA5}">
+                      <a16:colId xmlns:a16="http://schemas.microsoft.com/office/drawing/2014/main" val="3200705457"/>
+                    </a:ext>
+                  </a:extLst>
+                </a:gridCol>
+                <a:gridCol w="600075">
+                  <a:extLst>
+                    <a:ext uri="{9D8B030D-6E8A-4147-A177-3AD203B41FA5}">
+                      <a16:colId xmlns:a16="http://schemas.microsoft.com/office/drawing/2014/main" val="890063204"/>
+                    </a:ext>
+                  </a:extLst>
+                </a:gridCol>
+                <a:gridCol w="600075">
+                  <a:extLst>
+                    <a:ext uri="{9D8B030D-6E8A-4147-A177-3AD203B41FA5}">
+                      <a16:colId xmlns:a16="http://schemas.microsoft.com/office/drawing/2014/main" val="1884647162"/>
+                    </a:ext>
+                  </a:extLst>
+                </a:gridCol>
+                <a:gridCol w="600075">
+                  <a:extLst>
+                    <a:ext uri="{9D8B030D-6E8A-4147-A177-3AD203B41FA5}">
+                      <a16:colId xmlns:a16="http://schemas.microsoft.com/office/drawing/2014/main" val="2301853606"/>
+                    </a:ext>
+                  </a:extLst>
+                </a:gridCol>
+              </a:tblGrid>
+              <a:tr h="370840">
+                <a:tc>
+                  <a:txBody>
+                    <a:bodyPr/>
+                    <a:lstStyle/>
+                    <a:p>
+                      <a:pPr algn="ctr"/>
+                      <a:r>
+                        <a:rPr lang="en-GB" dirty="0"/>
+                        <a:t>Ref</a:t>
+                      </a:r>
+                      <a:endParaRPr lang="en-SE" dirty="0"/>
+                    </a:p>
+                  </a:txBody>
+                  <a:tcPr/>
+                </a:tc>
+                <a:tc>
+                  <a:txBody>
+                    <a:bodyPr/>
+                    <a:lstStyle/>
+                    <a:p>
+                      <a:pPr algn="ctr"/>
+                      <a:r>
+                        <a:rPr lang="en-GB" dirty="0"/>
+                        <a:t>7</a:t>
+                      </a:r>
+                      <a:endParaRPr lang="en-SE" dirty="0"/>
+                    </a:p>
+                  </a:txBody>
+                  <a:tcPr/>
+                </a:tc>
+                <a:tc>
+                  <a:txBody>
+                    <a:bodyPr/>
+                    <a:lstStyle/>
+                    <a:p>
+                      <a:pPr algn="ctr"/>
+                      <a:r>
+                        <a:rPr lang="en-GB" dirty="0"/>
+                        <a:t>0</a:t>
+                      </a:r>
+                      <a:endParaRPr lang="en-SE" dirty="0"/>
+                    </a:p>
+                  </a:txBody>
+                  <a:tcPr/>
+                </a:tc>
+                <a:tc>
+                  <a:txBody>
+                    <a:bodyPr/>
+                    <a:lstStyle/>
+                    <a:p>
+                      <a:pPr algn="ctr"/>
+                      <a:r>
+                        <a:rPr lang="en-GB" dirty="0"/>
+                        <a:t>1</a:t>
+                      </a:r>
+                      <a:endParaRPr lang="en-SE" dirty="0"/>
+                    </a:p>
+                  </a:txBody>
+                  <a:tcPr/>
+                </a:tc>
+                <a:tc>
+                  <a:txBody>
+                    <a:bodyPr/>
+                    <a:lstStyle/>
+                    <a:p>
+                      <a:pPr algn="ctr"/>
+                      <a:r>
+                        <a:rPr lang="en-GB" dirty="0"/>
+                        <a:t>2</a:t>
+                      </a:r>
+                      <a:endParaRPr lang="en-SE" dirty="0"/>
+                    </a:p>
+                  </a:txBody>
+                  <a:tcPr/>
+                </a:tc>
+                <a:tc>
+                  <a:txBody>
+                    <a:bodyPr/>
+                    <a:lstStyle/>
+                    <a:p>
+                      <a:pPr algn="ctr"/>
+                      <a:r>
+                        <a:rPr lang="en-GB" dirty="0"/>
+                        <a:t>0</a:t>
+                      </a:r>
+                      <a:endParaRPr lang="en-SE" dirty="0"/>
+                    </a:p>
+                  </a:txBody>
+                  <a:tcPr/>
+                </a:tc>
+                <a:tc>
+                  <a:txBody>
+                    <a:bodyPr/>
+                    <a:lstStyle/>
+                    <a:p>
+                      <a:pPr algn="ctr"/>
+                      <a:r>
+                        <a:rPr lang="en-GB" dirty="0"/>
+                        <a:t>3</a:t>
+                      </a:r>
+                      <a:endParaRPr lang="en-SE" dirty="0"/>
+                    </a:p>
+                  </a:txBody>
+                  <a:tcPr/>
+                </a:tc>
+                <a:tc>
+                  <a:txBody>
+                    <a:bodyPr/>
+                    <a:lstStyle/>
+                    <a:p>
+                      <a:pPr algn="ctr"/>
+                      <a:r>
+                        <a:rPr lang="en-GB" dirty="0"/>
+                        <a:t>0</a:t>
+                      </a:r>
+                      <a:endParaRPr lang="en-SE" dirty="0"/>
+                    </a:p>
+                  </a:txBody>
+                  <a:tcPr/>
+                </a:tc>
+                <a:tc>
+                  <a:txBody>
+                    <a:bodyPr/>
+                    <a:lstStyle/>
+                    <a:p>
+                      <a:pPr algn="ctr"/>
+                      <a:r>
+                        <a:rPr lang="en-GB" dirty="0"/>
+                        <a:t>4</a:t>
+                      </a:r>
+                      <a:endParaRPr lang="en-SE" dirty="0"/>
+                    </a:p>
+                  </a:txBody>
+                  <a:tcPr/>
+                </a:tc>
+                <a:tc>
+                  <a:txBody>
+                    <a:bodyPr/>
+                    <a:lstStyle/>
+                    <a:p>
+                      <a:pPr algn="ctr"/>
+                      <a:r>
+                        <a:rPr lang="en-GB" dirty="0"/>
+                        <a:t>2</a:t>
+                      </a:r>
+                      <a:endParaRPr lang="en-SE" dirty="0"/>
+                    </a:p>
+                  </a:txBody>
+                  <a:tcPr/>
+                </a:tc>
+                <a:tc>
+                  <a:txBody>
+                    <a:bodyPr/>
+                    <a:lstStyle/>
+                    <a:p>
+                      <a:pPr algn="ctr"/>
+                      <a:r>
+                        <a:rPr lang="en-GB" dirty="0"/>
+                        <a:t>3</a:t>
+                      </a:r>
+                      <a:endParaRPr lang="en-SE" dirty="0"/>
+                    </a:p>
+                  </a:txBody>
+                  <a:tcPr/>
+                </a:tc>
+                <a:tc>
+                  <a:txBody>
+                    <a:bodyPr/>
+                    <a:lstStyle/>
+                    <a:p>
+                      <a:pPr algn="ctr"/>
+                      <a:r>
+                        <a:rPr lang="en-GB" dirty="0"/>
+                        <a:t>0</a:t>
+                      </a:r>
+                      <a:endParaRPr lang="en-SE" dirty="0"/>
+                    </a:p>
+                  </a:txBody>
+                  <a:tcPr/>
+                </a:tc>
+                <a:tc>
+                  <a:txBody>
+                    <a:bodyPr/>
+                    <a:lstStyle/>
+                    <a:p>
+                      <a:pPr algn="ctr"/>
+                      <a:r>
+                        <a:rPr lang="en-GB" dirty="0"/>
+                        <a:t>3</a:t>
+                      </a:r>
+                      <a:endParaRPr lang="en-SE" dirty="0"/>
+                    </a:p>
+                  </a:txBody>
+                  <a:tcPr/>
+                </a:tc>
+                <a:tc>
+                  <a:txBody>
+                    <a:bodyPr/>
+                    <a:lstStyle/>
+                    <a:p>
+                      <a:pPr algn="ctr"/>
+                      <a:r>
+                        <a:rPr lang="en-GB" dirty="0"/>
+                        <a:t>1</a:t>
+                      </a:r>
+                      <a:endParaRPr lang="en-SE" dirty="0"/>
+                    </a:p>
+                  </a:txBody>
+                  <a:tcPr/>
+                </a:tc>
+                <a:tc>
+                  <a:txBody>
+                    <a:bodyPr/>
+                    <a:lstStyle/>
+                    <a:p>
+                      <a:pPr algn="ctr"/>
+                      <a:r>
+                        <a:rPr lang="en-GB" dirty="0"/>
+                        <a:t>2</a:t>
+                      </a:r>
+                      <a:endParaRPr lang="en-SE" dirty="0"/>
+                    </a:p>
+                  </a:txBody>
+                  <a:tcPr/>
+                </a:tc>
+                <a:tc>
+                  <a:txBody>
+                    <a:bodyPr/>
+                    <a:lstStyle/>
+                    <a:p>
+                      <a:pPr algn="ctr"/>
+                      <a:r>
+                        <a:rPr lang="en-GB" dirty="0"/>
+                        <a:t>0</a:t>
+                      </a:r>
+                      <a:endParaRPr lang="en-SE" dirty="0"/>
+                    </a:p>
+                  </a:txBody>
+                  <a:tcPr/>
+                </a:tc>
+                <a:extLst>
+                  <a:ext uri="{0D108BD9-81ED-4DB2-BD59-A6C34878D82A}">
+                    <a16:rowId xmlns:a16="http://schemas.microsoft.com/office/drawing/2014/main" val="3125541730"/>
+                  </a:ext>
+                </a:extLst>
+              </a:tr>
+              <a:tr h="370840">
+                <a:tc>
+                  <a:txBody>
+                    <a:bodyPr/>
+                    <a:lstStyle/>
+                    <a:p>
+                      <a:pPr algn="ctr"/>
+                      <a:r>
+                        <a:rPr lang="en-GB" dirty="0"/>
+                        <a:t>F1</a:t>
+                      </a:r>
+                      <a:endParaRPr lang="en-SE" dirty="0"/>
+                    </a:p>
+                  </a:txBody>
+                  <a:tcPr/>
+                </a:tc>
+                <a:tc>
+                  <a:txBody>
+                    <a:bodyPr/>
+                    <a:lstStyle/>
+                    <a:p>
+                      <a:pPr algn="ctr"/>
+                      <a:r>
+                        <a:rPr lang="en-GB" dirty="0">
+                          <a:solidFill>
+                            <a:srgbClr val="FF0000"/>
+                          </a:solidFill>
+                        </a:rPr>
+                        <a:t>7</a:t>
+                      </a:r>
+                      <a:endParaRPr lang="en-SE" dirty="0">
+                        <a:solidFill>
+                          <a:srgbClr val="FF0000"/>
+                        </a:solidFill>
+                      </a:endParaRPr>
+                    </a:p>
+                  </a:txBody>
+                  <a:tcPr/>
+                </a:tc>
+                <a:tc>
+                  <a:txBody>
+                    <a:bodyPr/>
+                    <a:lstStyle/>
+                    <a:p>
+                      <a:pPr algn="ctr"/>
+                      <a:r>
+                        <a:rPr lang="en-GB" dirty="0"/>
+                        <a:t>7</a:t>
+                      </a:r>
+                      <a:endParaRPr lang="en-SE" dirty="0"/>
+                    </a:p>
+                  </a:txBody>
+                  <a:tcPr/>
+                </a:tc>
+                <a:tc>
+                  <a:txBody>
+                    <a:bodyPr/>
+                    <a:lstStyle/>
+                    <a:p>
+                      <a:pPr algn="ctr"/>
+                      <a:r>
+                        <a:rPr lang="en-GB" dirty="0"/>
+                        <a:t>7</a:t>
+                      </a:r>
+                      <a:endParaRPr lang="en-SE" dirty="0"/>
+                    </a:p>
+                  </a:txBody>
+                  <a:tcPr/>
+                </a:tc>
+                <a:tc>
+                  <a:txBody>
+                    <a:bodyPr/>
+                    <a:lstStyle/>
+                    <a:p>
+                      <a:pPr algn="ctr"/>
+                      <a:r>
+                        <a:rPr lang="en-GB" dirty="0">
+                          <a:solidFill>
+                            <a:srgbClr val="FF0000"/>
+                          </a:solidFill>
+                        </a:rPr>
+                        <a:t>2</a:t>
+                      </a:r>
+                      <a:endParaRPr lang="en-SE" dirty="0">
+                        <a:solidFill>
+                          <a:srgbClr val="FF0000"/>
+                        </a:solidFill>
+                      </a:endParaRPr>
+                    </a:p>
+                  </a:txBody>
+                  <a:tcPr/>
+                </a:tc>
+                <a:tc>
+                  <a:txBody>
+                    <a:bodyPr/>
+                    <a:lstStyle/>
+                    <a:p>
+                      <a:pPr algn="ctr"/>
+                      <a:r>
+                        <a:rPr lang="en-GB" dirty="0"/>
+                        <a:t>2</a:t>
+                      </a:r>
+                      <a:endParaRPr lang="en-SE" dirty="0"/>
+                    </a:p>
+                  </a:txBody>
+                  <a:tcPr/>
+                </a:tc>
+                <a:tc>
+                  <a:txBody>
+                    <a:bodyPr/>
+                    <a:lstStyle/>
+                    <a:p>
+                      <a:pPr algn="ctr"/>
+                      <a:r>
+                        <a:rPr lang="en-GB" dirty="0"/>
+                        <a:t>2</a:t>
+                      </a:r>
+                      <a:endParaRPr lang="en-SE" dirty="0"/>
+                    </a:p>
+                  </a:txBody>
+                  <a:tcPr/>
+                </a:tc>
+                <a:tc>
+                  <a:txBody>
+                    <a:bodyPr/>
+                    <a:lstStyle/>
+                    <a:p>
+                      <a:pPr algn="ctr"/>
+                      <a:r>
+                        <a:rPr lang="en-GB" dirty="0"/>
+                        <a:t>2</a:t>
+                      </a:r>
+                      <a:endParaRPr lang="en-SE" dirty="0"/>
+                    </a:p>
+                  </a:txBody>
+                  <a:tcPr/>
+                </a:tc>
+                <a:tc>
+                  <a:txBody>
+                    <a:bodyPr/>
+                    <a:lstStyle/>
+                    <a:p>
+                      <a:pPr algn="ctr"/>
+                      <a:r>
+                        <a:rPr lang="en-GB" dirty="0"/>
+                        <a:t>2</a:t>
+                      </a:r>
+                      <a:endParaRPr lang="en-SE" dirty="0"/>
+                    </a:p>
+                  </a:txBody>
+                  <a:tcPr/>
+                </a:tc>
+                <a:tc>
+                  <a:txBody>
+                    <a:bodyPr/>
+                    <a:lstStyle/>
+                    <a:p>
+                      <a:pPr algn="ctr"/>
+                      <a:r>
+                        <a:rPr lang="en-GB" dirty="0"/>
+                        <a:t>2</a:t>
+                      </a:r>
+                      <a:endParaRPr lang="en-SE" dirty="0"/>
+                    </a:p>
+                  </a:txBody>
+                  <a:tcPr/>
+                </a:tc>
+                <a:tc>
+                  <a:txBody>
+                    <a:bodyPr/>
+                    <a:lstStyle/>
+                    <a:p>
+                      <a:pPr algn="ctr"/>
+                      <a:r>
+                        <a:rPr lang="en-GB" dirty="0"/>
+                        <a:t>2</a:t>
+                      </a:r>
+                      <a:endParaRPr lang="en-SE" dirty="0"/>
+                    </a:p>
+                  </a:txBody>
+                  <a:tcPr/>
+                </a:tc>
+                <a:tc>
+                  <a:txBody>
+                    <a:bodyPr/>
+                    <a:lstStyle/>
+                    <a:p>
+                      <a:pPr algn="ctr"/>
+                      <a:r>
+                        <a:rPr lang="en-GB" dirty="0"/>
+                        <a:t>2</a:t>
+                      </a:r>
+                      <a:endParaRPr lang="en-SE" dirty="0"/>
+                    </a:p>
+                  </a:txBody>
+                  <a:tcPr/>
+                </a:tc>
+                <a:tc>
+                  <a:txBody>
+                    <a:bodyPr/>
+                    <a:lstStyle/>
+                    <a:p>
+                      <a:pPr algn="ctr"/>
+                      <a:r>
+                        <a:rPr lang="en-GB" dirty="0">
+                          <a:solidFill>
+                            <a:schemeClr val="tx1"/>
+                          </a:solidFill>
+                        </a:rPr>
+                        <a:t>2</a:t>
+                      </a:r>
+                      <a:endParaRPr lang="en-SE" dirty="0">
+                        <a:solidFill>
+                          <a:schemeClr val="tx1"/>
+                        </a:solidFill>
+                      </a:endParaRPr>
+                    </a:p>
+                  </a:txBody>
+                  <a:tcPr/>
+                </a:tc>
+                <a:tc>
+                  <a:txBody>
+                    <a:bodyPr/>
+                    <a:lstStyle/>
+                    <a:p>
+                      <a:pPr algn="ctr"/>
+                      <a:r>
+                        <a:rPr lang="en-GB" dirty="0"/>
+                        <a:t>2</a:t>
+                      </a:r>
+                      <a:endParaRPr lang="en-SE" dirty="0"/>
+                    </a:p>
+                  </a:txBody>
+                  <a:tcPr/>
+                </a:tc>
+                <a:tc>
+                  <a:txBody>
+                    <a:bodyPr/>
+                    <a:lstStyle/>
+                    <a:p>
+                      <a:pPr algn="ctr"/>
+                      <a:r>
+                        <a:rPr lang="en-GB" dirty="0"/>
+                        <a:t>2</a:t>
+                      </a:r>
+                      <a:endParaRPr lang="en-SE" dirty="0"/>
+                    </a:p>
+                  </a:txBody>
+                  <a:tcPr/>
+                </a:tc>
+                <a:tc>
+                  <a:txBody>
+                    <a:bodyPr/>
+                    <a:lstStyle/>
+                    <a:p>
+                      <a:pPr algn="ctr"/>
+                      <a:r>
+                        <a:rPr lang="en-GB" dirty="0"/>
+                        <a:t>2</a:t>
+                      </a:r>
+                      <a:endParaRPr lang="en-SE" dirty="0"/>
+                    </a:p>
+                  </a:txBody>
+                  <a:tcPr/>
+                </a:tc>
+                <a:extLst>
+                  <a:ext uri="{0D108BD9-81ED-4DB2-BD59-A6C34878D82A}">
+                    <a16:rowId xmlns:a16="http://schemas.microsoft.com/office/drawing/2014/main" val="505469124"/>
+                  </a:ext>
+                </a:extLst>
+              </a:tr>
+              <a:tr h="370840">
+                <a:tc>
+                  <a:txBody>
+                    <a:bodyPr/>
+                    <a:lstStyle/>
+                    <a:p>
+                      <a:pPr algn="ctr"/>
+                      <a:r>
+                        <a:rPr lang="en-GB" dirty="0"/>
+                        <a:t>F2</a:t>
+                      </a:r>
+                      <a:endParaRPr lang="en-SE" dirty="0"/>
+                    </a:p>
+                  </a:txBody>
+                  <a:tcPr/>
+                </a:tc>
+                <a:tc>
+                  <a:txBody>
+                    <a:bodyPr/>
+                    <a:lstStyle/>
+                    <a:p>
+                      <a:pPr algn="ctr"/>
+                      <a:endParaRPr lang="en-SE"/>
+                    </a:p>
+                  </a:txBody>
+                  <a:tcPr/>
+                </a:tc>
+                <a:tc>
+                  <a:txBody>
+                    <a:bodyPr/>
+                    <a:lstStyle/>
+                    <a:p>
+                      <a:pPr algn="ctr"/>
+                      <a:r>
+                        <a:rPr lang="en-GB" dirty="0">
+                          <a:solidFill>
+                            <a:srgbClr val="FF0000"/>
+                          </a:solidFill>
+                        </a:rPr>
+                        <a:t>0</a:t>
+                      </a:r>
+                      <a:endParaRPr lang="en-SE" dirty="0">
+                        <a:solidFill>
+                          <a:srgbClr val="FF0000"/>
+                        </a:solidFill>
+                      </a:endParaRPr>
+                    </a:p>
+                  </a:txBody>
+                  <a:tcPr/>
+                </a:tc>
+                <a:tc>
+                  <a:txBody>
+                    <a:bodyPr/>
+                    <a:lstStyle/>
+                    <a:p>
+                      <a:pPr algn="ctr"/>
+                      <a:r>
+                        <a:rPr lang="en-GB" dirty="0"/>
+                        <a:t>0</a:t>
+                      </a:r>
+                      <a:endParaRPr lang="en-SE" dirty="0"/>
+                    </a:p>
+                  </a:txBody>
+                  <a:tcPr/>
+                </a:tc>
+                <a:tc>
+                  <a:txBody>
+                    <a:bodyPr/>
+                    <a:lstStyle/>
+                    <a:p>
+                      <a:pPr algn="ctr"/>
+                      <a:r>
+                        <a:rPr lang="en-GB" dirty="0"/>
+                        <a:t>0</a:t>
+                      </a:r>
+                      <a:endParaRPr lang="en-SE" dirty="0"/>
+                    </a:p>
+                  </a:txBody>
+                  <a:tcPr/>
+                </a:tc>
+                <a:tc>
+                  <a:txBody>
+                    <a:bodyPr/>
+                    <a:lstStyle/>
+                    <a:p>
+                      <a:pPr algn="ctr"/>
+                      <a:r>
+                        <a:rPr lang="en-GB" dirty="0"/>
+                        <a:t>0</a:t>
+                      </a:r>
+                      <a:endParaRPr lang="en-SE" dirty="0"/>
+                    </a:p>
+                  </a:txBody>
+                  <a:tcPr/>
+                </a:tc>
+                <a:tc>
+                  <a:txBody>
+                    <a:bodyPr/>
+                    <a:lstStyle/>
+                    <a:p>
+                      <a:pPr algn="ctr"/>
+                      <a:r>
+                        <a:rPr lang="en-GB" dirty="0"/>
+                        <a:t>0</a:t>
+                      </a:r>
+                      <a:endParaRPr lang="en-SE" dirty="0"/>
+                    </a:p>
+                  </a:txBody>
+                  <a:tcPr/>
+                </a:tc>
+                <a:tc>
+                  <a:txBody>
+                    <a:bodyPr/>
+                    <a:lstStyle/>
+                    <a:p>
+                      <a:pPr algn="ctr"/>
+                      <a:r>
+                        <a:rPr lang="en-GB" dirty="0"/>
+                        <a:t>0</a:t>
+                      </a:r>
+                      <a:endParaRPr lang="en-SE" dirty="0"/>
+                    </a:p>
+                  </a:txBody>
+                  <a:tcPr/>
+                </a:tc>
+                <a:tc>
+                  <a:txBody>
+                    <a:bodyPr/>
+                    <a:lstStyle/>
+                    <a:p>
+                      <a:pPr algn="ctr"/>
+                      <a:r>
+                        <a:rPr lang="en-GB" dirty="0">
+                          <a:solidFill>
+                            <a:srgbClr val="FF0000"/>
+                          </a:solidFill>
+                        </a:rPr>
+                        <a:t>4</a:t>
+                      </a:r>
+                      <a:endParaRPr lang="en-SE" dirty="0">
+                        <a:solidFill>
+                          <a:srgbClr val="FF0000"/>
+                        </a:solidFill>
+                      </a:endParaRPr>
+                    </a:p>
+                  </a:txBody>
+                  <a:tcPr/>
+                </a:tc>
+                <a:tc>
+                  <a:txBody>
+                    <a:bodyPr/>
+                    <a:lstStyle/>
+                    <a:p>
+                      <a:pPr algn="ctr"/>
+                      <a:r>
+                        <a:rPr lang="en-GB" dirty="0">
+                          <a:solidFill>
+                            <a:schemeClr val="tx1"/>
+                          </a:solidFill>
+                        </a:rPr>
+                        <a:t>4</a:t>
+                      </a:r>
+                      <a:endParaRPr lang="en-SE" dirty="0">
+                        <a:solidFill>
+                          <a:schemeClr val="tx1"/>
+                        </a:solidFill>
+                      </a:endParaRPr>
+                    </a:p>
+                  </a:txBody>
+                  <a:tcPr/>
+                </a:tc>
+                <a:tc>
+                  <a:txBody>
+                    <a:bodyPr/>
+                    <a:lstStyle/>
+                    <a:p>
+                      <a:pPr algn="ctr"/>
+                      <a:r>
+                        <a:rPr lang="en-GB" dirty="0">
+                          <a:solidFill>
+                            <a:schemeClr val="tx1"/>
+                          </a:solidFill>
+                        </a:rPr>
+                        <a:t>4</a:t>
+                      </a:r>
+                      <a:endParaRPr lang="en-SE" dirty="0">
+                        <a:solidFill>
+                          <a:schemeClr val="tx1"/>
+                        </a:solidFill>
+                      </a:endParaRPr>
+                    </a:p>
+                  </a:txBody>
+                  <a:tcPr/>
+                </a:tc>
+                <a:tc>
+                  <a:txBody>
+                    <a:bodyPr/>
+                    <a:lstStyle/>
+                    <a:p>
+                      <a:pPr algn="ctr"/>
+                      <a:r>
+                        <a:rPr lang="en-GB" dirty="0">
+                          <a:solidFill>
+                            <a:srgbClr val="FF0000"/>
+                          </a:solidFill>
+                        </a:rPr>
+                        <a:t>0</a:t>
+                      </a:r>
+                      <a:endParaRPr lang="en-SE" dirty="0">
+                        <a:solidFill>
+                          <a:srgbClr val="FF0000"/>
+                        </a:solidFill>
+                      </a:endParaRPr>
+                    </a:p>
+                  </a:txBody>
+                  <a:tcPr/>
+                </a:tc>
+                <a:tc>
+                  <a:txBody>
+                    <a:bodyPr/>
+                    <a:lstStyle/>
+                    <a:p>
+                      <a:pPr algn="ctr"/>
+                      <a:r>
+                        <a:rPr lang="en-GB" dirty="0">
+                          <a:solidFill>
+                            <a:schemeClr val="tx1"/>
+                          </a:solidFill>
+                        </a:rPr>
+                        <a:t>0</a:t>
+                      </a:r>
+                      <a:endParaRPr lang="en-SE" dirty="0">
+                        <a:solidFill>
+                          <a:schemeClr val="tx1"/>
+                        </a:solidFill>
+                      </a:endParaRPr>
+                    </a:p>
+                  </a:txBody>
+                  <a:tcPr/>
+                </a:tc>
+                <a:tc>
+                  <a:txBody>
+                    <a:bodyPr/>
+                    <a:lstStyle/>
+                    <a:p>
+                      <a:pPr algn="ctr"/>
+                      <a:r>
+                        <a:rPr lang="en-GB" dirty="0"/>
+                        <a:t>0</a:t>
+                      </a:r>
+                      <a:endParaRPr lang="en-SE" dirty="0"/>
+                    </a:p>
+                  </a:txBody>
+                  <a:tcPr/>
+                </a:tc>
+                <a:tc>
+                  <a:txBody>
+                    <a:bodyPr/>
+                    <a:lstStyle/>
+                    <a:p>
+                      <a:pPr algn="ctr"/>
+                      <a:r>
+                        <a:rPr lang="en-GB" dirty="0"/>
+                        <a:t>0</a:t>
+                      </a:r>
+                      <a:endParaRPr lang="en-SE" dirty="0"/>
+                    </a:p>
+                  </a:txBody>
+                  <a:tcPr/>
+                </a:tc>
+                <a:tc>
+                  <a:txBody>
+                    <a:bodyPr/>
+                    <a:lstStyle/>
+                    <a:p>
+                      <a:pPr algn="ctr"/>
+                      <a:r>
+                        <a:rPr lang="en-GB" dirty="0"/>
+                        <a:t>0</a:t>
+                      </a:r>
+                      <a:endParaRPr lang="en-SE" dirty="0"/>
+                    </a:p>
+                  </a:txBody>
+                  <a:tcPr/>
+                </a:tc>
+                <a:extLst>
+                  <a:ext uri="{0D108BD9-81ED-4DB2-BD59-A6C34878D82A}">
+                    <a16:rowId xmlns:a16="http://schemas.microsoft.com/office/drawing/2014/main" val="647869353"/>
+                  </a:ext>
+                </a:extLst>
+              </a:tr>
+              <a:tr h="370840">
+                <a:tc>
+                  <a:txBody>
+                    <a:bodyPr/>
+                    <a:lstStyle/>
+                    <a:p>
+                      <a:pPr algn="ctr"/>
+                      <a:r>
+                        <a:rPr lang="en-GB" dirty="0"/>
+                        <a:t>F3</a:t>
+                      </a:r>
+                      <a:endParaRPr lang="en-SE" dirty="0"/>
+                    </a:p>
+                  </a:txBody>
+                  <a:tcPr/>
+                </a:tc>
+                <a:tc>
+                  <a:txBody>
+                    <a:bodyPr/>
+                    <a:lstStyle/>
+                    <a:p>
+                      <a:pPr algn="ctr"/>
+                      <a:endParaRPr lang="en-SE"/>
+                    </a:p>
+                  </a:txBody>
+                  <a:tcPr/>
+                </a:tc>
+                <a:tc>
+                  <a:txBody>
+                    <a:bodyPr/>
+                    <a:lstStyle/>
+                    <a:p>
+                      <a:pPr algn="ctr"/>
+                      <a:endParaRPr lang="en-SE"/>
+                    </a:p>
+                  </a:txBody>
+                  <a:tcPr/>
+                </a:tc>
+                <a:tc>
+                  <a:txBody>
+                    <a:bodyPr/>
+                    <a:lstStyle/>
+                    <a:p>
+                      <a:pPr algn="ctr"/>
+                      <a:r>
+                        <a:rPr lang="en-GB" dirty="0">
+                          <a:solidFill>
+                            <a:srgbClr val="FF0000"/>
+                          </a:solidFill>
+                        </a:rPr>
+                        <a:t>1</a:t>
+                      </a:r>
+                      <a:endParaRPr lang="en-SE" dirty="0">
+                        <a:solidFill>
+                          <a:srgbClr val="FF0000"/>
+                        </a:solidFill>
+                      </a:endParaRPr>
+                    </a:p>
+                  </a:txBody>
+                  <a:tcPr/>
+                </a:tc>
+                <a:tc>
+                  <a:txBody>
+                    <a:bodyPr/>
+                    <a:lstStyle/>
+                    <a:p>
+                      <a:pPr algn="ctr"/>
+                      <a:r>
+                        <a:rPr lang="en-GB" dirty="0"/>
+                        <a:t>1</a:t>
+                      </a:r>
+                      <a:endParaRPr lang="en-SE" dirty="0"/>
+                    </a:p>
+                  </a:txBody>
+                  <a:tcPr/>
+                </a:tc>
+                <a:tc>
+                  <a:txBody>
+                    <a:bodyPr/>
+                    <a:lstStyle/>
+                    <a:p>
+                      <a:pPr algn="ctr"/>
+                      <a:r>
+                        <a:rPr lang="en-GB" dirty="0"/>
+                        <a:t>1</a:t>
+                      </a:r>
+                      <a:endParaRPr lang="en-SE" dirty="0"/>
+                    </a:p>
+                  </a:txBody>
+                  <a:tcPr/>
+                </a:tc>
+                <a:tc>
+                  <a:txBody>
+                    <a:bodyPr/>
+                    <a:lstStyle/>
+                    <a:p>
+                      <a:pPr algn="ctr"/>
+                      <a:r>
+                        <a:rPr lang="en-GB" dirty="0">
+                          <a:solidFill>
+                            <a:srgbClr val="FF0000"/>
+                          </a:solidFill>
+                        </a:rPr>
+                        <a:t>3</a:t>
+                      </a:r>
+                      <a:endParaRPr lang="en-SE" dirty="0">
+                        <a:solidFill>
+                          <a:srgbClr val="FF0000"/>
+                        </a:solidFill>
+                      </a:endParaRPr>
+                    </a:p>
+                  </a:txBody>
+                  <a:tcPr/>
+                </a:tc>
+                <a:tc>
+                  <a:txBody>
+                    <a:bodyPr/>
+                    <a:lstStyle/>
+                    <a:p>
+                      <a:pPr algn="ctr"/>
+                      <a:r>
+                        <a:rPr lang="en-GB" dirty="0"/>
+                        <a:t>3</a:t>
+                      </a:r>
+                      <a:endParaRPr lang="en-SE" dirty="0"/>
+                    </a:p>
+                  </a:txBody>
+                  <a:tcPr/>
+                </a:tc>
+                <a:tc>
+                  <a:txBody>
+                    <a:bodyPr/>
+                    <a:lstStyle/>
+                    <a:p>
+                      <a:pPr algn="ctr"/>
+                      <a:r>
+                        <a:rPr lang="en-GB" dirty="0"/>
+                        <a:t>3</a:t>
+                      </a:r>
+                      <a:endParaRPr lang="en-SE" dirty="0"/>
+                    </a:p>
+                  </a:txBody>
+                  <a:tcPr/>
+                </a:tc>
+                <a:tc>
+                  <a:txBody>
+                    <a:bodyPr/>
+                    <a:lstStyle/>
+                    <a:p>
+                      <a:pPr algn="ctr"/>
+                      <a:r>
+                        <a:rPr lang="en-GB" dirty="0"/>
+                        <a:t>3</a:t>
+                      </a:r>
+                      <a:endParaRPr lang="en-SE" dirty="0"/>
+                    </a:p>
+                  </a:txBody>
+                  <a:tcPr/>
+                </a:tc>
+                <a:tc>
+                  <a:txBody>
+                    <a:bodyPr/>
+                    <a:lstStyle/>
+                    <a:p>
+                      <a:pPr algn="ctr"/>
+                      <a:r>
+                        <a:rPr lang="en-GB" dirty="0"/>
+                        <a:t>3</a:t>
+                      </a:r>
+                      <a:endParaRPr lang="en-SE" dirty="0"/>
+                    </a:p>
+                  </a:txBody>
+                  <a:tcPr/>
+                </a:tc>
+                <a:tc>
+                  <a:txBody>
+                    <a:bodyPr/>
+                    <a:lstStyle/>
+                    <a:p>
+                      <a:pPr algn="ctr"/>
+                      <a:r>
+                        <a:rPr lang="en-GB" dirty="0"/>
+                        <a:t>3</a:t>
+                      </a:r>
+                      <a:endParaRPr lang="en-SE" dirty="0"/>
+                    </a:p>
+                  </a:txBody>
+                  <a:tcPr/>
+                </a:tc>
+                <a:tc>
+                  <a:txBody>
+                    <a:bodyPr/>
+                    <a:lstStyle/>
+                    <a:p>
+                      <a:pPr algn="ctr"/>
+                      <a:r>
+                        <a:rPr lang="en-GB" dirty="0">
+                          <a:solidFill>
+                            <a:schemeClr val="tx1"/>
+                          </a:solidFill>
+                        </a:rPr>
+                        <a:t>3</a:t>
+                      </a:r>
+                      <a:endParaRPr lang="en-SE" dirty="0">
+                        <a:solidFill>
+                          <a:schemeClr val="tx1"/>
+                        </a:solidFill>
+                      </a:endParaRPr>
+                    </a:p>
+                  </a:txBody>
+                  <a:tcPr/>
+                </a:tc>
+                <a:tc>
+                  <a:txBody>
+                    <a:bodyPr/>
+                    <a:lstStyle/>
+                    <a:p>
+                      <a:pPr algn="ctr"/>
+                      <a:r>
+                        <a:rPr lang="en-GB" dirty="0">
+                          <a:solidFill>
+                            <a:srgbClr val="FF0000"/>
+                          </a:solidFill>
+                        </a:rPr>
+                        <a:t>1</a:t>
+                      </a:r>
+                      <a:endParaRPr lang="en-SE" dirty="0">
+                        <a:solidFill>
+                          <a:srgbClr val="FF0000"/>
+                        </a:solidFill>
+                      </a:endParaRPr>
+                    </a:p>
+                  </a:txBody>
+                  <a:tcPr/>
+                </a:tc>
+                <a:tc>
+                  <a:txBody>
+                    <a:bodyPr/>
+                    <a:lstStyle/>
+                    <a:p>
+                      <a:pPr algn="ctr"/>
+                      <a:r>
+                        <a:rPr lang="en-GB" dirty="0">
+                          <a:solidFill>
+                            <a:schemeClr val="tx1"/>
+                          </a:solidFill>
+                        </a:rPr>
+                        <a:t>1</a:t>
+                      </a:r>
+                      <a:endParaRPr lang="en-SE" dirty="0">
+                        <a:solidFill>
+                          <a:schemeClr val="tx1"/>
+                        </a:solidFill>
+                      </a:endParaRPr>
+                    </a:p>
+                  </a:txBody>
+                  <a:tcPr/>
+                </a:tc>
+                <a:tc>
+                  <a:txBody>
+                    <a:bodyPr/>
+                    <a:lstStyle/>
+                    <a:p>
+                      <a:pPr algn="ctr"/>
+                      <a:r>
+                        <a:rPr lang="en-GB" dirty="0">
+                          <a:solidFill>
+                            <a:schemeClr val="tx1"/>
+                          </a:solidFill>
+                        </a:rPr>
+                        <a:t>1</a:t>
+                      </a:r>
+                      <a:endParaRPr lang="en-SE" dirty="0">
+                        <a:solidFill>
+                          <a:schemeClr val="tx1"/>
+                        </a:solidFill>
+                      </a:endParaRPr>
+                    </a:p>
+                  </a:txBody>
+                  <a:tcPr/>
+                </a:tc>
+                <a:extLst>
+                  <a:ext uri="{0D108BD9-81ED-4DB2-BD59-A6C34878D82A}">
+                    <a16:rowId xmlns:a16="http://schemas.microsoft.com/office/drawing/2014/main" val="3092924220"/>
+                  </a:ext>
+                </a:extLst>
+              </a:tr>
+            </a:tbl>
+          </a:graphicData>
+        </a:graphic>
+      </p:graphicFrame>
+    </p:spTree>
+    <p:extLst>
+      <p:ext uri="{BB962C8B-B14F-4D97-AF65-F5344CB8AC3E}">
+        <p14:creationId xmlns:p14="http://schemas.microsoft.com/office/powerpoint/2010/main" val="1477581116"/>
+      </p:ext>
+    </p:extLst>
+  </p:cSld>
+  <p:clrMapOvr>
+    <a:masterClrMapping/>
+  </p:clrMapOvr>
+  <p:transition/>
+</p:sld>
+</file>
+
+<file path=ppt/slides/slide6.xml><?xml version="1.0" encoding="utf-8"?>
+<p:sld xmlns:a="http://schemas.openxmlformats.org/drawingml/2006/main" xmlns:r="http://schemas.openxmlformats.org/officeDocument/2006/relationships" xmlns:p="http://schemas.openxmlformats.org/presentationml/2006/main">
+  <p:cSld>
+    <p:spTree>
+      <p:nvGrpSpPr>
+        <p:cNvPr id="1" name=""/>
+        <p:cNvGrpSpPr/>
+        <p:nvPr/>
+      </p:nvGrpSpPr>
+      <p:grpSpPr>
+        <a:xfrm>
+          <a:off x="0" y="0"/>
+          <a:ext cx="0" cy="0"/>
+          <a:chOff x="0" y="0"/>
+          <a:chExt cx="0" cy="0"/>
+        </a:xfrm>
+      </p:grpSpPr>
+      <p:sp>
+        <p:nvSpPr>
+          <p:cNvPr id="2" name="Title 1">
+            <a:extLst>
+              <a:ext uri="{FF2B5EF4-FFF2-40B4-BE49-F238E27FC236}">
+                <a16:creationId xmlns:a16="http://schemas.microsoft.com/office/drawing/2014/main" id="{78BC9F1E-8B23-A6D7-F78D-233C11DA0C73}"/>
+              </a:ext>
+            </a:extLst>
+          </p:cNvPr>
+          <p:cNvSpPr>
+            <a:spLocks noGrp="1"/>
+          </p:cNvSpPr>
+          <p:nvPr>
+            <p:ph type="title"/>
+          </p:nvPr>
+        </p:nvSpPr>
+        <p:spPr/>
+        <p:txBody>
+          <a:bodyPr/>
+          <a:lstStyle/>
+          <a:p>
+            <a:r>
+              <a:rPr lang="en-GB" dirty="0"/>
+              <a:t>Q2. Page Replacement References</a:t>
+            </a:r>
+            <a:endParaRPr lang="en-SE" dirty="0"/>
+          </a:p>
+        </p:txBody>
+      </p:sp>
+      <p:sp>
+        <p:nvSpPr>
+          <p:cNvPr id="3" name="Content Placeholder 2">
+            <a:extLst>
+              <a:ext uri="{FF2B5EF4-FFF2-40B4-BE49-F238E27FC236}">
+                <a16:creationId xmlns:a16="http://schemas.microsoft.com/office/drawing/2014/main" id="{FC221919-97C7-4BB6-136D-5D56CBFD786E}"/>
+              </a:ext>
+            </a:extLst>
+          </p:cNvPr>
+          <p:cNvSpPr>
+            <a:spLocks noGrp="1"/>
+          </p:cNvSpPr>
+          <p:nvPr>
+            <p:ph idx="1"/>
+          </p:nvPr>
+        </p:nvSpPr>
+        <p:spPr/>
+        <p:txBody>
+          <a:bodyPr/>
+          <a:lstStyle/>
+          <a:p>
+            <a:r>
+              <a:rPr lang="en-GB" dirty="0"/>
+              <a:t>Page replacement Algorithms | FIFO | Example | OS | Lec-26 | Bhanu Priya,  Education 4u</a:t>
+            </a:r>
+          </a:p>
+          <a:p>
+            <a:pPr lvl="1"/>
+            <a:r>
+              <a:rPr lang="en-GB" dirty="0">
+                <a:hlinkClick r:id="rId2"/>
+              </a:rPr>
+              <a:t>https://www.youtube.com/watch?v=16kaPQtYo28</a:t>
+            </a:r>
+            <a:r>
+              <a:rPr lang="en-GB" dirty="0"/>
+              <a:t> </a:t>
+            </a:r>
+          </a:p>
+          <a:p>
+            <a:r>
+              <a:rPr lang="en-GB" dirty="0"/>
+              <a:t>Page replacement Algorithms | LRU | Example | OS | Lec-27 | Bhanu Priya, Education 4u</a:t>
+            </a:r>
+          </a:p>
+          <a:p>
+            <a:pPr lvl="1"/>
+            <a:r>
+              <a:rPr lang="en-GB" dirty="0">
+                <a:hlinkClick r:id="rId3"/>
+              </a:rPr>
+              <a:t>https://www.youtube.com/watch?v=u23ROrlSK_g</a:t>
+            </a:r>
+            <a:r>
+              <a:rPr lang="en-GB" dirty="0"/>
+              <a:t> </a:t>
+            </a:r>
+          </a:p>
+          <a:p>
+            <a:r>
+              <a:rPr lang="en-GB" dirty="0"/>
+              <a:t>Page replacement Algorithms | OPTIMAL | Example | OS | Lec-28 | Bhanu Priya, Education 4u</a:t>
+            </a:r>
+          </a:p>
+          <a:p>
+            <a:pPr lvl="1"/>
+            <a:r>
+              <a:rPr lang="en-GB" dirty="0">
+                <a:hlinkClick r:id="rId4"/>
+              </a:rPr>
+              <a:t>https://www.youtube.com/watch?v=jeJIKKQcqpU</a:t>
+            </a:r>
+            <a:r>
+              <a:rPr lang="en-GB" dirty="0"/>
+              <a:t> </a:t>
+            </a:r>
+          </a:p>
+          <a:p>
+            <a:pPr lvl="1"/>
+            <a:r>
+              <a:rPr lang="en-GB" dirty="0"/>
+              <a:t>Note that the reference stream is slightly </a:t>
+            </a:r>
+            <a:r>
+              <a:rPr lang="en-GB"/>
+              <a:t>different from FIFO and LRU videos</a:t>
+            </a:r>
+            <a:endParaRPr lang="en-SE" dirty="0"/>
           </a:p>
         </p:txBody>
       </p:sp>
     </p:spTree>
     <p:extLst>
       <p:ext uri="{BB962C8B-B14F-4D97-AF65-F5344CB8AC3E}">
-        <p14:creationId xmlns:p14="http://schemas.microsoft.com/office/powerpoint/2010/main" val="889352380"/>
+        <p14:creationId xmlns:p14="http://schemas.microsoft.com/office/powerpoint/2010/main" val="214255307"/>
       </p:ext>
     </p:extLst>
   </p:cSld>

--- a/PPTs/L8-Exercises ANS.pptx
+++ b/PPTs/L8-Exercises ANS.pptx
@@ -5,18 +5,20 @@
     <p:sldMasterId id="2147483648" r:id="rId1"/>
   </p:sldMasterIdLst>
   <p:notesMasterIdLst>
-    <p:notesMasterId r:id="rId8"/>
+    <p:notesMasterId r:id="rId10"/>
   </p:notesMasterIdLst>
   <p:handoutMasterIdLst>
-    <p:handoutMasterId r:id="rId9"/>
+    <p:handoutMasterId r:id="rId11"/>
   </p:handoutMasterIdLst>
   <p:sldIdLst>
     <p:sldId id="256" r:id="rId2"/>
-    <p:sldId id="259" r:id="rId3"/>
-    <p:sldId id="264" r:id="rId4"/>
-    <p:sldId id="265" r:id="rId5"/>
-    <p:sldId id="266" r:id="rId6"/>
-    <p:sldId id="267" r:id="rId7"/>
+    <p:sldId id="268" r:id="rId3"/>
+    <p:sldId id="269" r:id="rId4"/>
+    <p:sldId id="259" r:id="rId5"/>
+    <p:sldId id="264" r:id="rId6"/>
+    <p:sldId id="265" r:id="rId7"/>
+    <p:sldId id="266" r:id="rId8"/>
+    <p:sldId id="267" r:id="rId9"/>
   </p:sldIdLst>
   <p:sldSz cx="12192000" cy="6858000"/>
   <p:notesSz cx="9601200" cy="7315200"/>
@@ -213,14 +215,14 @@
           <a:effectLst/>
           <a:extLst>
             <a:ext uri="{909E8E84-426E-40dd-AFC4-6F175D3DCCD1}">
-              <a14:hiddenFill xmlns="" xmlns:a14="http://schemas.microsoft.com/office/drawing/2010/main">
+              <a14:hiddenFill xmlns:a14="http://schemas.microsoft.com/office/drawing/2010/main" xmlns="">
                 <a:solidFill>
                   <a:schemeClr val="bg1"/>
                 </a:solidFill>
               </a14:hiddenFill>
             </a:ext>
             <a:ext uri="{91240B29-F687-4f45-9708-019B960494DF}">
-              <a14:hiddenLine xmlns="" xmlns:a14="http://schemas.microsoft.com/office/drawing/2010/main" w="12700">
+              <a14:hiddenLine xmlns:a14="http://schemas.microsoft.com/office/drawing/2010/main" xmlns="" w="12700">
                 <a:pattFill prst="narHorz">
                   <a:fgClr>
                     <a:schemeClr val="tx1"/>
@@ -235,7 +237,7 @@
               </a14:hiddenLine>
             </a:ext>
             <a:ext uri="{AF507438-7753-43e0-B8FC-AC1667EBCBE1}">
-              <a14:hiddenEffects xmlns="" xmlns:a14="http://schemas.microsoft.com/office/drawing/2010/main">
+              <a14:hiddenEffects xmlns:a14="http://schemas.microsoft.com/office/drawing/2010/main" xmlns="">
                 <a:effectLst>
                   <a:outerShdw dist="35921" dir="2700000" algn="ctr" rotWithShape="0">
                     <a:schemeClr val="bg2"/>
@@ -341,14 +343,14 @@
           <a:effectLst/>
           <a:extLst>
             <a:ext uri="{909E8E84-426E-40dd-AFC4-6F175D3DCCD1}">
-              <a14:hiddenFill xmlns="" xmlns:a14="http://schemas.microsoft.com/office/drawing/2010/main">
+              <a14:hiddenFill xmlns:a14="http://schemas.microsoft.com/office/drawing/2010/main" xmlns="">
                 <a:solidFill>
                   <a:schemeClr val="bg1"/>
                 </a:solidFill>
               </a14:hiddenFill>
             </a:ext>
             <a:ext uri="{91240B29-F687-4f45-9708-019B960494DF}">
-              <a14:hiddenLine xmlns="" xmlns:a14="http://schemas.microsoft.com/office/drawing/2010/main" w="12700">
+              <a14:hiddenLine xmlns:a14="http://schemas.microsoft.com/office/drawing/2010/main" xmlns="" w="12700">
                 <a:pattFill prst="narHorz">
                   <a:fgClr>
                     <a:schemeClr val="tx1"/>
@@ -363,7 +365,7 @@
               </a14:hiddenLine>
             </a:ext>
             <a:ext uri="{AF507438-7753-43e0-B8FC-AC1667EBCBE1}">
-              <a14:hiddenEffects xmlns="" xmlns:a14="http://schemas.microsoft.com/office/drawing/2010/main">
+              <a14:hiddenEffects xmlns:a14="http://schemas.microsoft.com/office/drawing/2010/main" xmlns="">
                 <a:effectLst>
                   <a:outerShdw dist="35921" dir="2700000" algn="ctr" rotWithShape="0">
                     <a:schemeClr val="bg2"/>
@@ -431,17 +433,17 @@
           <a:effectLst/>
           <a:extLst>
             <a:ext uri="{FAA26D3D-D897-4be2-8F04-BA451C77F1D7}">
-              <ma14:placeholderFlag xmlns="" xmlns:ma14="http://schemas.microsoft.com/office/mac/drawingml/2011/main" val="1"/>
+              <ma14:placeholderFlag xmlns:ma14="http://schemas.microsoft.com/office/mac/drawingml/2011/main" xmlns="" val="1"/>
             </a:ext>
             <a:ext uri="{909E8E84-426E-40dd-AFC4-6F175D3DCCD1}">
-              <a14:hiddenFill xmlns="" xmlns:a14="http://schemas.microsoft.com/office/drawing/2010/main">
+              <a14:hiddenFill xmlns:a14="http://schemas.microsoft.com/office/drawing/2010/main" xmlns="">
                 <a:solidFill>
                   <a:srgbClr val="FFFFFF"/>
                 </a:solidFill>
               </a14:hiddenFill>
             </a:ext>
             <a:ext uri="{AF507438-7753-43e0-B8FC-AC1667EBCBE1}">
-              <a14:hiddenEffects xmlns="" xmlns:a14="http://schemas.microsoft.com/office/drawing/2010/main">
+              <a14:hiddenEffects xmlns:a14="http://schemas.microsoft.com/office/drawing/2010/main" xmlns="">
                 <a:effectLst>
                   <a:outerShdw blurRad="63500" dist="38099" dir="2700000" algn="ctr" rotWithShape="0">
                     <a:srgbClr val="000000">
@@ -452,7 +454,7 @@
               </a14:hiddenEffects>
             </a:ext>
             <a:ext uri="{53640926-AAD7-44d8-BBD7-CCE9431645EC}">
-              <a14:shadowObscured xmlns="" xmlns:a14="http://schemas.microsoft.com/office/drawing/2010/main" val="1"/>
+              <a14:shadowObscured xmlns:a14="http://schemas.microsoft.com/office/drawing/2010/main" xmlns="" val="1"/>
             </a:ext>
           </a:extLst>
         </p:spPr>
@@ -482,14 +484,14 @@
           <a:effectLst/>
           <a:extLst>
             <a:ext uri="{909E8E84-426E-40dd-AFC4-6F175D3DCCD1}">
-              <a14:hiddenFill xmlns="" xmlns:a14="http://schemas.microsoft.com/office/drawing/2010/main">
+              <a14:hiddenFill xmlns:a14="http://schemas.microsoft.com/office/drawing/2010/main" xmlns="">
                 <a:solidFill>
                   <a:schemeClr val="bg1"/>
                 </a:solidFill>
               </a14:hiddenFill>
             </a:ext>
             <a:ext uri="{91240B29-F687-4f45-9708-019B960494DF}">
-              <a14:hiddenLine xmlns="" xmlns:a14="http://schemas.microsoft.com/office/drawing/2010/main" w="12700">
+              <a14:hiddenLine xmlns:a14="http://schemas.microsoft.com/office/drawing/2010/main" xmlns="" w="12700">
                 <a:pattFill prst="narHorz">
                   <a:fgClr>
                     <a:schemeClr val="tx1"/>
@@ -504,7 +506,7 @@
               </a14:hiddenLine>
             </a:ext>
             <a:ext uri="{AF507438-7753-43e0-B8FC-AC1667EBCBE1}">
-              <a14:hiddenEffects xmlns="" xmlns:a14="http://schemas.microsoft.com/office/drawing/2010/main">
+              <a14:hiddenEffects xmlns:a14="http://schemas.microsoft.com/office/drawing/2010/main" xmlns="">
                 <a:effectLst>
                   <a:outerShdw dist="35921" dir="2700000" algn="ctr" rotWithShape="0">
                     <a:schemeClr val="bg2"/>
@@ -754,10 +756,10 @@
         <p:spPr>
           <a:extLst>
             <a:ext uri="{FAA26D3D-D897-4be2-8F04-BA451C77F1D7}">
-              <ma14:placeholderFlag xmlns="" xmlns:ma14="http://schemas.microsoft.com/office/mac/drawingml/2011/main" val="1"/>
+              <ma14:placeholderFlag xmlns:ma14="http://schemas.microsoft.com/office/mac/drawingml/2011/main" xmlns="" val="1"/>
             </a:ext>
             <a:ext uri="{AF507438-7753-43e0-B8FC-AC1667EBCBE1}">
-              <a14:hiddenEffects xmlns="" xmlns:a14="http://schemas.microsoft.com/office/drawing/2010/main">
+              <a14:hiddenEffects xmlns:a14="http://schemas.microsoft.com/office/drawing/2010/main" xmlns="">
                 <a:effectLst>
                   <a:outerShdw blurRad="63500" dist="38099" dir="2700000" algn="ctr" rotWithShape="0">
                     <a:schemeClr val="bg2">
@@ -2686,17 +2688,17 @@
           <a:effectLst/>
           <a:extLst>
             <a:ext uri="{FAA26D3D-D897-4be2-8F04-BA451C77F1D7}">
-              <ma14:placeholderFlag xmlns="" xmlns:ma14="http://schemas.microsoft.com/office/mac/drawingml/2011/main" val="1"/>
+              <ma14:placeholderFlag xmlns:ma14="http://schemas.microsoft.com/office/mac/drawingml/2011/main" xmlns="" val="1"/>
             </a:ext>
             <a:ext uri="{909E8E84-426E-40dd-AFC4-6F175D3DCCD1}">
-              <a14:hiddenFill xmlns="" xmlns:a14="http://schemas.microsoft.com/office/drawing/2010/main">
+              <a14:hiddenFill xmlns:a14="http://schemas.microsoft.com/office/drawing/2010/main" xmlns="">
                 <a:solidFill>
                   <a:schemeClr val="bg1"/>
                 </a:solidFill>
               </a14:hiddenFill>
             </a:ext>
             <a:ext uri="{91240B29-F687-4f45-9708-019B960494DF}">
-              <a14:hiddenLine xmlns="" xmlns:a14="http://schemas.microsoft.com/office/drawing/2010/main" w="12700">
+              <a14:hiddenLine xmlns:a14="http://schemas.microsoft.com/office/drawing/2010/main" xmlns="" w="12700">
                 <a:pattFill prst="narHorz">
                   <a:fgClr>
                     <a:schemeClr val="tx1"/>
@@ -2711,7 +2713,7 @@
               </a14:hiddenLine>
             </a:ext>
             <a:ext uri="{AF507438-7753-43e0-B8FC-AC1667EBCBE1}">
-              <a14:hiddenEffects xmlns="" xmlns:a14="http://schemas.microsoft.com/office/drawing/2010/main">
+              <a14:hiddenEffects xmlns:a14="http://schemas.microsoft.com/office/drawing/2010/main" xmlns="">
                 <a:effectLst>
                   <a:outerShdw blurRad="63500" dist="38099" dir="2700000" algn="ctr" rotWithShape="0">
                     <a:schemeClr val="bg2">
@@ -2764,17 +2766,17 @@
           <a:effectLst/>
           <a:extLst>
             <a:ext uri="{FAA26D3D-D897-4be2-8F04-BA451C77F1D7}">
-              <ma14:placeholderFlag xmlns="" xmlns:ma14="http://schemas.microsoft.com/office/mac/drawingml/2011/main" val="1"/>
+              <ma14:placeholderFlag xmlns:ma14="http://schemas.microsoft.com/office/mac/drawingml/2011/main" xmlns="" val="1"/>
             </a:ext>
             <a:ext uri="{909E8E84-426E-40dd-AFC4-6F175D3DCCD1}">
-              <a14:hiddenFill xmlns="" xmlns:a14="http://schemas.microsoft.com/office/drawing/2010/main">
+              <a14:hiddenFill xmlns:a14="http://schemas.microsoft.com/office/drawing/2010/main" xmlns="">
                 <a:solidFill>
                   <a:schemeClr val="bg1"/>
                 </a:solidFill>
               </a14:hiddenFill>
             </a:ext>
             <a:ext uri="{91240B29-F687-4f45-9708-019B960494DF}">
-              <a14:hiddenLine xmlns="" xmlns:a14="http://schemas.microsoft.com/office/drawing/2010/main" w="12700">
+              <a14:hiddenLine xmlns:a14="http://schemas.microsoft.com/office/drawing/2010/main" xmlns="" w="12700">
                 <a:pattFill prst="narHorz">
                   <a:fgClr>
                     <a:schemeClr val="tx1"/>
@@ -2789,7 +2791,7 @@
               </a14:hiddenLine>
             </a:ext>
             <a:ext uri="{AF507438-7753-43e0-B8FC-AC1667EBCBE1}">
-              <a14:hiddenEffects xmlns="" xmlns:a14="http://schemas.microsoft.com/office/drawing/2010/main">
+              <a14:hiddenEffects xmlns:a14="http://schemas.microsoft.com/office/drawing/2010/main" xmlns="">
                 <a:effectLst>
                   <a:outerShdw blurRad="63500" dist="38099" dir="2700000" algn="ctr" rotWithShape="0">
                     <a:schemeClr val="bg2">
@@ -2873,12 +2875,12 @@
           <a:effectLst/>
           <a:extLst>
             <a:ext uri="{909E8E84-426E-40dd-AFC4-6F175D3DCCD1}">
-              <a14:hiddenFill xmlns="" xmlns:a14="http://schemas.microsoft.com/office/drawing/2010/main">
+              <a14:hiddenFill xmlns:a14="http://schemas.microsoft.com/office/drawing/2010/main" xmlns="">
                 <a:noFill/>
               </a14:hiddenFill>
             </a:ext>
             <a:ext uri="{AF507438-7753-43e0-B8FC-AC1667EBCBE1}">
-              <a14:hiddenEffects xmlns="" xmlns:a14="http://schemas.microsoft.com/office/drawing/2010/main">
+              <a14:hiddenEffects xmlns:a14="http://schemas.microsoft.com/office/drawing/2010/main" xmlns="">
                 <a:effectLst>
                   <a:outerShdw blurRad="63500" dist="38099" dir="2700000" algn="ctr" rotWithShape="0">
                     <a:schemeClr val="bg2">
@@ -3528,6 +3530,409 @@
           <p:cNvPr id="2" name="Title 1">
             <a:extLst>
               <a:ext uri="{FF2B5EF4-FFF2-40B4-BE49-F238E27FC236}">
+                <a16:creationId xmlns:a16="http://schemas.microsoft.com/office/drawing/2014/main" id="{BCF860A3-5715-6FBB-E4A5-737C88E24D1A}"/>
+              </a:ext>
+            </a:extLst>
+          </p:cNvPr>
+          <p:cNvSpPr>
+            <a:spLocks noGrp="1"/>
+          </p:cNvSpPr>
+          <p:nvPr>
+            <p:ph type="title"/>
+          </p:nvPr>
+        </p:nvSpPr>
+        <p:spPr/>
+        <p:txBody>
+          <a:bodyPr/>
+          <a:lstStyle/>
+          <a:p>
+            <a:r>
+              <a:rPr lang="en-US" altLang="zh-CN" dirty="0"/>
+              <a:t>Q1. Inverted Page Table</a:t>
+            </a:r>
+            <a:endParaRPr lang="en-SE" dirty="0"/>
+          </a:p>
+        </p:txBody>
+      </p:sp>
+      <p:sp>
+        <p:nvSpPr>
+          <p:cNvPr id="3" name="Content Placeholder 2">
+            <a:extLst>
+              <a:ext uri="{FF2B5EF4-FFF2-40B4-BE49-F238E27FC236}">
+                <a16:creationId xmlns:a16="http://schemas.microsoft.com/office/drawing/2014/main" id="{33E3B287-677A-4629-1EFF-CF4136FC2D8E}"/>
+              </a:ext>
+            </a:extLst>
+          </p:cNvPr>
+          <p:cNvSpPr>
+            <a:spLocks noGrp="1"/>
+          </p:cNvSpPr>
+          <p:nvPr>
+            <p:ph idx="1"/>
+          </p:nvPr>
+        </p:nvSpPr>
+        <p:spPr/>
+        <p:txBody>
+          <a:bodyPr/>
+          <a:lstStyle/>
+          <a:p>
+            <a:pPr>
+              <a:buFont typeface="Arial" panose="020B0604020202020204" pitchFamily="34" charset="0"/>
+              <a:buChar char="•"/>
+            </a:pPr>
+            <a:r>
+              <a:rPr lang="en-GB" dirty="0">
+                <a:latin typeface="fkGroteskNeue"/>
+              </a:rPr>
+              <a:t>Q: A computer system has a 32-bit virtual address space, 4 KB pages, and 512 MB of physical memory.</a:t>
+            </a:r>
+            <a:br>
+              <a:rPr lang="en-GB" dirty="0">
+                <a:latin typeface="fkGroteskNeue"/>
+              </a:rPr>
+            </a:br>
+            <a:r>
+              <a:rPr lang="en-GB" dirty="0">
+                <a:latin typeface="fkGroteskNeue"/>
+              </a:rPr>
+              <a:t>a) How many entries are in a conventional single-level page table?</a:t>
+            </a:r>
+            <a:br>
+              <a:rPr lang="en-GB" dirty="0">
+                <a:latin typeface="fkGroteskNeue"/>
+              </a:rPr>
+            </a:br>
+            <a:r>
+              <a:rPr lang="en-GB" dirty="0">
+                <a:latin typeface="fkGroteskNeue"/>
+              </a:rPr>
+              <a:t>b) How many entries are in an inverted page table?</a:t>
+            </a:r>
+          </a:p>
+          <a:p>
+            <a:pPr marL="0" indent="0">
+              <a:buNone/>
+            </a:pPr>
+            <a:r>
+              <a:rPr lang="en-GB" b="0" i="0" dirty="0">
+                <a:effectLst/>
+                <a:latin typeface="fkGroteskNeue"/>
+              </a:rPr>
+              <a:t>ANS:</a:t>
+            </a:r>
+          </a:p>
+          <a:p>
+            <a:pPr>
+              <a:buFont typeface="Arial" panose="020B0604020202020204" pitchFamily="34" charset="0"/>
+              <a:buChar char="•"/>
+            </a:pPr>
+            <a:r>
+              <a:rPr lang="en-GB" dirty="0">
+                <a:latin typeface="fkGroteskNeue"/>
+              </a:rPr>
+              <a:t>a) 4 KB page size = 2^12 bytes, so 32-12 = 20 bits for the page number.</a:t>
+            </a:r>
+            <a:br>
+              <a:rPr lang="en-GB" dirty="0">
+                <a:latin typeface="fkGroteskNeue"/>
+              </a:rPr>
+            </a:br>
+            <a:r>
+              <a:rPr lang="en-GB" dirty="0">
+                <a:latin typeface="fkGroteskNeue"/>
+              </a:rPr>
+              <a:t>Number of entries in a conventional page table = 2^20, for each process.</a:t>
+            </a:r>
+          </a:p>
+          <a:p>
+            <a:pPr>
+              <a:buFont typeface="Arial" panose="020B0604020202020204" pitchFamily="34" charset="0"/>
+              <a:buChar char="•"/>
+            </a:pPr>
+            <a:r>
+              <a:rPr lang="en-GB" dirty="0">
+                <a:latin typeface="fkGroteskNeue"/>
+              </a:rPr>
+              <a:t> b) 512 MB physical memory = 2^29 bytes. Each frame is 4 KB = 2^12 bytes.</a:t>
+            </a:r>
+            <a:br>
+              <a:rPr lang="en-GB" dirty="0">
+                <a:latin typeface="fkGroteskNeue"/>
+              </a:rPr>
+            </a:br>
+            <a:r>
+              <a:rPr lang="en-GB" dirty="0">
+                <a:latin typeface="fkGroteskNeue"/>
+              </a:rPr>
+              <a:t>Number of frames = 2^29/2^12=2^17.</a:t>
+            </a:r>
+            <a:br>
+              <a:rPr lang="en-GB" dirty="0">
+                <a:latin typeface="fkGroteskNeue"/>
+              </a:rPr>
+            </a:br>
+            <a:r>
+              <a:rPr lang="en-GB" dirty="0">
+                <a:latin typeface="fkGroteskNeue"/>
+              </a:rPr>
+              <a:t>So, the inverted page table has 2^17 entries, for the whole system.</a:t>
+            </a:r>
+          </a:p>
+          <a:p>
+            <a:endParaRPr lang="en-SE" dirty="0"/>
+          </a:p>
+        </p:txBody>
+      </p:sp>
+    </p:spTree>
+    <p:extLst>
+      <p:ext uri="{BB962C8B-B14F-4D97-AF65-F5344CB8AC3E}">
+        <p14:creationId xmlns:p14="http://schemas.microsoft.com/office/powerpoint/2010/main" val="2366776022"/>
+      </p:ext>
+    </p:extLst>
+  </p:cSld>
+  <p:clrMapOvr>
+    <a:masterClrMapping/>
+  </p:clrMapOvr>
+  <p:transition/>
+</p:sld>
+</file>
+
+<file path=ppt/slides/slide3.xml><?xml version="1.0" encoding="utf-8"?>
+<p:sld xmlns:a="http://schemas.openxmlformats.org/drawingml/2006/main" xmlns:r="http://schemas.openxmlformats.org/officeDocument/2006/relationships" xmlns:p="http://schemas.openxmlformats.org/presentationml/2006/main">
+  <p:cSld>
+    <p:spTree>
+      <p:nvGrpSpPr>
+        <p:cNvPr id="1" name=""/>
+        <p:cNvGrpSpPr/>
+        <p:nvPr/>
+      </p:nvGrpSpPr>
+      <p:grpSpPr>
+        <a:xfrm>
+          <a:off x="0" y="0"/>
+          <a:ext cx="0" cy="0"/>
+          <a:chOff x="0" y="0"/>
+          <a:chExt cx="0" cy="0"/>
+        </a:xfrm>
+      </p:grpSpPr>
+      <p:sp>
+        <p:nvSpPr>
+          <p:cNvPr id="2" name="Title 1">
+            <a:extLst>
+              <a:ext uri="{FF2B5EF4-FFF2-40B4-BE49-F238E27FC236}">
+                <a16:creationId xmlns:a16="http://schemas.microsoft.com/office/drawing/2014/main" id="{CDBB4222-5E93-F0C7-AE9A-0BA9B758663D}"/>
+              </a:ext>
+            </a:extLst>
+          </p:cNvPr>
+          <p:cNvSpPr>
+            <a:spLocks noGrp="1"/>
+          </p:cNvSpPr>
+          <p:nvPr>
+            <p:ph type="title"/>
+          </p:nvPr>
+        </p:nvSpPr>
+        <p:spPr/>
+        <p:txBody>
+          <a:bodyPr/>
+          <a:lstStyle/>
+          <a:p>
+            <a:r>
+              <a:rPr lang="en-US" altLang="zh-CN" dirty="0"/>
+              <a:t>Q2. Inverted Page Table</a:t>
+            </a:r>
+            <a:endParaRPr lang="en-SE" dirty="0"/>
+          </a:p>
+        </p:txBody>
+      </p:sp>
+      <p:sp>
+        <p:nvSpPr>
+          <p:cNvPr id="3" name="Content Placeholder 2">
+            <a:extLst>
+              <a:ext uri="{FF2B5EF4-FFF2-40B4-BE49-F238E27FC236}">
+                <a16:creationId xmlns:a16="http://schemas.microsoft.com/office/drawing/2014/main" id="{0D722653-571D-3BB1-631D-F5F01426A731}"/>
+              </a:ext>
+            </a:extLst>
+          </p:cNvPr>
+          <p:cNvSpPr>
+            <a:spLocks noGrp="1"/>
+          </p:cNvSpPr>
+          <p:nvPr>
+            <p:ph idx="1"/>
+          </p:nvPr>
+        </p:nvSpPr>
+        <p:spPr/>
+        <p:txBody>
+          <a:bodyPr/>
+          <a:lstStyle/>
+          <a:p>
+            <a:pPr>
+              <a:buFont typeface="Arial" panose="020B0604020202020204" pitchFamily="34" charset="0"/>
+              <a:buChar char="•"/>
+            </a:pPr>
+            <a:r>
+              <a:rPr lang="en-GB" dirty="0">
+                <a:latin typeface="fkGroteskNeue"/>
+              </a:rPr>
+              <a:t>Q: For a system with a 64-bit virtual address space and 256 MB physical memory, compare the memory requirements for a conventional page table and an inverted page table with 4 KB pages.</a:t>
+            </a:r>
+          </a:p>
+          <a:p>
+            <a:pPr algn="l">
+              <a:buNone/>
+            </a:pPr>
+            <a:r>
+              <a:rPr lang="en-GB" b="0" i="0" dirty="0">
+                <a:effectLst/>
+                <a:latin typeface="fkGroteskNeue"/>
+              </a:rPr>
+              <a:t>ANS:</a:t>
+            </a:r>
+          </a:p>
+          <a:p>
+            <a:pPr algn="l">
+              <a:buFont typeface="Arial" panose="020B0604020202020204" pitchFamily="34" charset="0"/>
+              <a:buChar char="•"/>
+            </a:pPr>
+            <a:r>
+              <a:rPr lang="en-GB" b="0" i="0" dirty="0">
+                <a:effectLst/>
+                <a:latin typeface="fkGroteskNeue"/>
+              </a:rPr>
+              <a:t>Conventional page table:</a:t>
+            </a:r>
+            <a:br>
+              <a:rPr lang="en-GB" b="0" i="0" dirty="0">
+                <a:effectLst/>
+                <a:latin typeface="fkGroteskNeue"/>
+              </a:rPr>
+            </a:br>
+            <a:r>
+              <a:rPr lang="en-GB" b="0" i="0" dirty="0">
+                <a:effectLst/>
+                <a:latin typeface="fkGroteskNeue"/>
+              </a:rPr>
+              <a:t>Number of virtual pages = </a:t>
+            </a:r>
+            <a:r>
+              <a:rPr lang="en-GB" b="0" i="0" dirty="0">
+                <a:effectLst/>
+                <a:latin typeface="KaTeX_Main"/>
+              </a:rPr>
+              <a:t>2^64/2^12=2^52</a:t>
+            </a:r>
+            <a:r>
+              <a:rPr lang="en-GB" b="0" i="0" dirty="0">
+                <a:effectLst/>
+                <a:latin typeface="fkGroteskNeue"/>
+              </a:rPr>
+              <a:t> entries.</a:t>
+            </a:r>
+            <a:br>
+              <a:rPr lang="en-GB" b="0" i="0" dirty="0">
+                <a:effectLst/>
+                <a:latin typeface="fkGroteskNeue"/>
+              </a:rPr>
+            </a:br>
+            <a:r>
+              <a:rPr lang="en-GB" b="0" i="0" dirty="0">
+                <a:effectLst/>
+                <a:latin typeface="fkGroteskNeue"/>
+              </a:rPr>
+              <a:t>This is extremely large and impractical to store in memory.</a:t>
+            </a:r>
+          </a:p>
+          <a:p>
+            <a:pPr algn="l">
+              <a:buFont typeface="Arial" panose="020B0604020202020204" pitchFamily="34" charset="0"/>
+              <a:buChar char="•"/>
+            </a:pPr>
+            <a:r>
+              <a:rPr lang="en-GB" b="0" i="0" dirty="0">
+                <a:effectLst/>
+                <a:latin typeface="fkGroteskNeue"/>
+              </a:rPr>
+              <a:t>Inverted page table:</a:t>
+            </a:r>
+            <a:br>
+              <a:rPr lang="en-GB" b="0" i="0" dirty="0">
+                <a:effectLst/>
+                <a:latin typeface="fkGroteskNeue"/>
+              </a:rPr>
+            </a:br>
+            <a:r>
+              <a:rPr lang="en-GB" b="0" i="0" dirty="0">
+                <a:effectLst/>
+                <a:latin typeface="fkGroteskNeue"/>
+              </a:rPr>
+              <a:t>Number of physical frames = </a:t>
+            </a:r>
+            <a:r>
+              <a:rPr lang="en-GB" b="0" i="0" dirty="0">
+                <a:effectLst/>
+                <a:latin typeface="KaTeX_Main"/>
+              </a:rPr>
+              <a:t>2^28/2^12=2^16</a:t>
+            </a:r>
+            <a:r>
+              <a:rPr lang="en-GB" b="0" i="0" dirty="0">
+                <a:effectLst/>
+                <a:latin typeface="fkGroteskNeue"/>
+              </a:rPr>
+              <a:t> entries.</a:t>
+            </a:r>
+            <a:br>
+              <a:rPr lang="en-GB" b="0" i="0" dirty="0">
+                <a:effectLst/>
+                <a:latin typeface="fkGroteskNeue"/>
+              </a:rPr>
+            </a:br>
+            <a:r>
+              <a:rPr lang="en-GB" b="0" i="0" dirty="0">
+                <a:effectLst/>
+                <a:latin typeface="fkGroteskNeue"/>
+              </a:rPr>
+              <a:t>Much smaller and manageable.</a:t>
+            </a:r>
+          </a:p>
+          <a:p>
+            <a:endParaRPr lang="en-SE" dirty="0"/>
+          </a:p>
+        </p:txBody>
+      </p:sp>
+    </p:spTree>
+    <p:extLst>
+      <p:ext uri="{BB962C8B-B14F-4D97-AF65-F5344CB8AC3E}">
+        <p14:creationId xmlns:p14="http://schemas.microsoft.com/office/powerpoint/2010/main" val="2654265627"/>
+      </p:ext>
+    </p:extLst>
+  </p:cSld>
+  <p:clrMapOvr>
+    <a:masterClrMapping/>
+  </p:clrMapOvr>
+  <p:transition/>
+</p:sld>
+</file>
+
+<file path=ppt/slides/slide4.xml><?xml version="1.0" encoding="utf-8"?>
+<p:sld xmlns:a="http://schemas.openxmlformats.org/drawingml/2006/main" xmlns:r="http://schemas.openxmlformats.org/officeDocument/2006/relationships" xmlns:p="http://schemas.openxmlformats.org/presentationml/2006/main">
+  <p:cSld>
+    <p:spTree>
+      <p:nvGrpSpPr>
+        <p:cNvPr id="1" name=""/>
+        <p:cNvGrpSpPr/>
+        <p:nvPr/>
+      </p:nvGrpSpPr>
+      <p:grpSpPr>
+        <a:xfrm>
+          <a:off x="0" y="0"/>
+          <a:ext cx="0" cy="0"/>
+          <a:chOff x="0" y="0"/>
+          <a:chExt cx="0" cy="0"/>
+        </a:xfrm>
+      </p:grpSpPr>
+      <p:sp>
+        <p:nvSpPr>
+          <p:cNvPr id="2" name="Title 1">
+            <a:extLst>
+              <a:ext uri="{FF2B5EF4-FFF2-40B4-BE49-F238E27FC236}">
                 <a16:creationId xmlns:a16="http://schemas.microsoft.com/office/drawing/2014/main" id="{C415D49D-FD1D-03A0-4976-150DE0E00819}"/>
               </a:ext>
             </a:extLst>
@@ -4321,7 +4726,7 @@
 </p:sld>
 </file>
 
-<file path=ppt/slides/slide3.xml><?xml version="1.0" encoding="utf-8"?>
+<file path=ppt/slides/slide5.xml><?xml version="1.0" encoding="utf-8"?>
 <p:sld xmlns:a="http://schemas.openxmlformats.org/drawingml/2006/main" xmlns:r="http://schemas.openxmlformats.org/officeDocument/2006/relationships" xmlns:p="http://schemas.openxmlformats.org/presentationml/2006/main">
   <p:cSld>
     <p:spTree>
@@ -6963,7 +7368,7 @@
 </p:sld>
 </file>
 
-<file path=ppt/slides/slide4.xml><?xml version="1.0" encoding="utf-8"?>
+<file path=ppt/slides/slide6.xml><?xml version="1.0" encoding="utf-8"?>
 <p:sld xmlns:a="http://schemas.openxmlformats.org/drawingml/2006/main" xmlns:r="http://schemas.openxmlformats.org/officeDocument/2006/relationships" xmlns:p="http://schemas.openxmlformats.org/presentationml/2006/main">
   <p:cSld>
     <p:spTree>
@@ -8160,7 +8565,7 @@
 </p:sld>
 </file>
 
-<file path=ppt/slides/slide5.xml><?xml version="1.0" encoding="utf-8"?>
+<file path=ppt/slides/slide7.xml><?xml version="1.0" encoding="utf-8"?>
 <p:sld xmlns:a="http://schemas.openxmlformats.org/drawingml/2006/main" xmlns:r="http://schemas.openxmlformats.org/officeDocument/2006/relationships" xmlns:p="http://schemas.openxmlformats.org/presentationml/2006/main">
   <p:cSld>
     <p:spTree>
@@ -12122,7 +12527,7 @@
 </p:sld>
 </file>
 
-<file path=ppt/slides/slide6.xml><?xml version="1.0" encoding="utf-8"?>
+<file path=ppt/slides/slide8.xml><?xml version="1.0" encoding="utf-8"?>
 <p:sld xmlns:a="http://schemas.openxmlformats.org/drawingml/2006/main" xmlns:r="http://schemas.openxmlformats.org/officeDocument/2006/relationships" xmlns:p="http://schemas.openxmlformats.org/presentationml/2006/main">
   <p:cSld>
     <p:spTree>
@@ -12511,7 +12916,7 @@
         <a:effectLst/>
         <a:extLst>
           <a:ext uri="{AF507438-7753-43e0-B8FC-AC1667EBCBE1}">
-            <a14:hiddenEffects xmlns="" xmlns:a14="http://schemas.microsoft.com/office/drawing/2010/main">
+            <a14:hiddenEffects xmlns:a14="http://schemas.microsoft.com/office/drawing/2010/main" xmlns="">
               <a:effectLst>
                 <a:outerShdw dist="35921" dir="2700000" algn="ctr" rotWithShape="0">
                   <a:schemeClr val="bg2"/>
@@ -12584,7 +12989,7 @@
         <a:effectLst/>
         <a:extLst>
           <a:ext uri="{AF507438-7753-43e0-B8FC-AC1667EBCBE1}">
-            <a14:hiddenEffects xmlns="" xmlns:a14="http://schemas.microsoft.com/office/drawing/2010/main">
+            <a14:hiddenEffects xmlns:a14="http://schemas.microsoft.com/office/drawing/2010/main" xmlns="">
               <a:effectLst>
                 <a:outerShdw dist="35921" dir="2700000" algn="ctr" rotWithShape="0">
                   <a:schemeClr val="bg2"/>

--- a/PPTs/L8-Exercises ANS.pptx
+++ b/PPTs/L8-Exercises ANS.pptx
@@ -215,14 +215,14 @@
           <a:effectLst/>
           <a:extLst>
             <a:ext uri="{909E8E84-426E-40dd-AFC4-6F175D3DCCD1}">
-              <a14:hiddenFill xmlns:a14="http://schemas.microsoft.com/office/drawing/2010/main" xmlns="">
+              <a14:hiddenFill xmlns="" xmlns:a14="http://schemas.microsoft.com/office/drawing/2010/main">
                 <a:solidFill>
                   <a:schemeClr val="bg1"/>
                 </a:solidFill>
               </a14:hiddenFill>
             </a:ext>
             <a:ext uri="{91240B29-F687-4f45-9708-019B960494DF}">
-              <a14:hiddenLine xmlns:a14="http://schemas.microsoft.com/office/drawing/2010/main" xmlns="" w="12700">
+              <a14:hiddenLine xmlns="" xmlns:a14="http://schemas.microsoft.com/office/drawing/2010/main" w="12700">
                 <a:pattFill prst="narHorz">
                   <a:fgClr>
                     <a:schemeClr val="tx1"/>
@@ -237,7 +237,7 @@
               </a14:hiddenLine>
             </a:ext>
             <a:ext uri="{AF507438-7753-43e0-B8FC-AC1667EBCBE1}">
-              <a14:hiddenEffects xmlns:a14="http://schemas.microsoft.com/office/drawing/2010/main" xmlns="">
+              <a14:hiddenEffects xmlns="" xmlns:a14="http://schemas.microsoft.com/office/drawing/2010/main">
                 <a:effectLst>
                   <a:outerShdw dist="35921" dir="2700000" algn="ctr" rotWithShape="0">
                     <a:schemeClr val="bg2"/>
@@ -343,14 +343,14 @@
           <a:effectLst/>
           <a:extLst>
             <a:ext uri="{909E8E84-426E-40dd-AFC4-6F175D3DCCD1}">
-              <a14:hiddenFill xmlns:a14="http://schemas.microsoft.com/office/drawing/2010/main" xmlns="">
+              <a14:hiddenFill xmlns="" xmlns:a14="http://schemas.microsoft.com/office/drawing/2010/main">
                 <a:solidFill>
                   <a:schemeClr val="bg1"/>
                 </a:solidFill>
               </a14:hiddenFill>
             </a:ext>
             <a:ext uri="{91240B29-F687-4f45-9708-019B960494DF}">
-              <a14:hiddenLine xmlns:a14="http://schemas.microsoft.com/office/drawing/2010/main" xmlns="" w="12700">
+              <a14:hiddenLine xmlns="" xmlns:a14="http://schemas.microsoft.com/office/drawing/2010/main" w="12700">
                 <a:pattFill prst="narHorz">
                   <a:fgClr>
                     <a:schemeClr val="tx1"/>
@@ -365,7 +365,7 @@
               </a14:hiddenLine>
             </a:ext>
             <a:ext uri="{AF507438-7753-43e0-B8FC-AC1667EBCBE1}">
-              <a14:hiddenEffects xmlns:a14="http://schemas.microsoft.com/office/drawing/2010/main" xmlns="">
+              <a14:hiddenEffects xmlns="" xmlns:a14="http://schemas.microsoft.com/office/drawing/2010/main">
                 <a:effectLst>
                   <a:outerShdw dist="35921" dir="2700000" algn="ctr" rotWithShape="0">
                     <a:schemeClr val="bg2"/>
@@ -433,17 +433,17 @@
           <a:effectLst/>
           <a:extLst>
             <a:ext uri="{FAA26D3D-D897-4be2-8F04-BA451C77F1D7}">
-              <ma14:placeholderFlag xmlns:ma14="http://schemas.microsoft.com/office/mac/drawingml/2011/main" xmlns="" val="1"/>
+              <ma14:placeholderFlag xmlns="" xmlns:ma14="http://schemas.microsoft.com/office/mac/drawingml/2011/main" val="1"/>
             </a:ext>
             <a:ext uri="{909E8E84-426E-40dd-AFC4-6F175D3DCCD1}">
-              <a14:hiddenFill xmlns:a14="http://schemas.microsoft.com/office/drawing/2010/main" xmlns="">
+              <a14:hiddenFill xmlns="" xmlns:a14="http://schemas.microsoft.com/office/drawing/2010/main">
                 <a:solidFill>
                   <a:srgbClr val="FFFFFF"/>
                 </a:solidFill>
               </a14:hiddenFill>
             </a:ext>
             <a:ext uri="{AF507438-7753-43e0-B8FC-AC1667EBCBE1}">
-              <a14:hiddenEffects xmlns:a14="http://schemas.microsoft.com/office/drawing/2010/main" xmlns="">
+              <a14:hiddenEffects xmlns="" xmlns:a14="http://schemas.microsoft.com/office/drawing/2010/main">
                 <a:effectLst>
                   <a:outerShdw blurRad="63500" dist="38099" dir="2700000" algn="ctr" rotWithShape="0">
                     <a:srgbClr val="000000">
@@ -454,7 +454,7 @@
               </a14:hiddenEffects>
             </a:ext>
             <a:ext uri="{53640926-AAD7-44d8-BBD7-CCE9431645EC}">
-              <a14:shadowObscured xmlns:a14="http://schemas.microsoft.com/office/drawing/2010/main" xmlns="" val="1"/>
+              <a14:shadowObscured xmlns="" xmlns:a14="http://schemas.microsoft.com/office/drawing/2010/main" val="1"/>
             </a:ext>
           </a:extLst>
         </p:spPr>
@@ -484,14 +484,14 @@
           <a:effectLst/>
           <a:extLst>
             <a:ext uri="{909E8E84-426E-40dd-AFC4-6F175D3DCCD1}">
-              <a14:hiddenFill xmlns:a14="http://schemas.microsoft.com/office/drawing/2010/main" xmlns="">
+              <a14:hiddenFill xmlns="" xmlns:a14="http://schemas.microsoft.com/office/drawing/2010/main">
                 <a:solidFill>
                   <a:schemeClr val="bg1"/>
                 </a:solidFill>
               </a14:hiddenFill>
             </a:ext>
             <a:ext uri="{91240B29-F687-4f45-9708-019B960494DF}">
-              <a14:hiddenLine xmlns:a14="http://schemas.microsoft.com/office/drawing/2010/main" xmlns="" w="12700">
+              <a14:hiddenLine xmlns="" xmlns:a14="http://schemas.microsoft.com/office/drawing/2010/main" w="12700">
                 <a:pattFill prst="narHorz">
                   <a:fgClr>
                     <a:schemeClr val="tx1"/>
@@ -506,7 +506,7 @@
               </a14:hiddenLine>
             </a:ext>
             <a:ext uri="{AF507438-7753-43e0-B8FC-AC1667EBCBE1}">
-              <a14:hiddenEffects xmlns:a14="http://schemas.microsoft.com/office/drawing/2010/main" xmlns="">
+              <a14:hiddenEffects xmlns="" xmlns:a14="http://schemas.microsoft.com/office/drawing/2010/main">
                 <a:effectLst>
                   <a:outerShdw dist="35921" dir="2700000" algn="ctr" rotWithShape="0">
                     <a:schemeClr val="bg2"/>
@@ -756,10 +756,10 @@
         <p:spPr>
           <a:extLst>
             <a:ext uri="{FAA26D3D-D897-4be2-8F04-BA451C77F1D7}">
-              <ma14:placeholderFlag xmlns:ma14="http://schemas.microsoft.com/office/mac/drawingml/2011/main" xmlns="" val="1"/>
+              <ma14:placeholderFlag xmlns="" xmlns:ma14="http://schemas.microsoft.com/office/mac/drawingml/2011/main" val="1"/>
             </a:ext>
             <a:ext uri="{AF507438-7753-43e0-B8FC-AC1667EBCBE1}">
-              <a14:hiddenEffects xmlns:a14="http://schemas.microsoft.com/office/drawing/2010/main" xmlns="">
+              <a14:hiddenEffects xmlns="" xmlns:a14="http://schemas.microsoft.com/office/drawing/2010/main">
                 <a:effectLst>
                   <a:outerShdw blurRad="63500" dist="38099" dir="2700000" algn="ctr" rotWithShape="0">
                     <a:schemeClr val="bg2">
@@ -2688,17 +2688,17 @@
           <a:effectLst/>
           <a:extLst>
             <a:ext uri="{FAA26D3D-D897-4be2-8F04-BA451C77F1D7}">
-              <ma14:placeholderFlag xmlns:ma14="http://schemas.microsoft.com/office/mac/drawingml/2011/main" xmlns="" val="1"/>
+              <ma14:placeholderFlag xmlns="" xmlns:ma14="http://schemas.microsoft.com/office/mac/drawingml/2011/main" val="1"/>
             </a:ext>
             <a:ext uri="{909E8E84-426E-40dd-AFC4-6F175D3DCCD1}">
-              <a14:hiddenFill xmlns:a14="http://schemas.microsoft.com/office/drawing/2010/main" xmlns="">
+              <a14:hiddenFill xmlns="" xmlns:a14="http://schemas.microsoft.com/office/drawing/2010/main">
                 <a:solidFill>
                   <a:schemeClr val="bg1"/>
                 </a:solidFill>
               </a14:hiddenFill>
             </a:ext>
             <a:ext uri="{91240B29-F687-4f45-9708-019B960494DF}">
-              <a14:hiddenLine xmlns:a14="http://schemas.microsoft.com/office/drawing/2010/main" xmlns="" w="12700">
+              <a14:hiddenLine xmlns="" xmlns:a14="http://schemas.microsoft.com/office/drawing/2010/main" w="12700">
                 <a:pattFill prst="narHorz">
                   <a:fgClr>
                     <a:schemeClr val="tx1"/>
@@ -2713,7 +2713,7 @@
               </a14:hiddenLine>
             </a:ext>
             <a:ext uri="{AF507438-7753-43e0-B8FC-AC1667EBCBE1}">
-              <a14:hiddenEffects xmlns:a14="http://schemas.microsoft.com/office/drawing/2010/main" xmlns="">
+              <a14:hiddenEffects xmlns="" xmlns:a14="http://schemas.microsoft.com/office/drawing/2010/main">
                 <a:effectLst>
                   <a:outerShdw blurRad="63500" dist="38099" dir="2700000" algn="ctr" rotWithShape="0">
                     <a:schemeClr val="bg2">
@@ -2766,17 +2766,17 @@
           <a:effectLst/>
           <a:extLst>
             <a:ext uri="{FAA26D3D-D897-4be2-8F04-BA451C77F1D7}">
-              <ma14:placeholderFlag xmlns:ma14="http://schemas.microsoft.com/office/mac/drawingml/2011/main" xmlns="" val="1"/>
+              <ma14:placeholderFlag xmlns="" xmlns:ma14="http://schemas.microsoft.com/office/mac/drawingml/2011/main" val="1"/>
             </a:ext>
             <a:ext uri="{909E8E84-426E-40dd-AFC4-6F175D3DCCD1}">
-              <a14:hiddenFill xmlns:a14="http://schemas.microsoft.com/office/drawing/2010/main" xmlns="">
+              <a14:hiddenFill xmlns="" xmlns:a14="http://schemas.microsoft.com/office/drawing/2010/main">
                 <a:solidFill>
                   <a:schemeClr val="bg1"/>
                 </a:solidFill>
               </a14:hiddenFill>
             </a:ext>
             <a:ext uri="{91240B29-F687-4f45-9708-019B960494DF}">
-              <a14:hiddenLine xmlns:a14="http://schemas.microsoft.com/office/drawing/2010/main" xmlns="" w="12700">
+              <a14:hiddenLine xmlns="" xmlns:a14="http://schemas.microsoft.com/office/drawing/2010/main" w="12700">
                 <a:pattFill prst="narHorz">
                   <a:fgClr>
                     <a:schemeClr val="tx1"/>
@@ -2791,7 +2791,7 @@
               </a14:hiddenLine>
             </a:ext>
             <a:ext uri="{AF507438-7753-43e0-B8FC-AC1667EBCBE1}">
-              <a14:hiddenEffects xmlns:a14="http://schemas.microsoft.com/office/drawing/2010/main" xmlns="">
+              <a14:hiddenEffects xmlns="" xmlns:a14="http://schemas.microsoft.com/office/drawing/2010/main">
                 <a:effectLst>
                   <a:outerShdw blurRad="63500" dist="38099" dir="2700000" algn="ctr" rotWithShape="0">
                     <a:schemeClr val="bg2">
@@ -2875,12 +2875,12 @@
           <a:effectLst/>
           <a:extLst>
             <a:ext uri="{909E8E84-426E-40dd-AFC4-6F175D3DCCD1}">
-              <a14:hiddenFill xmlns:a14="http://schemas.microsoft.com/office/drawing/2010/main" xmlns="">
+              <a14:hiddenFill xmlns="" xmlns:a14="http://schemas.microsoft.com/office/drawing/2010/main">
                 <a:noFill/>
               </a14:hiddenFill>
             </a:ext>
             <a:ext uri="{AF507438-7753-43e0-B8FC-AC1667EBCBE1}">
-              <a14:hiddenEffects xmlns:a14="http://schemas.microsoft.com/office/drawing/2010/main" xmlns="">
+              <a14:hiddenEffects xmlns="" xmlns:a14="http://schemas.microsoft.com/office/drawing/2010/main">
                 <a:effectLst>
                   <a:outerShdw blurRad="63500" dist="38099" dir="2700000" algn="ctr" rotWithShape="0">
                     <a:schemeClr val="bg2">
@@ -3987,7 +3987,7 @@
           <a:p>
             <a:r>
               <a:rPr lang="en-GB" dirty="0"/>
-              <a:t>Consider cache size of 3 frames, and following reference stream of virtual pages: </a:t>
+              <a:t>Consider memory size of 3 frames, and following reference stream of virtual pages: </a:t>
             </a:r>
           </a:p>
           <a:p>
@@ -7437,7 +7437,7 @@
           <a:p>
             <a:r>
               <a:rPr lang="en-GB" dirty="0"/>
-              <a:t>Consider cache size of 3 frames, and following reference stream of virtual pages: </a:t>
+              <a:t>Consider memory size of 3 frames, and following reference stream of virtual pages: </a:t>
             </a:r>
           </a:p>
           <a:p>
@@ -12916,7 +12916,7 @@
         <a:effectLst/>
         <a:extLst>
           <a:ext uri="{AF507438-7753-43e0-B8FC-AC1667EBCBE1}">
-            <a14:hiddenEffects xmlns:a14="http://schemas.microsoft.com/office/drawing/2010/main" xmlns="">
+            <a14:hiddenEffects xmlns="" xmlns:a14="http://schemas.microsoft.com/office/drawing/2010/main">
               <a:effectLst>
                 <a:outerShdw dist="35921" dir="2700000" algn="ctr" rotWithShape="0">
                   <a:schemeClr val="bg2"/>
@@ -12989,7 +12989,7 @@
         <a:effectLst/>
         <a:extLst>
           <a:ext uri="{AF507438-7753-43e0-B8FC-AC1667EBCBE1}">
-            <a14:hiddenEffects xmlns:a14="http://schemas.microsoft.com/office/drawing/2010/main" xmlns="">
+            <a14:hiddenEffects xmlns="" xmlns:a14="http://schemas.microsoft.com/office/drawing/2010/main">
               <a:effectLst>
                 <a:outerShdw dist="35921" dir="2700000" algn="ctr" rotWithShape="0">
                   <a:schemeClr val="bg2"/>

--- a/PPTs/L8-Exercises ANS.pptx
+++ b/PPTs/L8-Exercises ANS.pptx
@@ -5,10 +5,10 @@
     <p:sldMasterId id="2147483648" r:id="rId1"/>
   </p:sldMasterIdLst>
   <p:notesMasterIdLst>
-    <p:notesMasterId r:id="rId10"/>
+    <p:notesMasterId r:id="rId14"/>
   </p:notesMasterIdLst>
   <p:handoutMasterIdLst>
-    <p:handoutMasterId r:id="rId11"/>
+    <p:handoutMasterId r:id="rId15"/>
   </p:handoutMasterIdLst>
   <p:sldIdLst>
     <p:sldId id="256" r:id="rId2"/>
@@ -19,6 +19,10 @@
     <p:sldId id="265" r:id="rId7"/>
     <p:sldId id="266" r:id="rId8"/>
     <p:sldId id="267" r:id="rId9"/>
+    <p:sldId id="1936" r:id="rId10"/>
+    <p:sldId id="1946" r:id="rId11"/>
+    <p:sldId id="1947" r:id="rId12"/>
+    <p:sldId id="1944" r:id="rId13"/>
   </p:sldIdLst>
   <p:sldSz cx="12192000" cy="6858000"/>
   <p:notesSz cx="9601200" cy="7315200"/>
@@ -215,14 +219,14 @@
           <a:effectLst/>
           <a:extLst>
             <a:ext uri="{909E8E84-426E-40dd-AFC4-6F175D3DCCD1}">
-              <a14:hiddenFill xmlns="" xmlns:a14="http://schemas.microsoft.com/office/drawing/2010/main">
+              <a14:hiddenFill xmlns:a14="http://schemas.microsoft.com/office/drawing/2010/main" xmlns="">
                 <a:solidFill>
                   <a:schemeClr val="bg1"/>
                 </a:solidFill>
               </a14:hiddenFill>
             </a:ext>
             <a:ext uri="{91240B29-F687-4f45-9708-019B960494DF}">
-              <a14:hiddenLine xmlns="" xmlns:a14="http://schemas.microsoft.com/office/drawing/2010/main" w="12700">
+              <a14:hiddenLine xmlns:a14="http://schemas.microsoft.com/office/drawing/2010/main" xmlns="" w="12700">
                 <a:pattFill prst="narHorz">
                   <a:fgClr>
                     <a:schemeClr val="tx1"/>
@@ -237,7 +241,7 @@
               </a14:hiddenLine>
             </a:ext>
             <a:ext uri="{AF507438-7753-43e0-B8FC-AC1667EBCBE1}">
-              <a14:hiddenEffects xmlns="" xmlns:a14="http://schemas.microsoft.com/office/drawing/2010/main">
+              <a14:hiddenEffects xmlns:a14="http://schemas.microsoft.com/office/drawing/2010/main" xmlns="">
                 <a:effectLst>
                   <a:outerShdw dist="35921" dir="2700000" algn="ctr" rotWithShape="0">
                     <a:schemeClr val="bg2"/>
@@ -343,14 +347,14 @@
           <a:effectLst/>
           <a:extLst>
             <a:ext uri="{909E8E84-426E-40dd-AFC4-6F175D3DCCD1}">
-              <a14:hiddenFill xmlns="" xmlns:a14="http://schemas.microsoft.com/office/drawing/2010/main">
+              <a14:hiddenFill xmlns:a14="http://schemas.microsoft.com/office/drawing/2010/main" xmlns="">
                 <a:solidFill>
                   <a:schemeClr val="bg1"/>
                 </a:solidFill>
               </a14:hiddenFill>
             </a:ext>
             <a:ext uri="{91240B29-F687-4f45-9708-019B960494DF}">
-              <a14:hiddenLine xmlns="" xmlns:a14="http://schemas.microsoft.com/office/drawing/2010/main" w="12700">
+              <a14:hiddenLine xmlns:a14="http://schemas.microsoft.com/office/drawing/2010/main" xmlns="" w="12700">
                 <a:pattFill prst="narHorz">
                   <a:fgClr>
                     <a:schemeClr val="tx1"/>
@@ -365,7 +369,7 @@
               </a14:hiddenLine>
             </a:ext>
             <a:ext uri="{AF507438-7753-43e0-B8FC-AC1667EBCBE1}">
-              <a14:hiddenEffects xmlns="" xmlns:a14="http://schemas.microsoft.com/office/drawing/2010/main">
+              <a14:hiddenEffects xmlns:a14="http://schemas.microsoft.com/office/drawing/2010/main" xmlns="">
                 <a:effectLst>
                   <a:outerShdw dist="35921" dir="2700000" algn="ctr" rotWithShape="0">
                     <a:schemeClr val="bg2"/>
@@ -433,17 +437,17 @@
           <a:effectLst/>
           <a:extLst>
             <a:ext uri="{FAA26D3D-D897-4be2-8F04-BA451C77F1D7}">
-              <ma14:placeholderFlag xmlns="" xmlns:ma14="http://schemas.microsoft.com/office/mac/drawingml/2011/main" val="1"/>
+              <ma14:placeholderFlag xmlns:ma14="http://schemas.microsoft.com/office/mac/drawingml/2011/main" xmlns="" val="1"/>
             </a:ext>
             <a:ext uri="{909E8E84-426E-40dd-AFC4-6F175D3DCCD1}">
-              <a14:hiddenFill xmlns="" xmlns:a14="http://schemas.microsoft.com/office/drawing/2010/main">
+              <a14:hiddenFill xmlns:a14="http://schemas.microsoft.com/office/drawing/2010/main" xmlns="">
                 <a:solidFill>
                   <a:srgbClr val="FFFFFF"/>
                 </a:solidFill>
               </a14:hiddenFill>
             </a:ext>
             <a:ext uri="{AF507438-7753-43e0-B8FC-AC1667EBCBE1}">
-              <a14:hiddenEffects xmlns="" xmlns:a14="http://schemas.microsoft.com/office/drawing/2010/main">
+              <a14:hiddenEffects xmlns:a14="http://schemas.microsoft.com/office/drawing/2010/main" xmlns="">
                 <a:effectLst>
                   <a:outerShdw blurRad="63500" dist="38099" dir="2700000" algn="ctr" rotWithShape="0">
                     <a:srgbClr val="000000">
@@ -454,7 +458,7 @@
               </a14:hiddenEffects>
             </a:ext>
             <a:ext uri="{53640926-AAD7-44d8-BBD7-CCE9431645EC}">
-              <a14:shadowObscured xmlns="" xmlns:a14="http://schemas.microsoft.com/office/drawing/2010/main" val="1"/>
+              <a14:shadowObscured xmlns:a14="http://schemas.microsoft.com/office/drawing/2010/main" xmlns="" val="1"/>
             </a:ext>
           </a:extLst>
         </p:spPr>
@@ -484,14 +488,14 @@
           <a:effectLst/>
           <a:extLst>
             <a:ext uri="{909E8E84-426E-40dd-AFC4-6F175D3DCCD1}">
-              <a14:hiddenFill xmlns="" xmlns:a14="http://schemas.microsoft.com/office/drawing/2010/main">
+              <a14:hiddenFill xmlns:a14="http://schemas.microsoft.com/office/drawing/2010/main" xmlns="">
                 <a:solidFill>
                   <a:schemeClr val="bg1"/>
                 </a:solidFill>
               </a14:hiddenFill>
             </a:ext>
             <a:ext uri="{91240B29-F687-4f45-9708-019B960494DF}">
-              <a14:hiddenLine xmlns="" xmlns:a14="http://schemas.microsoft.com/office/drawing/2010/main" w="12700">
+              <a14:hiddenLine xmlns:a14="http://schemas.microsoft.com/office/drawing/2010/main" xmlns="" w="12700">
                 <a:pattFill prst="narHorz">
                   <a:fgClr>
                     <a:schemeClr val="tx1"/>
@@ -506,7 +510,7 @@
               </a14:hiddenLine>
             </a:ext>
             <a:ext uri="{AF507438-7753-43e0-B8FC-AC1667EBCBE1}">
-              <a14:hiddenEffects xmlns="" xmlns:a14="http://schemas.microsoft.com/office/drawing/2010/main">
+              <a14:hiddenEffects xmlns:a14="http://schemas.microsoft.com/office/drawing/2010/main" xmlns="">
                 <a:effectLst>
                   <a:outerShdw dist="35921" dir="2700000" algn="ctr" rotWithShape="0">
                     <a:schemeClr val="bg2"/>
@@ -756,10 +760,10 @@
         <p:spPr>
           <a:extLst>
             <a:ext uri="{FAA26D3D-D897-4be2-8F04-BA451C77F1D7}">
-              <ma14:placeholderFlag xmlns="" xmlns:ma14="http://schemas.microsoft.com/office/mac/drawingml/2011/main" val="1"/>
+              <ma14:placeholderFlag xmlns:ma14="http://schemas.microsoft.com/office/mac/drawingml/2011/main" xmlns="" val="1"/>
             </a:ext>
             <a:ext uri="{AF507438-7753-43e0-B8FC-AC1667EBCBE1}">
-              <a14:hiddenEffects xmlns="" xmlns:a14="http://schemas.microsoft.com/office/drawing/2010/main">
+              <a14:hiddenEffects xmlns:a14="http://schemas.microsoft.com/office/drawing/2010/main" xmlns="">
                 <a:effectLst>
                   <a:outerShdw blurRad="63500" dist="38099" dir="2700000" algn="ctr" rotWithShape="0">
                     <a:schemeClr val="bg2">
@@ -786,6 +790,238 @@
         </p:txBody>
       </p:sp>
     </p:spTree>
+  </p:cSld>
+  <p:clrMapOvr>
+    <a:masterClrMapping/>
+  </p:clrMapOvr>
+</p:notes>
+</file>
+
+<file path=ppt/notesSlides/notesSlide2.xml><?xml version="1.0" encoding="utf-8"?>
+<p:notes xmlns:a="http://schemas.openxmlformats.org/drawingml/2006/main" xmlns:r="http://schemas.openxmlformats.org/officeDocument/2006/relationships" xmlns:p="http://schemas.openxmlformats.org/presentationml/2006/main">
+  <p:cSld>
+    <p:spTree>
+      <p:nvGrpSpPr>
+        <p:cNvPr id="1" name=""/>
+        <p:cNvGrpSpPr/>
+        <p:nvPr/>
+      </p:nvGrpSpPr>
+      <p:grpSpPr>
+        <a:xfrm>
+          <a:off x="0" y="0"/>
+          <a:ext cx="0" cy="0"/>
+          <a:chOff x="0" y="0"/>
+          <a:chExt cx="0" cy="0"/>
+        </a:xfrm>
+      </p:grpSpPr>
+      <p:sp>
+        <p:nvSpPr>
+          <p:cNvPr id="2" name="Slide Image Placeholder 1"/>
+          <p:cNvSpPr>
+            <a:spLocks noGrp="1" noRot="1" noChangeAspect="1"/>
+          </p:cNvSpPr>
+          <p:nvPr>
+            <p:ph type="sldImg"/>
+          </p:nvPr>
+        </p:nvSpPr>
+        <p:spPr/>
+      </p:sp>
+      <p:sp>
+        <p:nvSpPr>
+          <p:cNvPr id="3" name="Notes Placeholder 2"/>
+          <p:cNvSpPr>
+            <a:spLocks noGrp="1"/>
+          </p:cNvSpPr>
+          <p:nvPr>
+            <p:ph type="body" idx="1"/>
+          </p:nvPr>
+        </p:nvSpPr>
+        <p:spPr/>
+        <p:txBody>
+          <a:bodyPr/>
+          <a:lstStyle/>
+          <a:p>
+            <a:endParaRPr lang="en-GB" dirty="0"/>
+          </a:p>
+          <a:p>
+            <a:r>
+              <a:rPr lang="en-GB" dirty="0"/>
+              <a:t>The virtual page number is 3 with a page offset of 0x374. Looking up page table entry for virtual page 3, we see that the page is resident in memory (i.e. valid bit = 1) and lives in physical page 2, so the corresponding physical address is (2&lt;</a:t>
+            </a:r>
+            <a:endParaRPr lang="en-SE" dirty="0"/>
+          </a:p>
+          <a:p>
+            <a:endParaRPr lang="en-SE" dirty="0"/>
+          </a:p>
+        </p:txBody>
+      </p:sp>
+    </p:spTree>
+    <p:extLst>
+      <p:ext uri="{BB962C8B-B14F-4D97-AF65-F5344CB8AC3E}">
+        <p14:creationId xmlns:p14="http://schemas.microsoft.com/office/powerpoint/2010/main" val="1088164654"/>
+      </p:ext>
+    </p:extLst>
+  </p:cSld>
+  <p:clrMapOvr>
+    <a:masterClrMapping/>
+  </p:clrMapOvr>
+</p:notes>
+</file>
+
+<file path=ppt/notesSlides/notesSlide3.xml><?xml version="1.0" encoding="utf-8"?>
+<p:notes xmlns:a="http://schemas.openxmlformats.org/drawingml/2006/main" xmlns:r="http://schemas.openxmlformats.org/officeDocument/2006/relationships" xmlns:p="http://schemas.openxmlformats.org/presentationml/2006/main">
+  <p:cSld>
+    <p:spTree>
+      <p:nvGrpSpPr>
+        <p:cNvPr id="1" name=""/>
+        <p:cNvGrpSpPr/>
+        <p:nvPr/>
+      </p:nvGrpSpPr>
+      <p:grpSpPr>
+        <a:xfrm>
+          <a:off x="0" y="0"/>
+          <a:ext cx="0" cy="0"/>
+          <a:chOff x="0" y="0"/>
+          <a:chExt cx="0" cy="0"/>
+        </a:xfrm>
+      </p:grpSpPr>
+      <p:sp>
+        <p:nvSpPr>
+          <p:cNvPr id="2" name="Slide Image Placeholder 1"/>
+          <p:cNvSpPr>
+            <a:spLocks noGrp="1" noRot="1" noChangeAspect="1"/>
+          </p:cNvSpPr>
+          <p:nvPr>
+            <p:ph type="sldImg"/>
+          </p:nvPr>
+        </p:nvSpPr>
+        <p:spPr/>
+      </p:sp>
+      <p:sp>
+        <p:nvSpPr>
+          <p:cNvPr id="3" name="Notes Placeholder 2"/>
+          <p:cNvSpPr>
+            <a:spLocks noGrp="1"/>
+          </p:cNvSpPr>
+          <p:nvPr>
+            <p:ph type="body" idx="1"/>
+          </p:nvPr>
+        </p:nvSpPr>
+        <p:spPr/>
+        <p:txBody>
+          <a:bodyPr/>
+          <a:lstStyle/>
+          <a:p>
+            <a:pPr algn="l">
+              <a:buNone/>
+            </a:pPr>
+            <a:r>
+              <a:rPr lang="en-GB" b="0" i="0" dirty="0">
+                <a:effectLst/>
+                <a:latin typeface="var(--font-fk-grotesk)"/>
+              </a:rPr>
+              <a:t>Calculate the Number of Bits Used for Indexing Each Level</a:t>
+            </a:r>
+          </a:p>
+          <a:p>
+            <a:pPr algn="l"/>
+            <a:r>
+              <a:rPr lang="en-GB" b="0" i="0" dirty="0">
+                <a:effectLst/>
+                <a:latin typeface="KaTeX_Main"/>
+              </a:rPr>
+              <a:t>2048=2112048=211</a:t>
+            </a:r>
+            <a:r>
+              <a:rPr lang="en-GB" b="0" i="0" dirty="0">
+                <a:effectLst/>
+                <a:latin typeface="fkGroteskNeue"/>
+              </a:rPr>
+              <a:t>So, each page table index uses 11 bits.</a:t>
+            </a:r>
+          </a:p>
+          <a:p>
+            <a:endParaRPr lang="en-SE" dirty="0"/>
+          </a:p>
+        </p:txBody>
+      </p:sp>
+    </p:spTree>
+    <p:extLst>
+      <p:ext uri="{BB962C8B-B14F-4D97-AF65-F5344CB8AC3E}">
+        <p14:creationId xmlns:p14="http://schemas.microsoft.com/office/powerpoint/2010/main" val="4089104631"/>
+      </p:ext>
+    </p:extLst>
+  </p:cSld>
+  <p:clrMapOvr>
+    <a:masterClrMapping/>
+  </p:clrMapOvr>
+</p:notes>
+</file>
+
+<file path=ppt/notesSlides/notesSlide4.xml><?xml version="1.0" encoding="utf-8"?>
+<p:notes xmlns:a="http://schemas.openxmlformats.org/drawingml/2006/main" xmlns:r="http://schemas.openxmlformats.org/officeDocument/2006/relationships" xmlns:p="http://schemas.openxmlformats.org/presentationml/2006/main">
+  <p:cSld>
+    <p:spTree>
+      <p:nvGrpSpPr>
+        <p:cNvPr id="1" name=""/>
+        <p:cNvGrpSpPr/>
+        <p:nvPr/>
+      </p:nvGrpSpPr>
+      <p:grpSpPr>
+        <a:xfrm>
+          <a:off x="0" y="0"/>
+          <a:ext cx="0" cy="0"/>
+          <a:chOff x="0" y="0"/>
+          <a:chExt cx="0" cy="0"/>
+        </a:xfrm>
+      </p:grpSpPr>
+      <p:sp>
+        <p:nvSpPr>
+          <p:cNvPr id="2" name="Slide Image Placeholder 1"/>
+          <p:cNvSpPr>
+            <a:spLocks noGrp="1" noRot="1" noChangeAspect="1"/>
+          </p:cNvSpPr>
+          <p:nvPr>
+            <p:ph type="sldImg"/>
+          </p:nvPr>
+        </p:nvSpPr>
+        <p:spPr/>
+      </p:sp>
+      <p:sp>
+        <p:nvSpPr>
+          <p:cNvPr id="3" name="Notes Placeholder 2"/>
+          <p:cNvSpPr>
+            <a:spLocks noGrp="1"/>
+          </p:cNvSpPr>
+          <p:nvPr>
+            <p:ph type="body" idx="1"/>
+          </p:nvPr>
+        </p:nvSpPr>
+        <p:spPr/>
+        <p:txBody>
+          <a:bodyPr/>
+          <a:lstStyle/>
+          <a:p>
+            <a:r>
+              <a:rPr lang="en-GB" dirty="0"/>
+              <a:t>a Resident</a:t>
+            </a:r>
+          </a:p>
+          <a:p>
+            <a:r>
+              <a:rPr lang="en-GB" dirty="0"/>
+              <a:t>Set Size (RSS) of 512MB and a </a:t>
+            </a:r>
+            <a:endParaRPr lang="en-SE" dirty="0"/>
+          </a:p>
+        </p:txBody>
+      </p:sp>
+    </p:spTree>
+    <p:extLst>
+      <p:ext uri="{BB962C8B-B14F-4D97-AF65-F5344CB8AC3E}">
+        <p14:creationId xmlns:p14="http://schemas.microsoft.com/office/powerpoint/2010/main" val="3362084532"/>
+      </p:ext>
+    </p:extLst>
   </p:cSld>
   <p:clrMapOvr>
     <a:masterClrMapping/>
@@ -2688,17 +2924,17 @@
           <a:effectLst/>
           <a:extLst>
             <a:ext uri="{FAA26D3D-D897-4be2-8F04-BA451C77F1D7}">
-              <ma14:placeholderFlag xmlns="" xmlns:ma14="http://schemas.microsoft.com/office/mac/drawingml/2011/main" val="1"/>
+              <ma14:placeholderFlag xmlns:ma14="http://schemas.microsoft.com/office/mac/drawingml/2011/main" xmlns="" val="1"/>
             </a:ext>
             <a:ext uri="{909E8E84-426E-40dd-AFC4-6F175D3DCCD1}">
-              <a14:hiddenFill xmlns="" xmlns:a14="http://schemas.microsoft.com/office/drawing/2010/main">
+              <a14:hiddenFill xmlns:a14="http://schemas.microsoft.com/office/drawing/2010/main" xmlns="">
                 <a:solidFill>
                   <a:schemeClr val="bg1"/>
                 </a:solidFill>
               </a14:hiddenFill>
             </a:ext>
             <a:ext uri="{91240B29-F687-4f45-9708-019B960494DF}">
-              <a14:hiddenLine xmlns="" xmlns:a14="http://schemas.microsoft.com/office/drawing/2010/main" w="12700">
+              <a14:hiddenLine xmlns:a14="http://schemas.microsoft.com/office/drawing/2010/main" xmlns="" w="12700">
                 <a:pattFill prst="narHorz">
                   <a:fgClr>
                     <a:schemeClr val="tx1"/>
@@ -2713,7 +2949,7 @@
               </a14:hiddenLine>
             </a:ext>
             <a:ext uri="{AF507438-7753-43e0-B8FC-AC1667EBCBE1}">
-              <a14:hiddenEffects xmlns="" xmlns:a14="http://schemas.microsoft.com/office/drawing/2010/main">
+              <a14:hiddenEffects xmlns:a14="http://schemas.microsoft.com/office/drawing/2010/main" xmlns="">
                 <a:effectLst>
                   <a:outerShdw blurRad="63500" dist="38099" dir="2700000" algn="ctr" rotWithShape="0">
                     <a:schemeClr val="bg2">
@@ -2766,17 +3002,17 @@
           <a:effectLst/>
           <a:extLst>
             <a:ext uri="{FAA26D3D-D897-4be2-8F04-BA451C77F1D7}">
-              <ma14:placeholderFlag xmlns="" xmlns:ma14="http://schemas.microsoft.com/office/mac/drawingml/2011/main" val="1"/>
+              <ma14:placeholderFlag xmlns:ma14="http://schemas.microsoft.com/office/mac/drawingml/2011/main" xmlns="" val="1"/>
             </a:ext>
             <a:ext uri="{909E8E84-426E-40dd-AFC4-6F175D3DCCD1}">
-              <a14:hiddenFill xmlns="" xmlns:a14="http://schemas.microsoft.com/office/drawing/2010/main">
+              <a14:hiddenFill xmlns:a14="http://schemas.microsoft.com/office/drawing/2010/main" xmlns="">
                 <a:solidFill>
                   <a:schemeClr val="bg1"/>
                 </a:solidFill>
               </a14:hiddenFill>
             </a:ext>
             <a:ext uri="{91240B29-F687-4f45-9708-019B960494DF}">
-              <a14:hiddenLine xmlns="" xmlns:a14="http://schemas.microsoft.com/office/drawing/2010/main" w="12700">
+              <a14:hiddenLine xmlns:a14="http://schemas.microsoft.com/office/drawing/2010/main" xmlns="" w="12700">
                 <a:pattFill prst="narHorz">
                   <a:fgClr>
                     <a:schemeClr val="tx1"/>
@@ -2791,7 +3027,7 @@
               </a14:hiddenLine>
             </a:ext>
             <a:ext uri="{AF507438-7753-43e0-B8FC-AC1667EBCBE1}">
-              <a14:hiddenEffects xmlns="" xmlns:a14="http://schemas.microsoft.com/office/drawing/2010/main">
+              <a14:hiddenEffects xmlns:a14="http://schemas.microsoft.com/office/drawing/2010/main" xmlns="">
                 <a:effectLst>
                   <a:outerShdw blurRad="63500" dist="38099" dir="2700000" algn="ctr" rotWithShape="0">
                     <a:schemeClr val="bg2">
@@ -2875,12 +3111,12 @@
           <a:effectLst/>
           <a:extLst>
             <a:ext uri="{909E8E84-426E-40dd-AFC4-6F175D3DCCD1}">
-              <a14:hiddenFill xmlns="" xmlns:a14="http://schemas.microsoft.com/office/drawing/2010/main">
+              <a14:hiddenFill xmlns:a14="http://schemas.microsoft.com/office/drawing/2010/main" xmlns="">
                 <a:noFill/>
               </a14:hiddenFill>
             </a:ext>
             <a:ext uri="{AF507438-7753-43e0-B8FC-AC1667EBCBE1}">
-              <a14:hiddenEffects xmlns="" xmlns:a14="http://schemas.microsoft.com/office/drawing/2010/main">
+              <a14:hiddenEffects xmlns:a14="http://schemas.microsoft.com/office/drawing/2010/main" xmlns="">
                 <a:effectLst>
                   <a:outerShdw blurRad="63500" dist="38099" dir="2700000" algn="ctr" rotWithShape="0">
                     <a:schemeClr val="bg2">
@@ -3508,6 +3744,1602 @@
 </p:sld>
 </file>
 
+<file path=ppt/slides/slide10.xml><?xml version="1.0" encoding="utf-8"?>
+<p:sld xmlns:a="http://schemas.openxmlformats.org/drawingml/2006/main" xmlns:r="http://schemas.openxmlformats.org/officeDocument/2006/relationships" xmlns:p="http://schemas.openxmlformats.org/presentationml/2006/main">
+  <p:cSld>
+    <p:spTree>
+      <p:nvGrpSpPr>
+        <p:cNvPr id="1" name=""/>
+        <p:cNvGrpSpPr/>
+        <p:nvPr/>
+      </p:nvGrpSpPr>
+      <p:grpSpPr>
+        <a:xfrm>
+          <a:off x="0" y="0"/>
+          <a:ext cx="0" cy="0"/>
+          <a:chOff x="0" y="0"/>
+          <a:chExt cx="0" cy="0"/>
+        </a:xfrm>
+      </p:grpSpPr>
+      <p:sp>
+        <p:nvSpPr>
+          <p:cNvPr id="2" name="Title 1">
+            <a:extLst>
+              <a:ext uri="{FF2B5EF4-FFF2-40B4-BE49-F238E27FC236}">
+                <a16:creationId xmlns:a16="http://schemas.microsoft.com/office/drawing/2014/main" id="{E2040ADB-EBE7-E82F-8CD1-A5054D27B0B1}"/>
+              </a:ext>
+            </a:extLst>
+          </p:cNvPr>
+          <p:cNvSpPr>
+            <a:spLocks noGrp="1"/>
+          </p:cNvSpPr>
+          <p:nvPr>
+            <p:ph type="title"/>
+          </p:nvPr>
+        </p:nvSpPr>
+        <p:spPr/>
+        <p:txBody>
+          <a:bodyPr/>
+          <a:lstStyle/>
+          <a:p>
+            <a:r>
+              <a:rPr lang="en-GB" dirty="0"/>
+              <a:t>Q. Paging</a:t>
+            </a:r>
+            <a:endParaRPr lang="en-SE" dirty="0"/>
+          </a:p>
+        </p:txBody>
+      </p:sp>
+      <p:sp>
+        <p:nvSpPr>
+          <p:cNvPr id="3" name="Content Placeholder 2">
+            <a:extLst>
+              <a:ext uri="{FF2B5EF4-FFF2-40B4-BE49-F238E27FC236}">
+                <a16:creationId xmlns:a16="http://schemas.microsoft.com/office/drawing/2014/main" id="{D3BE78A0-C270-B2BE-AFD5-0413FF0CE105}"/>
+              </a:ext>
+            </a:extLst>
+          </p:cNvPr>
+          <p:cNvSpPr>
+            <a:spLocks noGrp="1"/>
+          </p:cNvSpPr>
+          <p:nvPr>
+            <p:ph idx="1"/>
+          </p:nvPr>
+        </p:nvSpPr>
+        <p:spPr/>
+        <p:txBody>
+          <a:bodyPr>
+            <a:normAutofit fontScale="92500" lnSpcReduction="20000"/>
+          </a:bodyPr>
+          <a:lstStyle/>
+          <a:p>
+            <a:r>
+              <a:rPr lang="en-GB" dirty="0"/>
+              <a:t>Consider 46-bit virtual address space. Consider a machine with physical memory size 8 GB, page size of 8 KB, and a page table entry size of 4 bytes. How many levels of page tables are required if each page table fits into a single page? </a:t>
+            </a:r>
+          </a:p>
+          <a:p>
+            <a:r>
+              <a:rPr lang="en-GB" dirty="0"/>
+              <a:t>ANS: </a:t>
+            </a:r>
+            <a:r>
+              <a:rPr lang="en-US" altLang="zh-CN" dirty="0"/>
+              <a:t>P</a:t>
+            </a:r>
+            <a:r>
+              <a:rPr lang="en-GB" dirty="0"/>
+              <a:t>age size is 8 KB = 2^13, hence offset is 13 bits. 46-bit virtual address space, hence bits used for VPN indexing is 46-13=33 bits. If we use a one-level page table, then the page table has 2^33 entries, too large to fit within a page.</a:t>
+            </a:r>
+            <a:endParaRPr lang="en-US" altLang="zh-CN" dirty="0"/>
+          </a:p>
+          <a:p>
+            <a:r>
+              <a:rPr lang="en-GB" dirty="0"/>
+              <a:t>Since each PTE is 4 bytes, a page table (that fits within one page of 8 KB) contains at most 8 KB/4 B = 2 KB or 2^11 PTEs, that is, the page table at each level has at most 2^11 rows, so the VPN at each level has at most 11 bits. </a:t>
+            </a:r>
+            <a:r>
+              <a:rPr lang="en-GB" b="0" i="0" dirty="0">
+                <a:effectLst/>
+                <a:latin typeface="KaTeX_Main"/>
+              </a:rPr>
+              <a:t>Number of levels=ceil(33/11)</a:t>
+            </a:r>
+            <a:r>
+              <a:rPr lang="en-GB" b="0" i="0" dirty="0">
+                <a:effectLst/>
+                <a:latin typeface="KaTeX_Size3"/>
+              </a:rPr>
+              <a:t> </a:t>
+            </a:r>
+            <a:r>
+              <a:rPr lang="en-GB" b="0" i="0" dirty="0">
+                <a:effectLst/>
+                <a:latin typeface="KaTeX_Main"/>
+              </a:rPr>
+              <a:t>= 3.</a:t>
+            </a:r>
+          </a:p>
+          <a:p>
+            <a:r>
+              <a:rPr lang="en-GB" dirty="0"/>
+              <a:t>Breakdown of the 46-bit Virtual Address:</a:t>
+            </a:r>
+          </a:p>
+          <a:p>
+            <a:pPr lvl="1"/>
+            <a:r>
+              <a:rPr lang="en-GB" dirty="0"/>
+              <a:t>13 bits: Offset within page</a:t>
+            </a:r>
+          </a:p>
+          <a:p>
+            <a:pPr lvl="1"/>
+            <a:r>
+              <a:rPr lang="en-GB" dirty="0"/>
+              <a:t>11 bits: Level 1 page table index</a:t>
+            </a:r>
+          </a:p>
+          <a:p>
+            <a:pPr lvl="1"/>
+            <a:r>
+              <a:rPr lang="en-GB" dirty="0"/>
+              <a:t>11 bits: Level 2 page table index</a:t>
+            </a:r>
+          </a:p>
+          <a:p>
+            <a:pPr lvl="1"/>
+            <a:r>
+              <a:rPr lang="en-GB" dirty="0"/>
+              <a:t>11 bits: Level 3 page table index</a:t>
+            </a:r>
+          </a:p>
+          <a:p>
+            <a:r>
+              <a:rPr lang="en-GB" dirty="0"/>
+              <a:t>Summary: 3 levels of page tables are required to map a 46-bit virtual address space with the given parameters, because each level can index 2048 entries (11 bits), and 33 bits are needed for indexing (46 total bits minus 13 offset bits).</a:t>
+            </a:r>
+          </a:p>
+        </p:txBody>
+      </p:sp>
+      <p:graphicFrame>
+        <p:nvGraphicFramePr>
+          <p:cNvPr id="4" name="Content Placeholder 3">
+            <a:extLst>
+              <a:ext uri="{FF2B5EF4-FFF2-40B4-BE49-F238E27FC236}">
+                <a16:creationId xmlns:a16="http://schemas.microsoft.com/office/drawing/2014/main" id="{4DB25DE7-CC9A-7542-713E-FD197B6764E7}"/>
+              </a:ext>
+            </a:extLst>
+          </p:cNvPr>
+          <p:cNvGraphicFramePr>
+            <a:graphicFrameLocks/>
+          </p:cNvGraphicFramePr>
+          <p:nvPr/>
+        </p:nvGraphicFramePr>
+        <p:xfrm>
+          <a:off x="1066800" y="5882640"/>
+          <a:ext cx="10566400" cy="365760"/>
+        </p:xfrm>
+        <a:graphic>
+          <a:graphicData uri="http://schemas.openxmlformats.org/drawingml/2006/table">
+            <a:tbl>
+              <a:tblPr firstRow="1" bandRow="1">
+                <a:tableStyleId>{5940675A-B579-460E-94D1-54222C63F5DA}</a:tableStyleId>
+              </a:tblPr>
+              <a:tblGrid>
+                <a:gridCol w="2641600">
+                  <a:extLst>
+                    <a:ext uri="{9D8B030D-6E8A-4147-A177-3AD203B41FA5}">
+                      <a16:colId xmlns:a16="http://schemas.microsoft.com/office/drawing/2014/main" val="3187196695"/>
+                    </a:ext>
+                  </a:extLst>
+                </a:gridCol>
+                <a:gridCol w="2641600">
+                  <a:extLst>
+                    <a:ext uri="{9D8B030D-6E8A-4147-A177-3AD203B41FA5}">
+                      <a16:colId xmlns:a16="http://schemas.microsoft.com/office/drawing/2014/main" val="537151118"/>
+                    </a:ext>
+                  </a:extLst>
+                </a:gridCol>
+                <a:gridCol w="2641600">
+                  <a:extLst>
+                    <a:ext uri="{9D8B030D-6E8A-4147-A177-3AD203B41FA5}">
+                      <a16:colId xmlns:a16="http://schemas.microsoft.com/office/drawing/2014/main" val="2444852966"/>
+                    </a:ext>
+                  </a:extLst>
+                </a:gridCol>
+                <a:gridCol w="2641600">
+                  <a:extLst>
+                    <a:ext uri="{9D8B030D-6E8A-4147-A177-3AD203B41FA5}">
+                      <a16:colId xmlns:a16="http://schemas.microsoft.com/office/drawing/2014/main" val="1643843860"/>
+                    </a:ext>
+                  </a:extLst>
+                </a:gridCol>
+              </a:tblGrid>
+              <a:tr h="304800">
+                <a:tc>
+                  <a:txBody>
+                    <a:bodyPr/>
+                    <a:lstStyle/>
+                    <a:p>
+                      <a:pPr algn="ctr"/>
+                      <a:r>
+                        <a:rPr lang="en-GB" dirty="0">
+                          <a:latin typeface="Arial" panose="020B0604020202020204" pitchFamily="34" charset="0"/>
+                          <a:cs typeface="Arial" panose="020B0604020202020204" pitchFamily="34" charset="0"/>
+                        </a:rPr>
+                        <a:t>L3 PT index: 11 bits</a:t>
+                      </a:r>
+                      <a:endParaRPr lang="en-SE" dirty="0">
+                        <a:latin typeface="Arial" panose="020B0604020202020204" pitchFamily="34" charset="0"/>
+                        <a:cs typeface="Arial" panose="020B0604020202020204" pitchFamily="34" charset="0"/>
+                      </a:endParaRPr>
+                    </a:p>
+                  </a:txBody>
+                  <a:tcPr/>
+                </a:tc>
+                <a:tc>
+                  <a:txBody>
+                    <a:bodyPr/>
+                    <a:lstStyle/>
+                    <a:p>
+                      <a:pPr algn="ctr"/>
+                      <a:r>
+                        <a:rPr lang="en-GB" dirty="0">
+                          <a:latin typeface="Arial" panose="020B0604020202020204" pitchFamily="34" charset="0"/>
+                          <a:cs typeface="Arial" panose="020B0604020202020204" pitchFamily="34" charset="0"/>
+                        </a:rPr>
+                        <a:t>L2 PT index: 11 bits</a:t>
+                      </a:r>
+                      <a:endParaRPr lang="en-SE" dirty="0">
+                        <a:latin typeface="Arial" panose="020B0604020202020204" pitchFamily="34" charset="0"/>
+                        <a:cs typeface="Arial" panose="020B0604020202020204" pitchFamily="34" charset="0"/>
+                      </a:endParaRPr>
+                    </a:p>
+                  </a:txBody>
+                  <a:tcPr/>
+                </a:tc>
+                <a:tc>
+                  <a:txBody>
+                    <a:bodyPr/>
+                    <a:lstStyle/>
+                    <a:p>
+                      <a:pPr algn="ctr"/>
+                      <a:r>
+                        <a:rPr lang="en-GB" dirty="0">
+                          <a:latin typeface="Arial" panose="020B0604020202020204" pitchFamily="34" charset="0"/>
+                          <a:cs typeface="Arial" panose="020B0604020202020204" pitchFamily="34" charset="0"/>
+                        </a:rPr>
+                        <a:t>L1 PT index: 11 bits</a:t>
+                      </a:r>
+                      <a:endParaRPr lang="en-SE" dirty="0">
+                        <a:latin typeface="Arial" panose="020B0604020202020204" pitchFamily="34" charset="0"/>
+                        <a:cs typeface="Arial" panose="020B0604020202020204" pitchFamily="34" charset="0"/>
+                      </a:endParaRPr>
+                    </a:p>
+                  </a:txBody>
+                  <a:tcPr/>
+                </a:tc>
+                <a:tc>
+                  <a:txBody>
+                    <a:bodyPr/>
+                    <a:lstStyle/>
+                    <a:p>
+                      <a:pPr algn="ctr"/>
+                      <a:r>
+                        <a:rPr lang="en-GB" dirty="0">
+                          <a:latin typeface="Arial" panose="020B0604020202020204" pitchFamily="34" charset="0"/>
+                          <a:cs typeface="Arial" panose="020B0604020202020204" pitchFamily="34" charset="0"/>
+                        </a:rPr>
+                        <a:t>Offset:13 bits</a:t>
+                      </a:r>
+                      <a:endParaRPr lang="en-SE" dirty="0">
+                        <a:latin typeface="Arial" panose="020B0604020202020204" pitchFamily="34" charset="0"/>
+                        <a:cs typeface="Arial" panose="020B0604020202020204" pitchFamily="34" charset="0"/>
+                      </a:endParaRPr>
+                    </a:p>
+                  </a:txBody>
+                  <a:tcPr/>
+                </a:tc>
+                <a:extLst>
+                  <a:ext uri="{0D108BD9-81ED-4DB2-BD59-A6C34878D82A}">
+                    <a16:rowId xmlns:a16="http://schemas.microsoft.com/office/drawing/2014/main" val="4120144522"/>
+                  </a:ext>
+                </a:extLst>
+              </a:tr>
+            </a:tbl>
+          </a:graphicData>
+        </a:graphic>
+      </p:graphicFrame>
+    </p:spTree>
+    <p:extLst>
+      <p:ext uri="{BB962C8B-B14F-4D97-AF65-F5344CB8AC3E}">
+        <p14:creationId xmlns:p14="http://schemas.microsoft.com/office/powerpoint/2010/main" val="1420577762"/>
+      </p:ext>
+    </p:extLst>
+  </p:cSld>
+  <p:clrMapOvr>
+    <a:masterClrMapping/>
+  </p:clrMapOvr>
+  <p:transition/>
+  <p:timing>
+    <p:tnLst>
+      <p:par>
+        <p:cTn id="1" dur="indefinite" restart="never" nodeType="tmRoot">
+          <p:childTnLst>
+            <p:seq concurrent="1" nextAc="seek">
+              <p:cTn id="2" dur="indefinite" nodeType="mainSeq">
+                <p:childTnLst>
+                  <p:par>
+                    <p:cTn id="3" fill="hold">
+                      <p:stCondLst>
+                        <p:cond delay="indefinite"/>
+                      </p:stCondLst>
+                      <p:childTnLst>
+                        <p:par>
+                          <p:cTn id="4" fill="hold">
+                            <p:stCondLst>
+                              <p:cond delay="0"/>
+                            </p:stCondLst>
+                            <p:childTnLst>
+                              <p:par>
+                                <p:cTn id="5" presetID="1" presetClass="entr" presetSubtype="0" fill="hold" nodeType="clickEffect">
+                                  <p:stCondLst>
+                                    <p:cond delay="0"/>
+                                  </p:stCondLst>
+                                  <p:childTnLst>
+                                    <p:set>
+                                      <p:cBhvr>
+                                        <p:cTn id="6" dur="1" fill="hold">
+                                          <p:stCondLst>
+                                            <p:cond delay="0"/>
+                                          </p:stCondLst>
+                                        </p:cTn>
+                                        <p:tgtEl>
+                                          <p:spTgt spid="3">
+                                            <p:txEl>
+                                              <p:pRg st="0" end="0"/>
+                                            </p:txEl>
+                                          </p:spTgt>
+                                        </p:tgtEl>
+                                        <p:attrNameLst>
+                                          <p:attrName>style.visibility</p:attrName>
+                                        </p:attrNameLst>
+                                      </p:cBhvr>
+                                      <p:to>
+                                        <p:strVal val="visible"/>
+                                      </p:to>
+                                    </p:set>
+                                  </p:childTnLst>
+                                </p:cTn>
+                              </p:par>
+                              <p:par>
+                                <p:cTn id="7" presetID="1" presetClass="entr" presetSubtype="0" fill="hold" nodeType="withEffect">
+                                  <p:stCondLst>
+                                    <p:cond delay="0"/>
+                                  </p:stCondLst>
+                                  <p:childTnLst>
+                                    <p:set>
+                                      <p:cBhvr>
+                                        <p:cTn id="8" dur="1" fill="hold">
+                                          <p:stCondLst>
+                                            <p:cond delay="0"/>
+                                          </p:stCondLst>
+                                        </p:cTn>
+                                        <p:tgtEl>
+                                          <p:spTgt spid="3">
+                                            <p:txEl>
+                                              <p:pRg st="1" end="1"/>
+                                            </p:txEl>
+                                          </p:spTgt>
+                                        </p:tgtEl>
+                                        <p:attrNameLst>
+                                          <p:attrName>style.visibility</p:attrName>
+                                        </p:attrNameLst>
+                                      </p:cBhvr>
+                                      <p:to>
+                                        <p:strVal val="visible"/>
+                                      </p:to>
+                                    </p:set>
+                                  </p:childTnLst>
+                                </p:cTn>
+                              </p:par>
+                              <p:par>
+                                <p:cTn id="9" presetID="1" presetClass="entr" presetSubtype="0" fill="hold" nodeType="withEffect">
+                                  <p:stCondLst>
+                                    <p:cond delay="0"/>
+                                  </p:stCondLst>
+                                  <p:childTnLst>
+                                    <p:set>
+                                      <p:cBhvr>
+                                        <p:cTn id="10" dur="1" fill="hold">
+                                          <p:stCondLst>
+                                            <p:cond delay="0"/>
+                                          </p:stCondLst>
+                                        </p:cTn>
+                                        <p:tgtEl>
+                                          <p:spTgt spid="3">
+                                            <p:txEl>
+                                              <p:pRg st="2" end="2"/>
+                                            </p:txEl>
+                                          </p:spTgt>
+                                        </p:tgtEl>
+                                        <p:attrNameLst>
+                                          <p:attrName>style.visibility</p:attrName>
+                                        </p:attrNameLst>
+                                      </p:cBhvr>
+                                      <p:to>
+                                        <p:strVal val="visible"/>
+                                      </p:to>
+                                    </p:set>
+                                  </p:childTnLst>
+                                </p:cTn>
+                              </p:par>
+                              <p:par>
+                                <p:cTn id="11" presetID="1" presetClass="entr" presetSubtype="0" fill="hold" nodeType="withEffect">
+                                  <p:stCondLst>
+                                    <p:cond delay="0"/>
+                                  </p:stCondLst>
+                                  <p:childTnLst>
+                                    <p:set>
+                                      <p:cBhvr>
+                                        <p:cTn id="12" dur="1" fill="hold">
+                                          <p:stCondLst>
+                                            <p:cond delay="0"/>
+                                          </p:stCondLst>
+                                        </p:cTn>
+                                        <p:tgtEl>
+                                          <p:spTgt spid="3">
+                                            <p:txEl>
+                                              <p:pRg st="3" end="3"/>
+                                            </p:txEl>
+                                          </p:spTgt>
+                                        </p:tgtEl>
+                                        <p:attrNameLst>
+                                          <p:attrName>style.visibility</p:attrName>
+                                        </p:attrNameLst>
+                                      </p:cBhvr>
+                                      <p:to>
+                                        <p:strVal val="visible"/>
+                                      </p:to>
+                                    </p:set>
+                                  </p:childTnLst>
+                                </p:cTn>
+                              </p:par>
+                              <p:par>
+                                <p:cTn id="13" presetID="1" presetClass="entr" presetSubtype="0" fill="hold" nodeType="withEffect">
+                                  <p:stCondLst>
+                                    <p:cond delay="0"/>
+                                  </p:stCondLst>
+                                  <p:childTnLst>
+                                    <p:set>
+                                      <p:cBhvr>
+                                        <p:cTn id="14" dur="1" fill="hold">
+                                          <p:stCondLst>
+                                            <p:cond delay="0"/>
+                                          </p:stCondLst>
+                                        </p:cTn>
+                                        <p:tgtEl>
+                                          <p:spTgt spid="3">
+                                            <p:txEl>
+                                              <p:pRg st="4" end="4"/>
+                                            </p:txEl>
+                                          </p:spTgt>
+                                        </p:tgtEl>
+                                        <p:attrNameLst>
+                                          <p:attrName>style.visibility</p:attrName>
+                                        </p:attrNameLst>
+                                      </p:cBhvr>
+                                      <p:to>
+                                        <p:strVal val="visible"/>
+                                      </p:to>
+                                    </p:set>
+                                  </p:childTnLst>
+                                </p:cTn>
+                              </p:par>
+                              <p:par>
+                                <p:cTn id="15" presetID="1" presetClass="entr" presetSubtype="0" fill="hold" nodeType="withEffect">
+                                  <p:stCondLst>
+                                    <p:cond delay="0"/>
+                                  </p:stCondLst>
+                                  <p:childTnLst>
+                                    <p:set>
+                                      <p:cBhvr>
+                                        <p:cTn id="16" dur="1" fill="hold">
+                                          <p:stCondLst>
+                                            <p:cond delay="0"/>
+                                          </p:stCondLst>
+                                        </p:cTn>
+                                        <p:tgtEl>
+                                          <p:spTgt spid="3">
+                                            <p:txEl>
+                                              <p:pRg st="5" end="5"/>
+                                            </p:txEl>
+                                          </p:spTgt>
+                                        </p:tgtEl>
+                                        <p:attrNameLst>
+                                          <p:attrName>style.visibility</p:attrName>
+                                        </p:attrNameLst>
+                                      </p:cBhvr>
+                                      <p:to>
+                                        <p:strVal val="visible"/>
+                                      </p:to>
+                                    </p:set>
+                                  </p:childTnLst>
+                                </p:cTn>
+                              </p:par>
+                              <p:par>
+                                <p:cTn id="17" presetID="1" presetClass="entr" presetSubtype="0" fill="hold" nodeType="withEffect">
+                                  <p:stCondLst>
+                                    <p:cond delay="0"/>
+                                  </p:stCondLst>
+                                  <p:childTnLst>
+                                    <p:set>
+                                      <p:cBhvr>
+                                        <p:cTn id="18" dur="1" fill="hold">
+                                          <p:stCondLst>
+                                            <p:cond delay="0"/>
+                                          </p:stCondLst>
+                                        </p:cTn>
+                                        <p:tgtEl>
+                                          <p:spTgt spid="3">
+                                            <p:txEl>
+                                              <p:pRg st="6" end="6"/>
+                                            </p:txEl>
+                                          </p:spTgt>
+                                        </p:tgtEl>
+                                        <p:attrNameLst>
+                                          <p:attrName>style.visibility</p:attrName>
+                                        </p:attrNameLst>
+                                      </p:cBhvr>
+                                      <p:to>
+                                        <p:strVal val="visible"/>
+                                      </p:to>
+                                    </p:set>
+                                  </p:childTnLst>
+                                </p:cTn>
+                              </p:par>
+                              <p:par>
+                                <p:cTn id="19" presetID="1" presetClass="entr" presetSubtype="0" fill="hold" nodeType="withEffect">
+                                  <p:stCondLst>
+                                    <p:cond delay="0"/>
+                                  </p:stCondLst>
+                                  <p:childTnLst>
+                                    <p:set>
+                                      <p:cBhvr>
+                                        <p:cTn id="20" dur="1" fill="hold">
+                                          <p:stCondLst>
+                                            <p:cond delay="0"/>
+                                          </p:stCondLst>
+                                        </p:cTn>
+                                        <p:tgtEl>
+                                          <p:spTgt spid="3">
+                                            <p:txEl>
+                                              <p:pRg st="7" end="7"/>
+                                            </p:txEl>
+                                          </p:spTgt>
+                                        </p:tgtEl>
+                                        <p:attrNameLst>
+                                          <p:attrName>style.visibility</p:attrName>
+                                        </p:attrNameLst>
+                                      </p:cBhvr>
+                                      <p:to>
+                                        <p:strVal val="visible"/>
+                                      </p:to>
+                                    </p:set>
+                                  </p:childTnLst>
+                                </p:cTn>
+                              </p:par>
+                              <p:par>
+                                <p:cTn id="21" presetID="1" presetClass="entr" presetSubtype="0" fill="hold" nodeType="withEffect">
+                                  <p:stCondLst>
+                                    <p:cond delay="0"/>
+                                  </p:stCondLst>
+                                  <p:childTnLst>
+                                    <p:set>
+                                      <p:cBhvr>
+                                        <p:cTn id="22" dur="1" fill="hold">
+                                          <p:stCondLst>
+                                            <p:cond delay="0"/>
+                                          </p:stCondLst>
+                                        </p:cTn>
+                                        <p:tgtEl>
+                                          <p:spTgt spid="3">
+                                            <p:txEl>
+                                              <p:pRg st="8" end="8"/>
+                                            </p:txEl>
+                                          </p:spTgt>
+                                        </p:tgtEl>
+                                        <p:attrNameLst>
+                                          <p:attrName>style.visibility</p:attrName>
+                                        </p:attrNameLst>
+                                      </p:cBhvr>
+                                      <p:to>
+                                        <p:strVal val="visible"/>
+                                      </p:to>
+                                    </p:set>
+                                  </p:childTnLst>
+                                </p:cTn>
+                              </p:par>
+                            </p:childTnLst>
+                          </p:cTn>
+                        </p:par>
+                      </p:childTnLst>
+                    </p:cTn>
+                  </p:par>
+                  <p:par>
+                    <p:cTn id="23" fill="hold">
+                      <p:stCondLst>
+                        <p:cond delay="indefinite"/>
+                      </p:stCondLst>
+                      <p:childTnLst>
+                        <p:par>
+                          <p:cTn id="24" fill="hold">
+                            <p:stCondLst>
+                              <p:cond delay="0"/>
+                            </p:stCondLst>
+                            <p:childTnLst>
+                              <p:par>
+                                <p:cTn id="25" presetID="1" presetClass="entr" presetSubtype="0" fill="hold" nodeType="clickEffect">
+                                  <p:stCondLst>
+                                    <p:cond delay="0"/>
+                                  </p:stCondLst>
+                                  <p:childTnLst>
+                                    <p:set>
+                                      <p:cBhvr>
+                                        <p:cTn id="26" dur="1" fill="hold">
+                                          <p:stCondLst>
+                                            <p:cond delay="0"/>
+                                          </p:stCondLst>
+                                        </p:cTn>
+                                        <p:tgtEl>
+                                          <p:spTgt spid="4"/>
+                                        </p:tgtEl>
+                                        <p:attrNameLst>
+                                          <p:attrName>style.visibility</p:attrName>
+                                        </p:attrNameLst>
+                                      </p:cBhvr>
+                                      <p:to>
+                                        <p:strVal val="visible"/>
+                                      </p:to>
+                                    </p:set>
+                                  </p:childTnLst>
+                                </p:cTn>
+                              </p:par>
+                            </p:childTnLst>
+                          </p:cTn>
+                        </p:par>
+                      </p:childTnLst>
+                    </p:cTn>
+                  </p:par>
+                </p:childTnLst>
+              </p:cTn>
+              <p:prevCondLst>
+                <p:cond evt="onPrev" delay="0">
+                  <p:tgtEl>
+                    <p:sldTgt/>
+                  </p:tgtEl>
+                </p:cond>
+              </p:prevCondLst>
+              <p:nextCondLst>
+                <p:cond evt="onNext" delay="0">
+                  <p:tgtEl>
+                    <p:sldTgt/>
+                  </p:tgtEl>
+                </p:cond>
+              </p:nextCondLst>
+            </p:seq>
+          </p:childTnLst>
+        </p:cTn>
+      </p:par>
+    </p:tnLst>
+  </p:timing>
+</p:sld>
+</file>
+
+<file path=ppt/slides/slide11.xml><?xml version="1.0" encoding="utf-8"?>
+<p:sld xmlns:a="http://schemas.openxmlformats.org/drawingml/2006/main" xmlns:r="http://schemas.openxmlformats.org/officeDocument/2006/relationships" xmlns:p="http://schemas.openxmlformats.org/presentationml/2006/main">
+  <p:cSld>
+    <p:spTree>
+      <p:nvGrpSpPr>
+        <p:cNvPr id="1" name=""/>
+        <p:cNvGrpSpPr/>
+        <p:nvPr/>
+      </p:nvGrpSpPr>
+      <p:grpSpPr>
+        <a:xfrm>
+          <a:off x="0" y="0"/>
+          <a:ext cx="0" cy="0"/>
+          <a:chOff x="0" y="0"/>
+          <a:chExt cx="0" cy="0"/>
+        </a:xfrm>
+      </p:grpSpPr>
+      <p:sp>
+        <p:nvSpPr>
+          <p:cNvPr id="2" name="Title 1">
+            <a:extLst>
+              <a:ext uri="{FF2B5EF4-FFF2-40B4-BE49-F238E27FC236}">
+                <a16:creationId xmlns:a16="http://schemas.microsoft.com/office/drawing/2014/main" id="{993F698C-72FD-C8FF-6665-DC26C958C46F}"/>
+              </a:ext>
+            </a:extLst>
+          </p:cNvPr>
+          <p:cNvSpPr>
+            <a:spLocks noGrp="1"/>
+          </p:cNvSpPr>
+          <p:nvPr>
+            <p:ph type="title"/>
+          </p:nvPr>
+        </p:nvSpPr>
+        <p:spPr/>
+        <p:txBody>
+          <a:bodyPr/>
+          <a:lstStyle/>
+          <a:p>
+            <a:r>
+              <a:rPr lang="en-GB" dirty="0"/>
+              <a:t>Q. Paging</a:t>
+            </a:r>
+            <a:endParaRPr lang="en-SE" dirty="0"/>
+          </a:p>
+        </p:txBody>
+      </p:sp>
+      <p:sp>
+        <p:nvSpPr>
+          <p:cNvPr id="3" name="Content Placeholder 2">
+            <a:extLst>
+              <a:ext uri="{FF2B5EF4-FFF2-40B4-BE49-F238E27FC236}">
+                <a16:creationId xmlns:a16="http://schemas.microsoft.com/office/drawing/2014/main" id="{9D902B64-D2EB-ED53-10BE-E05EDA59E7BD}"/>
+              </a:ext>
+            </a:extLst>
+          </p:cNvPr>
+          <p:cNvSpPr>
+            <a:spLocks noGrp="1"/>
+          </p:cNvSpPr>
+          <p:nvPr>
+            <p:ph idx="1"/>
+          </p:nvPr>
+        </p:nvSpPr>
+        <p:spPr/>
+        <p:txBody>
+          <a:bodyPr>
+            <a:normAutofit/>
+          </a:bodyPr>
+          <a:lstStyle/>
+          <a:p>
+            <a:r>
+              <a:rPr lang="en-GB" dirty="0"/>
+              <a:t>Q: Without a cache or TLB, how many memory operations are required to read or write a single 32-bit word?</a:t>
+            </a:r>
+          </a:p>
+          <a:p>
+            <a:r>
+              <a:rPr lang="en-GB" dirty="0"/>
+              <a:t>ANS: A memory access incurs 4 actual memory accesses: 3 page table lookups in addition to the actual memory access.</a:t>
+            </a:r>
+          </a:p>
+          <a:p>
+            <a:r>
+              <a:rPr lang="en-GB" dirty="0"/>
+              <a:t>Q: With a TLB, how many memory accesses can this be reduced to? Best-case scenario? Worst-case scenario?</a:t>
+            </a:r>
+          </a:p>
+          <a:p>
+            <a:r>
+              <a:rPr lang="en-GB" dirty="0"/>
+              <a:t>ANS: Best-case scenario:  1 memory access. Hit in TLB, once for actual memory operation.</a:t>
+            </a:r>
+          </a:p>
+          <a:p>
+            <a:r>
+              <a:rPr lang="en-GB" dirty="0"/>
+              <a:t>Worst-case scenario: 4 memory accesses. Miss in TLB + 3 page table lookups in addition to the actual memory operation.</a:t>
+            </a:r>
+            <a:endParaRPr lang="en-SE" dirty="0"/>
+          </a:p>
+        </p:txBody>
+      </p:sp>
+    </p:spTree>
+    <p:extLst>
+      <p:ext uri="{BB962C8B-B14F-4D97-AF65-F5344CB8AC3E}">
+        <p14:creationId xmlns:p14="http://schemas.microsoft.com/office/powerpoint/2010/main" val="3327872550"/>
+      </p:ext>
+    </p:extLst>
+  </p:cSld>
+  <p:clrMapOvr>
+    <a:masterClrMapping/>
+  </p:clrMapOvr>
+  <p:transition/>
+  <p:timing>
+    <p:tnLst>
+      <p:par>
+        <p:cTn id="1" dur="indefinite" restart="never" nodeType="tmRoot">
+          <p:childTnLst>
+            <p:seq concurrent="1" nextAc="seek">
+              <p:cTn id="2" dur="indefinite" nodeType="mainSeq">
+                <p:childTnLst>
+                  <p:par>
+                    <p:cTn id="3" fill="hold">
+                      <p:stCondLst>
+                        <p:cond delay="indefinite"/>
+                      </p:stCondLst>
+                      <p:childTnLst>
+                        <p:par>
+                          <p:cTn id="4" fill="hold">
+                            <p:stCondLst>
+                              <p:cond delay="0"/>
+                            </p:stCondLst>
+                            <p:childTnLst>
+                              <p:par>
+                                <p:cTn id="5" presetID="1" presetClass="entr" presetSubtype="0" fill="hold" grpId="0" nodeType="clickEffect">
+                                  <p:stCondLst>
+                                    <p:cond delay="0"/>
+                                  </p:stCondLst>
+                                  <p:childTnLst>
+                                    <p:set>
+                                      <p:cBhvr>
+                                        <p:cTn id="6" dur="1" fill="hold">
+                                          <p:stCondLst>
+                                            <p:cond delay="0"/>
+                                          </p:stCondLst>
+                                        </p:cTn>
+                                        <p:tgtEl>
+                                          <p:spTgt spid="3">
+                                            <p:txEl>
+                                              <p:pRg st="0" end="0"/>
+                                            </p:txEl>
+                                          </p:spTgt>
+                                        </p:tgtEl>
+                                        <p:attrNameLst>
+                                          <p:attrName>style.visibility</p:attrName>
+                                        </p:attrNameLst>
+                                      </p:cBhvr>
+                                      <p:to>
+                                        <p:strVal val="visible"/>
+                                      </p:to>
+                                    </p:set>
+                                  </p:childTnLst>
+                                </p:cTn>
+                              </p:par>
+                            </p:childTnLst>
+                          </p:cTn>
+                        </p:par>
+                      </p:childTnLst>
+                    </p:cTn>
+                  </p:par>
+                  <p:par>
+                    <p:cTn id="7" fill="hold">
+                      <p:stCondLst>
+                        <p:cond delay="indefinite"/>
+                      </p:stCondLst>
+                      <p:childTnLst>
+                        <p:par>
+                          <p:cTn id="8" fill="hold">
+                            <p:stCondLst>
+                              <p:cond delay="0"/>
+                            </p:stCondLst>
+                            <p:childTnLst>
+                              <p:par>
+                                <p:cTn id="9" presetID="1" presetClass="entr" presetSubtype="0" fill="hold" grpId="0" nodeType="clickEffect">
+                                  <p:stCondLst>
+                                    <p:cond delay="0"/>
+                                  </p:stCondLst>
+                                  <p:childTnLst>
+                                    <p:set>
+                                      <p:cBhvr>
+                                        <p:cTn id="10" dur="1" fill="hold">
+                                          <p:stCondLst>
+                                            <p:cond delay="0"/>
+                                          </p:stCondLst>
+                                        </p:cTn>
+                                        <p:tgtEl>
+                                          <p:spTgt spid="3">
+                                            <p:txEl>
+                                              <p:pRg st="1" end="1"/>
+                                            </p:txEl>
+                                          </p:spTgt>
+                                        </p:tgtEl>
+                                        <p:attrNameLst>
+                                          <p:attrName>style.visibility</p:attrName>
+                                        </p:attrNameLst>
+                                      </p:cBhvr>
+                                      <p:to>
+                                        <p:strVal val="visible"/>
+                                      </p:to>
+                                    </p:set>
+                                  </p:childTnLst>
+                                </p:cTn>
+                              </p:par>
+                            </p:childTnLst>
+                          </p:cTn>
+                        </p:par>
+                      </p:childTnLst>
+                    </p:cTn>
+                  </p:par>
+                  <p:par>
+                    <p:cTn id="11" fill="hold">
+                      <p:stCondLst>
+                        <p:cond delay="indefinite"/>
+                      </p:stCondLst>
+                      <p:childTnLst>
+                        <p:par>
+                          <p:cTn id="12" fill="hold">
+                            <p:stCondLst>
+                              <p:cond delay="0"/>
+                            </p:stCondLst>
+                            <p:childTnLst>
+                              <p:par>
+                                <p:cTn id="13" presetID="1" presetClass="entr" presetSubtype="0" fill="hold" grpId="0" nodeType="clickEffect">
+                                  <p:stCondLst>
+                                    <p:cond delay="0"/>
+                                  </p:stCondLst>
+                                  <p:childTnLst>
+                                    <p:set>
+                                      <p:cBhvr>
+                                        <p:cTn id="14" dur="1" fill="hold">
+                                          <p:stCondLst>
+                                            <p:cond delay="0"/>
+                                          </p:stCondLst>
+                                        </p:cTn>
+                                        <p:tgtEl>
+                                          <p:spTgt spid="3">
+                                            <p:txEl>
+                                              <p:pRg st="2" end="2"/>
+                                            </p:txEl>
+                                          </p:spTgt>
+                                        </p:tgtEl>
+                                        <p:attrNameLst>
+                                          <p:attrName>style.visibility</p:attrName>
+                                        </p:attrNameLst>
+                                      </p:cBhvr>
+                                      <p:to>
+                                        <p:strVal val="visible"/>
+                                      </p:to>
+                                    </p:set>
+                                  </p:childTnLst>
+                                </p:cTn>
+                              </p:par>
+                            </p:childTnLst>
+                          </p:cTn>
+                        </p:par>
+                      </p:childTnLst>
+                    </p:cTn>
+                  </p:par>
+                  <p:par>
+                    <p:cTn id="15" fill="hold">
+                      <p:stCondLst>
+                        <p:cond delay="indefinite"/>
+                      </p:stCondLst>
+                      <p:childTnLst>
+                        <p:par>
+                          <p:cTn id="16" fill="hold">
+                            <p:stCondLst>
+                              <p:cond delay="0"/>
+                            </p:stCondLst>
+                            <p:childTnLst>
+                              <p:par>
+                                <p:cTn id="17" presetID="1" presetClass="entr" presetSubtype="0" fill="hold" grpId="0" nodeType="clickEffect">
+                                  <p:stCondLst>
+                                    <p:cond delay="0"/>
+                                  </p:stCondLst>
+                                  <p:childTnLst>
+                                    <p:set>
+                                      <p:cBhvr>
+                                        <p:cTn id="18" dur="1" fill="hold">
+                                          <p:stCondLst>
+                                            <p:cond delay="0"/>
+                                          </p:stCondLst>
+                                        </p:cTn>
+                                        <p:tgtEl>
+                                          <p:spTgt spid="3">
+                                            <p:txEl>
+                                              <p:pRg st="3" end="3"/>
+                                            </p:txEl>
+                                          </p:spTgt>
+                                        </p:tgtEl>
+                                        <p:attrNameLst>
+                                          <p:attrName>style.visibility</p:attrName>
+                                        </p:attrNameLst>
+                                      </p:cBhvr>
+                                      <p:to>
+                                        <p:strVal val="visible"/>
+                                      </p:to>
+                                    </p:set>
+                                  </p:childTnLst>
+                                </p:cTn>
+                              </p:par>
+                            </p:childTnLst>
+                          </p:cTn>
+                        </p:par>
+                      </p:childTnLst>
+                    </p:cTn>
+                  </p:par>
+                  <p:par>
+                    <p:cTn id="19" fill="hold">
+                      <p:stCondLst>
+                        <p:cond delay="indefinite"/>
+                      </p:stCondLst>
+                      <p:childTnLst>
+                        <p:par>
+                          <p:cTn id="20" fill="hold">
+                            <p:stCondLst>
+                              <p:cond delay="0"/>
+                            </p:stCondLst>
+                            <p:childTnLst>
+                              <p:par>
+                                <p:cTn id="21" presetID="1" presetClass="entr" presetSubtype="0" fill="hold" grpId="0" nodeType="clickEffect">
+                                  <p:stCondLst>
+                                    <p:cond delay="0"/>
+                                  </p:stCondLst>
+                                  <p:childTnLst>
+                                    <p:set>
+                                      <p:cBhvr>
+                                        <p:cTn id="22" dur="1" fill="hold">
+                                          <p:stCondLst>
+                                            <p:cond delay="0"/>
+                                          </p:stCondLst>
+                                        </p:cTn>
+                                        <p:tgtEl>
+                                          <p:spTgt spid="3">
+                                            <p:txEl>
+                                              <p:pRg st="4" end="4"/>
+                                            </p:txEl>
+                                          </p:spTgt>
+                                        </p:tgtEl>
+                                        <p:attrNameLst>
+                                          <p:attrName>style.visibility</p:attrName>
+                                        </p:attrNameLst>
+                                      </p:cBhvr>
+                                      <p:to>
+                                        <p:strVal val="visible"/>
+                                      </p:to>
+                                    </p:set>
+                                  </p:childTnLst>
+                                </p:cTn>
+                              </p:par>
+                            </p:childTnLst>
+                          </p:cTn>
+                        </p:par>
+                      </p:childTnLst>
+                    </p:cTn>
+                  </p:par>
+                </p:childTnLst>
+              </p:cTn>
+              <p:prevCondLst>
+                <p:cond evt="onPrev" delay="0">
+                  <p:tgtEl>
+                    <p:sldTgt/>
+                  </p:tgtEl>
+                </p:cond>
+              </p:prevCondLst>
+              <p:nextCondLst>
+                <p:cond evt="onNext" delay="0">
+                  <p:tgtEl>
+                    <p:sldTgt/>
+                  </p:tgtEl>
+                </p:cond>
+              </p:nextCondLst>
+            </p:seq>
+          </p:childTnLst>
+        </p:cTn>
+      </p:par>
+    </p:tnLst>
+    <p:bldLst>
+      <p:bldP spid="3" grpId="0" build="p"/>
+    </p:bldLst>
+  </p:timing>
+</p:sld>
+</file>
+
+<file path=ppt/slides/slide12.xml><?xml version="1.0" encoding="utf-8"?>
+<p:sld xmlns:a="http://schemas.openxmlformats.org/drawingml/2006/main" xmlns:r="http://schemas.openxmlformats.org/officeDocument/2006/relationships" xmlns:p="http://schemas.openxmlformats.org/presentationml/2006/main">
+  <p:cSld>
+    <p:spTree>
+      <p:nvGrpSpPr>
+        <p:cNvPr id="1" name=""/>
+        <p:cNvGrpSpPr/>
+        <p:nvPr/>
+      </p:nvGrpSpPr>
+      <p:grpSpPr>
+        <a:xfrm>
+          <a:off x="0" y="0"/>
+          <a:ext cx="0" cy="0"/>
+          <a:chOff x="0" y="0"/>
+          <a:chExt cx="0" cy="0"/>
+        </a:xfrm>
+      </p:grpSpPr>
+      <p:sp>
+        <p:nvSpPr>
+          <p:cNvPr id="2" name="Title 1">
+            <a:extLst>
+              <a:ext uri="{FF2B5EF4-FFF2-40B4-BE49-F238E27FC236}">
+                <a16:creationId xmlns:a16="http://schemas.microsoft.com/office/drawing/2014/main" id="{74E1DC4C-516F-20E5-39F7-A0B9EC971047}"/>
+              </a:ext>
+            </a:extLst>
+          </p:cNvPr>
+          <p:cNvSpPr>
+            <a:spLocks noGrp="1"/>
+          </p:cNvSpPr>
+          <p:nvPr>
+            <p:ph type="title"/>
+          </p:nvPr>
+        </p:nvSpPr>
+        <p:spPr/>
+        <p:txBody>
+          <a:bodyPr/>
+          <a:lstStyle/>
+          <a:p>
+            <a:r>
+              <a:rPr lang="en-GB" dirty="0"/>
+              <a:t>Q. Paging</a:t>
+            </a:r>
+            <a:endParaRPr lang="en-SE" dirty="0"/>
+          </a:p>
+        </p:txBody>
+      </p:sp>
+      <p:sp>
+        <p:nvSpPr>
+          <p:cNvPr id="3" name="Content Placeholder 2">
+            <a:extLst>
+              <a:ext uri="{FF2B5EF4-FFF2-40B4-BE49-F238E27FC236}">
+                <a16:creationId xmlns:a16="http://schemas.microsoft.com/office/drawing/2014/main" id="{1EB68FC7-DD0C-ED9E-5D65-4629D8AD7F0B}"/>
+              </a:ext>
+            </a:extLst>
+          </p:cNvPr>
+          <p:cNvSpPr>
+            <a:spLocks noGrp="1"/>
+          </p:cNvSpPr>
+          <p:nvPr>
+            <p:ph idx="1"/>
+          </p:nvPr>
+        </p:nvSpPr>
+        <p:spPr>
+          <a:xfrm>
+            <a:off x="812800" y="914400"/>
+            <a:ext cx="10566400" cy="5791200"/>
+          </a:xfrm>
+        </p:spPr>
+        <p:txBody>
+          <a:bodyPr>
+            <a:normAutofit fontScale="85000" lnSpcReduction="20000"/>
+          </a:bodyPr>
+          <a:lstStyle/>
+          <a:p>
+            <a:r>
+              <a:rPr lang="en-GB" dirty="0"/>
+              <a:t>Suppose the virtual and physical memory address spaces are both 32 bits with a 4KB page size.</a:t>
+            </a:r>
+          </a:p>
+          <a:p>
+            <a:r>
+              <a:rPr lang="en-GB" dirty="0"/>
+              <a:t>1. Suppose you know that there will only be 4 processes running at the same time, each with a working set size of 256KB, i.e., it uses 256 KB memory most of the time. What is the minimum amount of TLB entries that your system would need to support to be able to map/cache the working set size for one process? What happens if you have more entries? What about if you have fewer entries?</a:t>
+            </a:r>
+          </a:p>
+          <a:p>
+            <a:r>
+              <a:rPr lang="en-GB" dirty="0"/>
+              <a:t>ANS: A process has a working set size of 256KB which means that the working set fits in 256KB/4KB=64 pages. This means our TLB should have 64 entries. If you have more entries, then performance will increase since the process often has changing working sets, and it should be able to store more in the TLB. If it has less, then it can’t easily translate the addresses in the working set and performance will suffer.</a:t>
+            </a:r>
+          </a:p>
+          <a:p>
+            <a:r>
+              <a:rPr lang="en-GB" dirty="0"/>
+              <a:t>2. Suppose you run some benchmarks on the system and you see that the system is utilizing over 99% of its paging disk IO capacity, but only 10% of its CPU. What is a combination of the of disk space and memory size that can cause this to occur? Assume you have TLB entries equal to the answer from the previous part.</a:t>
+            </a:r>
+          </a:p>
+          <a:p>
+            <a:r>
+              <a:rPr lang="en-GB" dirty="0"/>
+              <a:t>ANS: The system is thrashing since there isn’t enough memory for the benchmark to run without the system page faulting and having to page in new pages. Since there will be 4 processes that have a working set of 256 KB each, swapping will occur as long as the physical memory size is under 1 MB. This happens regardless of the number of TLB entries and disk size. If the physical memory size is lower than the aggregate working set sizes, thrashing is likely to occur.</a:t>
+            </a:r>
+          </a:p>
+          <a:p>
+            <a:r>
+              <a:rPr lang="en-GB" dirty="0"/>
+              <a:t>3. Among 1) increasing TLB size, 2) adding more disk space, and 3) adding more memory, which one would lead to the largest performance increase and why?</a:t>
+            </a:r>
+          </a:p>
+          <a:p>
+            <a:r>
+              <a:rPr lang="en-GB" dirty="0"/>
+              <a:t>ANS: We should add more memory so that we won’t need to page in new pages as often.</a:t>
+            </a:r>
+          </a:p>
+          <a:p>
+            <a:endParaRPr lang="en-SE" dirty="0"/>
+          </a:p>
+        </p:txBody>
+      </p:sp>
+    </p:spTree>
+    <p:extLst>
+      <p:ext uri="{BB962C8B-B14F-4D97-AF65-F5344CB8AC3E}">
+        <p14:creationId xmlns:p14="http://schemas.microsoft.com/office/powerpoint/2010/main" val="1545399951"/>
+      </p:ext>
+    </p:extLst>
+  </p:cSld>
+  <p:clrMapOvr>
+    <a:masterClrMapping/>
+  </p:clrMapOvr>
+  <p:transition/>
+  <p:timing>
+    <p:tnLst>
+      <p:par>
+        <p:cTn id="1" dur="indefinite" restart="never" nodeType="tmRoot">
+          <p:childTnLst>
+            <p:seq concurrent="1" nextAc="seek">
+              <p:cTn id="2" dur="indefinite" nodeType="mainSeq">
+                <p:childTnLst>
+                  <p:par>
+                    <p:cTn id="3" fill="hold">
+                      <p:stCondLst>
+                        <p:cond delay="indefinite"/>
+                      </p:stCondLst>
+                      <p:childTnLst>
+                        <p:par>
+                          <p:cTn id="4" fill="hold">
+                            <p:stCondLst>
+                              <p:cond delay="0"/>
+                            </p:stCondLst>
+                            <p:childTnLst>
+                              <p:par>
+                                <p:cTn id="5" presetID="1" presetClass="entr" presetSubtype="0" fill="hold" grpId="0" nodeType="clickEffect">
+                                  <p:stCondLst>
+                                    <p:cond delay="0"/>
+                                  </p:stCondLst>
+                                  <p:childTnLst>
+                                    <p:set>
+                                      <p:cBhvr>
+                                        <p:cTn id="6" dur="1" fill="hold">
+                                          <p:stCondLst>
+                                            <p:cond delay="0"/>
+                                          </p:stCondLst>
+                                        </p:cTn>
+                                        <p:tgtEl>
+                                          <p:spTgt spid="3">
+                                            <p:txEl>
+                                              <p:pRg st="0" end="0"/>
+                                            </p:txEl>
+                                          </p:spTgt>
+                                        </p:tgtEl>
+                                        <p:attrNameLst>
+                                          <p:attrName>style.visibility</p:attrName>
+                                        </p:attrNameLst>
+                                      </p:cBhvr>
+                                      <p:to>
+                                        <p:strVal val="visible"/>
+                                      </p:to>
+                                    </p:set>
+                                  </p:childTnLst>
+                                </p:cTn>
+                              </p:par>
+                            </p:childTnLst>
+                          </p:cTn>
+                        </p:par>
+                      </p:childTnLst>
+                    </p:cTn>
+                  </p:par>
+                  <p:par>
+                    <p:cTn id="7" fill="hold">
+                      <p:stCondLst>
+                        <p:cond delay="indefinite"/>
+                      </p:stCondLst>
+                      <p:childTnLst>
+                        <p:par>
+                          <p:cTn id="8" fill="hold">
+                            <p:stCondLst>
+                              <p:cond delay="0"/>
+                            </p:stCondLst>
+                            <p:childTnLst>
+                              <p:par>
+                                <p:cTn id="9" presetID="1" presetClass="entr" presetSubtype="0" fill="hold" grpId="0" nodeType="clickEffect">
+                                  <p:stCondLst>
+                                    <p:cond delay="0"/>
+                                  </p:stCondLst>
+                                  <p:childTnLst>
+                                    <p:set>
+                                      <p:cBhvr>
+                                        <p:cTn id="10" dur="1" fill="hold">
+                                          <p:stCondLst>
+                                            <p:cond delay="0"/>
+                                          </p:stCondLst>
+                                        </p:cTn>
+                                        <p:tgtEl>
+                                          <p:spTgt spid="3">
+                                            <p:txEl>
+                                              <p:pRg st="1" end="1"/>
+                                            </p:txEl>
+                                          </p:spTgt>
+                                        </p:tgtEl>
+                                        <p:attrNameLst>
+                                          <p:attrName>style.visibility</p:attrName>
+                                        </p:attrNameLst>
+                                      </p:cBhvr>
+                                      <p:to>
+                                        <p:strVal val="visible"/>
+                                      </p:to>
+                                    </p:set>
+                                  </p:childTnLst>
+                                </p:cTn>
+                              </p:par>
+                            </p:childTnLst>
+                          </p:cTn>
+                        </p:par>
+                      </p:childTnLst>
+                    </p:cTn>
+                  </p:par>
+                  <p:par>
+                    <p:cTn id="11" fill="hold">
+                      <p:stCondLst>
+                        <p:cond delay="indefinite"/>
+                      </p:stCondLst>
+                      <p:childTnLst>
+                        <p:par>
+                          <p:cTn id="12" fill="hold">
+                            <p:stCondLst>
+                              <p:cond delay="0"/>
+                            </p:stCondLst>
+                            <p:childTnLst>
+                              <p:par>
+                                <p:cTn id="13" presetID="1" presetClass="entr" presetSubtype="0" fill="hold" grpId="0" nodeType="clickEffect">
+                                  <p:stCondLst>
+                                    <p:cond delay="0"/>
+                                  </p:stCondLst>
+                                  <p:childTnLst>
+                                    <p:set>
+                                      <p:cBhvr>
+                                        <p:cTn id="14" dur="1" fill="hold">
+                                          <p:stCondLst>
+                                            <p:cond delay="0"/>
+                                          </p:stCondLst>
+                                        </p:cTn>
+                                        <p:tgtEl>
+                                          <p:spTgt spid="3">
+                                            <p:txEl>
+                                              <p:pRg st="2" end="2"/>
+                                            </p:txEl>
+                                          </p:spTgt>
+                                        </p:tgtEl>
+                                        <p:attrNameLst>
+                                          <p:attrName>style.visibility</p:attrName>
+                                        </p:attrNameLst>
+                                      </p:cBhvr>
+                                      <p:to>
+                                        <p:strVal val="visible"/>
+                                      </p:to>
+                                    </p:set>
+                                  </p:childTnLst>
+                                </p:cTn>
+                              </p:par>
+                            </p:childTnLst>
+                          </p:cTn>
+                        </p:par>
+                      </p:childTnLst>
+                    </p:cTn>
+                  </p:par>
+                  <p:par>
+                    <p:cTn id="15" fill="hold">
+                      <p:stCondLst>
+                        <p:cond delay="indefinite"/>
+                      </p:stCondLst>
+                      <p:childTnLst>
+                        <p:par>
+                          <p:cTn id="16" fill="hold">
+                            <p:stCondLst>
+                              <p:cond delay="0"/>
+                            </p:stCondLst>
+                            <p:childTnLst>
+                              <p:par>
+                                <p:cTn id="17" presetID="1" presetClass="entr" presetSubtype="0" fill="hold" grpId="0" nodeType="clickEffect">
+                                  <p:stCondLst>
+                                    <p:cond delay="0"/>
+                                  </p:stCondLst>
+                                  <p:childTnLst>
+                                    <p:set>
+                                      <p:cBhvr>
+                                        <p:cTn id="18" dur="1" fill="hold">
+                                          <p:stCondLst>
+                                            <p:cond delay="0"/>
+                                          </p:stCondLst>
+                                        </p:cTn>
+                                        <p:tgtEl>
+                                          <p:spTgt spid="3">
+                                            <p:txEl>
+                                              <p:pRg st="3" end="3"/>
+                                            </p:txEl>
+                                          </p:spTgt>
+                                        </p:tgtEl>
+                                        <p:attrNameLst>
+                                          <p:attrName>style.visibility</p:attrName>
+                                        </p:attrNameLst>
+                                      </p:cBhvr>
+                                      <p:to>
+                                        <p:strVal val="visible"/>
+                                      </p:to>
+                                    </p:set>
+                                  </p:childTnLst>
+                                </p:cTn>
+                              </p:par>
+                            </p:childTnLst>
+                          </p:cTn>
+                        </p:par>
+                      </p:childTnLst>
+                    </p:cTn>
+                  </p:par>
+                  <p:par>
+                    <p:cTn id="19" fill="hold">
+                      <p:stCondLst>
+                        <p:cond delay="indefinite"/>
+                      </p:stCondLst>
+                      <p:childTnLst>
+                        <p:par>
+                          <p:cTn id="20" fill="hold">
+                            <p:stCondLst>
+                              <p:cond delay="0"/>
+                            </p:stCondLst>
+                            <p:childTnLst>
+                              <p:par>
+                                <p:cTn id="21" presetID="1" presetClass="entr" presetSubtype="0" fill="hold" grpId="0" nodeType="clickEffect">
+                                  <p:stCondLst>
+                                    <p:cond delay="0"/>
+                                  </p:stCondLst>
+                                  <p:childTnLst>
+                                    <p:set>
+                                      <p:cBhvr>
+                                        <p:cTn id="22" dur="1" fill="hold">
+                                          <p:stCondLst>
+                                            <p:cond delay="0"/>
+                                          </p:stCondLst>
+                                        </p:cTn>
+                                        <p:tgtEl>
+                                          <p:spTgt spid="3">
+                                            <p:txEl>
+                                              <p:pRg st="4" end="4"/>
+                                            </p:txEl>
+                                          </p:spTgt>
+                                        </p:tgtEl>
+                                        <p:attrNameLst>
+                                          <p:attrName>style.visibility</p:attrName>
+                                        </p:attrNameLst>
+                                      </p:cBhvr>
+                                      <p:to>
+                                        <p:strVal val="visible"/>
+                                      </p:to>
+                                    </p:set>
+                                  </p:childTnLst>
+                                </p:cTn>
+                              </p:par>
+                            </p:childTnLst>
+                          </p:cTn>
+                        </p:par>
+                      </p:childTnLst>
+                    </p:cTn>
+                  </p:par>
+                  <p:par>
+                    <p:cTn id="23" fill="hold">
+                      <p:stCondLst>
+                        <p:cond delay="indefinite"/>
+                      </p:stCondLst>
+                      <p:childTnLst>
+                        <p:par>
+                          <p:cTn id="24" fill="hold">
+                            <p:stCondLst>
+                              <p:cond delay="0"/>
+                            </p:stCondLst>
+                            <p:childTnLst>
+                              <p:par>
+                                <p:cTn id="25" presetID="1" presetClass="entr" presetSubtype="0" fill="hold" grpId="0" nodeType="clickEffect">
+                                  <p:stCondLst>
+                                    <p:cond delay="0"/>
+                                  </p:stCondLst>
+                                  <p:childTnLst>
+                                    <p:set>
+                                      <p:cBhvr>
+                                        <p:cTn id="26" dur="1" fill="hold">
+                                          <p:stCondLst>
+                                            <p:cond delay="0"/>
+                                          </p:stCondLst>
+                                        </p:cTn>
+                                        <p:tgtEl>
+                                          <p:spTgt spid="3">
+                                            <p:txEl>
+                                              <p:pRg st="5" end="5"/>
+                                            </p:txEl>
+                                          </p:spTgt>
+                                        </p:tgtEl>
+                                        <p:attrNameLst>
+                                          <p:attrName>style.visibility</p:attrName>
+                                        </p:attrNameLst>
+                                      </p:cBhvr>
+                                      <p:to>
+                                        <p:strVal val="visible"/>
+                                      </p:to>
+                                    </p:set>
+                                  </p:childTnLst>
+                                </p:cTn>
+                              </p:par>
+                            </p:childTnLst>
+                          </p:cTn>
+                        </p:par>
+                      </p:childTnLst>
+                    </p:cTn>
+                  </p:par>
+                  <p:par>
+                    <p:cTn id="27" fill="hold">
+                      <p:stCondLst>
+                        <p:cond delay="indefinite"/>
+                      </p:stCondLst>
+                      <p:childTnLst>
+                        <p:par>
+                          <p:cTn id="28" fill="hold">
+                            <p:stCondLst>
+                              <p:cond delay="0"/>
+                            </p:stCondLst>
+                            <p:childTnLst>
+                              <p:par>
+                                <p:cTn id="29" presetID="1" presetClass="entr" presetSubtype="0" fill="hold" grpId="0" nodeType="clickEffect">
+                                  <p:stCondLst>
+                                    <p:cond delay="0"/>
+                                  </p:stCondLst>
+                                  <p:childTnLst>
+                                    <p:set>
+                                      <p:cBhvr>
+                                        <p:cTn id="30" dur="1" fill="hold">
+                                          <p:stCondLst>
+                                            <p:cond delay="0"/>
+                                          </p:stCondLst>
+                                        </p:cTn>
+                                        <p:tgtEl>
+                                          <p:spTgt spid="3">
+                                            <p:txEl>
+                                              <p:pRg st="6" end="6"/>
+                                            </p:txEl>
+                                          </p:spTgt>
+                                        </p:tgtEl>
+                                        <p:attrNameLst>
+                                          <p:attrName>style.visibility</p:attrName>
+                                        </p:attrNameLst>
+                                      </p:cBhvr>
+                                      <p:to>
+                                        <p:strVal val="visible"/>
+                                      </p:to>
+                                    </p:set>
+                                  </p:childTnLst>
+                                </p:cTn>
+                              </p:par>
+                            </p:childTnLst>
+                          </p:cTn>
+                        </p:par>
+                      </p:childTnLst>
+                    </p:cTn>
+                  </p:par>
+                </p:childTnLst>
+              </p:cTn>
+              <p:prevCondLst>
+                <p:cond evt="onPrev" delay="0">
+                  <p:tgtEl>
+                    <p:sldTgt/>
+                  </p:tgtEl>
+                </p:cond>
+              </p:prevCondLst>
+              <p:nextCondLst>
+                <p:cond evt="onNext" delay="0">
+                  <p:tgtEl>
+                    <p:sldTgt/>
+                  </p:tgtEl>
+                </p:cond>
+              </p:nextCondLst>
+            </p:seq>
+          </p:childTnLst>
+        </p:cTn>
+      </p:par>
+    </p:tnLst>
+    <p:bldLst>
+      <p:bldP spid="3" grpId="0" build="p"/>
+    </p:bldLst>
+  </p:timing>
+</p:sld>
+</file>
+
 <file path=ppt/slides/slide2.xml><?xml version="1.0" encoding="utf-8"?>
 <p:sld xmlns:a="http://schemas.openxmlformats.org/drawingml/2006/main" xmlns:r="http://schemas.openxmlformats.org/officeDocument/2006/relationships" xmlns:p="http://schemas.openxmlformats.org/presentationml/2006/main">
   <p:cSld>
@@ -12675,6 +14507,1266 @@
     <a:masterClrMapping/>
   </p:clrMapOvr>
   <p:transition/>
+</p:sld>
+</file>
+
+<file path=ppt/slides/slide9.xml><?xml version="1.0" encoding="utf-8"?>
+<p:sld xmlns:a="http://schemas.openxmlformats.org/drawingml/2006/main" xmlns:r="http://schemas.openxmlformats.org/officeDocument/2006/relationships" xmlns:p="http://schemas.openxmlformats.org/presentationml/2006/main">
+  <p:cSld>
+    <p:spTree>
+      <p:nvGrpSpPr>
+        <p:cNvPr id="1" name=""/>
+        <p:cNvGrpSpPr/>
+        <p:nvPr/>
+      </p:nvGrpSpPr>
+      <p:grpSpPr>
+        <a:xfrm>
+          <a:off x="0" y="0"/>
+          <a:ext cx="0" cy="0"/>
+          <a:chOff x="0" y="0"/>
+          <a:chExt cx="0" cy="0"/>
+        </a:xfrm>
+      </p:grpSpPr>
+      <p:sp>
+        <p:nvSpPr>
+          <p:cNvPr id="2" name="Title 1">
+            <a:extLst>
+              <a:ext uri="{FF2B5EF4-FFF2-40B4-BE49-F238E27FC236}">
+                <a16:creationId xmlns:a16="http://schemas.microsoft.com/office/drawing/2014/main" id="{E1AE64E4-132B-4711-8D17-334F6D48E453}"/>
+              </a:ext>
+            </a:extLst>
+          </p:cNvPr>
+          <p:cNvSpPr>
+            <a:spLocks noGrp="1"/>
+          </p:cNvSpPr>
+          <p:nvPr>
+            <p:ph type="title"/>
+          </p:nvPr>
+        </p:nvSpPr>
+        <p:spPr/>
+        <p:txBody>
+          <a:bodyPr/>
+          <a:lstStyle/>
+          <a:p>
+            <a:r>
+              <a:rPr lang="en-GB" dirty="0"/>
+              <a:t>Q. Paging</a:t>
+            </a:r>
+            <a:endParaRPr lang="en-SE" dirty="0"/>
+          </a:p>
+        </p:txBody>
+      </p:sp>
+      <p:sp>
+        <p:nvSpPr>
+          <p:cNvPr id="3" name="Content Placeholder 2">
+            <a:extLst>
+              <a:ext uri="{FF2B5EF4-FFF2-40B4-BE49-F238E27FC236}">
+                <a16:creationId xmlns:a16="http://schemas.microsoft.com/office/drawing/2014/main" id="{EE370C94-273E-D01F-70B5-1DB439BEE734}"/>
+              </a:ext>
+            </a:extLst>
+          </p:cNvPr>
+          <p:cNvSpPr>
+            <a:spLocks noGrp="1"/>
+          </p:cNvSpPr>
+          <p:nvPr>
+            <p:ph idx="1"/>
+          </p:nvPr>
+        </p:nvSpPr>
+        <p:spPr>
+          <a:xfrm>
+            <a:off x="812800" y="914400"/>
+            <a:ext cx="8051800" cy="5791200"/>
+          </a:xfrm>
+        </p:spPr>
+        <p:txBody>
+          <a:bodyPr>
+            <a:normAutofit lnSpcReduction="10000"/>
+          </a:bodyPr>
+          <a:lstStyle/>
+          <a:p>
+            <a:r>
+              <a:rPr lang="en-GB" dirty="0">
+                <a:latin typeface="Gill Sans Light"/>
+              </a:rPr>
+              <a:t>Consider 12-bit virtual address space. Page size is 1 KB. The table shows the 4 entries in the page table. Recall that the valid bit is 1 if the page is resident in physical memory and 0 if the page is on disk or hasn’t been allocated. What is the physical address corresponding to the virtual address 0xF74 and 0x374?</a:t>
+            </a:r>
+          </a:p>
+          <a:p>
+            <a:r>
+              <a:rPr lang="en-GB" dirty="0">
+                <a:latin typeface="Gill Sans Light"/>
+              </a:rPr>
+              <a:t>ANS: </a:t>
+            </a:r>
+          </a:p>
+          <a:p>
+            <a:r>
+              <a:rPr lang="en-US" altLang="zh-CN" dirty="0">
+                <a:latin typeface="Gill Sans Light"/>
+              </a:rPr>
+              <a:t>P</a:t>
+            </a:r>
+            <a:r>
+              <a:rPr lang="en-GB" dirty="0">
+                <a:latin typeface="Gill Sans Light"/>
+              </a:rPr>
+              <a:t>age size is 1 KB = 2^10, hence offset is 10 bits. 12-bit virtual address space, hence VPN is 12-10=2 bits.</a:t>
+            </a:r>
+            <a:endParaRPr lang="en-US" altLang="zh-CN" dirty="0">
+              <a:latin typeface="Gill Sans Light"/>
+            </a:endParaRPr>
+          </a:p>
+          <a:p>
+            <a:pPr algn="l">
+              <a:buFont typeface="Arial" panose="020B0604020202020204" pitchFamily="34" charset="0"/>
+              <a:buChar char="•"/>
+            </a:pPr>
+            <a:r>
+              <a:rPr lang="en-GB" b="0" i="0" dirty="0">
+                <a:effectLst/>
+                <a:latin typeface="Gill Sans Light"/>
+              </a:rPr>
+              <a:t>Virtual address: 0xF74 = </a:t>
+            </a:r>
+            <a:r>
+              <a:rPr lang="en-GB" b="0" i="0" dirty="0">
+                <a:solidFill>
+                  <a:srgbClr val="FF0000"/>
+                </a:solidFill>
+                <a:effectLst/>
+                <a:latin typeface="Gill Sans Light"/>
+              </a:rPr>
+              <a:t>11</a:t>
+            </a:r>
+            <a:r>
+              <a:rPr lang="en-GB" b="0" i="0" dirty="0">
+                <a:solidFill>
+                  <a:srgbClr val="2A40E2"/>
+                </a:solidFill>
+                <a:effectLst/>
+                <a:latin typeface="Gill Sans Light"/>
+              </a:rPr>
+              <a:t>11 0111 0100</a:t>
+            </a:r>
+            <a:r>
+              <a:rPr lang="en-GB" b="0" i="0" dirty="0">
+                <a:effectLst/>
+                <a:latin typeface="Gill Sans Light"/>
+              </a:rPr>
+              <a:t> (binary)</a:t>
+            </a:r>
+          </a:p>
+          <a:p>
+            <a:pPr lvl="1">
+              <a:buFont typeface="Arial" panose="020B0604020202020204" pitchFamily="34" charset="0"/>
+              <a:buChar char="•"/>
+            </a:pPr>
+            <a:r>
+              <a:rPr lang="en-GB" dirty="0">
+                <a:latin typeface="Gill Sans Light"/>
+              </a:rPr>
+              <a:t>VPN: </a:t>
+            </a:r>
+            <a:r>
+              <a:rPr lang="en-GB" b="0" i="0" dirty="0">
+                <a:solidFill>
+                  <a:srgbClr val="FF0000"/>
+                </a:solidFill>
+                <a:effectLst/>
+                <a:latin typeface="Gill Sans Light"/>
+              </a:rPr>
+              <a:t>11</a:t>
+            </a:r>
+            <a:r>
+              <a:rPr lang="en-GB" dirty="0">
+                <a:latin typeface="Gill Sans Light"/>
+              </a:rPr>
+              <a:t>; Offset: </a:t>
+            </a:r>
+            <a:r>
+              <a:rPr lang="en-GB" b="0" i="0" dirty="0">
+                <a:solidFill>
+                  <a:srgbClr val="2A40E2"/>
+                </a:solidFill>
+                <a:effectLst/>
+                <a:latin typeface="Gill Sans Light"/>
+              </a:rPr>
+              <a:t>11 0111 0100</a:t>
+            </a:r>
+            <a:endParaRPr lang="en-GB" b="0" i="0" dirty="0">
+              <a:effectLst/>
+              <a:latin typeface="Gill Sans Light"/>
+            </a:endParaRPr>
+          </a:p>
+          <a:p>
+            <a:r>
+              <a:rPr lang="en-GB" b="0" i="0" dirty="0">
+                <a:effectLst/>
+                <a:latin typeface="Gill Sans Light"/>
+              </a:rPr>
+              <a:t>Entry for VPN 11 (3 in decimal): Valid bit = 1, PPN = 2</a:t>
+            </a:r>
+          </a:p>
+          <a:p>
+            <a:r>
+              <a:rPr lang="en-GB" dirty="0">
+                <a:latin typeface="Gill Sans Light"/>
+              </a:rPr>
+              <a:t>Physical address: </a:t>
+            </a:r>
+            <a:r>
+              <a:rPr lang="en-GB" b="0" i="0" dirty="0">
+                <a:solidFill>
+                  <a:srgbClr val="FF0000"/>
+                </a:solidFill>
+                <a:effectLst/>
+                <a:latin typeface="Gill Sans Light"/>
+              </a:rPr>
+              <a:t>10</a:t>
+            </a:r>
+            <a:r>
+              <a:rPr lang="en-GB" b="0" i="0" dirty="0">
+                <a:solidFill>
+                  <a:srgbClr val="2A40E2"/>
+                </a:solidFill>
+                <a:effectLst/>
+                <a:latin typeface="Gill Sans Light"/>
+              </a:rPr>
+              <a:t>11 0111 0100</a:t>
+            </a:r>
+            <a:r>
+              <a:rPr lang="en-GB" b="0" i="0" dirty="0">
+                <a:effectLst/>
+                <a:latin typeface="Gill Sans Light"/>
+              </a:rPr>
+              <a:t> (binary) = 0xB74</a:t>
+            </a:r>
+          </a:p>
+          <a:p>
+            <a:pPr algn="l">
+              <a:buFont typeface="Arial" panose="020B0604020202020204" pitchFamily="34" charset="0"/>
+              <a:buChar char="•"/>
+            </a:pPr>
+            <a:r>
+              <a:rPr lang="en-GB" b="0" i="0" dirty="0">
+                <a:effectLst/>
+                <a:latin typeface="Gill Sans Light"/>
+              </a:rPr>
+              <a:t>Virtual address: 0x374 = </a:t>
+            </a:r>
+            <a:r>
+              <a:rPr lang="en-GB" b="0" i="0" dirty="0">
+                <a:solidFill>
+                  <a:srgbClr val="FF0000"/>
+                </a:solidFill>
+                <a:effectLst/>
+                <a:latin typeface="Gill Sans Light"/>
+              </a:rPr>
+              <a:t>00</a:t>
+            </a:r>
+            <a:r>
+              <a:rPr lang="en-GB" b="0" i="0" dirty="0">
+                <a:solidFill>
+                  <a:srgbClr val="2A40E2"/>
+                </a:solidFill>
+                <a:effectLst/>
+                <a:latin typeface="Gill Sans Light"/>
+              </a:rPr>
+              <a:t>11 0111 0100</a:t>
+            </a:r>
+            <a:r>
+              <a:rPr lang="en-GB" b="0" i="0" dirty="0">
+                <a:effectLst/>
+                <a:latin typeface="Gill Sans Light"/>
+              </a:rPr>
+              <a:t> (binary)</a:t>
+            </a:r>
+          </a:p>
+          <a:p>
+            <a:pPr lvl="1">
+              <a:buFont typeface="Arial" panose="020B0604020202020204" pitchFamily="34" charset="0"/>
+              <a:buChar char="•"/>
+            </a:pPr>
+            <a:r>
+              <a:rPr lang="en-GB" dirty="0">
+                <a:latin typeface="Gill Sans Light"/>
+              </a:rPr>
+              <a:t>VPN: </a:t>
+            </a:r>
+            <a:r>
+              <a:rPr lang="en-GB" b="0" i="0" dirty="0">
+                <a:solidFill>
+                  <a:srgbClr val="FF0000"/>
+                </a:solidFill>
+                <a:effectLst/>
+                <a:latin typeface="Gill Sans Light"/>
+              </a:rPr>
+              <a:t>00</a:t>
+            </a:r>
+            <a:r>
+              <a:rPr lang="en-GB" dirty="0">
+                <a:latin typeface="Gill Sans Light"/>
+              </a:rPr>
+              <a:t>; Offset: </a:t>
+            </a:r>
+            <a:r>
+              <a:rPr lang="en-GB" b="0" i="0" dirty="0">
+                <a:solidFill>
+                  <a:srgbClr val="2A40E2"/>
+                </a:solidFill>
+                <a:effectLst/>
+                <a:latin typeface="Gill Sans Light"/>
+              </a:rPr>
+              <a:t>11 0111 0100</a:t>
+            </a:r>
+          </a:p>
+          <a:p>
+            <a:pPr>
+              <a:buFont typeface="Arial" panose="020B0604020202020204" pitchFamily="34" charset="0"/>
+              <a:buChar char="•"/>
+            </a:pPr>
+            <a:r>
+              <a:rPr lang="en-GB" b="0" i="0" dirty="0">
+                <a:effectLst/>
+                <a:latin typeface="Gill Sans Light"/>
+              </a:rPr>
+              <a:t>Entry for VPN 00 (0 in decimal): Valid bit = 0, hence the page is not in physical memory</a:t>
+            </a:r>
+            <a:endParaRPr lang="en-GB" dirty="0">
+              <a:latin typeface="Gill Sans Light"/>
+            </a:endParaRPr>
+          </a:p>
+        </p:txBody>
+      </p:sp>
+      <p:graphicFrame>
+        <p:nvGraphicFramePr>
+          <p:cNvPr id="6" name="Table 5">
+            <a:extLst>
+              <a:ext uri="{FF2B5EF4-FFF2-40B4-BE49-F238E27FC236}">
+                <a16:creationId xmlns:a16="http://schemas.microsoft.com/office/drawing/2014/main" id="{50E895F7-FF33-B631-E44A-12A69EA2E8E7}"/>
+              </a:ext>
+            </a:extLst>
+          </p:cNvPr>
+          <p:cNvGraphicFramePr>
+            <a:graphicFrameLocks noGrp="1"/>
+          </p:cNvGraphicFramePr>
+          <p:nvPr/>
+        </p:nvGraphicFramePr>
+        <p:xfrm>
+          <a:off x="8864600" y="1752600"/>
+          <a:ext cx="2413000" cy="1854200"/>
+        </p:xfrm>
+        <a:graphic>
+          <a:graphicData uri="http://schemas.openxmlformats.org/drawingml/2006/table">
+            <a:tbl>
+              <a:tblPr firstRow="1" bandRow="1">
+                <a:tableStyleId>{5940675A-B579-460E-94D1-54222C63F5DA}</a:tableStyleId>
+              </a:tblPr>
+              <a:tblGrid>
+                <a:gridCol w="838200">
+                  <a:extLst>
+                    <a:ext uri="{9D8B030D-6E8A-4147-A177-3AD203B41FA5}">
+                      <a16:colId xmlns:a16="http://schemas.microsoft.com/office/drawing/2014/main" val="3242888982"/>
+                    </a:ext>
+                  </a:extLst>
+                </a:gridCol>
+                <a:gridCol w="838200">
+                  <a:extLst>
+                    <a:ext uri="{9D8B030D-6E8A-4147-A177-3AD203B41FA5}">
+                      <a16:colId xmlns:a16="http://schemas.microsoft.com/office/drawing/2014/main" val="1227491433"/>
+                    </a:ext>
+                  </a:extLst>
+                </a:gridCol>
+                <a:gridCol w="736600">
+                  <a:extLst>
+                    <a:ext uri="{9D8B030D-6E8A-4147-A177-3AD203B41FA5}">
+                      <a16:colId xmlns:a16="http://schemas.microsoft.com/office/drawing/2014/main" val="867935394"/>
+                    </a:ext>
+                  </a:extLst>
+                </a:gridCol>
+              </a:tblGrid>
+              <a:tr h="370840">
+                <a:tc>
+                  <a:txBody>
+                    <a:bodyPr/>
+                    <a:lstStyle/>
+                    <a:p>
+                      <a:pPr algn="ctr"/>
+                      <a:r>
+                        <a:rPr lang="en-GB" b="1" dirty="0">
+                          <a:solidFill>
+                            <a:schemeClr val="tx1"/>
+                          </a:solidFill>
+                        </a:rPr>
+                        <a:t>VPN</a:t>
+                      </a:r>
+                      <a:endParaRPr lang="en-SE" b="1" dirty="0">
+                        <a:solidFill>
+                          <a:schemeClr val="tx1"/>
+                        </a:solidFill>
+                      </a:endParaRPr>
+                    </a:p>
+                  </a:txBody>
+                  <a:tcPr/>
+                </a:tc>
+                <a:tc>
+                  <a:txBody>
+                    <a:bodyPr/>
+                    <a:lstStyle/>
+                    <a:p>
+                      <a:pPr algn="ctr"/>
+                      <a:r>
+                        <a:rPr lang="en-GB" b="1" dirty="0">
+                          <a:solidFill>
+                            <a:schemeClr val="tx1"/>
+                          </a:solidFill>
+                        </a:rPr>
+                        <a:t>Valid</a:t>
+                      </a:r>
+                      <a:endParaRPr lang="en-SE" b="1" dirty="0">
+                        <a:solidFill>
+                          <a:schemeClr val="tx1"/>
+                        </a:solidFill>
+                      </a:endParaRPr>
+                    </a:p>
+                  </a:txBody>
+                  <a:tcPr/>
+                </a:tc>
+                <a:tc>
+                  <a:txBody>
+                    <a:bodyPr/>
+                    <a:lstStyle/>
+                    <a:p>
+                      <a:pPr algn="ctr"/>
+                      <a:r>
+                        <a:rPr lang="en-GB" b="1" dirty="0">
+                          <a:solidFill>
+                            <a:schemeClr val="tx1"/>
+                          </a:solidFill>
+                        </a:rPr>
+                        <a:t>PPN</a:t>
+                      </a:r>
+                      <a:endParaRPr lang="en-SE" b="1" dirty="0">
+                        <a:solidFill>
+                          <a:schemeClr val="tx1"/>
+                        </a:solidFill>
+                      </a:endParaRPr>
+                    </a:p>
+                  </a:txBody>
+                  <a:tcPr/>
+                </a:tc>
+                <a:extLst>
+                  <a:ext uri="{0D108BD9-81ED-4DB2-BD59-A6C34878D82A}">
+                    <a16:rowId xmlns:a16="http://schemas.microsoft.com/office/drawing/2014/main" val="226913582"/>
+                  </a:ext>
+                </a:extLst>
+              </a:tr>
+              <a:tr h="370840">
+                <a:tc>
+                  <a:txBody>
+                    <a:bodyPr/>
+                    <a:lstStyle/>
+                    <a:p>
+                      <a:pPr algn="ctr"/>
+                      <a:r>
+                        <a:rPr lang="en-GB" dirty="0">
+                          <a:solidFill>
+                            <a:schemeClr val="tx1"/>
+                          </a:solidFill>
+                        </a:rPr>
+                        <a:t>0</a:t>
+                      </a:r>
+                      <a:endParaRPr lang="en-SE" dirty="0">
+                        <a:solidFill>
+                          <a:schemeClr val="tx1"/>
+                        </a:solidFill>
+                      </a:endParaRPr>
+                    </a:p>
+                  </a:txBody>
+                  <a:tcPr/>
+                </a:tc>
+                <a:tc>
+                  <a:txBody>
+                    <a:bodyPr/>
+                    <a:lstStyle/>
+                    <a:p>
+                      <a:pPr algn="ctr"/>
+                      <a:r>
+                        <a:rPr lang="en-GB" dirty="0">
+                          <a:solidFill>
+                            <a:schemeClr val="tx1"/>
+                          </a:solidFill>
+                        </a:rPr>
+                        <a:t>0</a:t>
+                      </a:r>
+                      <a:endParaRPr lang="en-SE" dirty="0">
+                        <a:solidFill>
+                          <a:schemeClr val="tx1"/>
+                        </a:solidFill>
+                      </a:endParaRPr>
+                    </a:p>
+                  </a:txBody>
+                  <a:tcPr/>
+                </a:tc>
+                <a:tc>
+                  <a:txBody>
+                    <a:bodyPr/>
+                    <a:lstStyle/>
+                    <a:p>
+                      <a:pPr algn="ctr"/>
+                      <a:r>
+                        <a:rPr lang="en-GB" dirty="0">
+                          <a:solidFill>
+                            <a:schemeClr val="tx1"/>
+                          </a:solidFill>
+                        </a:rPr>
+                        <a:t>7</a:t>
+                      </a:r>
+                      <a:endParaRPr lang="en-SE" dirty="0">
+                        <a:solidFill>
+                          <a:schemeClr val="tx1"/>
+                        </a:solidFill>
+                      </a:endParaRPr>
+                    </a:p>
+                  </a:txBody>
+                  <a:tcPr/>
+                </a:tc>
+                <a:extLst>
+                  <a:ext uri="{0D108BD9-81ED-4DB2-BD59-A6C34878D82A}">
+                    <a16:rowId xmlns:a16="http://schemas.microsoft.com/office/drawing/2014/main" val="1316272566"/>
+                  </a:ext>
+                </a:extLst>
+              </a:tr>
+              <a:tr h="370840">
+                <a:tc>
+                  <a:txBody>
+                    <a:bodyPr/>
+                    <a:lstStyle/>
+                    <a:p>
+                      <a:pPr algn="ctr"/>
+                      <a:r>
+                        <a:rPr lang="en-GB" dirty="0">
+                          <a:solidFill>
+                            <a:schemeClr val="tx1"/>
+                          </a:solidFill>
+                        </a:rPr>
+                        <a:t>1</a:t>
+                      </a:r>
+                      <a:endParaRPr lang="en-SE" dirty="0">
+                        <a:solidFill>
+                          <a:schemeClr val="tx1"/>
+                        </a:solidFill>
+                      </a:endParaRPr>
+                    </a:p>
+                  </a:txBody>
+                  <a:tcPr/>
+                </a:tc>
+                <a:tc>
+                  <a:txBody>
+                    <a:bodyPr/>
+                    <a:lstStyle/>
+                    <a:p>
+                      <a:pPr algn="ctr"/>
+                      <a:r>
+                        <a:rPr lang="en-GB" dirty="0">
+                          <a:solidFill>
+                            <a:schemeClr val="tx1"/>
+                          </a:solidFill>
+                        </a:rPr>
+                        <a:t>1</a:t>
+                      </a:r>
+                      <a:endParaRPr lang="en-SE" dirty="0">
+                        <a:solidFill>
+                          <a:schemeClr val="tx1"/>
+                        </a:solidFill>
+                      </a:endParaRPr>
+                    </a:p>
+                  </a:txBody>
+                  <a:tcPr/>
+                </a:tc>
+                <a:tc>
+                  <a:txBody>
+                    <a:bodyPr/>
+                    <a:lstStyle/>
+                    <a:p>
+                      <a:pPr algn="ctr"/>
+                      <a:r>
+                        <a:rPr lang="en-GB" dirty="0">
+                          <a:solidFill>
+                            <a:schemeClr val="tx1"/>
+                          </a:solidFill>
+                        </a:rPr>
+                        <a:t>9</a:t>
+                      </a:r>
+                      <a:endParaRPr lang="en-SE" dirty="0">
+                        <a:solidFill>
+                          <a:schemeClr val="tx1"/>
+                        </a:solidFill>
+                      </a:endParaRPr>
+                    </a:p>
+                  </a:txBody>
+                  <a:tcPr/>
+                </a:tc>
+                <a:extLst>
+                  <a:ext uri="{0D108BD9-81ED-4DB2-BD59-A6C34878D82A}">
+                    <a16:rowId xmlns:a16="http://schemas.microsoft.com/office/drawing/2014/main" val="2964032363"/>
+                  </a:ext>
+                </a:extLst>
+              </a:tr>
+              <a:tr h="370840">
+                <a:tc>
+                  <a:txBody>
+                    <a:bodyPr/>
+                    <a:lstStyle/>
+                    <a:p>
+                      <a:pPr algn="ctr"/>
+                      <a:r>
+                        <a:rPr lang="en-GB" dirty="0">
+                          <a:solidFill>
+                            <a:schemeClr val="tx1"/>
+                          </a:solidFill>
+                        </a:rPr>
+                        <a:t>2</a:t>
+                      </a:r>
+                      <a:endParaRPr lang="en-SE" dirty="0">
+                        <a:solidFill>
+                          <a:schemeClr val="tx1"/>
+                        </a:solidFill>
+                      </a:endParaRPr>
+                    </a:p>
+                  </a:txBody>
+                  <a:tcPr/>
+                </a:tc>
+                <a:tc>
+                  <a:txBody>
+                    <a:bodyPr/>
+                    <a:lstStyle/>
+                    <a:p>
+                      <a:pPr algn="ctr"/>
+                      <a:r>
+                        <a:rPr lang="en-GB" dirty="0">
+                          <a:solidFill>
+                            <a:schemeClr val="tx1"/>
+                          </a:solidFill>
+                        </a:rPr>
+                        <a:t>0</a:t>
+                      </a:r>
+                      <a:endParaRPr lang="en-SE" dirty="0">
+                        <a:solidFill>
+                          <a:schemeClr val="tx1"/>
+                        </a:solidFill>
+                      </a:endParaRPr>
+                    </a:p>
+                  </a:txBody>
+                  <a:tcPr/>
+                </a:tc>
+                <a:tc>
+                  <a:txBody>
+                    <a:bodyPr/>
+                    <a:lstStyle/>
+                    <a:p>
+                      <a:pPr algn="ctr"/>
+                      <a:r>
+                        <a:rPr lang="en-GB" dirty="0">
+                          <a:solidFill>
+                            <a:schemeClr val="tx1"/>
+                          </a:solidFill>
+                        </a:rPr>
+                        <a:t>3</a:t>
+                      </a:r>
+                      <a:endParaRPr lang="en-SE" dirty="0">
+                        <a:solidFill>
+                          <a:schemeClr val="tx1"/>
+                        </a:solidFill>
+                      </a:endParaRPr>
+                    </a:p>
+                  </a:txBody>
+                  <a:tcPr/>
+                </a:tc>
+                <a:extLst>
+                  <a:ext uri="{0D108BD9-81ED-4DB2-BD59-A6C34878D82A}">
+                    <a16:rowId xmlns:a16="http://schemas.microsoft.com/office/drawing/2014/main" val="1511346211"/>
+                  </a:ext>
+                </a:extLst>
+              </a:tr>
+              <a:tr h="370840">
+                <a:tc>
+                  <a:txBody>
+                    <a:bodyPr/>
+                    <a:lstStyle/>
+                    <a:p>
+                      <a:pPr algn="ctr"/>
+                      <a:r>
+                        <a:rPr lang="en-GB" dirty="0">
+                          <a:solidFill>
+                            <a:schemeClr val="tx1"/>
+                          </a:solidFill>
+                        </a:rPr>
+                        <a:t>3</a:t>
+                      </a:r>
+                      <a:endParaRPr lang="en-SE" dirty="0">
+                        <a:solidFill>
+                          <a:schemeClr val="tx1"/>
+                        </a:solidFill>
+                      </a:endParaRPr>
+                    </a:p>
+                  </a:txBody>
+                  <a:tcPr/>
+                </a:tc>
+                <a:tc>
+                  <a:txBody>
+                    <a:bodyPr/>
+                    <a:lstStyle/>
+                    <a:p>
+                      <a:pPr algn="ctr"/>
+                      <a:r>
+                        <a:rPr lang="en-GB" dirty="0">
+                          <a:solidFill>
+                            <a:schemeClr val="tx1"/>
+                          </a:solidFill>
+                        </a:rPr>
+                        <a:t>1</a:t>
+                      </a:r>
+                      <a:endParaRPr lang="en-SE" dirty="0">
+                        <a:solidFill>
+                          <a:schemeClr val="tx1"/>
+                        </a:solidFill>
+                      </a:endParaRPr>
+                    </a:p>
+                  </a:txBody>
+                  <a:tcPr/>
+                </a:tc>
+                <a:tc>
+                  <a:txBody>
+                    <a:bodyPr/>
+                    <a:lstStyle/>
+                    <a:p>
+                      <a:pPr algn="ctr"/>
+                      <a:r>
+                        <a:rPr lang="en-GB" dirty="0">
+                          <a:solidFill>
+                            <a:schemeClr val="tx1"/>
+                          </a:solidFill>
+                        </a:rPr>
+                        <a:t>2</a:t>
+                      </a:r>
+                      <a:endParaRPr lang="en-SE" dirty="0">
+                        <a:solidFill>
+                          <a:schemeClr val="tx1"/>
+                        </a:solidFill>
+                      </a:endParaRPr>
+                    </a:p>
+                  </a:txBody>
+                  <a:tcPr/>
+                </a:tc>
+                <a:extLst>
+                  <a:ext uri="{0D108BD9-81ED-4DB2-BD59-A6C34878D82A}">
+                    <a16:rowId xmlns:a16="http://schemas.microsoft.com/office/drawing/2014/main" val="3472819907"/>
+                  </a:ext>
+                </a:extLst>
+              </a:tr>
+            </a:tbl>
+          </a:graphicData>
+        </a:graphic>
+      </p:graphicFrame>
+    </p:spTree>
+    <p:extLst>
+      <p:ext uri="{BB962C8B-B14F-4D97-AF65-F5344CB8AC3E}">
+        <p14:creationId xmlns:p14="http://schemas.microsoft.com/office/powerpoint/2010/main" val="4193614078"/>
+      </p:ext>
+    </p:extLst>
+  </p:cSld>
+  <p:clrMapOvr>
+    <a:masterClrMapping/>
+  </p:clrMapOvr>
+  <p:transition/>
+  <p:timing>
+    <p:tnLst>
+      <p:par>
+        <p:cTn id="1" dur="indefinite" restart="never" nodeType="tmRoot">
+          <p:childTnLst>
+            <p:seq concurrent="1" nextAc="seek">
+              <p:cTn id="2" dur="indefinite" nodeType="mainSeq">
+                <p:childTnLst>
+                  <p:par>
+                    <p:cTn id="3" fill="hold">
+                      <p:stCondLst>
+                        <p:cond delay="indefinite"/>
+                      </p:stCondLst>
+                      <p:childTnLst>
+                        <p:par>
+                          <p:cTn id="4" fill="hold">
+                            <p:stCondLst>
+                              <p:cond delay="0"/>
+                            </p:stCondLst>
+                            <p:childTnLst>
+                              <p:par>
+                                <p:cTn id="5" presetID="1" presetClass="entr" presetSubtype="0" fill="hold" grpId="0" nodeType="clickEffect">
+                                  <p:stCondLst>
+                                    <p:cond delay="0"/>
+                                  </p:stCondLst>
+                                  <p:childTnLst>
+                                    <p:set>
+                                      <p:cBhvr>
+                                        <p:cTn id="6" dur="1" fill="hold">
+                                          <p:stCondLst>
+                                            <p:cond delay="0"/>
+                                          </p:stCondLst>
+                                        </p:cTn>
+                                        <p:tgtEl>
+                                          <p:spTgt spid="3">
+                                            <p:txEl>
+                                              <p:pRg st="0" end="0"/>
+                                            </p:txEl>
+                                          </p:spTgt>
+                                        </p:tgtEl>
+                                        <p:attrNameLst>
+                                          <p:attrName>style.visibility</p:attrName>
+                                        </p:attrNameLst>
+                                      </p:cBhvr>
+                                      <p:to>
+                                        <p:strVal val="visible"/>
+                                      </p:to>
+                                    </p:set>
+                                  </p:childTnLst>
+                                </p:cTn>
+                              </p:par>
+                            </p:childTnLst>
+                          </p:cTn>
+                        </p:par>
+                      </p:childTnLst>
+                    </p:cTn>
+                  </p:par>
+                  <p:par>
+                    <p:cTn id="7" fill="hold">
+                      <p:stCondLst>
+                        <p:cond delay="indefinite"/>
+                      </p:stCondLst>
+                      <p:childTnLst>
+                        <p:par>
+                          <p:cTn id="8" fill="hold">
+                            <p:stCondLst>
+                              <p:cond delay="0"/>
+                            </p:stCondLst>
+                            <p:childTnLst>
+                              <p:par>
+                                <p:cTn id="9" presetID="1" presetClass="entr" presetSubtype="0" fill="hold" grpId="0" nodeType="clickEffect">
+                                  <p:stCondLst>
+                                    <p:cond delay="0"/>
+                                  </p:stCondLst>
+                                  <p:childTnLst>
+                                    <p:set>
+                                      <p:cBhvr>
+                                        <p:cTn id="10" dur="1" fill="hold">
+                                          <p:stCondLst>
+                                            <p:cond delay="0"/>
+                                          </p:stCondLst>
+                                        </p:cTn>
+                                        <p:tgtEl>
+                                          <p:spTgt spid="3">
+                                            <p:txEl>
+                                              <p:pRg st="1" end="1"/>
+                                            </p:txEl>
+                                          </p:spTgt>
+                                        </p:tgtEl>
+                                        <p:attrNameLst>
+                                          <p:attrName>style.visibility</p:attrName>
+                                        </p:attrNameLst>
+                                      </p:cBhvr>
+                                      <p:to>
+                                        <p:strVal val="visible"/>
+                                      </p:to>
+                                    </p:set>
+                                  </p:childTnLst>
+                                </p:cTn>
+                              </p:par>
+                            </p:childTnLst>
+                          </p:cTn>
+                        </p:par>
+                      </p:childTnLst>
+                    </p:cTn>
+                  </p:par>
+                  <p:par>
+                    <p:cTn id="11" fill="hold">
+                      <p:stCondLst>
+                        <p:cond delay="indefinite"/>
+                      </p:stCondLst>
+                      <p:childTnLst>
+                        <p:par>
+                          <p:cTn id="12" fill="hold">
+                            <p:stCondLst>
+                              <p:cond delay="0"/>
+                            </p:stCondLst>
+                            <p:childTnLst>
+                              <p:par>
+                                <p:cTn id="13" presetID="1" presetClass="entr" presetSubtype="0" fill="hold" grpId="0" nodeType="clickEffect">
+                                  <p:stCondLst>
+                                    <p:cond delay="0"/>
+                                  </p:stCondLst>
+                                  <p:childTnLst>
+                                    <p:set>
+                                      <p:cBhvr>
+                                        <p:cTn id="14" dur="1" fill="hold">
+                                          <p:stCondLst>
+                                            <p:cond delay="0"/>
+                                          </p:stCondLst>
+                                        </p:cTn>
+                                        <p:tgtEl>
+                                          <p:spTgt spid="3">
+                                            <p:txEl>
+                                              <p:pRg st="2" end="2"/>
+                                            </p:txEl>
+                                          </p:spTgt>
+                                        </p:tgtEl>
+                                        <p:attrNameLst>
+                                          <p:attrName>style.visibility</p:attrName>
+                                        </p:attrNameLst>
+                                      </p:cBhvr>
+                                      <p:to>
+                                        <p:strVal val="visible"/>
+                                      </p:to>
+                                    </p:set>
+                                  </p:childTnLst>
+                                </p:cTn>
+                              </p:par>
+                            </p:childTnLst>
+                          </p:cTn>
+                        </p:par>
+                      </p:childTnLst>
+                    </p:cTn>
+                  </p:par>
+                  <p:par>
+                    <p:cTn id="15" fill="hold">
+                      <p:stCondLst>
+                        <p:cond delay="indefinite"/>
+                      </p:stCondLst>
+                      <p:childTnLst>
+                        <p:par>
+                          <p:cTn id="16" fill="hold">
+                            <p:stCondLst>
+                              <p:cond delay="0"/>
+                            </p:stCondLst>
+                            <p:childTnLst>
+                              <p:par>
+                                <p:cTn id="17" presetID="1" presetClass="entr" presetSubtype="0" fill="hold" grpId="0" nodeType="clickEffect">
+                                  <p:stCondLst>
+                                    <p:cond delay="0"/>
+                                  </p:stCondLst>
+                                  <p:childTnLst>
+                                    <p:set>
+                                      <p:cBhvr>
+                                        <p:cTn id="18" dur="1" fill="hold">
+                                          <p:stCondLst>
+                                            <p:cond delay="0"/>
+                                          </p:stCondLst>
+                                        </p:cTn>
+                                        <p:tgtEl>
+                                          <p:spTgt spid="3">
+                                            <p:txEl>
+                                              <p:pRg st="3" end="3"/>
+                                            </p:txEl>
+                                          </p:spTgt>
+                                        </p:tgtEl>
+                                        <p:attrNameLst>
+                                          <p:attrName>style.visibility</p:attrName>
+                                        </p:attrNameLst>
+                                      </p:cBhvr>
+                                      <p:to>
+                                        <p:strVal val="visible"/>
+                                      </p:to>
+                                    </p:set>
+                                  </p:childTnLst>
+                                </p:cTn>
+                              </p:par>
+                              <p:par>
+                                <p:cTn id="19" presetID="1" presetClass="entr" presetSubtype="0" fill="hold" grpId="0" nodeType="withEffect">
+                                  <p:stCondLst>
+                                    <p:cond delay="0"/>
+                                  </p:stCondLst>
+                                  <p:childTnLst>
+                                    <p:set>
+                                      <p:cBhvr>
+                                        <p:cTn id="20" dur="1" fill="hold">
+                                          <p:stCondLst>
+                                            <p:cond delay="0"/>
+                                          </p:stCondLst>
+                                        </p:cTn>
+                                        <p:tgtEl>
+                                          <p:spTgt spid="3">
+                                            <p:txEl>
+                                              <p:pRg st="4" end="4"/>
+                                            </p:txEl>
+                                          </p:spTgt>
+                                        </p:tgtEl>
+                                        <p:attrNameLst>
+                                          <p:attrName>style.visibility</p:attrName>
+                                        </p:attrNameLst>
+                                      </p:cBhvr>
+                                      <p:to>
+                                        <p:strVal val="visible"/>
+                                      </p:to>
+                                    </p:set>
+                                  </p:childTnLst>
+                                </p:cTn>
+                              </p:par>
+                            </p:childTnLst>
+                          </p:cTn>
+                        </p:par>
+                      </p:childTnLst>
+                    </p:cTn>
+                  </p:par>
+                  <p:par>
+                    <p:cTn id="21" fill="hold">
+                      <p:stCondLst>
+                        <p:cond delay="indefinite"/>
+                      </p:stCondLst>
+                      <p:childTnLst>
+                        <p:par>
+                          <p:cTn id="22" fill="hold">
+                            <p:stCondLst>
+                              <p:cond delay="0"/>
+                            </p:stCondLst>
+                            <p:childTnLst>
+                              <p:par>
+                                <p:cTn id="23" presetID="1" presetClass="entr" presetSubtype="0" fill="hold" grpId="0" nodeType="clickEffect">
+                                  <p:stCondLst>
+                                    <p:cond delay="0"/>
+                                  </p:stCondLst>
+                                  <p:childTnLst>
+                                    <p:set>
+                                      <p:cBhvr>
+                                        <p:cTn id="24" dur="1" fill="hold">
+                                          <p:stCondLst>
+                                            <p:cond delay="0"/>
+                                          </p:stCondLst>
+                                        </p:cTn>
+                                        <p:tgtEl>
+                                          <p:spTgt spid="3">
+                                            <p:txEl>
+                                              <p:pRg st="5" end="5"/>
+                                            </p:txEl>
+                                          </p:spTgt>
+                                        </p:tgtEl>
+                                        <p:attrNameLst>
+                                          <p:attrName>style.visibility</p:attrName>
+                                        </p:attrNameLst>
+                                      </p:cBhvr>
+                                      <p:to>
+                                        <p:strVal val="visible"/>
+                                      </p:to>
+                                    </p:set>
+                                  </p:childTnLst>
+                                </p:cTn>
+                              </p:par>
+                            </p:childTnLst>
+                          </p:cTn>
+                        </p:par>
+                      </p:childTnLst>
+                    </p:cTn>
+                  </p:par>
+                  <p:par>
+                    <p:cTn id="25" fill="hold">
+                      <p:stCondLst>
+                        <p:cond delay="indefinite"/>
+                      </p:stCondLst>
+                      <p:childTnLst>
+                        <p:par>
+                          <p:cTn id="26" fill="hold">
+                            <p:stCondLst>
+                              <p:cond delay="0"/>
+                            </p:stCondLst>
+                            <p:childTnLst>
+                              <p:par>
+                                <p:cTn id="27" presetID="1" presetClass="entr" presetSubtype="0" fill="hold" grpId="0" nodeType="clickEffect">
+                                  <p:stCondLst>
+                                    <p:cond delay="0"/>
+                                  </p:stCondLst>
+                                  <p:childTnLst>
+                                    <p:set>
+                                      <p:cBhvr>
+                                        <p:cTn id="28" dur="1" fill="hold">
+                                          <p:stCondLst>
+                                            <p:cond delay="0"/>
+                                          </p:stCondLst>
+                                        </p:cTn>
+                                        <p:tgtEl>
+                                          <p:spTgt spid="3">
+                                            <p:txEl>
+                                              <p:pRg st="6" end="6"/>
+                                            </p:txEl>
+                                          </p:spTgt>
+                                        </p:tgtEl>
+                                        <p:attrNameLst>
+                                          <p:attrName>style.visibility</p:attrName>
+                                        </p:attrNameLst>
+                                      </p:cBhvr>
+                                      <p:to>
+                                        <p:strVal val="visible"/>
+                                      </p:to>
+                                    </p:set>
+                                  </p:childTnLst>
+                                </p:cTn>
+                              </p:par>
+                            </p:childTnLst>
+                          </p:cTn>
+                        </p:par>
+                      </p:childTnLst>
+                    </p:cTn>
+                  </p:par>
+                  <p:par>
+                    <p:cTn id="29" fill="hold">
+                      <p:stCondLst>
+                        <p:cond delay="indefinite"/>
+                      </p:stCondLst>
+                      <p:childTnLst>
+                        <p:par>
+                          <p:cTn id="30" fill="hold">
+                            <p:stCondLst>
+                              <p:cond delay="0"/>
+                            </p:stCondLst>
+                            <p:childTnLst>
+                              <p:par>
+                                <p:cTn id="31" presetID="1" presetClass="entr" presetSubtype="0" fill="hold" grpId="0" nodeType="clickEffect">
+                                  <p:stCondLst>
+                                    <p:cond delay="0"/>
+                                  </p:stCondLst>
+                                  <p:childTnLst>
+                                    <p:set>
+                                      <p:cBhvr>
+                                        <p:cTn id="32" dur="1" fill="hold">
+                                          <p:stCondLst>
+                                            <p:cond delay="0"/>
+                                          </p:stCondLst>
+                                        </p:cTn>
+                                        <p:tgtEl>
+                                          <p:spTgt spid="3">
+                                            <p:txEl>
+                                              <p:pRg st="7" end="7"/>
+                                            </p:txEl>
+                                          </p:spTgt>
+                                        </p:tgtEl>
+                                        <p:attrNameLst>
+                                          <p:attrName>style.visibility</p:attrName>
+                                        </p:attrNameLst>
+                                      </p:cBhvr>
+                                      <p:to>
+                                        <p:strVal val="visible"/>
+                                      </p:to>
+                                    </p:set>
+                                  </p:childTnLst>
+                                </p:cTn>
+                              </p:par>
+                              <p:par>
+                                <p:cTn id="33" presetID="1" presetClass="entr" presetSubtype="0" fill="hold" grpId="0" nodeType="withEffect">
+                                  <p:stCondLst>
+                                    <p:cond delay="0"/>
+                                  </p:stCondLst>
+                                  <p:childTnLst>
+                                    <p:set>
+                                      <p:cBhvr>
+                                        <p:cTn id="34" dur="1" fill="hold">
+                                          <p:stCondLst>
+                                            <p:cond delay="0"/>
+                                          </p:stCondLst>
+                                        </p:cTn>
+                                        <p:tgtEl>
+                                          <p:spTgt spid="3">
+                                            <p:txEl>
+                                              <p:pRg st="8" end="8"/>
+                                            </p:txEl>
+                                          </p:spTgt>
+                                        </p:tgtEl>
+                                        <p:attrNameLst>
+                                          <p:attrName>style.visibility</p:attrName>
+                                        </p:attrNameLst>
+                                      </p:cBhvr>
+                                      <p:to>
+                                        <p:strVal val="visible"/>
+                                      </p:to>
+                                    </p:set>
+                                  </p:childTnLst>
+                                </p:cTn>
+                              </p:par>
+                            </p:childTnLst>
+                          </p:cTn>
+                        </p:par>
+                      </p:childTnLst>
+                    </p:cTn>
+                  </p:par>
+                  <p:par>
+                    <p:cTn id="35" fill="hold">
+                      <p:stCondLst>
+                        <p:cond delay="indefinite"/>
+                      </p:stCondLst>
+                      <p:childTnLst>
+                        <p:par>
+                          <p:cTn id="36" fill="hold">
+                            <p:stCondLst>
+                              <p:cond delay="0"/>
+                            </p:stCondLst>
+                            <p:childTnLst>
+                              <p:par>
+                                <p:cTn id="37" presetID="1" presetClass="entr" presetSubtype="0" fill="hold" grpId="0" nodeType="clickEffect">
+                                  <p:stCondLst>
+                                    <p:cond delay="0"/>
+                                  </p:stCondLst>
+                                  <p:childTnLst>
+                                    <p:set>
+                                      <p:cBhvr>
+                                        <p:cTn id="38" dur="1" fill="hold">
+                                          <p:stCondLst>
+                                            <p:cond delay="0"/>
+                                          </p:stCondLst>
+                                        </p:cTn>
+                                        <p:tgtEl>
+                                          <p:spTgt spid="3">
+                                            <p:txEl>
+                                              <p:pRg st="9" end="9"/>
+                                            </p:txEl>
+                                          </p:spTgt>
+                                        </p:tgtEl>
+                                        <p:attrNameLst>
+                                          <p:attrName>style.visibility</p:attrName>
+                                        </p:attrNameLst>
+                                      </p:cBhvr>
+                                      <p:to>
+                                        <p:strVal val="visible"/>
+                                      </p:to>
+                                    </p:set>
+                                  </p:childTnLst>
+                                </p:cTn>
+                              </p:par>
+                            </p:childTnLst>
+                          </p:cTn>
+                        </p:par>
+                      </p:childTnLst>
+                    </p:cTn>
+                  </p:par>
+                </p:childTnLst>
+              </p:cTn>
+              <p:prevCondLst>
+                <p:cond evt="onPrev" delay="0">
+                  <p:tgtEl>
+                    <p:sldTgt/>
+                  </p:tgtEl>
+                </p:cond>
+              </p:prevCondLst>
+              <p:nextCondLst>
+                <p:cond evt="onNext" delay="0">
+                  <p:tgtEl>
+                    <p:sldTgt/>
+                  </p:tgtEl>
+                </p:cond>
+              </p:nextCondLst>
+            </p:seq>
+          </p:childTnLst>
+        </p:cTn>
+      </p:par>
+    </p:tnLst>
+    <p:bldLst>
+      <p:bldP spid="3" grpId="0" build="p"/>
+    </p:bldLst>
+  </p:timing>
 </p:sld>
 </file>
 
@@ -12916,7 +16008,7 @@
         <a:effectLst/>
         <a:extLst>
           <a:ext uri="{AF507438-7753-43e0-B8FC-AC1667EBCBE1}">
-            <a14:hiddenEffects xmlns="" xmlns:a14="http://schemas.microsoft.com/office/drawing/2010/main">
+            <a14:hiddenEffects xmlns:a14="http://schemas.microsoft.com/office/drawing/2010/main" xmlns="">
               <a:effectLst>
                 <a:outerShdw dist="35921" dir="2700000" algn="ctr" rotWithShape="0">
                   <a:schemeClr val="bg2"/>
@@ -12989,7 +16081,7 @@
         <a:effectLst/>
         <a:extLst>
           <a:ext uri="{AF507438-7753-43e0-B8FC-AC1667EBCBE1}">
-            <a14:hiddenEffects xmlns="" xmlns:a14="http://schemas.microsoft.com/office/drawing/2010/main">
+            <a14:hiddenEffects xmlns:a14="http://schemas.microsoft.com/office/drawing/2010/main" xmlns="">
               <a:effectLst>
                 <a:outerShdw dist="35921" dir="2700000" algn="ctr" rotWithShape="0">
                   <a:schemeClr val="bg2"/>

--- a/PPTs/L8-Exercises ANS.pptx
+++ b/PPTs/L8-Exercises ANS.pptx
@@ -219,14 +219,14 @@
           <a:effectLst/>
           <a:extLst>
             <a:ext uri="{909E8E84-426E-40dd-AFC4-6F175D3DCCD1}">
-              <a14:hiddenFill xmlns:a14="http://schemas.microsoft.com/office/drawing/2010/main" xmlns="">
+              <a14:hiddenFill xmlns="" xmlns:a14="http://schemas.microsoft.com/office/drawing/2010/main">
                 <a:solidFill>
                   <a:schemeClr val="bg1"/>
                 </a:solidFill>
               </a14:hiddenFill>
             </a:ext>
             <a:ext uri="{91240B29-F687-4f45-9708-019B960494DF}">
-              <a14:hiddenLine xmlns:a14="http://schemas.microsoft.com/office/drawing/2010/main" xmlns="" w="12700">
+              <a14:hiddenLine xmlns="" xmlns:a14="http://schemas.microsoft.com/office/drawing/2010/main" w="12700">
                 <a:pattFill prst="narHorz">
                   <a:fgClr>
                     <a:schemeClr val="tx1"/>
@@ -241,7 +241,7 @@
               </a14:hiddenLine>
             </a:ext>
             <a:ext uri="{AF507438-7753-43e0-B8FC-AC1667EBCBE1}">
-              <a14:hiddenEffects xmlns:a14="http://schemas.microsoft.com/office/drawing/2010/main" xmlns="">
+              <a14:hiddenEffects xmlns="" xmlns:a14="http://schemas.microsoft.com/office/drawing/2010/main">
                 <a:effectLst>
                   <a:outerShdw dist="35921" dir="2700000" algn="ctr" rotWithShape="0">
                     <a:schemeClr val="bg2"/>
@@ -347,14 +347,14 @@
           <a:effectLst/>
           <a:extLst>
             <a:ext uri="{909E8E84-426E-40dd-AFC4-6F175D3DCCD1}">
-              <a14:hiddenFill xmlns:a14="http://schemas.microsoft.com/office/drawing/2010/main" xmlns="">
+              <a14:hiddenFill xmlns="" xmlns:a14="http://schemas.microsoft.com/office/drawing/2010/main">
                 <a:solidFill>
                   <a:schemeClr val="bg1"/>
                 </a:solidFill>
               </a14:hiddenFill>
             </a:ext>
             <a:ext uri="{91240B29-F687-4f45-9708-019B960494DF}">
-              <a14:hiddenLine xmlns:a14="http://schemas.microsoft.com/office/drawing/2010/main" xmlns="" w="12700">
+              <a14:hiddenLine xmlns="" xmlns:a14="http://schemas.microsoft.com/office/drawing/2010/main" w="12700">
                 <a:pattFill prst="narHorz">
                   <a:fgClr>
                     <a:schemeClr val="tx1"/>
@@ -369,7 +369,7 @@
               </a14:hiddenLine>
             </a:ext>
             <a:ext uri="{AF507438-7753-43e0-B8FC-AC1667EBCBE1}">
-              <a14:hiddenEffects xmlns:a14="http://schemas.microsoft.com/office/drawing/2010/main" xmlns="">
+              <a14:hiddenEffects xmlns="" xmlns:a14="http://schemas.microsoft.com/office/drawing/2010/main">
                 <a:effectLst>
                   <a:outerShdw dist="35921" dir="2700000" algn="ctr" rotWithShape="0">
                     <a:schemeClr val="bg2"/>
@@ -437,17 +437,17 @@
           <a:effectLst/>
           <a:extLst>
             <a:ext uri="{FAA26D3D-D897-4be2-8F04-BA451C77F1D7}">
-              <ma14:placeholderFlag xmlns:ma14="http://schemas.microsoft.com/office/mac/drawingml/2011/main" xmlns="" val="1"/>
+              <ma14:placeholderFlag xmlns="" xmlns:ma14="http://schemas.microsoft.com/office/mac/drawingml/2011/main" val="1"/>
             </a:ext>
             <a:ext uri="{909E8E84-426E-40dd-AFC4-6F175D3DCCD1}">
-              <a14:hiddenFill xmlns:a14="http://schemas.microsoft.com/office/drawing/2010/main" xmlns="">
+              <a14:hiddenFill xmlns="" xmlns:a14="http://schemas.microsoft.com/office/drawing/2010/main">
                 <a:solidFill>
                   <a:srgbClr val="FFFFFF"/>
                 </a:solidFill>
               </a14:hiddenFill>
             </a:ext>
             <a:ext uri="{AF507438-7753-43e0-B8FC-AC1667EBCBE1}">
-              <a14:hiddenEffects xmlns:a14="http://schemas.microsoft.com/office/drawing/2010/main" xmlns="">
+              <a14:hiddenEffects xmlns="" xmlns:a14="http://schemas.microsoft.com/office/drawing/2010/main">
                 <a:effectLst>
                   <a:outerShdw blurRad="63500" dist="38099" dir="2700000" algn="ctr" rotWithShape="0">
                     <a:srgbClr val="000000">
@@ -458,7 +458,7 @@
               </a14:hiddenEffects>
             </a:ext>
             <a:ext uri="{53640926-AAD7-44d8-BBD7-CCE9431645EC}">
-              <a14:shadowObscured xmlns:a14="http://schemas.microsoft.com/office/drawing/2010/main" xmlns="" val="1"/>
+              <a14:shadowObscured xmlns="" xmlns:a14="http://schemas.microsoft.com/office/drawing/2010/main" val="1"/>
             </a:ext>
           </a:extLst>
         </p:spPr>
@@ -488,14 +488,14 @@
           <a:effectLst/>
           <a:extLst>
             <a:ext uri="{909E8E84-426E-40dd-AFC4-6F175D3DCCD1}">
-              <a14:hiddenFill xmlns:a14="http://schemas.microsoft.com/office/drawing/2010/main" xmlns="">
+              <a14:hiddenFill xmlns="" xmlns:a14="http://schemas.microsoft.com/office/drawing/2010/main">
                 <a:solidFill>
                   <a:schemeClr val="bg1"/>
                 </a:solidFill>
               </a14:hiddenFill>
             </a:ext>
             <a:ext uri="{91240B29-F687-4f45-9708-019B960494DF}">
-              <a14:hiddenLine xmlns:a14="http://schemas.microsoft.com/office/drawing/2010/main" xmlns="" w="12700">
+              <a14:hiddenLine xmlns="" xmlns:a14="http://schemas.microsoft.com/office/drawing/2010/main" w="12700">
                 <a:pattFill prst="narHorz">
                   <a:fgClr>
                     <a:schemeClr val="tx1"/>
@@ -510,7 +510,7 @@
               </a14:hiddenLine>
             </a:ext>
             <a:ext uri="{AF507438-7753-43e0-B8FC-AC1667EBCBE1}">
-              <a14:hiddenEffects xmlns:a14="http://schemas.microsoft.com/office/drawing/2010/main" xmlns="">
+              <a14:hiddenEffects xmlns="" xmlns:a14="http://schemas.microsoft.com/office/drawing/2010/main">
                 <a:effectLst>
                   <a:outerShdw dist="35921" dir="2700000" algn="ctr" rotWithShape="0">
                     <a:schemeClr val="bg2"/>
@@ -760,10 +760,10 @@
         <p:spPr>
           <a:extLst>
             <a:ext uri="{FAA26D3D-D897-4be2-8F04-BA451C77F1D7}">
-              <ma14:placeholderFlag xmlns:ma14="http://schemas.microsoft.com/office/mac/drawingml/2011/main" xmlns="" val="1"/>
+              <ma14:placeholderFlag xmlns="" xmlns:ma14="http://schemas.microsoft.com/office/mac/drawingml/2011/main" val="1"/>
             </a:ext>
             <a:ext uri="{AF507438-7753-43e0-B8FC-AC1667EBCBE1}">
-              <a14:hiddenEffects xmlns:a14="http://schemas.microsoft.com/office/drawing/2010/main" xmlns="">
+              <a14:hiddenEffects xmlns="" xmlns:a14="http://schemas.microsoft.com/office/drawing/2010/main">
                 <a:effectLst>
                   <a:outerShdw blurRad="63500" dist="38099" dir="2700000" algn="ctr" rotWithShape="0">
                     <a:schemeClr val="bg2">
@@ -2924,17 +2924,17 @@
           <a:effectLst/>
           <a:extLst>
             <a:ext uri="{FAA26D3D-D897-4be2-8F04-BA451C77F1D7}">
-              <ma14:placeholderFlag xmlns:ma14="http://schemas.microsoft.com/office/mac/drawingml/2011/main" xmlns="" val="1"/>
+              <ma14:placeholderFlag xmlns="" xmlns:ma14="http://schemas.microsoft.com/office/mac/drawingml/2011/main" val="1"/>
             </a:ext>
             <a:ext uri="{909E8E84-426E-40dd-AFC4-6F175D3DCCD1}">
-              <a14:hiddenFill xmlns:a14="http://schemas.microsoft.com/office/drawing/2010/main" xmlns="">
+              <a14:hiddenFill xmlns="" xmlns:a14="http://schemas.microsoft.com/office/drawing/2010/main">
                 <a:solidFill>
                   <a:schemeClr val="bg1"/>
                 </a:solidFill>
               </a14:hiddenFill>
             </a:ext>
             <a:ext uri="{91240B29-F687-4f45-9708-019B960494DF}">
-              <a14:hiddenLine xmlns:a14="http://schemas.microsoft.com/office/drawing/2010/main" xmlns="" w="12700">
+              <a14:hiddenLine xmlns="" xmlns:a14="http://schemas.microsoft.com/office/drawing/2010/main" w="12700">
                 <a:pattFill prst="narHorz">
                   <a:fgClr>
                     <a:schemeClr val="tx1"/>
@@ -2949,7 +2949,7 @@
               </a14:hiddenLine>
             </a:ext>
             <a:ext uri="{AF507438-7753-43e0-B8FC-AC1667EBCBE1}">
-              <a14:hiddenEffects xmlns:a14="http://schemas.microsoft.com/office/drawing/2010/main" xmlns="">
+              <a14:hiddenEffects xmlns="" xmlns:a14="http://schemas.microsoft.com/office/drawing/2010/main">
                 <a:effectLst>
                   <a:outerShdw blurRad="63500" dist="38099" dir="2700000" algn="ctr" rotWithShape="0">
                     <a:schemeClr val="bg2">
@@ -3002,17 +3002,17 @@
           <a:effectLst/>
           <a:extLst>
             <a:ext uri="{FAA26D3D-D897-4be2-8F04-BA451C77F1D7}">
-              <ma14:placeholderFlag xmlns:ma14="http://schemas.microsoft.com/office/mac/drawingml/2011/main" xmlns="" val="1"/>
+              <ma14:placeholderFlag xmlns="" xmlns:ma14="http://schemas.microsoft.com/office/mac/drawingml/2011/main" val="1"/>
             </a:ext>
             <a:ext uri="{909E8E84-426E-40dd-AFC4-6F175D3DCCD1}">
-              <a14:hiddenFill xmlns:a14="http://schemas.microsoft.com/office/drawing/2010/main" xmlns="">
+              <a14:hiddenFill xmlns="" xmlns:a14="http://schemas.microsoft.com/office/drawing/2010/main">
                 <a:solidFill>
                   <a:schemeClr val="bg1"/>
                 </a:solidFill>
               </a14:hiddenFill>
             </a:ext>
             <a:ext uri="{91240B29-F687-4f45-9708-019B960494DF}">
-              <a14:hiddenLine xmlns:a14="http://schemas.microsoft.com/office/drawing/2010/main" xmlns="" w="12700">
+              <a14:hiddenLine xmlns="" xmlns:a14="http://schemas.microsoft.com/office/drawing/2010/main" w="12700">
                 <a:pattFill prst="narHorz">
                   <a:fgClr>
                     <a:schemeClr val="tx1"/>
@@ -3027,7 +3027,7 @@
               </a14:hiddenLine>
             </a:ext>
             <a:ext uri="{AF507438-7753-43e0-B8FC-AC1667EBCBE1}">
-              <a14:hiddenEffects xmlns:a14="http://schemas.microsoft.com/office/drawing/2010/main" xmlns="">
+              <a14:hiddenEffects xmlns="" xmlns:a14="http://schemas.microsoft.com/office/drawing/2010/main">
                 <a:effectLst>
                   <a:outerShdw blurRad="63500" dist="38099" dir="2700000" algn="ctr" rotWithShape="0">
                     <a:schemeClr val="bg2">
@@ -3111,12 +3111,12 @@
           <a:effectLst/>
           <a:extLst>
             <a:ext uri="{909E8E84-426E-40dd-AFC4-6F175D3DCCD1}">
-              <a14:hiddenFill xmlns:a14="http://schemas.microsoft.com/office/drawing/2010/main" xmlns="">
+              <a14:hiddenFill xmlns="" xmlns:a14="http://schemas.microsoft.com/office/drawing/2010/main">
                 <a:noFill/>
               </a14:hiddenFill>
             </a:ext>
             <a:ext uri="{AF507438-7753-43e0-B8FC-AC1667EBCBE1}">
-              <a14:hiddenEffects xmlns:a14="http://schemas.microsoft.com/office/drawing/2010/main" xmlns="">
+              <a14:hiddenEffects xmlns="" xmlns:a14="http://schemas.microsoft.com/office/drawing/2010/main">
                 <a:effectLst>
                   <a:outerShdw blurRad="63500" dist="38099" dir="2700000" algn="ctr" rotWithShape="0">
                     <a:schemeClr val="bg2">
@@ -14588,7 +14588,19 @@
               <a:rPr lang="en-GB" dirty="0">
                 <a:latin typeface="Gill Sans Light"/>
               </a:rPr>
-              <a:t>Consider 12-bit virtual address space. Page size is 1 KB. The table shows the 4 entries in the page table. Recall that the valid bit is 1 if the page is resident in physical memory and 0 if the page is on disk or hasn’t been allocated. What is the physical address corresponding to the virtual address 0xF74 and 0x374?</a:t>
+              <a:t>Consider 12-bit virtual address space. Page size is 1 KB. The table shows the 4 entries in the page table. Recall that the valid bit is 1 if the page is resident in physical memory and 0 if the page is on disk or hasn’t been allocated. What is the physical address corresponding to the virtual address </a:t>
+            </a:r>
+            <a:r>
+              <a:rPr lang="en-GB">
+                <a:latin typeface="Gill Sans Light"/>
+              </a:rPr>
+              <a:t>0xF74, </a:t>
+            </a:r>
+            <a:r>
+              <a:rPr lang="en-GB" dirty="0">
+                <a:latin typeface="Gill Sans Light"/>
+              </a:rPr>
+              <a:t>0x374?</a:t>
             </a:r>
           </a:p>
           <a:p>
@@ -16008,7 +16020,7 @@
         <a:effectLst/>
         <a:extLst>
           <a:ext uri="{AF507438-7753-43e0-B8FC-AC1667EBCBE1}">
-            <a14:hiddenEffects xmlns:a14="http://schemas.microsoft.com/office/drawing/2010/main" xmlns="">
+            <a14:hiddenEffects xmlns="" xmlns:a14="http://schemas.microsoft.com/office/drawing/2010/main">
               <a:effectLst>
                 <a:outerShdw dist="35921" dir="2700000" algn="ctr" rotWithShape="0">
                   <a:schemeClr val="bg2"/>
@@ -16081,7 +16093,7 @@
         <a:effectLst/>
         <a:extLst>
           <a:ext uri="{AF507438-7753-43e0-B8FC-AC1667EBCBE1}">
-            <a14:hiddenEffects xmlns:a14="http://schemas.microsoft.com/office/drawing/2010/main" xmlns="">
+            <a14:hiddenEffects xmlns="" xmlns:a14="http://schemas.microsoft.com/office/drawing/2010/main">
               <a:effectLst>
                 <a:outerShdw dist="35921" dir="2700000" algn="ctr" rotWithShape="0">
                   <a:schemeClr val="bg2"/>

--- a/PPTs/L8-Exercises ANS.pptx
+++ b/PPTs/L8-Exercises ANS.pptx
@@ -848,6 +848,60 @@
               <a:rPr lang="en-GB" dirty="0"/>
               <a:t>The virtual page number is 3 with a page offset of 0x374. Looking up page table entry for virtual page 3, we see that the page is resident in memory (i.e. valid bit = 1) and lives in physical page 2, so the corresponding physical address is (2&lt;</a:t>
             </a:r>
+          </a:p>
+          <a:p>
+            <a:endParaRPr lang="en-GB" dirty="0"/>
+          </a:p>
+          <a:p>
+            <a:pPr marL="0" marR="0" lvl="0" indent="0" algn="l" defTabSz="914400" rtl="0" eaLnBrk="0" fontAlgn="base" latinLnBrk="0" hangingPunct="0">
+              <a:lnSpc>
+                <a:spcPct val="90000"/>
+              </a:lnSpc>
+              <a:spcBef>
+                <a:spcPct val="40000"/>
+              </a:spcBef>
+              <a:spcAft>
+                <a:spcPct val="0"/>
+              </a:spcAft>
+              <a:buClrTx/>
+              <a:buSzTx/>
+              <a:buFontTx/>
+              <a:buNone/>
+              <a:tabLst/>
+              <a:defRPr/>
+            </a:pPr>
+            <a:r>
+              <a:rPr lang="en-GB" dirty="0">
+                <a:latin typeface="Gill Sans Light"/>
+              </a:rPr>
+              <a:t>Physical address: </a:t>
+            </a:r>
+            <a:r>
+              <a:rPr lang="en-GB" dirty="0">
+                <a:solidFill>
+                  <a:srgbClr val="FF0000"/>
+                </a:solidFill>
+                <a:latin typeface="Gill Sans Light"/>
+              </a:rPr>
+              <a:t>01</a:t>
+            </a:r>
+            <a:r>
+              <a:rPr lang="en-GB" dirty="0">
+                <a:solidFill>
+                  <a:srgbClr val="2A40E2"/>
+                </a:solidFill>
+                <a:latin typeface="Gill Sans Light"/>
+              </a:rPr>
+              <a:t>11 0111 0100</a:t>
+            </a:r>
+            <a:r>
+              <a:rPr lang="en-GB" dirty="0">
+                <a:latin typeface="Gill Sans Light"/>
+              </a:rPr>
+              <a:t> (binary) = 0x774</a:t>
+            </a:r>
+          </a:p>
+          <a:p>
             <a:endParaRPr lang="en-SE" dirty="0"/>
           </a:p>
           <a:p>
@@ -14580,7 +14634,7 @@
         </p:spPr>
         <p:txBody>
           <a:bodyPr>
-            <a:normAutofit lnSpcReduction="10000"/>
+            <a:normAutofit fontScale="92500" lnSpcReduction="10000"/>
           </a:bodyPr>
           <a:lstStyle/>
           <a:p>
@@ -14588,19 +14642,19 @@
               <a:rPr lang="en-GB" dirty="0">
                 <a:latin typeface="Gill Sans Light"/>
               </a:rPr>
-              <a:t>Consider 12-bit virtual address space. Page size is 1 KB. The table shows the 4 entries in the page table. Recall that the valid bit is 1 if the page is resident in physical memory and 0 if the page is on disk or hasn’t been allocated. What is the physical address corresponding to the virtual address </a:t>
+              <a:t>Consider 12-bit virtual address space. Page size is 1 KB. The table shows the 4 entries in the page table. Recall that the valid bit is 1 if the page is resident in physical memory and 0 if the page is on disk or hasn’t been allocated. What is the physical memory address corresponding to the </a:t>
             </a:r>
             <a:r>
               <a:rPr lang="en-GB">
                 <a:latin typeface="Gill Sans Light"/>
               </a:rPr>
-              <a:t>0xF74, </a:t>
+              <a:t>virtual memory address </a:t>
             </a:r>
             <a:r>
               <a:rPr lang="en-GB" dirty="0">
                 <a:latin typeface="Gill Sans Light"/>
               </a:rPr>
-              <a:t>0x374?</a:t>
+              <a:t>0xF74, 0x374?</a:t>
             </a:r>
           </a:p>
           <a:p>
@@ -14711,6 +14765,7 @@
             </a:endParaRPr>
           </a:p>
           <a:p>
+            <a:pPr lvl="1"/>
             <a:r>
               <a:rPr lang="en-GB" b="0" i="0" dirty="0">
                 <a:effectLst/>
@@ -14720,6 +14775,7 @@
             </a:r>
           </a:p>
           <a:p>
+            <a:pPr lvl="1"/>
             <a:r>
               <a:rPr lang="en-GB" dirty="0">
                 <a:latin typeface="Gill Sans Light"/>
@@ -14833,20 +14889,29 @@
             </a:r>
           </a:p>
           <a:p>
-            <a:pPr>
+            <a:pPr lvl="1">
               <a:buFont typeface="Arial" panose="020B0604020202020204" pitchFamily="34" charset="0"/>
               <a:buChar char="•"/>
             </a:pPr>
+            <a:r>
+              <a:rPr lang="en-GB" dirty="0">
+                <a:latin typeface="Gill Sans Light"/>
+              </a:rPr>
+              <a:t>Entry for VPN 00 (0 in decimal): Valid bit = 0.</a:t>
+            </a:r>
             <a:r>
               <a:rPr lang="en-GB" b="0" i="0" dirty="0">
                 <a:effectLst/>
                 <a:latin typeface="Gill Sans Light"/>
               </a:rPr>
-              <a:t>Entry for VPN 00 (0 in decimal): Valid bit = 0, hence the page is not in physical memory</a:t>
-            </a:r>
-            <a:endParaRPr lang="en-GB" dirty="0">
-              <a:latin typeface="Gill Sans Light"/>
-            </a:endParaRPr>
+              <a:t> hence the page is not in physical memory</a:t>
+            </a:r>
+            <a:r>
+              <a:rPr lang="en-GB" dirty="0">
+                <a:latin typeface="Gill Sans Light"/>
+              </a:rPr>
+              <a:t>, there will be a page fault and OS will bring the page into memory. The current PPN is not valid and shown as “/”. </a:t>
+            </a:r>
           </a:p>
         </p:txBody>
       </p:sp>
@@ -14862,7 +14927,13 @@
           <p:cNvGraphicFramePr>
             <a:graphicFrameLocks noGrp="1"/>
           </p:cNvGraphicFramePr>
-          <p:nvPr/>
+          <p:nvPr>
+            <p:extLst>
+              <p:ext uri="{D42A27DB-BD31-4B8C-83A1-F6EECF244321}">
+                <p14:modId xmlns:p14="http://schemas.microsoft.com/office/powerpoint/2010/main" val="537726829"/>
+              </p:ext>
+            </p:extLst>
+          </p:nvPr>
         </p:nvGraphicFramePr>
         <p:xfrm>
           <a:off x="8864600" y="1752600"/>
@@ -15032,7 +15103,7 @@
                             <a:schemeClr val="tx1"/>
                           </a:solidFill>
                         </a:rPr>
-                        <a:t>7</a:t>
+                        <a:t>/</a:t>
                       </a:r>
                       <a:endParaRPr lang="en-SE" dirty="0">
                         <a:solidFill>
@@ -15103,12 +15174,12 @@
                     <a:p>
                       <a:pPr algn="ctr"/>
                       <a:r>
-                        <a:rPr lang="en-GB" dirty="0">
+                        <a:rPr lang="en-GB">
                           <a:solidFill>
                             <a:schemeClr val="tx1"/>
                           </a:solidFill>
                         </a:rPr>
-                        <a:t>9</a:t>
+                        <a:t>0</a:t>
                       </a:r>
                       <a:endParaRPr lang="en-SE" dirty="0">
                         <a:solidFill>
@@ -15184,7 +15255,7 @@
                             <a:schemeClr val="tx1"/>
                           </a:solidFill>
                         </a:rPr>
-                        <a:t>3</a:t>
+                        <a:t>/</a:t>
                       </a:r>
                       <a:endParaRPr lang="en-SE" dirty="0">
                         <a:solidFill>
@@ -15521,26 +15592,39 @@
                                   </p:childTnLst>
                                 </p:cTn>
                               </p:par>
-                            </p:childTnLst>
-                          </p:cTn>
-                        </p:par>
-                      </p:childTnLst>
-                    </p:cTn>
-                  </p:par>
-                  <p:par>
-                    <p:cTn id="21" fill="hold">
-                      <p:stCondLst>
-                        <p:cond delay="indefinite"/>
-                      </p:stCondLst>
-                      <p:childTnLst>
-                        <p:par>
-                          <p:cTn id="22" fill="hold">
-                            <p:stCondLst>
-                              <p:cond delay="0"/>
-                            </p:stCondLst>
-                            <p:childTnLst>
                               <p:par>
-                                <p:cTn id="23" presetID="1" presetClass="entr" presetSubtype="0" fill="hold" grpId="0" nodeType="clickEffect">
+                                <p:cTn id="21" presetID="1" presetClass="entr" presetSubtype="0" fill="hold" grpId="0" nodeType="withEffect">
+                                  <p:stCondLst>
+                                    <p:cond delay="0"/>
+                                  </p:stCondLst>
+                                  <p:childTnLst>
+                                    <p:set>
+                                      <p:cBhvr>
+                                        <p:cTn id="22" dur="1" fill="hold">
+                                          <p:stCondLst>
+                                            <p:cond delay="0"/>
+                                          </p:stCondLst>
+                                        </p:cTn>
+                                        <p:tgtEl>
+                                          <p:spTgt spid="3">
+                                            <p:txEl>
+                                              <p:pRg st="5" end="5"/>
+                                            </p:txEl>
+                                          </p:spTgt>
+                                        </p:tgtEl>
+                                        <p:attrNameLst>
+                                          <p:attrName>style.visibility</p:attrName>
+                                        </p:attrNameLst>
+                                      </p:cBhvr>
+                                      <p:to>
+                                        <p:strVal val="visible"/>
+                                      </p:to>
+                                    </p:set>
+                                  </p:childTnLst>
+                                </p:cTn>
+                              </p:par>
+                              <p:par>
+                                <p:cTn id="23" presetID="1" presetClass="entr" presetSubtype="0" fill="hold" grpId="0" nodeType="withEffect">
                                   <p:stCondLst>
                                     <p:cond delay="0"/>
                                   </p:stCondLst>
@@ -15555,7 +15639,7 @@
                                         <p:tgtEl>
                                           <p:spTgt spid="3">
                                             <p:txEl>
-                                              <p:pRg st="5" end="5"/>
+                                              <p:pRg st="6" end="6"/>
                                             </p:txEl>
                                           </p:spTgt>
                                         </p:tgtEl>
@@ -15604,55 +15688,6 @@
                                         <p:tgtEl>
                                           <p:spTgt spid="3">
                                             <p:txEl>
-                                              <p:pRg st="6" end="6"/>
-                                            </p:txEl>
-                                          </p:spTgt>
-                                        </p:tgtEl>
-                                        <p:attrNameLst>
-                                          <p:attrName>style.visibility</p:attrName>
-                                        </p:attrNameLst>
-                                      </p:cBhvr>
-                                      <p:to>
-                                        <p:strVal val="visible"/>
-                                      </p:to>
-                                    </p:set>
-                                  </p:childTnLst>
-                                </p:cTn>
-                              </p:par>
-                            </p:childTnLst>
-                          </p:cTn>
-                        </p:par>
-                      </p:childTnLst>
-                    </p:cTn>
-                  </p:par>
-                  <p:par>
-                    <p:cTn id="29" fill="hold">
-                      <p:stCondLst>
-                        <p:cond delay="indefinite"/>
-                      </p:stCondLst>
-                      <p:childTnLst>
-                        <p:par>
-                          <p:cTn id="30" fill="hold">
-                            <p:stCondLst>
-                              <p:cond delay="0"/>
-                            </p:stCondLst>
-                            <p:childTnLst>
-                              <p:par>
-                                <p:cTn id="31" presetID="1" presetClass="entr" presetSubtype="0" fill="hold" grpId="0" nodeType="clickEffect">
-                                  <p:stCondLst>
-                                    <p:cond delay="0"/>
-                                  </p:stCondLst>
-                                  <p:childTnLst>
-                                    <p:set>
-                                      <p:cBhvr>
-                                        <p:cTn id="32" dur="1" fill="hold">
-                                          <p:stCondLst>
-                                            <p:cond delay="0"/>
-                                          </p:stCondLst>
-                                        </p:cTn>
-                                        <p:tgtEl>
-                                          <p:spTgt spid="3">
-                                            <p:txEl>
                                               <p:pRg st="7" end="7"/>
                                             </p:txEl>
                                           </p:spTgt>
@@ -15669,14 +15704,14 @@
                                 </p:cTn>
                               </p:par>
                               <p:par>
-                                <p:cTn id="33" presetID="1" presetClass="entr" presetSubtype="0" fill="hold" grpId="0" nodeType="withEffect">
+                                <p:cTn id="29" presetID="1" presetClass="entr" presetSubtype="0" fill="hold" grpId="0" nodeType="withEffect">
                                   <p:stCondLst>
                                     <p:cond delay="0"/>
                                   </p:stCondLst>
                                   <p:childTnLst>
                                     <p:set>
                                       <p:cBhvr>
-                                        <p:cTn id="34" dur="1" fill="hold">
+                                        <p:cTn id="30" dur="1" fill="hold">
                                           <p:stCondLst>
                                             <p:cond delay="0"/>
                                           </p:stCondLst>
@@ -15699,33 +15734,15 @@
                                   </p:childTnLst>
                                 </p:cTn>
                               </p:par>
-                            </p:childTnLst>
-                          </p:cTn>
-                        </p:par>
-                      </p:childTnLst>
-                    </p:cTn>
-                  </p:par>
-                  <p:par>
-                    <p:cTn id="35" fill="hold">
-                      <p:stCondLst>
-                        <p:cond delay="indefinite"/>
-                      </p:stCondLst>
-                      <p:childTnLst>
-                        <p:par>
-                          <p:cTn id="36" fill="hold">
-                            <p:stCondLst>
-                              <p:cond delay="0"/>
-                            </p:stCondLst>
-                            <p:childTnLst>
                               <p:par>
-                                <p:cTn id="37" presetID="1" presetClass="entr" presetSubtype="0" fill="hold" grpId="0" nodeType="clickEffect">
+                                <p:cTn id="31" presetID="1" presetClass="entr" presetSubtype="0" fill="hold" grpId="0" nodeType="withEffect">
                                   <p:stCondLst>
                                     <p:cond delay="0"/>
                                   </p:stCondLst>
                                   <p:childTnLst>
                                     <p:set>
                                       <p:cBhvr>
-                                        <p:cTn id="38" dur="1" fill="hold">
+                                        <p:cTn id="32" dur="1" fill="hold">
                                           <p:stCondLst>
                                             <p:cond delay="0"/>
                                           </p:stCondLst>

--- a/PPTs/L8-Exercises ANS.pptx
+++ b/PPTs/L8-Exercises ANS.pptx
@@ -219,14 +219,14 @@
           <a:effectLst/>
           <a:extLst>
             <a:ext uri="{909E8E84-426E-40dd-AFC4-6F175D3DCCD1}">
-              <a14:hiddenFill xmlns="" xmlns:a14="http://schemas.microsoft.com/office/drawing/2010/main">
+              <a14:hiddenFill xmlns:a14="http://schemas.microsoft.com/office/drawing/2010/main" xmlns="">
                 <a:solidFill>
                   <a:schemeClr val="bg1"/>
                 </a:solidFill>
               </a14:hiddenFill>
             </a:ext>
             <a:ext uri="{91240B29-F687-4f45-9708-019B960494DF}">
-              <a14:hiddenLine xmlns="" xmlns:a14="http://schemas.microsoft.com/office/drawing/2010/main" w="12700">
+              <a14:hiddenLine xmlns:a14="http://schemas.microsoft.com/office/drawing/2010/main" xmlns="" w="12700">
                 <a:pattFill prst="narHorz">
                   <a:fgClr>
                     <a:schemeClr val="tx1"/>
@@ -241,7 +241,7 @@
               </a14:hiddenLine>
             </a:ext>
             <a:ext uri="{AF507438-7753-43e0-B8FC-AC1667EBCBE1}">
-              <a14:hiddenEffects xmlns="" xmlns:a14="http://schemas.microsoft.com/office/drawing/2010/main">
+              <a14:hiddenEffects xmlns:a14="http://schemas.microsoft.com/office/drawing/2010/main" xmlns="">
                 <a:effectLst>
                   <a:outerShdw dist="35921" dir="2700000" algn="ctr" rotWithShape="0">
                     <a:schemeClr val="bg2"/>
@@ -347,14 +347,14 @@
           <a:effectLst/>
           <a:extLst>
             <a:ext uri="{909E8E84-426E-40dd-AFC4-6F175D3DCCD1}">
-              <a14:hiddenFill xmlns="" xmlns:a14="http://schemas.microsoft.com/office/drawing/2010/main">
+              <a14:hiddenFill xmlns:a14="http://schemas.microsoft.com/office/drawing/2010/main" xmlns="">
                 <a:solidFill>
                   <a:schemeClr val="bg1"/>
                 </a:solidFill>
               </a14:hiddenFill>
             </a:ext>
             <a:ext uri="{91240B29-F687-4f45-9708-019B960494DF}">
-              <a14:hiddenLine xmlns="" xmlns:a14="http://schemas.microsoft.com/office/drawing/2010/main" w="12700">
+              <a14:hiddenLine xmlns:a14="http://schemas.microsoft.com/office/drawing/2010/main" xmlns="" w="12700">
                 <a:pattFill prst="narHorz">
                   <a:fgClr>
                     <a:schemeClr val="tx1"/>
@@ -369,7 +369,7 @@
               </a14:hiddenLine>
             </a:ext>
             <a:ext uri="{AF507438-7753-43e0-B8FC-AC1667EBCBE1}">
-              <a14:hiddenEffects xmlns="" xmlns:a14="http://schemas.microsoft.com/office/drawing/2010/main">
+              <a14:hiddenEffects xmlns:a14="http://schemas.microsoft.com/office/drawing/2010/main" xmlns="">
                 <a:effectLst>
                   <a:outerShdw dist="35921" dir="2700000" algn="ctr" rotWithShape="0">
                     <a:schemeClr val="bg2"/>
@@ -437,17 +437,17 @@
           <a:effectLst/>
           <a:extLst>
             <a:ext uri="{FAA26D3D-D897-4be2-8F04-BA451C77F1D7}">
-              <ma14:placeholderFlag xmlns="" xmlns:ma14="http://schemas.microsoft.com/office/mac/drawingml/2011/main" val="1"/>
+              <ma14:placeholderFlag xmlns:ma14="http://schemas.microsoft.com/office/mac/drawingml/2011/main" xmlns="" val="1"/>
             </a:ext>
             <a:ext uri="{909E8E84-426E-40dd-AFC4-6F175D3DCCD1}">
-              <a14:hiddenFill xmlns="" xmlns:a14="http://schemas.microsoft.com/office/drawing/2010/main">
+              <a14:hiddenFill xmlns:a14="http://schemas.microsoft.com/office/drawing/2010/main" xmlns="">
                 <a:solidFill>
                   <a:srgbClr val="FFFFFF"/>
                 </a:solidFill>
               </a14:hiddenFill>
             </a:ext>
             <a:ext uri="{AF507438-7753-43e0-B8FC-AC1667EBCBE1}">
-              <a14:hiddenEffects xmlns="" xmlns:a14="http://schemas.microsoft.com/office/drawing/2010/main">
+              <a14:hiddenEffects xmlns:a14="http://schemas.microsoft.com/office/drawing/2010/main" xmlns="">
                 <a:effectLst>
                   <a:outerShdw blurRad="63500" dist="38099" dir="2700000" algn="ctr" rotWithShape="0">
                     <a:srgbClr val="000000">
@@ -458,7 +458,7 @@
               </a14:hiddenEffects>
             </a:ext>
             <a:ext uri="{53640926-AAD7-44d8-BBD7-CCE9431645EC}">
-              <a14:shadowObscured xmlns="" xmlns:a14="http://schemas.microsoft.com/office/drawing/2010/main" val="1"/>
+              <a14:shadowObscured xmlns:a14="http://schemas.microsoft.com/office/drawing/2010/main" xmlns="" val="1"/>
             </a:ext>
           </a:extLst>
         </p:spPr>
@@ -488,14 +488,14 @@
           <a:effectLst/>
           <a:extLst>
             <a:ext uri="{909E8E84-426E-40dd-AFC4-6F175D3DCCD1}">
-              <a14:hiddenFill xmlns="" xmlns:a14="http://schemas.microsoft.com/office/drawing/2010/main">
+              <a14:hiddenFill xmlns:a14="http://schemas.microsoft.com/office/drawing/2010/main" xmlns="">
                 <a:solidFill>
                   <a:schemeClr val="bg1"/>
                 </a:solidFill>
               </a14:hiddenFill>
             </a:ext>
             <a:ext uri="{91240B29-F687-4f45-9708-019B960494DF}">
-              <a14:hiddenLine xmlns="" xmlns:a14="http://schemas.microsoft.com/office/drawing/2010/main" w="12700">
+              <a14:hiddenLine xmlns:a14="http://schemas.microsoft.com/office/drawing/2010/main" xmlns="" w="12700">
                 <a:pattFill prst="narHorz">
                   <a:fgClr>
                     <a:schemeClr val="tx1"/>
@@ -510,7 +510,7 @@
               </a14:hiddenLine>
             </a:ext>
             <a:ext uri="{AF507438-7753-43e0-B8FC-AC1667EBCBE1}">
-              <a14:hiddenEffects xmlns="" xmlns:a14="http://schemas.microsoft.com/office/drawing/2010/main">
+              <a14:hiddenEffects xmlns:a14="http://schemas.microsoft.com/office/drawing/2010/main" xmlns="">
                 <a:effectLst>
                   <a:outerShdw dist="35921" dir="2700000" algn="ctr" rotWithShape="0">
                     <a:schemeClr val="bg2"/>
@@ -760,10 +760,10 @@
         <p:spPr>
           <a:extLst>
             <a:ext uri="{FAA26D3D-D897-4be2-8F04-BA451C77F1D7}">
-              <ma14:placeholderFlag xmlns="" xmlns:ma14="http://schemas.microsoft.com/office/mac/drawingml/2011/main" val="1"/>
+              <ma14:placeholderFlag xmlns:ma14="http://schemas.microsoft.com/office/mac/drawingml/2011/main" xmlns="" val="1"/>
             </a:ext>
             <a:ext uri="{AF507438-7753-43e0-B8FC-AC1667EBCBE1}">
-              <a14:hiddenEffects xmlns="" xmlns:a14="http://schemas.microsoft.com/office/drawing/2010/main">
+              <a14:hiddenEffects xmlns:a14="http://schemas.microsoft.com/office/drawing/2010/main" xmlns="">
                 <a:effectLst>
                   <a:outerShdw blurRad="63500" dist="38099" dir="2700000" algn="ctr" rotWithShape="0">
                     <a:schemeClr val="bg2">
@@ -2978,17 +2978,17 @@
           <a:effectLst/>
           <a:extLst>
             <a:ext uri="{FAA26D3D-D897-4be2-8F04-BA451C77F1D7}">
-              <ma14:placeholderFlag xmlns="" xmlns:ma14="http://schemas.microsoft.com/office/mac/drawingml/2011/main" val="1"/>
+              <ma14:placeholderFlag xmlns:ma14="http://schemas.microsoft.com/office/mac/drawingml/2011/main" xmlns="" val="1"/>
             </a:ext>
             <a:ext uri="{909E8E84-426E-40dd-AFC4-6F175D3DCCD1}">
-              <a14:hiddenFill xmlns="" xmlns:a14="http://schemas.microsoft.com/office/drawing/2010/main">
+              <a14:hiddenFill xmlns:a14="http://schemas.microsoft.com/office/drawing/2010/main" xmlns="">
                 <a:solidFill>
                   <a:schemeClr val="bg1"/>
                 </a:solidFill>
               </a14:hiddenFill>
             </a:ext>
             <a:ext uri="{91240B29-F687-4f45-9708-019B960494DF}">
-              <a14:hiddenLine xmlns="" xmlns:a14="http://schemas.microsoft.com/office/drawing/2010/main" w="12700">
+              <a14:hiddenLine xmlns:a14="http://schemas.microsoft.com/office/drawing/2010/main" xmlns="" w="12700">
                 <a:pattFill prst="narHorz">
                   <a:fgClr>
                     <a:schemeClr val="tx1"/>
@@ -3003,7 +3003,7 @@
               </a14:hiddenLine>
             </a:ext>
             <a:ext uri="{AF507438-7753-43e0-B8FC-AC1667EBCBE1}">
-              <a14:hiddenEffects xmlns="" xmlns:a14="http://schemas.microsoft.com/office/drawing/2010/main">
+              <a14:hiddenEffects xmlns:a14="http://schemas.microsoft.com/office/drawing/2010/main" xmlns="">
                 <a:effectLst>
                   <a:outerShdw blurRad="63500" dist="38099" dir="2700000" algn="ctr" rotWithShape="0">
                     <a:schemeClr val="bg2">
@@ -3056,17 +3056,17 @@
           <a:effectLst/>
           <a:extLst>
             <a:ext uri="{FAA26D3D-D897-4be2-8F04-BA451C77F1D7}">
-              <ma14:placeholderFlag xmlns="" xmlns:ma14="http://schemas.microsoft.com/office/mac/drawingml/2011/main" val="1"/>
+              <ma14:placeholderFlag xmlns:ma14="http://schemas.microsoft.com/office/mac/drawingml/2011/main" xmlns="" val="1"/>
             </a:ext>
             <a:ext uri="{909E8E84-426E-40dd-AFC4-6F175D3DCCD1}">
-              <a14:hiddenFill xmlns="" xmlns:a14="http://schemas.microsoft.com/office/drawing/2010/main">
+              <a14:hiddenFill xmlns:a14="http://schemas.microsoft.com/office/drawing/2010/main" xmlns="">
                 <a:solidFill>
                   <a:schemeClr val="bg1"/>
                 </a:solidFill>
               </a14:hiddenFill>
             </a:ext>
             <a:ext uri="{91240B29-F687-4f45-9708-019B960494DF}">
-              <a14:hiddenLine xmlns="" xmlns:a14="http://schemas.microsoft.com/office/drawing/2010/main" w="12700">
+              <a14:hiddenLine xmlns:a14="http://schemas.microsoft.com/office/drawing/2010/main" xmlns="" w="12700">
                 <a:pattFill prst="narHorz">
                   <a:fgClr>
                     <a:schemeClr val="tx1"/>
@@ -3081,7 +3081,7 @@
               </a14:hiddenLine>
             </a:ext>
             <a:ext uri="{AF507438-7753-43e0-B8FC-AC1667EBCBE1}">
-              <a14:hiddenEffects xmlns="" xmlns:a14="http://schemas.microsoft.com/office/drawing/2010/main">
+              <a14:hiddenEffects xmlns:a14="http://schemas.microsoft.com/office/drawing/2010/main" xmlns="">
                 <a:effectLst>
                   <a:outerShdw blurRad="63500" dist="38099" dir="2700000" algn="ctr" rotWithShape="0">
                     <a:schemeClr val="bg2">
@@ -3165,12 +3165,12 @@
           <a:effectLst/>
           <a:extLst>
             <a:ext uri="{909E8E84-426E-40dd-AFC4-6F175D3DCCD1}">
-              <a14:hiddenFill xmlns="" xmlns:a14="http://schemas.microsoft.com/office/drawing/2010/main">
+              <a14:hiddenFill xmlns:a14="http://schemas.microsoft.com/office/drawing/2010/main" xmlns="">
                 <a:noFill/>
               </a14:hiddenFill>
             </a:ext>
             <a:ext uri="{AF507438-7753-43e0-B8FC-AC1667EBCBE1}">
-              <a14:hiddenEffects xmlns="" xmlns:a14="http://schemas.microsoft.com/office/drawing/2010/main">
+              <a14:hiddenEffects xmlns:a14="http://schemas.microsoft.com/office/drawing/2010/main" xmlns="">
                 <a:effectLst>
                   <a:outerShdw blurRad="63500" dist="38099" dir="2700000" algn="ctr" rotWithShape="0">
                     <a:schemeClr val="bg2">
@@ -5955,7 +5955,7 @@
           <p:nvPr>
             <p:extLst>
               <p:ext uri="{D42A27DB-BD31-4B8C-83A1-F6EECF244321}">
-                <p14:modId xmlns:p14="http://schemas.microsoft.com/office/powerpoint/2010/main" val="2281207263"/>
+                <p14:modId xmlns:p14="http://schemas.microsoft.com/office/powerpoint/2010/main" val="520393007"/>
               </p:ext>
             </p:extLst>
           </p:nvPr>
@@ -6050,148 +6050,208 @@
                     <a:p>
                       <a:pPr algn="ctr"/>
                       <a:r>
-                        <a:rPr lang="en-US" dirty="0"/>
+                        <a:rPr lang="en-US" b="1" dirty="0"/>
                         <a:t>Ref</a:t>
                       </a:r>
-                      <a:endParaRPr lang="en-SE" dirty="0"/>
-                    </a:p>
-                  </a:txBody>
-                  <a:tcPr/>
-                </a:tc>
-                <a:tc>
-                  <a:txBody>
-                    <a:bodyPr/>
-                    <a:lstStyle/>
-                    <a:p>
-                      <a:pPr algn="ctr"/>
-                      <a:r>
-                        <a:rPr lang="en-GB" dirty="0"/>
+                      <a:endParaRPr lang="en-SE" b="1" dirty="0"/>
+                    </a:p>
+                  </a:txBody>
+                  <a:tcPr>
+                    <a:solidFill>
+                      <a:schemeClr val="bg1">
+                        <a:lumMod val="85000"/>
+                      </a:schemeClr>
+                    </a:solidFill>
+                  </a:tcPr>
+                </a:tc>
+                <a:tc>
+                  <a:txBody>
+                    <a:bodyPr/>
+                    <a:lstStyle/>
+                    <a:p>
+                      <a:pPr algn="ctr"/>
+                      <a:r>
+                        <a:rPr lang="en-GB" b="1" dirty="0"/>
                         <a:t>5</a:t>
                       </a:r>
-                      <a:endParaRPr lang="en-SE" dirty="0"/>
-                    </a:p>
-                  </a:txBody>
-                  <a:tcPr/>
-                </a:tc>
-                <a:tc>
-                  <a:txBody>
-                    <a:bodyPr/>
-                    <a:lstStyle/>
-                    <a:p>
-                      <a:pPr algn="ctr"/>
-                      <a:r>
-                        <a:rPr lang="en-GB" dirty="0"/>
+                      <a:endParaRPr lang="en-SE" b="1" dirty="0"/>
+                    </a:p>
+                  </a:txBody>
+                  <a:tcPr>
+                    <a:solidFill>
+                      <a:schemeClr val="bg1">
+                        <a:lumMod val="85000"/>
+                      </a:schemeClr>
+                    </a:solidFill>
+                  </a:tcPr>
+                </a:tc>
+                <a:tc>
+                  <a:txBody>
+                    <a:bodyPr/>
+                    <a:lstStyle/>
+                    <a:p>
+                      <a:pPr algn="ctr"/>
+                      <a:r>
+                        <a:rPr lang="en-GB" b="1" dirty="0"/>
                         <a:t>3</a:t>
                       </a:r>
-                      <a:endParaRPr lang="en-SE" dirty="0"/>
-                    </a:p>
-                  </a:txBody>
-                  <a:tcPr/>
-                </a:tc>
-                <a:tc>
-                  <a:txBody>
-                    <a:bodyPr/>
-                    <a:lstStyle/>
-                    <a:p>
-                      <a:pPr algn="ctr"/>
-                      <a:r>
-                        <a:rPr lang="en-GB" dirty="0"/>
+                      <a:endParaRPr lang="en-SE" b="1" dirty="0"/>
+                    </a:p>
+                  </a:txBody>
+                  <a:tcPr>
+                    <a:solidFill>
+                      <a:schemeClr val="bg1">
+                        <a:lumMod val="85000"/>
+                      </a:schemeClr>
+                    </a:solidFill>
+                  </a:tcPr>
+                </a:tc>
+                <a:tc>
+                  <a:txBody>
+                    <a:bodyPr/>
+                    <a:lstStyle/>
+                    <a:p>
+                      <a:pPr algn="ctr"/>
+                      <a:r>
+                        <a:rPr lang="en-GB" b="1" dirty="0"/>
                         <a:t>5</a:t>
                       </a:r>
-                      <a:endParaRPr lang="en-SE" dirty="0"/>
-                    </a:p>
-                  </a:txBody>
-                  <a:tcPr/>
-                </a:tc>
-                <a:tc>
-                  <a:txBody>
-                    <a:bodyPr/>
-                    <a:lstStyle/>
-                    <a:p>
-                      <a:pPr algn="ctr"/>
-                      <a:r>
-                        <a:rPr lang="en-GB" dirty="0"/>
+                      <a:endParaRPr lang="en-SE" b="1" dirty="0"/>
+                    </a:p>
+                  </a:txBody>
+                  <a:tcPr>
+                    <a:solidFill>
+                      <a:schemeClr val="bg1">
+                        <a:lumMod val="85000"/>
+                      </a:schemeClr>
+                    </a:solidFill>
+                  </a:tcPr>
+                </a:tc>
+                <a:tc>
+                  <a:txBody>
+                    <a:bodyPr/>
+                    <a:lstStyle/>
+                    <a:p>
+                      <a:pPr algn="ctr"/>
+                      <a:r>
+                        <a:rPr lang="en-GB" b="1" dirty="0"/>
                         <a:t>1</a:t>
                       </a:r>
-                      <a:endParaRPr lang="en-SE" dirty="0"/>
-                    </a:p>
-                  </a:txBody>
-                  <a:tcPr/>
-                </a:tc>
-                <a:tc>
-                  <a:txBody>
-                    <a:bodyPr/>
-                    <a:lstStyle/>
-                    <a:p>
-                      <a:pPr algn="ctr"/>
-                      <a:r>
-                        <a:rPr lang="en-GB" dirty="0"/>
+                      <a:endParaRPr lang="en-SE" b="1" dirty="0"/>
+                    </a:p>
+                  </a:txBody>
+                  <a:tcPr>
+                    <a:solidFill>
+                      <a:schemeClr val="bg1">
+                        <a:lumMod val="85000"/>
+                      </a:schemeClr>
+                    </a:solidFill>
+                  </a:tcPr>
+                </a:tc>
+                <a:tc>
+                  <a:txBody>
+                    <a:bodyPr/>
+                    <a:lstStyle/>
+                    <a:p>
+                      <a:pPr algn="ctr"/>
+                      <a:r>
+                        <a:rPr lang="en-GB" b="1" dirty="0"/>
                         <a:t>2</a:t>
                       </a:r>
-                      <a:endParaRPr lang="en-SE" dirty="0"/>
-                    </a:p>
-                  </a:txBody>
-                  <a:tcPr/>
-                </a:tc>
-                <a:tc>
-                  <a:txBody>
-                    <a:bodyPr/>
-                    <a:lstStyle/>
-                    <a:p>
-                      <a:pPr algn="ctr"/>
-                      <a:r>
-                        <a:rPr lang="en-GB" dirty="0"/>
+                      <a:endParaRPr lang="en-SE" b="1" dirty="0"/>
+                    </a:p>
+                  </a:txBody>
+                  <a:tcPr>
+                    <a:solidFill>
+                      <a:schemeClr val="bg1">
+                        <a:lumMod val="85000"/>
+                      </a:schemeClr>
+                    </a:solidFill>
+                  </a:tcPr>
+                </a:tc>
+                <a:tc>
+                  <a:txBody>
+                    <a:bodyPr/>
+                    <a:lstStyle/>
+                    <a:p>
+                      <a:pPr algn="ctr"/>
+                      <a:r>
+                        <a:rPr lang="en-GB" b="1" dirty="0"/>
                         <a:t>5</a:t>
                       </a:r>
-                      <a:endParaRPr lang="en-SE" dirty="0"/>
-                    </a:p>
-                  </a:txBody>
-                  <a:tcPr/>
-                </a:tc>
-                <a:tc>
-                  <a:txBody>
-                    <a:bodyPr/>
-                    <a:lstStyle/>
-                    <a:p>
-                      <a:pPr algn="ctr"/>
-                      <a:r>
-                        <a:rPr lang="en-GB" dirty="0"/>
+                      <a:endParaRPr lang="en-SE" b="1" dirty="0"/>
+                    </a:p>
+                  </a:txBody>
+                  <a:tcPr>
+                    <a:solidFill>
+                      <a:schemeClr val="bg1">
+                        <a:lumMod val="85000"/>
+                      </a:schemeClr>
+                    </a:solidFill>
+                  </a:tcPr>
+                </a:tc>
+                <a:tc>
+                  <a:txBody>
+                    <a:bodyPr/>
+                    <a:lstStyle/>
+                    <a:p>
+                      <a:pPr algn="ctr"/>
+                      <a:r>
+                        <a:rPr lang="en-GB" b="1" dirty="0"/>
                         <a:t>4</a:t>
                       </a:r>
-                      <a:endParaRPr lang="en-SE" dirty="0"/>
-                    </a:p>
-                  </a:txBody>
-                  <a:tcPr/>
-                </a:tc>
-                <a:tc>
-                  <a:txBody>
-                    <a:bodyPr/>
-                    <a:lstStyle/>
-                    <a:p>
-                      <a:pPr algn="ctr"/>
-                      <a:r>
-                        <a:rPr lang="en-GB" dirty="0"/>
+                      <a:endParaRPr lang="en-SE" b="1" dirty="0"/>
+                    </a:p>
+                  </a:txBody>
+                  <a:tcPr>
+                    <a:solidFill>
+                      <a:schemeClr val="bg1">
+                        <a:lumMod val="85000"/>
+                      </a:schemeClr>
+                    </a:solidFill>
+                  </a:tcPr>
+                </a:tc>
+                <a:tc>
+                  <a:txBody>
+                    <a:bodyPr/>
+                    <a:lstStyle/>
+                    <a:p>
+                      <a:pPr algn="ctr"/>
+                      <a:r>
+                        <a:rPr lang="en-GB" b="1" dirty="0"/>
                         <a:t>6</a:t>
                       </a:r>
-                      <a:endParaRPr lang="en-SE" dirty="0"/>
-                    </a:p>
-                  </a:txBody>
-                  <a:tcPr/>
-                </a:tc>
-                <a:tc>
-                  <a:txBody>
-                    <a:bodyPr/>
-                    <a:lstStyle/>
-                    <a:p>
-                      <a:pPr algn="ctr"/>
-                      <a:r>
-                        <a:rPr lang="en-GB" dirty="0"/>
+                      <a:endParaRPr lang="en-SE" b="1" dirty="0"/>
+                    </a:p>
+                  </a:txBody>
+                  <a:tcPr>
+                    <a:solidFill>
+                      <a:schemeClr val="bg1">
+                        <a:lumMod val="85000"/>
+                      </a:schemeClr>
+                    </a:solidFill>
+                  </a:tcPr>
+                </a:tc>
+                <a:tc>
+                  <a:txBody>
+                    <a:bodyPr/>
+                    <a:lstStyle/>
+                    <a:p>
+                      <a:pPr algn="ctr"/>
+                      <a:r>
+                        <a:rPr lang="en-GB" b="1" dirty="0"/>
                         <a:t>1</a:t>
                       </a:r>
-                      <a:endParaRPr lang="en-SE" dirty="0"/>
-                    </a:p>
-                  </a:txBody>
-                  <a:tcPr/>
+                      <a:endParaRPr lang="en-SE" b="1" dirty="0"/>
+                    </a:p>
+                  </a:txBody>
+                  <a:tcPr>
+                    <a:solidFill>
+                      <a:schemeClr val="bg1">
+                        <a:lumMod val="85000"/>
+                      </a:schemeClr>
+                    </a:solidFill>
+                  </a:tcPr>
                 </a:tc>
                 <a:extLst>
                   <a:ext uri="{0D108BD9-81ED-4DB2-BD59-A6C34878D82A}">
@@ -6673,7 +6733,7 @@
           <p:nvPr>
             <p:extLst>
               <p:ext uri="{D42A27DB-BD31-4B8C-83A1-F6EECF244321}">
-                <p14:modId xmlns:p14="http://schemas.microsoft.com/office/powerpoint/2010/main" val="199452399"/>
+                <p14:modId xmlns:p14="http://schemas.microsoft.com/office/powerpoint/2010/main" val="1070393494"/>
               </p:ext>
             </p:extLst>
           </p:nvPr>
@@ -6768,148 +6828,208 @@
                     <a:p>
                       <a:pPr algn="ctr"/>
                       <a:r>
-                        <a:rPr lang="en-US" dirty="0"/>
+                        <a:rPr lang="en-US" b="1" dirty="0"/>
                         <a:t>Ref</a:t>
                       </a:r>
-                      <a:endParaRPr lang="en-SE" dirty="0"/>
-                    </a:p>
-                  </a:txBody>
-                  <a:tcPr/>
-                </a:tc>
-                <a:tc>
-                  <a:txBody>
-                    <a:bodyPr/>
-                    <a:lstStyle/>
-                    <a:p>
-                      <a:pPr algn="ctr"/>
-                      <a:r>
-                        <a:rPr lang="en-GB" dirty="0"/>
+                      <a:endParaRPr lang="en-SE" b="1" dirty="0"/>
+                    </a:p>
+                  </a:txBody>
+                  <a:tcPr>
+                    <a:solidFill>
+                      <a:schemeClr val="bg1">
+                        <a:lumMod val="85000"/>
+                      </a:schemeClr>
+                    </a:solidFill>
+                  </a:tcPr>
+                </a:tc>
+                <a:tc>
+                  <a:txBody>
+                    <a:bodyPr/>
+                    <a:lstStyle/>
+                    <a:p>
+                      <a:pPr algn="ctr"/>
+                      <a:r>
+                        <a:rPr lang="en-GB" b="1" dirty="0"/>
                         <a:t>5</a:t>
                       </a:r>
-                      <a:endParaRPr lang="en-SE" dirty="0"/>
-                    </a:p>
-                  </a:txBody>
-                  <a:tcPr/>
-                </a:tc>
-                <a:tc>
-                  <a:txBody>
-                    <a:bodyPr/>
-                    <a:lstStyle/>
-                    <a:p>
-                      <a:pPr algn="ctr"/>
-                      <a:r>
-                        <a:rPr lang="en-GB" dirty="0"/>
+                      <a:endParaRPr lang="en-SE" b="1" dirty="0"/>
+                    </a:p>
+                  </a:txBody>
+                  <a:tcPr>
+                    <a:solidFill>
+                      <a:schemeClr val="bg1">
+                        <a:lumMod val="85000"/>
+                      </a:schemeClr>
+                    </a:solidFill>
+                  </a:tcPr>
+                </a:tc>
+                <a:tc>
+                  <a:txBody>
+                    <a:bodyPr/>
+                    <a:lstStyle/>
+                    <a:p>
+                      <a:pPr algn="ctr"/>
+                      <a:r>
+                        <a:rPr lang="en-GB" b="1" dirty="0"/>
                         <a:t>3</a:t>
                       </a:r>
-                      <a:endParaRPr lang="en-SE" dirty="0"/>
-                    </a:p>
-                  </a:txBody>
-                  <a:tcPr/>
-                </a:tc>
-                <a:tc>
-                  <a:txBody>
-                    <a:bodyPr/>
-                    <a:lstStyle/>
-                    <a:p>
-                      <a:pPr algn="ctr"/>
-                      <a:r>
-                        <a:rPr lang="en-GB" dirty="0"/>
+                      <a:endParaRPr lang="en-SE" b="1" dirty="0"/>
+                    </a:p>
+                  </a:txBody>
+                  <a:tcPr>
+                    <a:solidFill>
+                      <a:schemeClr val="bg1">
+                        <a:lumMod val="85000"/>
+                      </a:schemeClr>
+                    </a:solidFill>
+                  </a:tcPr>
+                </a:tc>
+                <a:tc>
+                  <a:txBody>
+                    <a:bodyPr/>
+                    <a:lstStyle/>
+                    <a:p>
+                      <a:pPr algn="ctr"/>
+                      <a:r>
+                        <a:rPr lang="en-GB" b="1" dirty="0"/>
                         <a:t>5</a:t>
                       </a:r>
-                      <a:endParaRPr lang="en-SE" dirty="0"/>
-                    </a:p>
-                  </a:txBody>
-                  <a:tcPr/>
-                </a:tc>
-                <a:tc>
-                  <a:txBody>
-                    <a:bodyPr/>
-                    <a:lstStyle/>
-                    <a:p>
-                      <a:pPr algn="ctr"/>
-                      <a:r>
-                        <a:rPr lang="en-GB" dirty="0"/>
+                      <a:endParaRPr lang="en-SE" b="1" dirty="0"/>
+                    </a:p>
+                  </a:txBody>
+                  <a:tcPr>
+                    <a:solidFill>
+                      <a:schemeClr val="bg1">
+                        <a:lumMod val="85000"/>
+                      </a:schemeClr>
+                    </a:solidFill>
+                  </a:tcPr>
+                </a:tc>
+                <a:tc>
+                  <a:txBody>
+                    <a:bodyPr/>
+                    <a:lstStyle/>
+                    <a:p>
+                      <a:pPr algn="ctr"/>
+                      <a:r>
+                        <a:rPr lang="en-GB" b="1" dirty="0"/>
                         <a:t>1</a:t>
                       </a:r>
-                      <a:endParaRPr lang="en-SE" dirty="0"/>
-                    </a:p>
-                  </a:txBody>
-                  <a:tcPr/>
-                </a:tc>
-                <a:tc>
-                  <a:txBody>
-                    <a:bodyPr/>
-                    <a:lstStyle/>
-                    <a:p>
-                      <a:pPr algn="ctr"/>
-                      <a:r>
-                        <a:rPr lang="en-GB" dirty="0"/>
+                      <a:endParaRPr lang="en-SE" b="1" dirty="0"/>
+                    </a:p>
+                  </a:txBody>
+                  <a:tcPr>
+                    <a:solidFill>
+                      <a:schemeClr val="bg1">
+                        <a:lumMod val="85000"/>
+                      </a:schemeClr>
+                    </a:solidFill>
+                  </a:tcPr>
+                </a:tc>
+                <a:tc>
+                  <a:txBody>
+                    <a:bodyPr/>
+                    <a:lstStyle/>
+                    <a:p>
+                      <a:pPr algn="ctr"/>
+                      <a:r>
+                        <a:rPr lang="en-GB" b="1" dirty="0"/>
                         <a:t>2</a:t>
                       </a:r>
-                      <a:endParaRPr lang="en-SE" dirty="0"/>
-                    </a:p>
-                  </a:txBody>
-                  <a:tcPr/>
-                </a:tc>
-                <a:tc>
-                  <a:txBody>
-                    <a:bodyPr/>
-                    <a:lstStyle/>
-                    <a:p>
-                      <a:pPr algn="ctr"/>
-                      <a:r>
-                        <a:rPr lang="en-GB" dirty="0"/>
+                      <a:endParaRPr lang="en-SE" b="1" dirty="0"/>
+                    </a:p>
+                  </a:txBody>
+                  <a:tcPr>
+                    <a:solidFill>
+                      <a:schemeClr val="bg1">
+                        <a:lumMod val="85000"/>
+                      </a:schemeClr>
+                    </a:solidFill>
+                  </a:tcPr>
+                </a:tc>
+                <a:tc>
+                  <a:txBody>
+                    <a:bodyPr/>
+                    <a:lstStyle/>
+                    <a:p>
+                      <a:pPr algn="ctr"/>
+                      <a:r>
+                        <a:rPr lang="en-GB" b="1" dirty="0"/>
                         <a:t>5</a:t>
                       </a:r>
-                      <a:endParaRPr lang="en-SE" dirty="0"/>
-                    </a:p>
-                  </a:txBody>
-                  <a:tcPr/>
-                </a:tc>
-                <a:tc>
-                  <a:txBody>
-                    <a:bodyPr/>
-                    <a:lstStyle/>
-                    <a:p>
-                      <a:pPr algn="ctr"/>
-                      <a:r>
-                        <a:rPr lang="en-GB" dirty="0"/>
+                      <a:endParaRPr lang="en-SE" b="1" dirty="0"/>
+                    </a:p>
+                  </a:txBody>
+                  <a:tcPr>
+                    <a:solidFill>
+                      <a:schemeClr val="bg1">
+                        <a:lumMod val="85000"/>
+                      </a:schemeClr>
+                    </a:solidFill>
+                  </a:tcPr>
+                </a:tc>
+                <a:tc>
+                  <a:txBody>
+                    <a:bodyPr/>
+                    <a:lstStyle/>
+                    <a:p>
+                      <a:pPr algn="ctr"/>
+                      <a:r>
+                        <a:rPr lang="en-GB" b="1" dirty="0"/>
                         <a:t>4</a:t>
                       </a:r>
-                      <a:endParaRPr lang="en-SE" dirty="0"/>
-                    </a:p>
-                  </a:txBody>
-                  <a:tcPr/>
-                </a:tc>
-                <a:tc>
-                  <a:txBody>
-                    <a:bodyPr/>
-                    <a:lstStyle/>
-                    <a:p>
-                      <a:pPr algn="ctr"/>
-                      <a:r>
-                        <a:rPr lang="en-GB" dirty="0"/>
+                      <a:endParaRPr lang="en-SE" b="1" dirty="0"/>
+                    </a:p>
+                  </a:txBody>
+                  <a:tcPr>
+                    <a:solidFill>
+                      <a:schemeClr val="bg1">
+                        <a:lumMod val="85000"/>
+                      </a:schemeClr>
+                    </a:solidFill>
+                  </a:tcPr>
+                </a:tc>
+                <a:tc>
+                  <a:txBody>
+                    <a:bodyPr/>
+                    <a:lstStyle/>
+                    <a:p>
+                      <a:pPr algn="ctr"/>
+                      <a:r>
+                        <a:rPr lang="en-GB" b="1" dirty="0"/>
                         <a:t>6</a:t>
                       </a:r>
-                      <a:endParaRPr lang="en-SE" dirty="0"/>
-                    </a:p>
-                  </a:txBody>
-                  <a:tcPr/>
-                </a:tc>
-                <a:tc>
-                  <a:txBody>
-                    <a:bodyPr/>
-                    <a:lstStyle/>
-                    <a:p>
-                      <a:pPr algn="ctr"/>
-                      <a:r>
-                        <a:rPr lang="en-GB" dirty="0"/>
+                      <a:endParaRPr lang="en-SE" b="1" dirty="0"/>
+                    </a:p>
+                  </a:txBody>
+                  <a:tcPr>
+                    <a:solidFill>
+                      <a:schemeClr val="bg1">
+                        <a:lumMod val="85000"/>
+                      </a:schemeClr>
+                    </a:solidFill>
+                  </a:tcPr>
+                </a:tc>
+                <a:tc>
+                  <a:txBody>
+                    <a:bodyPr/>
+                    <a:lstStyle/>
+                    <a:p>
+                      <a:pPr algn="ctr"/>
+                      <a:r>
+                        <a:rPr lang="en-GB" b="1" dirty="0"/>
                         <a:t>1</a:t>
                       </a:r>
-                      <a:endParaRPr lang="en-SE" dirty="0"/>
-                    </a:p>
-                  </a:txBody>
-                  <a:tcPr/>
+                      <a:endParaRPr lang="en-SE" b="1" dirty="0"/>
+                    </a:p>
+                  </a:txBody>
+                  <a:tcPr>
+                    <a:solidFill>
+                      <a:schemeClr val="bg1">
+                        <a:lumMod val="85000"/>
+                      </a:schemeClr>
+                    </a:solidFill>
+                  </a:tcPr>
                 </a:tc>
                 <a:extLst>
                   <a:ext uri="{0D108BD9-81ED-4DB2-BD59-A6C34878D82A}">
@@ -7193,10 +7313,18 @@
                     <a:p>
                       <a:pPr algn="ctr"/>
                       <a:r>
-                        <a:rPr lang="en-GB" dirty="0"/>
+                        <a:rPr lang="en-GB" dirty="0">
+                          <a:solidFill>
+                            <a:srgbClr val="FF0000"/>
+                          </a:solidFill>
+                        </a:rPr>
                         <a:t>2</a:t>
                       </a:r>
-                      <a:endParaRPr lang="en-SE" dirty="0"/>
+                      <a:endParaRPr lang="en-SE" dirty="0">
+                        <a:solidFill>
+                          <a:srgbClr val="FF0000"/>
+                        </a:solidFill>
+                      </a:endParaRPr>
                     </a:p>
                   </a:txBody>
                   <a:tcPr/>
@@ -7471,7 +7599,7 @@
         <p:spPr>
           <a:xfrm>
             <a:off x="4804996" y="2198920"/>
-            <a:ext cx="2159566" cy="369332"/>
+            <a:ext cx="2321469" cy="369332"/>
           </a:xfrm>
           <a:prstGeom prst="rect">
             <a:avLst/>
@@ -7488,7 +7616,7 @@
               <a:rPr lang="en-GB" b="0" dirty="0">
                 <a:latin typeface="+mj-lt"/>
               </a:rPr>
-              <a:t>FIFO: 6 page faults</a:t>
+              <a:t>FIFO: 8 page faults</a:t>
             </a:r>
             <a:endParaRPr lang="en-SE" b="0" dirty="0">
               <a:latin typeface="+mj-lt"/>
@@ -7534,7 +7662,7 @@
               <a:rPr lang="en-US" b="0" dirty="0">
                 <a:latin typeface="+mj-lt"/>
               </a:rPr>
-              <a:t>6 page faults</a:t>
+              <a:t>7 page faults</a:t>
             </a:r>
             <a:endParaRPr lang="en-SE" b="0" dirty="0">
               <a:latin typeface="+mj-lt"/>
@@ -7611,14 +7739,14 @@
           <p:nvPr>
             <p:extLst>
               <p:ext uri="{D42A27DB-BD31-4B8C-83A1-F6EECF244321}">
-                <p14:modId xmlns:p14="http://schemas.microsoft.com/office/powerpoint/2010/main" val="1313396755"/>
+                <p14:modId xmlns:p14="http://schemas.microsoft.com/office/powerpoint/2010/main" val="1569766202"/>
               </p:ext>
             </p:extLst>
           </p:nvPr>
         </p:nvGraphicFramePr>
         <p:xfrm>
           <a:off x="1820780" y="721895"/>
-          <a:ext cx="8127999" cy="1478280"/>
+          <a:ext cx="8127999" cy="1473200"/>
         </p:xfrm>
         <a:graphic>
           <a:graphicData uri="http://schemas.openxmlformats.org/drawingml/2006/table">
@@ -7706,148 +7834,208 @@
                     <a:p>
                       <a:pPr algn="ctr"/>
                       <a:r>
-                        <a:rPr lang="en-US" dirty="0"/>
+                        <a:rPr lang="en-US" b="1" dirty="0"/>
                         <a:t>Ref</a:t>
                       </a:r>
-                      <a:endParaRPr lang="en-SE" dirty="0"/>
-                    </a:p>
-                  </a:txBody>
-                  <a:tcPr/>
-                </a:tc>
-                <a:tc>
-                  <a:txBody>
-                    <a:bodyPr/>
-                    <a:lstStyle/>
-                    <a:p>
-                      <a:pPr algn="ctr"/>
-                      <a:r>
-                        <a:rPr lang="en-GB" dirty="0"/>
+                      <a:endParaRPr lang="en-SE" b="1" dirty="0"/>
+                    </a:p>
+                  </a:txBody>
+                  <a:tcPr>
+                    <a:solidFill>
+                      <a:schemeClr val="bg1">
+                        <a:lumMod val="85000"/>
+                      </a:schemeClr>
+                    </a:solidFill>
+                  </a:tcPr>
+                </a:tc>
+                <a:tc>
+                  <a:txBody>
+                    <a:bodyPr/>
+                    <a:lstStyle/>
+                    <a:p>
+                      <a:pPr algn="ctr"/>
+                      <a:r>
+                        <a:rPr lang="en-GB" b="1" dirty="0"/>
                         <a:t>5</a:t>
                       </a:r>
-                      <a:endParaRPr lang="en-SE" dirty="0"/>
-                    </a:p>
-                  </a:txBody>
-                  <a:tcPr/>
-                </a:tc>
-                <a:tc>
-                  <a:txBody>
-                    <a:bodyPr/>
-                    <a:lstStyle/>
-                    <a:p>
-                      <a:pPr algn="ctr"/>
-                      <a:r>
-                        <a:rPr lang="en-GB" dirty="0"/>
+                      <a:endParaRPr lang="en-SE" b="1" dirty="0"/>
+                    </a:p>
+                  </a:txBody>
+                  <a:tcPr>
+                    <a:solidFill>
+                      <a:schemeClr val="bg1">
+                        <a:lumMod val="85000"/>
+                      </a:schemeClr>
+                    </a:solidFill>
+                  </a:tcPr>
+                </a:tc>
+                <a:tc>
+                  <a:txBody>
+                    <a:bodyPr/>
+                    <a:lstStyle/>
+                    <a:p>
+                      <a:pPr algn="ctr"/>
+                      <a:r>
+                        <a:rPr lang="en-GB" b="1" dirty="0"/>
                         <a:t>3</a:t>
                       </a:r>
-                      <a:endParaRPr lang="en-SE" dirty="0"/>
-                    </a:p>
-                  </a:txBody>
-                  <a:tcPr/>
-                </a:tc>
-                <a:tc>
-                  <a:txBody>
-                    <a:bodyPr/>
-                    <a:lstStyle/>
-                    <a:p>
-                      <a:pPr algn="ctr"/>
-                      <a:r>
-                        <a:rPr lang="en-GB" dirty="0"/>
+                      <a:endParaRPr lang="en-SE" b="1" dirty="0"/>
+                    </a:p>
+                  </a:txBody>
+                  <a:tcPr>
+                    <a:solidFill>
+                      <a:schemeClr val="bg1">
+                        <a:lumMod val="85000"/>
+                      </a:schemeClr>
+                    </a:solidFill>
+                  </a:tcPr>
+                </a:tc>
+                <a:tc>
+                  <a:txBody>
+                    <a:bodyPr/>
+                    <a:lstStyle/>
+                    <a:p>
+                      <a:pPr algn="ctr"/>
+                      <a:r>
+                        <a:rPr lang="en-GB" b="1" dirty="0"/>
                         <a:t>5</a:t>
                       </a:r>
-                      <a:endParaRPr lang="en-SE" dirty="0"/>
-                    </a:p>
-                  </a:txBody>
-                  <a:tcPr/>
-                </a:tc>
-                <a:tc>
-                  <a:txBody>
-                    <a:bodyPr/>
-                    <a:lstStyle/>
-                    <a:p>
-                      <a:pPr algn="ctr"/>
-                      <a:r>
-                        <a:rPr lang="en-GB" dirty="0"/>
+                      <a:endParaRPr lang="en-SE" b="1" dirty="0"/>
+                    </a:p>
+                  </a:txBody>
+                  <a:tcPr>
+                    <a:solidFill>
+                      <a:schemeClr val="bg1">
+                        <a:lumMod val="85000"/>
+                      </a:schemeClr>
+                    </a:solidFill>
+                  </a:tcPr>
+                </a:tc>
+                <a:tc>
+                  <a:txBody>
+                    <a:bodyPr/>
+                    <a:lstStyle/>
+                    <a:p>
+                      <a:pPr algn="ctr"/>
+                      <a:r>
+                        <a:rPr lang="en-GB" b="1" dirty="0"/>
                         <a:t>1</a:t>
                       </a:r>
-                      <a:endParaRPr lang="en-SE" dirty="0"/>
-                    </a:p>
-                  </a:txBody>
-                  <a:tcPr/>
-                </a:tc>
-                <a:tc>
-                  <a:txBody>
-                    <a:bodyPr/>
-                    <a:lstStyle/>
-                    <a:p>
-                      <a:pPr algn="ctr"/>
-                      <a:r>
-                        <a:rPr lang="en-GB" dirty="0"/>
+                      <a:endParaRPr lang="en-SE" b="1" dirty="0"/>
+                    </a:p>
+                  </a:txBody>
+                  <a:tcPr>
+                    <a:solidFill>
+                      <a:schemeClr val="bg1">
+                        <a:lumMod val="85000"/>
+                      </a:schemeClr>
+                    </a:solidFill>
+                  </a:tcPr>
+                </a:tc>
+                <a:tc>
+                  <a:txBody>
+                    <a:bodyPr/>
+                    <a:lstStyle/>
+                    <a:p>
+                      <a:pPr algn="ctr"/>
+                      <a:r>
+                        <a:rPr lang="en-GB" b="1" dirty="0"/>
                         <a:t>2</a:t>
                       </a:r>
-                      <a:endParaRPr lang="en-SE" dirty="0"/>
-                    </a:p>
-                  </a:txBody>
-                  <a:tcPr/>
-                </a:tc>
-                <a:tc>
-                  <a:txBody>
-                    <a:bodyPr/>
-                    <a:lstStyle/>
-                    <a:p>
-                      <a:pPr algn="ctr"/>
-                      <a:r>
-                        <a:rPr lang="en-GB" dirty="0"/>
+                      <a:endParaRPr lang="en-SE" b="1" dirty="0"/>
+                    </a:p>
+                  </a:txBody>
+                  <a:tcPr>
+                    <a:solidFill>
+                      <a:schemeClr val="bg1">
+                        <a:lumMod val="85000"/>
+                      </a:schemeClr>
+                    </a:solidFill>
+                  </a:tcPr>
+                </a:tc>
+                <a:tc>
+                  <a:txBody>
+                    <a:bodyPr/>
+                    <a:lstStyle/>
+                    <a:p>
+                      <a:pPr algn="ctr"/>
+                      <a:r>
+                        <a:rPr lang="en-GB" b="1" dirty="0"/>
                         <a:t>5</a:t>
                       </a:r>
-                      <a:endParaRPr lang="en-SE" dirty="0"/>
-                    </a:p>
-                  </a:txBody>
-                  <a:tcPr/>
-                </a:tc>
-                <a:tc>
-                  <a:txBody>
-                    <a:bodyPr/>
-                    <a:lstStyle/>
-                    <a:p>
-                      <a:pPr algn="ctr"/>
-                      <a:r>
-                        <a:rPr lang="en-GB" dirty="0"/>
+                      <a:endParaRPr lang="en-SE" b="1" dirty="0"/>
+                    </a:p>
+                  </a:txBody>
+                  <a:tcPr>
+                    <a:solidFill>
+                      <a:schemeClr val="bg1">
+                        <a:lumMod val="85000"/>
+                      </a:schemeClr>
+                    </a:solidFill>
+                  </a:tcPr>
+                </a:tc>
+                <a:tc>
+                  <a:txBody>
+                    <a:bodyPr/>
+                    <a:lstStyle/>
+                    <a:p>
+                      <a:pPr algn="ctr"/>
+                      <a:r>
+                        <a:rPr lang="en-GB" b="1" dirty="0"/>
                         <a:t>4</a:t>
                       </a:r>
-                      <a:endParaRPr lang="en-SE" dirty="0"/>
-                    </a:p>
-                  </a:txBody>
-                  <a:tcPr/>
-                </a:tc>
-                <a:tc>
-                  <a:txBody>
-                    <a:bodyPr/>
-                    <a:lstStyle/>
-                    <a:p>
-                      <a:pPr algn="ctr"/>
-                      <a:r>
-                        <a:rPr lang="en-GB" dirty="0"/>
+                      <a:endParaRPr lang="en-SE" b="1" dirty="0"/>
+                    </a:p>
+                  </a:txBody>
+                  <a:tcPr>
+                    <a:solidFill>
+                      <a:schemeClr val="bg1">
+                        <a:lumMod val="85000"/>
+                      </a:schemeClr>
+                    </a:solidFill>
+                  </a:tcPr>
+                </a:tc>
+                <a:tc>
+                  <a:txBody>
+                    <a:bodyPr/>
+                    <a:lstStyle/>
+                    <a:p>
+                      <a:pPr algn="ctr"/>
+                      <a:r>
+                        <a:rPr lang="en-GB" b="1" dirty="0"/>
                         <a:t>6</a:t>
                       </a:r>
-                      <a:endParaRPr lang="en-SE" dirty="0"/>
-                    </a:p>
-                  </a:txBody>
-                  <a:tcPr/>
-                </a:tc>
-                <a:tc>
-                  <a:txBody>
-                    <a:bodyPr/>
-                    <a:lstStyle/>
-                    <a:p>
-                      <a:pPr algn="ctr"/>
-                      <a:r>
-                        <a:rPr lang="en-GB" dirty="0"/>
+                      <a:endParaRPr lang="en-SE" b="1" dirty="0"/>
+                    </a:p>
+                  </a:txBody>
+                  <a:tcPr>
+                    <a:solidFill>
+                      <a:schemeClr val="bg1">
+                        <a:lumMod val="85000"/>
+                      </a:schemeClr>
+                    </a:solidFill>
+                  </a:tcPr>
+                </a:tc>
+                <a:tc>
+                  <a:txBody>
+                    <a:bodyPr/>
+                    <a:lstStyle/>
+                    <a:p>
+                      <a:pPr algn="ctr"/>
+                      <a:r>
+                        <a:rPr lang="en-GB" b="1" dirty="0"/>
                         <a:t>1</a:t>
                       </a:r>
-                      <a:endParaRPr lang="en-SE" dirty="0"/>
-                    </a:p>
-                  </a:txBody>
-                  <a:tcPr/>
+                      <a:endParaRPr lang="en-SE" b="1" dirty="0"/>
+                    </a:p>
+                  </a:txBody>
+                  <a:tcPr>
+                    <a:solidFill>
+                      <a:schemeClr val="bg1">
+                        <a:lumMod val="85000"/>
+                      </a:schemeClr>
+                    </a:solidFill>
+                  </a:tcPr>
                 </a:tc>
                 <a:extLst>
                   <a:ext uri="{0D108BD9-81ED-4DB2-BD59-A6C34878D82A}">
@@ -7878,14 +8066,14 @@
                     <a:p>
                       <a:pPr algn="ctr"/>
                       <a:r>
-                        <a:rPr lang="en-GB" dirty="0">
+                        <a:rPr lang="en-GB" b="0" dirty="0">
                           <a:solidFill>
                             <a:srgbClr val="FF0000"/>
                           </a:solidFill>
                         </a:rPr>
                         <a:t>5</a:t>
                       </a:r>
-                      <a:endParaRPr lang="en-SE" dirty="0">
+                      <a:endParaRPr lang="en-SE" b="0" dirty="0">
                         <a:solidFill>
                           <a:srgbClr val="FF0000"/>
                         </a:solidFill>
@@ -7901,89 +8089,59 @@
                     <a:p>
                       <a:pPr algn="ctr"/>
                       <a:r>
-                        <a:rPr lang="en-GB" dirty="0"/>
+                        <a:rPr lang="en-GB" b="0" dirty="0"/>
                         <a:t>5</a:t>
                       </a:r>
-                      <a:endParaRPr lang="en-SE" dirty="0"/>
-                    </a:p>
-                  </a:txBody>
-                  <a:tcPr/>
-                </a:tc>
-                <a:tc>
-                  <a:txBody>
-                    <a:bodyPr/>
-                    <a:lstStyle/>
-                    <a:p>
-                      <a:pPr algn="ctr"/>
-                      <a:r>
-                        <a:rPr lang="en-GB" dirty="0"/>
+                      <a:endParaRPr lang="en-SE" b="0" dirty="0"/>
+                    </a:p>
+                  </a:txBody>
+                  <a:tcPr/>
+                </a:tc>
+                <a:tc>
+                  <a:txBody>
+                    <a:bodyPr/>
+                    <a:lstStyle/>
+                    <a:p>
+                      <a:pPr algn="ctr"/>
+                      <a:r>
+                        <a:rPr lang="en-GB" b="0" dirty="0"/>
                         <a:t>5</a:t>
                       </a:r>
-                      <a:endParaRPr lang="en-SE" dirty="0"/>
-                    </a:p>
-                  </a:txBody>
-                  <a:tcPr/>
-                </a:tc>
-                <a:tc>
-                  <a:txBody>
-                    <a:bodyPr/>
-                    <a:lstStyle/>
-                    <a:p>
-                      <a:pPr algn="ctr"/>
-                      <a:r>
-                        <a:rPr lang="en-GB" dirty="0"/>
+                      <a:endParaRPr lang="en-SE" b="0" dirty="0"/>
+                    </a:p>
+                  </a:txBody>
+                  <a:tcPr/>
+                </a:tc>
+                <a:tc>
+                  <a:txBody>
+                    <a:bodyPr/>
+                    <a:lstStyle/>
+                    <a:p>
+                      <a:pPr algn="ctr"/>
+                      <a:r>
+                        <a:rPr lang="en-GB" b="0" dirty="0"/>
                         <a:t>5</a:t>
                       </a:r>
-                      <a:endParaRPr lang="en-SE" dirty="0"/>
-                    </a:p>
-                  </a:txBody>
-                  <a:tcPr/>
-                </a:tc>
-                <a:tc>
-                  <a:txBody>
-                    <a:bodyPr/>
-                    <a:lstStyle/>
-                    <a:p>
-                      <a:pPr algn="ctr"/>
-                      <a:r>
-                        <a:rPr lang="en-GB" dirty="0"/>
-                        <a:t>5</a:t>
-                      </a:r>
-                      <a:endParaRPr lang="en-SE" dirty="0"/>
-                    </a:p>
-                  </a:txBody>
-                  <a:tcPr/>
-                </a:tc>
-                <a:tc>
-                  <a:txBody>
-                    <a:bodyPr/>
-                    <a:lstStyle/>
-                    <a:p>
-                      <a:pPr algn="ctr"/>
-                      <a:r>
-                        <a:rPr lang="en-GB" dirty="0"/>
-                        <a:t>5</a:t>
-                      </a:r>
-                      <a:endParaRPr lang="en-SE" dirty="0"/>
-                    </a:p>
-                  </a:txBody>
-                  <a:tcPr/>
-                </a:tc>
-                <a:tc>
-                  <a:txBody>
-                    <a:bodyPr/>
-                    <a:lstStyle/>
-                    <a:p>
-                      <a:pPr algn="ctr"/>
-                      <a:r>
-                        <a:rPr lang="en-GB" dirty="0">
+                      <a:endParaRPr lang="en-SE" b="0" dirty="0"/>
+                    </a:p>
+                  </a:txBody>
+                  <a:tcPr/>
+                </a:tc>
+                <a:tc>
+                  <a:txBody>
+                    <a:bodyPr/>
+                    <a:lstStyle/>
+                    <a:p>
+                      <a:pPr algn="ctr"/>
+                      <a:r>
+                        <a:rPr lang="en-GB" b="0" dirty="0">
                           <a:solidFill>
                             <a:srgbClr val="FF0000"/>
                           </a:solidFill>
                         </a:rPr>
-                        <a:t>4</a:t>
-                      </a:r>
-                      <a:endParaRPr lang="en-SE" dirty="0">
+                        <a:t>2</a:t>
+                      </a:r>
+                      <a:endParaRPr lang="en-SE" b="0" dirty="0">
                         <a:solidFill>
                           <a:srgbClr val="FF0000"/>
                         </a:solidFill>
@@ -7999,29 +8157,75 @@
                     <a:p>
                       <a:pPr algn="ctr"/>
                       <a:r>
-                        <a:rPr lang="en-GB" dirty="0"/>
-                        <a:t>4</a:t>
-                      </a:r>
-                      <a:endParaRPr lang="en-SE" dirty="0"/>
-                    </a:p>
-                  </a:txBody>
-                  <a:tcPr/>
-                </a:tc>
-                <a:tc>
-                  <a:txBody>
-                    <a:bodyPr/>
-                    <a:lstStyle/>
-                    <a:p>
-                      <a:pPr algn="ctr"/>
-                      <a:r>
-                        <a:rPr lang="en-GB" dirty="0">
+                        <a:rPr lang="en-GB" b="0" dirty="0"/>
+                        <a:t>2</a:t>
+                      </a:r>
+                      <a:endParaRPr lang="en-SE" b="0" dirty="0"/>
+                    </a:p>
+                  </a:txBody>
+                  <a:tcPr/>
+                </a:tc>
+                <a:tc>
+                  <a:txBody>
+                    <a:bodyPr/>
+                    <a:lstStyle/>
+                    <a:p>
+                      <a:pPr algn="ctr"/>
+                      <a:r>
+                        <a:rPr lang="en-GB" b="0" dirty="0">
                           <a:solidFill>
                             <a:schemeClr val="tx1"/>
                           </a:solidFill>
                         </a:rPr>
-                        <a:t>4</a:t>
-                      </a:r>
-                      <a:endParaRPr lang="en-SE" dirty="0">
+                        <a:t>2</a:t>
+                      </a:r>
+                      <a:endParaRPr lang="en-SE" b="0" dirty="0">
+                        <a:solidFill>
+                          <a:schemeClr val="tx1"/>
+                        </a:solidFill>
+                      </a:endParaRPr>
+                    </a:p>
+                  </a:txBody>
+                  <a:tcPr/>
+                </a:tc>
+                <a:tc>
+                  <a:txBody>
+                    <a:bodyPr/>
+                    <a:lstStyle/>
+                    <a:p>
+                      <a:pPr algn="ctr"/>
+                      <a:r>
+                        <a:rPr lang="en-GB" b="0" dirty="0">
+                          <a:solidFill>
+                            <a:srgbClr val="FF0000"/>
+                          </a:solidFill>
+                        </a:rPr>
+                        <a:t>6</a:t>
+                      </a:r>
+                      <a:endParaRPr lang="en-SE" b="0" dirty="0">
+                        <a:solidFill>
+                          <a:srgbClr val="FF0000"/>
+                        </a:solidFill>
+                      </a:endParaRPr>
+                    </a:p>
+                  </a:txBody>
+                  <a:tcPr/>
+                </a:tc>
+                <a:tc>
+                  <a:txBody>
+                    <a:bodyPr/>
+                    <a:lstStyle/>
+                    <a:p>
+                      <a:pPr algn="ctr"/>
+                      <a:r>
+                        <a:rPr lang="en-GB" b="0" dirty="0">
+                          <a:solidFill>
+                            <a:schemeClr val="tx1"/>
+                          </a:solidFill>
+                        </a:rPr>
+                        <a:t>6</a:t>
+                      </a:r>
+                      <a:endParaRPr lang="en-SE" b="0" dirty="0">
                         <a:solidFill>
                           <a:schemeClr val="tx1"/>
                         </a:solidFill>
@@ -8074,26 +8278,26 @@
                     <a:lstStyle/>
                     <a:p>
                       <a:pPr algn="ctr"/>
-                      <a:endParaRPr lang="en-SE" dirty="0"/>
-                    </a:p>
-                  </a:txBody>
-                  <a:tcPr/>
-                </a:tc>
-                <a:tc>
-                  <a:txBody>
-                    <a:bodyPr/>
-                    <a:lstStyle/>
-                    <a:p>
-                      <a:pPr algn="ctr"/>
-                      <a:r>
-                        <a:rPr lang="en-GB" dirty="0">
+                      <a:endParaRPr lang="en-SE" b="0" dirty="0"/>
+                    </a:p>
+                  </a:txBody>
+                  <a:tcPr/>
+                </a:tc>
+                <a:tc>
+                  <a:txBody>
+                    <a:bodyPr/>
+                    <a:lstStyle/>
+                    <a:p>
+                      <a:pPr algn="ctr"/>
+                      <a:r>
+                        <a:rPr lang="en-GB" b="0" dirty="0">
                           <a:solidFill>
                             <a:srgbClr val="FF0000"/>
                           </a:solidFill>
                         </a:rPr>
                         <a:t>3</a:t>
                       </a:r>
-                      <a:endParaRPr lang="en-SE" dirty="0">
+                      <a:endParaRPr lang="en-SE" b="0" dirty="0">
                         <a:solidFill>
                           <a:srgbClr val="FF0000"/>
                         </a:solidFill>
@@ -8109,89 +8313,82 @@
                     <a:p>
                       <a:pPr algn="ctr"/>
                       <a:r>
-                        <a:rPr lang="en-GB" dirty="0"/>
+                        <a:rPr lang="en-GB" b="0" dirty="0"/>
                         <a:t>3</a:t>
                       </a:r>
-                      <a:endParaRPr lang="en-SE" dirty="0"/>
-                    </a:p>
-                  </a:txBody>
-                  <a:tcPr/>
-                </a:tc>
-                <a:tc>
-                  <a:txBody>
-                    <a:bodyPr/>
-                    <a:lstStyle/>
-                    <a:p>
-                      <a:pPr algn="ctr"/>
-                      <a:r>
-                        <a:rPr lang="en-GB" dirty="0"/>
+                      <a:endParaRPr lang="en-SE" b="0" dirty="0"/>
+                    </a:p>
+                  </a:txBody>
+                  <a:tcPr/>
+                </a:tc>
+                <a:tc>
+                  <a:txBody>
+                    <a:bodyPr/>
+                    <a:lstStyle/>
+                    <a:p>
+                      <a:pPr algn="ctr"/>
+                      <a:r>
+                        <a:rPr lang="en-GB" b="0" dirty="0"/>
                         <a:t>3</a:t>
                       </a:r>
-                      <a:endParaRPr lang="en-SE" dirty="0"/>
-                    </a:p>
-                  </a:txBody>
-                  <a:tcPr/>
-                </a:tc>
-                <a:tc>
-                  <a:txBody>
-                    <a:bodyPr/>
-                    <a:lstStyle/>
-                    <a:p>
-                      <a:pPr algn="ctr"/>
-                      <a:r>
-                        <a:rPr lang="en-GB" dirty="0"/>
-                        <a:t>2</a:t>
-                      </a:r>
-                      <a:endParaRPr lang="en-SE" dirty="0"/>
-                    </a:p>
-                  </a:txBody>
-                  <a:tcPr/>
-                </a:tc>
-                <a:tc>
-                  <a:txBody>
-                    <a:bodyPr/>
-                    <a:lstStyle/>
-                    <a:p>
-                      <a:pPr algn="ctr"/>
-                      <a:r>
-                        <a:rPr lang="en-GB" dirty="0"/>
-                        <a:t>2</a:t>
-                      </a:r>
-                      <a:endParaRPr lang="en-SE" dirty="0"/>
-                    </a:p>
-                  </a:txBody>
-                  <a:tcPr/>
-                </a:tc>
-                <a:tc>
-                  <a:txBody>
-                    <a:bodyPr/>
-                    <a:lstStyle/>
-                    <a:p>
-                      <a:pPr algn="ctr"/>
-                      <a:r>
-                        <a:rPr lang="en-GB" dirty="0"/>
-                        <a:t>2</a:t>
-                      </a:r>
-                      <a:endParaRPr lang="en-SE" dirty="0"/>
-                    </a:p>
-                  </a:txBody>
-                  <a:tcPr/>
-                </a:tc>
-                <a:tc>
-                  <a:txBody>
-                    <a:bodyPr/>
-                    <a:lstStyle/>
-                    <a:p>
-                      <a:pPr algn="ctr"/>
-                      <a:r>
-                        <a:rPr lang="en-GB" dirty="0">
+                      <a:endParaRPr lang="en-SE" b="0" dirty="0"/>
+                    </a:p>
+                  </a:txBody>
+                  <a:tcPr/>
+                </a:tc>
+                <a:tc>
+                  <a:txBody>
+                    <a:bodyPr/>
+                    <a:lstStyle/>
+                    <a:p>
+                      <a:pPr algn="ctr"/>
+                      <a:r>
+                        <a:rPr lang="en-GB" b="0" dirty="0"/>
+                        <a:t>3</a:t>
+                      </a:r>
+                      <a:endParaRPr lang="en-SE" b="0" dirty="0"/>
+                    </a:p>
+                  </a:txBody>
+                  <a:tcPr/>
+                </a:tc>
+                <a:tc>
+                  <a:txBody>
+                    <a:bodyPr/>
+                    <a:lstStyle/>
+                    <a:p>
+                      <a:pPr algn="ctr"/>
+                      <a:r>
+                        <a:rPr lang="en-GB" b="0" dirty="0">
+                          <a:solidFill>
+                            <a:srgbClr val="FF0000"/>
+                          </a:solidFill>
+                        </a:rPr>
+                        <a:t>5</a:t>
+                      </a:r>
+                      <a:endParaRPr lang="en-SE" b="0" dirty="0">
+                        <a:solidFill>
+                          <a:srgbClr val="FF0000"/>
+                        </a:solidFill>
+                      </a:endParaRPr>
+                    </a:p>
+                  </a:txBody>
+                  <a:tcPr/>
+                </a:tc>
+                <a:tc>
+                  <a:txBody>
+                    <a:bodyPr/>
+                    <a:lstStyle/>
+                    <a:p>
+                      <a:pPr algn="ctr"/>
+                      <a:r>
+                        <a:rPr lang="en-GB" b="0" dirty="0">
                           <a:solidFill>
                             <a:schemeClr val="tx1"/>
                           </a:solidFill>
                         </a:rPr>
-                        <a:t>2</a:t>
-                      </a:r>
-                      <a:endParaRPr lang="en-SE" dirty="0">
+                        <a:t>5</a:t>
+                      </a:r>
+                      <a:endParaRPr lang="en-SE" b="0" dirty="0">
                         <a:solidFill>
                           <a:schemeClr val="tx1"/>
                         </a:solidFill>
@@ -8207,14 +8404,37 @@
                     <a:p>
                       <a:pPr algn="ctr"/>
                       <a:r>
-                        <a:rPr lang="en-GB" dirty="0">
+                        <a:rPr lang="en-GB" b="0" dirty="0">
+                          <a:solidFill>
+                            <a:schemeClr val="tx1"/>
+                          </a:solidFill>
+                        </a:rPr>
+                        <a:t>5</a:t>
+                      </a:r>
+                      <a:endParaRPr lang="en-SE" b="0" dirty="0">
+                        <a:solidFill>
+                          <a:schemeClr val="tx1"/>
+                        </a:solidFill>
+                      </a:endParaRPr>
+                    </a:p>
+                  </a:txBody>
+                  <a:tcPr/>
+                </a:tc>
+                <a:tc>
+                  <a:txBody>
+                    <a:bodyPr/>
+                    <a:lstStyle/>
+                    <a:p>
+                      <a:pPr algn="ctr"/>
+                      <a:r>
+                        <a:rPr lang="en-GB" b="0" dirty="0">
                           <a:solidFill>
                             <a:srgbClr val="FF0000"/>
                           </a:solidFill>
                         </a:rPr>
                         <a:t>1</a:t>
                       </a:r>
-                      <a:endParaRPr lang="en-SE" dirty="0">
+                      <a:endParaRPr lang="en-SE" b="0" dirty="0">
                         <a:solidFill>
                           <a:srgbClr val="FF0000"/>
                         </a:solidFill>
@@ -8229,7 +8449,7 @@
                   </a:ext>
                 </a:extLst>
               </a:tr>
-              <a:tr h="370840">
+              <a:tr h="228065">
                 <a:tc>
                   <a:txBody>
                     <a:bodyPr/>
@@ -8267,48 +8487,48 @@
                     <a:lstStyle/>
                     <a:p>
                       <a:pPr algn="ctr"/>
-                      <a:endParaRPr lang="en-SE"/>
-                    </a:p>
-                  </a:txBody>
-                  <a:tcPr/>
-                </a:tc>
-                <a:tc>
-                  <a:txBody>
-                    <a:bodyPr/>
-                    <a:lstStyle/>
-                    <a:p>
-                      <a:pPr algn="ctr"/>
-                      <a:endParaRPr lang="en-SE"/>
-                    </a:p>
-                  </a:txBody>
-                  <a:tcPr/>
-                </a:tc>
-                <a:tc>
-                  <a:txBody>
-                    <a:bodyPr/>
-                    <a:lstStyle/>
-                    <a:p>
-                      <a:pPr algn="ctr"/>
-                      <a:endParaRPr lang="en-SE" dirty="0"/>
-                    </a:p>
-                  </a:txBody>
-                  <a:tcPr/>
-                </a:tc>
-                <a:tc>
-                  <a:txBody>
-                    <a:bodyPr/>
-                    <a:lstStyle/>
-                    <a:p>
-                      <a:pPr algn="ctr"/>
-                      <a:r>
-                        <a:rPr lang="en-GB" dirty="0">
+                      <a:endParaRPr lang="en-SE" b="0"/>
+                    </a:p>
+                  </a:txBody>
+                  <a:tcPr/>
+                </a:tc>
+                <a:tc>
+                  <a:txBody>
+                    <a:bodyPr/>
+                    <a:lstStyle/>
+                    <a:p>
+                      <a:pPr algn="ctr"/>
+                      <a:endParaRPr lang="en-SE" b="0"/>
+                    </a:p>
+                  </a:txBody>
+                  <a:tcPr/>
+                </a:tc>
+                <a:tc>
+                  <a:txBody>
+                    <a:bodyPr/>
+                    <a:lstStyle/>
+                    <a:p>
+                      <a:pPr algn="ctr"/>
+                      <a:endParaRPr lang="en-SE" b="0" dirty="0"/>
+                    </a:p>
+                  </a:txBody>
+                  <a:tcPr/>
+                </a:tc>
+                <a:tc>
+                  <a:txBody>
+                    <a:bodyPr/>
+                    <a:lstStyle/>
+                    <a:p>
+                      <a:pPr algn="ctr"/>
+                      <a:r>
+                        <a:rPr lang="en-GB" b="0" dirty="0">
                           <a:solidFill>
                             <a:srgbClr val="FF0000"/>
                           </a:solidFill>
                         </a:rPr>
                         <a:t>1</a:t>
                       </a:r>
-                      <a:endParaRPr lang="en-SE" dirty="0">
+                      <a:endParaRPr lang="en-SE" b="0" dirty="0">
                         <a:solidFill>
                           <a:srgbClr val="FF0000"/>
                         </a:solidFill>
@@ -8324,44 +8544,67 @@
                     <a:p>
                       <a:pPr algn="ctr"/>
                       <a:r>
-                        <a:rPr lang="en-GB" dirty="0"/>
+                        <a:rPr lang="en-GB" b="0" dirty="0"/>
                         <a:t>1</a:t>
                       </a:r>
-                      <a:endParaRPr lang="en-SE" dirty="0"/>
-                    </a:p>
-                  </a:txBody>
-                  <a:tcPr/>
-                </a:tc>
-                <a:tc>
-                  <a:txBody>
-                    <a:bodyPr/>
-                    <a:lstStyle/>
-                    <a:p>
-                      <a:pPr algn="ctr"/>
-                      <a:r>
-                        <a:rPr lang="en-GB" dirty="0"/>
+                      <a:endParaRPr lang="en-SE" b="0" dirty="0"/>
+                    </a:p>
+                  </a:txBody>
+                  <a:tcPr/>
+                </a:tc>
+                <a:tc>
+                  <a:txBody>
+                    <a:bodyPr/>
+                    <a:lstStyle/>
+                    <a:p>
+                      <a:pPr algn="ctr"/>
+                      <a:r>
+                        <a:rPr lang="en-GB" b="0" dirty="0"/>
                         <a:t>1</a:t>
                       </a:r>
-                      <a:endParaRPr lang="en-SE" dirty="0"/>
-                    </a:p>
-                  </a:txBody>
-                  <a:tcPr/>
-                </a:tc>
-                <a:tc>
-                  <a:txBody>
-                    <a:bodyPr/>
-                    <a:lstStyle/>
-                    <a:p>
-                      <a:pPr algn="ctr"/>
-                      <a:r>
-                        <a:rPr lang="en-GB" dirty="0">
+                      <a:endParaRPr lang="en-SE" b="0" dirty="0"/>
+                    </a:p>
+                  </a:txBody>
+                  <a:tcPr/>
+                </a:tc>
+                <a:tc>
+                  <a:txBody>
+                    <a:bodyPr/>
+                    <a:lstStyle/>
+                    <a:p>
+                      <a:pPr algn="ctr"/>
+                      <a:r>
+                        <a:rPr lang="en-GB" b="0" dirty="0">
+                          <a:solidFill>
+                            <a:srgbClr val="FF0000"/>
+                          </a:solidFill>
+                        </a:rPr>
+                        <a:t>4</a:t>
+                      </a:r>
+                      <a:endParaRPr lang="en-SE" b="0" dirty="0">
+                        <a:solidFill>
+                          <a:srgbClr val="FF0000"/>
+                        </a:solidFill>
+                      </a:endParaRPr>
+                    </a:p>
+                  </a:txBody>
+                  <a:tcPr/>
+                </a:tc>
+                <a:tc>
+                  <a:txBody>
+                    <a:bodyPr/>
+                    <a:lstStyle/>
+                    <a:p>
+                      <a:pPr algn="ctr"/>
+                      <a:r>
+                        <a:rPr lang="en-GB" b="0" dirty="0">
                           <a:solidFill>
                             <a:schemeClr val="tx1"/>
                           </a:solidFill>
                         </a:rPr>
-                        <a:t>1</a:t>
-                      </a:r>
-                      <a:endParaRPr lang="en-SE" dirty="0">
+                        <a:t>4</a:t>
+                      </a:r>
+                      <a:endParaRPr lang="en-SE" b="0" dirty="0">
                         <a:solidFill>
                           <a:schemeClr val="tx1"/>
                         </a:solidFill>
@@ -8377,33 +8620,10 @@
                     <a:p>
                       <a:pPr algn="ctr"/>
                       <a:r>
-                        <a:rPr lang="en-GB" dirty="0">
-                          <a:solidFill>
-                            <a:srgbClr val="FF0000"/>
-                          </a:solidFill>
-                        </a:rPr>
-                        <a:t>6</a:t>
-                      </a:r>
-                      <a:endParaRPr lang="en-SE" dirty="0">
-                        <a:solidFill>
-                          <a:srgbClr val="FF0000"/>
-                        </a:solidFill>
-                      </a:endParaRPr>
-                    </a:p>
-                  </a:txBody>
-                  <a:tcPr/>
-                </a:tc>
-                <a:tc>
-                  <a:txBody>
-                    <a:bodyPr/>
-                    <a:lstStyle/>
-                    <a:p>
-                      <a:pPr algn="ctr"/>
-                      <a:r>
-                        <a:rPr lang="en-GB" dirty="0"/>
-                        <a:t>6</a:t>
-                      </a:r>
-                      <a:endParaRPr lang="en-SE" dirty="0"/>
+                        <a:rPr lang="en-GB" b="0" dirty="0"/>
+                        <a:t>4</a:t>
+                      </a:r>
+                      <a:endParaRPr lang="en-SE" b="0" dirty="0"/>
                     </a:p>
                   </a:txBody>
                   <a:tcPr/>
@@ -8433,7 +8653,7 @@
           <p:nvPr>
             <p:extLst>
               <p:ext uri="{D42A27DB-BD31-4B8C-83A1-F6EECF244321}">
-                <p14:modId xmlns:p14="http://schemas.microsoft.com/office/powerpoint/2010/main" val="1594144024"/>
+                <p14:modId xmlns:p14="http://schemas.microsoft.com/office/powerpoint/2010/main" val="1215961493"/>
               </p:ext>
             </p:extLst>
           </p:nvPr>
@@ -8528,148 +8748,208 @@
                     <a:p>
                       <a:pPr algn="ctr"/>
                       <a:r>
-                        <a:rPr lang="en-US" dirty="0"/>
+                        <a:rPr lang="en-US" b="1" dirty="0"/>
                         <a:t>Ref</a:t>
                       </a:r>
-                      <a:endParaRPr lang="en-SE" dirty="0"/>
-                    </a:p>
-                  </a:txBody>
-                  <a:tcPr/>
-                </a:tc>
-                <a:tc>
-                  <a:txBody>
-                    <a:bodyPr/>
-                    <a:lstStyle/>
-                    <a:p>
-                      <a:pPr algn="ctr"/>
-                      <a:r>
-                        <a:rPr lang="en-GB" dirty="0"/>
+                      <a:endParaRPr lang="en-SE" b="1" dirty="0"/>
+                    </a:p>
+                  </a:txBody>
+                  <a:tcPr>
+                    <a:solidFill>
+                      <a:schemeClr val="bg1">
+                        <a:lumMod val="85000"/>
+                      </a:schemeClr>
+                    </a:solidFill>
+                  </a:tcPr>
+                </a:tc>
+                <a:tc>
+                  <a:txBody>
+                    <a:bodyPr/>
+                    <a:lstStyle/>
+                    <a:p>
+                      <a:pPr algn="ctr"/>
+                      <a:r>
+                        <a:rPr lang="en-GB" b="1" dirty="0"/>
                         <a:t>5</a:t>
                       </a:r>
-                      <a:endParaRPr lang="en-SE" dirty="0"/>
-                    </a:p>
-                  </a:txBody>
-                  <a:tcPr/>
-                </a:tc>
-                <a:tc>
-                  <a:txBody>
-                    <a:bodyPr/>
-                    <a:lstStyle/>
-                    <a:p>
-                      <a:pPr algn="ctr"/>
-                      <a:r>
-                        <a:rPr lang="en-GB" dirty="0"/>
+                      <a:endParaRPr lang="en-SE" b="1" dirty="0"/>
+                    </a:p>
+                  </a:txBody>
+                  <a:tcPr>
+                    <a:solidFill>
+                      <a:schemeClr val="bg1">
+                        <a:lumMod val="85000"/>
+                      </a:schemeClr>
+                    </a:solidFill>
+                  </a:tcPr>
+                </a:tc>
+                <a:tc>
+                  <a:txBody>
+                    <a:bodyPr/>
+                    <a:lstStyle/>
+                    <a:p>
+                      <a:pPr algn="ctr"/>
+                      <a:r>
+                        <a:rPr lang="en-GB" b="1" dirty="0"/>
                         <a:t>3</a:t>
                       </a:r>
-                      <a:endParaRPr lang="en-SE" dirty="0"/>
-                    </a:p>
-                  </a:txBody>
-                  <a:tcPr/>
-                </a:tc>
-                <a:tc>
-                  <a:txBody>
-                    <a:bodyPr/>
-                    <a:lstStyle/>
-                    <a:p>
-                      <a:pPr algn="ctr"/>
-                      <a:r>
-                        <a:rPr lang="en-GB" dirty="0"/>
+                      <a:endParaRPr lang="en-SE" b="1" dirty="0"/>
+                    </a:p>
+                  </a:txBody>
+                  <a:tcPr>
+                    <a:solidFill>
+                      <a:schemeClr val="bg1">
+                        <a:lumMod val="85000"/>
+                      </a:schemeClr>
+                    </a:solidFill>
+                  </a:tcPr>
+                </a:tc>
+                <a:tc>
+                  <a:txBody>
+                    <a:bodyPr/>
+                    <a:lstStyle/>
+                    <a:p>
+                      <a:pPr algn="ctr"/>
+                      <a:r>
+                        <a:rPr lang="en-GB" b="1" dirty="0"/>
                         <a:t>5</a:t>
                       </a:r>
-                      <a:endParaRPr lang="en-SE" dirty="0"/>
-                    </a:p>
-                  </a:txBody>
-                  <a:tcPr/>
-                </a:tc>
-                <a:tc>
-                  <a:txBody>
-                    <a:bodyPr/>
-                    <a:lstStyle/>
-                    <a:p>
-                      <a:pPr algn="ctr"/>
-                      <a:r>
-                        <a:rPr lang="en-GB" dirty="0"/>
+                      <a:endParaRPr lang="en-SE" b="1" dirty="0"/>
+                    </a:p>
+                  </a:txBody>
+                  <a:tcPr>
+                    <a:solidFill>
+                      <a:schemeClr val="bg1">
+                        <a:lumMod val="85000"/>
+                      </a:schemeClr>
+                    </a:solidFill>
+                  </a:tcPr>
+                </a:tc>
+                <a:tc>
+                  <a:txBody>
+                    <a:bodyPr/>
+                    <a:lstStyle/>
+                    <a:p>
+                      <a:pPr algn="ctr"/>
+                      <a:r>
+                        <a:rPr lang="en-GB" b="1" dirty="0"/>
                         <a:t>1</a:t>
                       </a:r>
-                      <a:endParaRPr lang="en-SE" dirty="0"/>
-                    </a:p>
-                  </a:txBody>
-                  <a:tcPr/>
-                </a:tc>
-                <a:tc>
-                  <a:txBody>
-                    <a:bodyPr/>
-                    <a:lstStyle/>
-                    <a:p>
-                      <a:pPr algn="ctr"/>
-                      <a:r>
-                        <a:rPr lang="en-GB" dirty="0"/>
+                      <a:endParaRPr lang="en-SE" b="1" dirty="0"/>
+                    </a:p>
+                  </a:txBody>
+                  <a:tcPr>
+                    <a:solidFill>
+                      <a:schemeClr val="bg1">
+                        <a:lumMod val="85000"/>
+                      </a:schemeClr>
+                    </a:solidFill>
+                  </a:tcPr>
+                </a:tc>
+                <a:tc>
+                  <a:txBody>
+                    <a:bodyPr/>
+                    <a:lstStyle/>
+                    <a:p>
+                      <a:pPr algn="ctr"/>
+                      <a:r>
+                        <a:rPr lang="en-GB" b="1" dirty="0"/>
                         <a:t>2</a:t>
                       </a:r>
-                      <a:endParaRPr lang="en-SE" dirty="0"/>
-                    </a:p>
-                  </a:txBody>
-                  <a:tcPr/>
-                </a:tc>
-                <a:tc>
-                  <a:txBody>
-                    <a:bodyPr/>
-                    <a:lstStyle/>
-                    <a:p>
-                      <a:pPr algn="ctr"/>
-                      <a:r>
-                        <a:rPr lang="en-GB" dirty="0"/>
+                      <a:endParaRPr lang="en-SE" b="1" dirty="0"/>
+                    </a:p>
+                  </a:txBody>
+                  <a:tcPr>
+                    <a:solidFill>
+                      <a:schemeClr val="bg1">
+                        <a:lumMod val="85000"/>
+                      </a:schemeClr>
+                    </a:solidFill>
+                  </a:tcPr>
+                </a:tc>
+                <a:tc>
+                  <a:txBody>
+                    <a:bodyPr/>
+                    <a:lstStyle/>
+                    <a:p>
+                      <a:pPr algn="ctr"/>
+                      <a:r>
+                        <a:rPr lang="en-GB" b="1" dirty="0"/>
                         <a:t>5</a:t>
                       </a:r>
-                      <a:endParaRPr lang="en-SE" dirty="0"/>
-                    </a:p>
-                  </a:txBody>
-                  <a:tcPr/>
-                </a:tc>
-                <a:tc>
-                  <a:txBody>
-                    <a:bodyPr/>
-                    <a:lstStyle/>
-                    <a:p>
-                      <a:pPr algn="ctr"/>
-                      <a:r>
-                        <a:rPr lang="en-GB" dirty="0"/>
+                      <a:endParaRPr lang="en-SE" b="1" dirty="0"/>
+                    </a:p>
+                  </a:txBody>
+                  <a:tcPr>
+                    <a:solidFill>
+                      <a:schemeClr val="bg1">
+                        <a:lumMod val="85000"/>
+                      </a:schemeClr>
+                    </a:solidFill>
+                  </a:tcPr>
+                </a:tc>
+                <a:tc>
+                  <a:txBody>
+                    <a:bodyPr/>
+                    <a:lstStyle/>
+                    <a:p>
+                      <a:pPr algn="ctr"/>
+                      <a:r>
+                        <a:rPr lang="en-GB" b="1" dirty="0"/>
                         <a:t>4</a:t>
                       </a:r>
-                      <a:endParaRPr lang="en-SE" dirty="0"/>
-                    </a:p>
-                  </a:txBody>
-                  <a:tcPr/>
-                </a:tc>
-                <a:tc>
-                  <a:txBody>
-                    <a:bodyPr/>
-                    <a:lstStyle/>
-                    <a:p>
-                      <a:pPr algn="ctr"/>
-                      <a:r>
-                        <a:rPr lang="en-GB" dirty="0"/>
+                      <a:endParaRPr lang="en-SE" b="1" dirty="0"/>
+                    </a:p>
+                  </a:txBody>
+                  <a:tcPr>
+                    <a:solidFill>
+                      <a:schemeClr val="bg1">
+                        <a:lumMod val="85000"/>
+                      </a:schemeClr>
+                    </a:solidFill>
+                  </a:tcPr>
+                </a:tc>
+                <a:tc>
+                  <a:txBody>
+                    <a:bodyPr/>
+                    <a:lstStyle/>
+                    <a:p>
+                      <a:pPr algn="ctr"/>
+                      <a:r>
+                        <a:rPr lang="en-GB" b="1" dirty="0"/>
                         <a:t>6</a:t>
                       </a:r>
-                      <a:endParaRPr lang="en-SE" dirty="0"/>
-                    </a:p>
-                  </a:txBody>
-                  <a:tcPr/>
-                </a:tc>
-                <a:tc>
-                  <a:txBody>
-                    <a:bodyPr/>
-                    <a:lstStyle/>
-                    <a:p>
-                      <a:pPr algn="ctr"/>
-                      <a:r>
-                        <a:rPr lang="en-GB" dirty="0"/>
+                      <a:endParaRPr lang="en-SE" b="1" dirty="0"/>
+                    </a:p>
+                  </a:txBody>
+                  <a:tcPr>
+                    <a:solidFill>
+                      <a:schemeClr val="bg1">
+                        <a:lumMod val="85000"/>
+                      </a:schemeClr>
+                    </a:solidFill>
+                  </a:tcPr>
+                </a:tc>
+                <a:tc>
+                  <a:txBody>
+                    <a:bodyPr/>
+                    <a:lstStyle/>
+                    <a:p>
+                      <a:pPr algn="ctr"/>
+                      <a:r>
+                        <a:rPr lang="en-GB" b="1" dirty="0"/>
                         <a:t>1</a:t>
                       </a:r>
-                      <a:endParaRPr lang="en-SE" dirty="0"/>
-                    </a:p>
-                  </a:txBody>
-                  <a:tcPr/>
+                      <a:endParaRPr lang="en-SE" b="1" dirty="0"/>
+                    </a:p>
+                  </a:txBody>
+                  <a:tcPr>
+                    <a:solidFill>
+                      <a:schemeClr val="bg1">
+                        <a:lumMod val="85000"/>
+                      </a:schemeClr>
+                    </a:solidFill>
+                  </a:tcPr>
                 </a:tc>
                 <a:extLst>
                   <a:ext uri="{0D108BD9-81ED-4DB2-BD59-A6C34878D82A}">
@@ -8961,10 +9241,18 @@
                     <a:p>
                       <a:pPr algn="ctr"/>
                       <a:r>
-                        <a:rPr lang="en-GB" dirty="0"/>
+                        <a:rPr lang="en-GB" dirty="0">
+                          <a:solidFill>
+                            <a:srgbClr val="FF0000"/>
+                          </a:solidFill>
+                        </a:rPr>
                         <a:t>2</a:t>
                       </a:r>
-                      <a:endParaRPr lang="en-SE" dirty="0"/>
+                      <a:endParaRPr lang="en-SE" dirty="0">
+                        <a:solidFill>
+                          <a:srgbClr val="FF0000"/>
+                        </a:solidFill>
+                      </a:endParaRPr>
                     </a:p>
                   </a:txBody>
                   <a:tcPr/>
@@ -9408,7 +9696,7 @@
           <p:nvPr>
             <p:extLst>
               <p:ext uri="{D42A27DB-BD31-4B8C-83A1-F6EECF244321}">
-                <p14:modId xmlns:p14="http://schemas.microsoft.com/office/powerpoint/2010/main" val="380253184"/>
+                <p14:modId xmlns:p14="http://schemas.microsoft.com/office/powerpoint/2010/main" val="2250456036"/>
               </p:ext>
             </p:extLst>
           </p:nvPr>
@@ -9545,238 +9833,334 @@
                     <a:p>
                       <a:pPr algn="ctr"/>
                       <a:r>
-                        <a:rPr lang="en-GB" dirty="0"/>
+                        <a:rPr lang="en-GB" b="1" dirty="0"/>
                         <a:t>Ref</a:t>
                       </a:r>
-                      <a:endParaRPr lang="en-SE" dirty="0"/>
-                    </a:p>
-                  </a:txBody>
-                  <a:tcPr/>
-                </a:tc>
-                <a:tc>
-                  <a:txBody>
-                    <a:bodyPr/>
-                    <a:lstStyle/>
-                    <a:p>
-                      <a:pPr algn="ctr"/>
-                      <a:r>
-                        <a:rPr lang="en-GB" dirty="0"/>
+                      <a:endParaRPr lang="en-SE" b="1" dirty="0"/>
+                    </a:p>
+                  </a:txBody>
+                  <a:tcPr>
+                    <a:solidFill>
+                      <a:schemeClr val="bg1">
+                        <a:lumMod val="85000"/>
+                      </a:schemeClr>
+                    </a:solidFill>
+                  </a:tcPr>
+                </a:tc>
+                <a:tc>
+                  <a:txBody>
+                    <a:bodyPr/>
+                    <a:lstStyle/>
+                    <a:p>
+                      <a:pPr algn="ctr"/>
+                      <a:r>
+                        <a:rPr lang="en-GB" b="1" dirty="0"/>
                         <a:t>7</a:t>
                       </a:r>
-                      <a:endParaRPr lang="en-SE" dirty="0"/>
-                    </a:p>
-                  </a:txBody>
-                  <a:tcPr/>
-                </a:tc>
-                <a:tc>
-                  <a:txBody>
-                    <a:bodyPr/>
-                    <a:lstStyle/>
-                    <a:p>
-                      <a:pPr algn="ctr"/>
-                      <a:r>
-                        <a:rPr lang="en-GB" dirty="0"/>
+                      <a:endParaRPr lang="en-SE" b="1" dirty="0"/>
+                    </a:p>
+                  </a:txBody>
+                  <a:tcPr>
+                    <a:solidFill>
+                      <a:schemeClr val="bg1">
+                        <a:lumMod val="85000"/>
+                      </a:schemeClr>
+                    </a:solidFill>
+                  </a:tcPr>
+                </a:tc>
+                <a:tc>
+                  <a:txBody>
+                    <a:bodyPr/>
+                    <a:lstStyle/>
+                    <a:p>
+                      <a:pPr algn="ctr"/>
+                      <a:r>
+                        <a:rPr lang="en-GB" b="1" dirty="0"/>
                         <a:t>0</a:t>
                       </a:r>
-                      <a:endParaRPr lang="en-SE" dirty="0"/>
-                    </a:p>
-                  </a:txBody>
-                  <a:tcPr/>
-                </a:tc>
-                <a:tc>
-                  <a:txBody>
-                    <a:bodyPr/>
-                    <a:lstStyle/>
-                    <a:p>
-                      <a:pPr algn="ctr"/>
-                      <a:r>
-                        <a:rPr lang="en-GB" dirty="0"/>
+                      <a:endParaRPr lang="en-SE" b="1" dirty="0"/>
+                    </a:p>
+                  </a:txBody>
+                  <a:tcPr>
+                    <a:solidFill>
+                      <a:schemeClr val="bg1">
+                        <a:lumMod val="85000"/>
+                      </a:schemeClr>
+                    </a:solidFill>
+                  </a:tcPr>
+                </a:tc>
+                <a:tc>
+                  <a:txBody>
+                    <a:bodyPr/>
+                    <a:lstStyle/>
+                    <a:p>
+                      <a:pPr algn="ctr"/>
+                      <a:r>
+                        <a:rPr lang="en-GB" b="1" dirty="0"/>
                         <a:t>1</a:t>
                       </a:r>
-                      <a:endParaRPr lang="en-SE" dirty="0"/>
-                    </a:p>
-                  </a:txBody>
-                  <a:tcPr/>
-                </a:tc>
-                <a:tc>
-                  <a:txBody>
-                    <a:bodyPr/>
-                    <a:lstStyle/>
-                    <a:p>
-                      <a:pPr algn="ctr"/>
-                      <a:r>
-                        <a:rPr lang="en-GB" dirty="0"/>
+                      <a:endParaRPr lang="en-SE" b="1" dirty="0"/>
+                    </a:p>
+                  </a:txBody>
+                  <a:tcPr>
+                    <a:solidFill>
+                      <a:schemeClr val="bg1">
+                        <a:lumMod val="85000"/>
+                      </a:schemeClr>
+                    </a:solidFill>
+                  </a:tcPr>
+                </a:tc>
+                <a:tc>
+                  <a:txBody>
+                    <a:bodyPr/>
+                    <a:lstStyle/>
+                    <a:p>
+                      <a:pPr algn="ctr"/>
+                      <a:r>
+                        <a:rPr lang="en-GB" b="1" dirty="0"/>
                         <a:t>2</a:t>
                       </a:r>
-                      <a:endParaRPr lang="en-SE" dirty="0"/>
-                    </a:p>
-                  </a:txBody>
-                  <a:tcPr/>
-                </a:tc>
-                <a:tc>
-                  <a:txBody>
-                    <a:bodyPr/>
-                    <a:lstStyle/>
-                    <a:p>
-                      <a:pPr algn="ctr"/>
-                      <a:r>
-                        <a:rPr lang="en-GB" dirty="0"/>
+                      <a:endParaRPr lang="en-SE" b="1" dirty="0"/>
+                    </a:p>
+                  </a:txBody>
+                  <a:tcPr>
+                    <a:solidFill>
+                      <a:schemeClr val="bg1">
+                        <a:lumMod val="85000"/>
+                      </a:schemeClr>
+                    </a:solidFill>
+                  </a:tcPr>
+                </a:tc>
+                <a:tc>
+                  <a:txBody>
+                    <a:bodyPr/>
+                    <a:lstStyle/>
+                    <a:p>
+                      <a:pPr algn="ctr"/>
+                      <a:r>
+                        <a:rPr lang="en-GB" b="1" dirty="0"/>
                         <a:t>0</a:t>
                       </a:r>
-                      <a:endParaRPr lang="en-SE" dirty="0"/>
-                    </a:p>
-                  </a:txBody>
-                  <a:tcPr/>
-                </a:tc>
-                <a:tc>
-                  <a:txBody>
-                    <a:bodyPr/>
-                    <a:lstStyle/>
-                    <a:p>
-                      <a:pPr algn="ctr"/>
-                      <a:r>
-                        <a:rPr lang="en-GB" dirty="0"/>
+                      <a:endParaRPr lang="en-SE" b="1" dirty="0"/>
+                    </a:p>
+                  </a:txBody>
+                  <a:tcPr>
+                    <a:solidFill>
+                      <a:schemeClr val="bg1">
+                        <a:lumMod val="85000"/>
+                      </a:schemeClr>
+                    </a:solidFill>
+                  </a:tcPr>
+                </a:tc>
+                <a:tc>
+                  <a:txBody>
+                    <a:bodyPr/>
+                    <a:lstStyle/>
+                    <a:p>
+                      <a:pPr algn="ctr"/>
+                      <a:r>
+                        <a:rPr lang="en-GB" b="1" dirty="0"/>
                         <a:t>3</a:t>
                       </a:r>
-                      <a:endParaRPr lang="en-SE" dirty="0"/>
-                    </a:p>
-                  </a:txBody>
-                  <a:tcPr/>
-                </a:tc>
-                <a:tc>
-                  <a:txBody>
-                    <a:bodyPr/>
-                    <a:lstStyle/>
-                    <a:p>
-                      <a:pPr algn="ctr"/>
-                      <a:r>
-                        <a:rPr lang="en-GB" dirty="0"/>
+                      <a:endParaRPr lang="en-SE" b="1" dirty="0"/>
+                    </a:p>
+                  </a:txBody>
+                  <a:tcPr>
+                    <a:solidFill>
+                      <a:schemeClr val="bg1">
+                        <a:lumMod val="85000"/>
+                      </a:schemeClr>
+                    </a:solidFill>
+                  </a:tcPr>
+                </a:tc>
+                <a:tc>
+                  <a:txBody>
+                    <a:bodyPr/>
+                    <a:lstStyle/>
+                    <a:p>
+                      <a:pPr algn="ctr"/>
+                      <a:r>
+                        <a:rPr lang="en-GB" b="1" dirty="0"/>
                         <a:t>0</a:t>
                       </a:r>
-                      <a:endParaRPr lang="en-SE" dirty="0"/>
-                    </a:p>
-                  </a:txBody>
-                  <a:tcPr/>
-                </a:tc>
-                <a:tc>
-                  <a:txBody>
-                    <a:bodyPr/>
-                    <a:lstStyle/>
-                    <a:p>
-                      <a:pPr algn="ctr"/>
-                      <a:r>
-                        <a:rPr lang="en-GB" dirty="0"/>
+                      <a:endParaRPr lang="en-SE" b="1" dirty="0"/>
+                    </a:p>
+                  </a:txBody>
+                  <a:tcPr>
+                    <a:solidFill>
+                      <a:schemeClr val="bg1">
+                        <a:lumMod val="85000"/>
+                      </a:schemeClr>
+                    </a:solidFill>
+                  </a:tcPr>
+                </a:tc>
+                <a:tc>
+                  <a:txBody>
+                    <a:bodyPr/>
+                    <a:lstStyle/>
+                    <a:p>
+                      <a:pPr algn="ctr"/>
+                      <a:r>
+                        <a:rPr lang="en-GB" b="1" dirty="0"/>
                         <a:t>4</a:t>
                       </a:r>
-                      <a:endParaRPr lang="en-SE" dirty="0"/>
-                    </a:p>
-                  </a:txBody>
-                  <a:tcPr/>
-                </a:tc>
-                <a:tc>
-                  <a:txBody>
-                    <a:bodyPr/>
-                    <a:lstStyle/>
-                    <a:p>
-                      <a:pPr algn="ctr"/>
-                      <a:r>
-                        <a:rPr lang="en-GB" dirty="0"/>
+                      <a:endParaRPr lang="en-SE" b="1" dirty="0"/>
+                    </a:p>
+                  </a:txBody>
+                  <a:tcPr>
+                    <a:solidFill>
+                      <a:schemeClr val="bg1">
+                        <a:lumMod val="85000"/>
+                      </a:schemeClr>
+                    </a:solidFill>
+                  </a:tcPr>
+                </a:tc>
+                <a:tc>
+                  <a:txBody>
+                    <a:bodyPr/>
+                    <a:lstStyle/>
+                    <a:p>
+                      <a:pPr algn="ctr"/>
+                      <a:r>
+                        <a:rPr lang="en-GB" b="1" dirty="0"/>
                         <a:t>2</a:t>
                       </a:r>
-                      <a:endParaRPr lang="en-SE" dirty="0"/>
-                    </a:p>
-                  </a:txBody>
-                  <a:tcPr/>
-                </a:tc>
-                <a:tc>
-                  <a:txBody>
-                    <a:bodyPr/>
-                    <a:lstStyle/>
-                    <a:p>
-                      <a:pPr algn="ctr"/>
-                      <a:r>
-                        <a:rPr lang="en-GB" dirty="0"/>
+                      <a:endParaRPr lang="en-SE" b="1" dirty="0"/>
+                    </a:p>
+                  </a:txBody>
+                  <a:tcPr>
+                    <a:solidFill>
+                      <a:schemeClr val="bg1">
+                        <a:lumMod val="85000"/>
+                      </a:schemeClr>
+                    </a:solidFill>
+                  </a:tcPr>
+                </a:tc>
+                <a:tc>
+                  <a:txBody>
+                    <a:bodyPr/>
+                    <a:lstStyle/>
+                    <a:p>
+                      <a:pPr algn="ctr"/>
+                      <a:r>
+                        <a:rPr lang="en-GB" b="1" dirty="0"/>
                         <a:t>3</a:t>
                       </a:r>
-                      <a:endParaRPr lang="en-SE" dirty="0"/>
-                    </a:p>
-                  </a:txBody>
-                  <a:tcPr/>
-                </a:tc>
-                <a:tc>
-                  <a:txBody>
-                    <a:bodyPr/>
-                    <a:lstStyle/>
-                    <a:p>
-                      <a:pPr algn="ctr"/>
-                      <a:r>
-                        <a:rPr lang="en-GB" dirty="0"/>
+                      <a:endParaRPr lang="en-SE" b="1" dirty="0"/>
+                    </a:p>
+                  </a:txBody>
+                  <a:tcPr>
+                    <a:solidFill>
+                      <a:schemeClr val="bg1">
+                        <a:lumMod val="85000"/>
+                      </a:schemeClr>
+                    </a:solidFill>
+                  </a:tcPr>
+                </a:tc>
+                <a:tc>
+                  <a:txBody>
+                    <a:bodyPr/>
+                    <a:lstStyle/>
+                    <a:p>
+                      <a:pPr algn="ctr"/>
+                      <a:r>
+                        <a:rPr lang="en-GB" b="1" dirty="0"/>
                         <a:t>0</a:t>
                       </a:r>
-                      <a:endParaRPr lang="en-SE" dirty="0"/>
-                    </a:p>
-                  </a:txBody>
-                  <a:tcPr/>
-                </a:tc>
-                <a:tc>
-                  <a:txBody>
-                    <a:bodyPr/>
-                    <a:lstStyle/>
-                    <a:p>
-                      <a:pPr algn="ctr"/>
-                      <a:r>
-                        <a:rPr lang="en-GB" dirty="0"/>
+                      <a:endParaRPr lang="en-SE" b="1" dirty="0"/>
+                    </a:p>
+                  </a:txBody>
+                  <a:tcPr>
+                    <a:solidFill>
+                      <a:schemeClr val="bg1">
+                        <a:lumMod val="85000"/>
+                      </a:schemeClr>
+                    </a:solidFill>
+                  </a:tcPr>
+                </a:tc>
+                <a:tc>
+                  <a:txBody>
+                    <a:bodyPr/>
+                    <a:lstStyle/>
+                    <a:p>
+                      <a:pPr algn="ctr"/>
+                      <a:r>
+                        <a:rPr lang="en-GB" b="1" dirty="0"/>
                         <a:t>3</a:t>
                       </a:r>
-                      <a:endParaRPr lang="en-SE" dirty="0"/>
-                    </a:p>
-                  </a:txBody>
-                  <a:tcPr/>
-                </a:tc>
-                <a:tc>
-                  <a:txBody>
-                    <a:bodyPr/>
-                    <a:lstStyle/>
-                    <a:p>
-                      <a:pPr algn="ctr"/>
-                      <a:r>
-                        <a:rPr lang="en-GB" dirty="0"/>
+                      <a:endParaRPr lang="en-SE" b="1" dirty="0"/>
+                    </a:p>
+                  </a:txBody>
+                  <a:tcPr>
+                    <a:solidFill>
+                      <a:schemeClr val="bg1">
+                        <a:lumMod val="85000"/>
+                      </a:schemeClr>
+                    </a:solidFill>
+                  </a:tcPr>
+                </a:tc>
+                <a:tc>
+                  <a:txBody>
+                    <a:bodyPr/>
+                    <a:lstStyle/>
+                    <a:p>
+                      <a:pPr algn="ctr"/>
+                      <a:r>
+                        <a:rPr lang="en-GB" b="1" dirty="0"/>
                         <a:t>1</a:t>
                       </a:r>
-                      <a:endParaRPr lang="en-SE" dirty="0"/>
-                    </a:p>
-                  </a:txBody>
-                  <a:tcPr/>
-                </a:tc>
-                <a:tc>
-                  <a:txBody>
-                    <a:bodyPr/>
-                    <a:lstStyle/>
-                    <a:p>
-                      <a:pPr algn="ctr"/>
-                      <a:r>
-                        <a:rPr lang="en-GB" dirty="0"/>
+                      <a:endParaRPr lang="en-SE" b="1" dirty="0"/>
+                    </a:p>
+                  </a:txBody>
+                  <a:tcPr>
+                    <a:solidFill>
+                      <a:schemeClr val="bg1">
+                        <a:lumMod val="85000"/>
+                      </a:schemeClr>
+                    </a:solidFill>
+                  </a:tcPr>
+                </a:tc>
+                <a:tc>
+                  <a:txBody>
+                    <a:bodyPr/>
+                    <a:lstStyle/>
+                    <a:p>
+                      <a:pPr algn="ctr"/>
+                      <a:r>
+                        <a:rPr lang="en-GB" b="1" dirty="0"/>
                         <a:t>2</a:t>
                       </a:r>
-                      <a:endParaRPr lang="en-SE" dirty="0"/>
-                    </a:p>
-                  </a:txBody>
-                  <a:tcPr/>
-                </a:tc>
-                <a:tc>
-                  <a:txBody>
-                    <a:bodyPr/>
-                    <a:lstStyle/>
-                    <a:p>
-                      <a:pPr algn="ctr"/>
-                      <a:r>
-                        <a:rPr lang="en-GB" dirty="0"/>
+                      <a:endParaRPr lang="en-SE" b="1" dirty="0"/>
+                    </a:p>
+                  </a:txBody>
+                  <a:tcPr>
+                    <a:solidFill>
+                      <a:schemeClr val="bg1">
+                        <a:lumMod val="85000"/>
+                      </a:schemeClr>
+                    </a:solidFill>
+                  </a:tcPr>
+                </a:tc>
+                <a:tc>
+                  <a:txBody>
+                    <a:bodyPr/>
+                    <a:lstStyle/>
+                    <a:p>
+                      <a:pPr algn="ctr"/>
+                      <a:r>
+                        <a:rPr lang="en-GB" b="1" dirty="0"/>
                         <a:t>0</a:t>
                       </a:r>
-                      <a:endParaRPr lang="en-SE" dirty="0"/>
-                    </a:p>
-                  </a:txBody>
-                  <a:tcPr/>
+                      <a:endParaRPr lang="en-SE" b="1" dirty="0"/>
+                    </a:p>
+                  </a:txBody>
+                  <a:tcPr>
+                    <a:solidFill>
+                      <a:schemeClr val="bg1">
+                        <a:lumMod val="85000"/>
+                      </a:schemeClr>
+                    </a:solidFill>
+                  </a:tcPr>
                 </a:tc>
                 <a:extLst>
                   <a:ext uri="{0D108BD9-81ED-4DB2-BD59-A6C34878D82A}">
@@ -10558,7 +10942,7 @@
           <p:nvPr>
             <p:extLst>
               <p:ext uri="{D42A27DB-BD31-4B8C-83A1-F6EECF244321}">
-                <p14:modId xmlns:p14="http://schemas.microsoft.com/office/powerpoint/2010/main" val="2402083319"/>
+                <p14:modId xmlns:p14="http://schemas.microsoft.com/office/powerpoint/2010/main" val="3777037286"/>
               </p:ext>
             </p:extLst>
           </p:nvPr>
@@ -10695,238 +11079,334 @@
                     <a:p>
                       <a:pPr algn="ctr"/>
                       <a:r>
-                        <a:rPr lang="en-GB" dirty="0"/>
+                        <a:rPr lang="en-GB" b="1" dirty="0"/>
                         <a:t>Ref</a:t>
                       </a:r>
-                      <a:endParaRPr lang="en-SE" dirty="0"/>
-                    </a:p>
-                  </a:txBody>
-                  <a:tcPr/>
-                </a:tc>
-                <a:tc>
-                  <a:txBody>
-                    <a:bodyPr/>
-                    <a:lstStyle/>
-                    <a:p>
-                      <a:pPr algn="ctr"/>
-                      <a:r>
-                        <a:rPr lang="en-GB" dirty="0"/>
+                      <a:endParaRPr lang="en-SE" b="1" dirty="0"/>
+                    </a:p>
+                  </a:txBody>
+                  <a:tcPr>
+                    <a:solidFill>
+                      <a:schemeClr val="bg1">
+                        <a:lumMod val="85000"/>
+                      </a:schemeClr>
+                    </a:solidFill>
+                  </a:tcPr>
+                </a:tc>
+                <a:tc>
+                  <a:txBody>
+                    <a:bodyPr/>
+                    <a:lstStyle/>
+                    <a:p>
+                      <a:pPr algn="ctr"/>
+                      <a:r>
+                        <a:rPr lang="en-GB" b="1" dirty="0"/>
                         <a:t>7</a:t>
                       </a:r>
-                      <a:endParaRPr lang="en-SE" dirty="0"/>
-                    </a:p>
-                  </a:txBody>
-                  <a:tcPr/>
-                </a:tc>
-                <a:tc>
-                  <a:txBody>
-                    <a:bodyPr/>
-                    <a:lstStyle/>
-                    <a:p>
-                      <a:pPr algn="ctr"/>
-                      <a:r>
-                        <a:rPr lang="en-GB" dirty="0"/>
+                      <a:endParaRPr lang="en-SE" b="1" dirty="0"/>
+                    </a:p>
+                  </a:txBody>
+                  <a:tcPr>
+                    <a:solidFill>
+                      <a:schemeClr val="bg1">
+                        <a:lumMod val="85000"/>
+                      </a:schemeClr>
+                    </a:solidFill>
+                  </a:tcPr>
+                </a:tc>
+                <a:tc>
+                  <a:txBody>
+                    <a:bodyPr/>
+                    <a:lstStyle/>
+                    <a:p>
+                      <a:pPr algn="ctr"/>
+                      <a:r>
+                        <a:rPr lang="en-GB" b="1" dirty="0"/>
                         <a:t>0</a:t>
                       </a:r>
-                      <a:endParaRPr lang="en-SE" dirty="0"/>
-                    </a:p>
-                  </a:txBody>
-                  <a:tcPr/>
-                </a:tc>
-                <a:tc>
-                  <a:txBody>
-                    <a:bodyPr/>
-                    <a:lstStyle/>
-                    <a:p>
-                      <a:pPr algn="ctr"/>
-                      <a:r>
-                        <a:rPr lang="en-GB" dirty="0"/>
+                      <a:endParaRPr lang="en-SE" b="1" dirty="0"/>
+                    </a:p>
+                  </a:txBody>
+                  <a:tcPr>
+                    <a:solidFill>
+                      <a:schemeClr val="bg1">
+                        <a:lumMod val="85000"/>
+                      </a:schemeClr>
+                    </a:solidFill>
+                  </a:tcPr>
+                </a:tc>
+                <a:tc>
+                  <a:txBody>
+                    <a:bodyPr/>
+                    <a:lstStyle/>
+                    <a:p>
+                      <a:pPr algn="ctr"/>
+                      <a:r>
+                        <a:rPr lang="en-GB" b="1" dirty="0"/>
                         <a:t>1</a:t>
                       </a:r>
-                      <a:endParaRPr lang="en-SE" dirty="0"/>
-                    </a:p>
-                  </a:txBody>
-                  <a:tcPr/>
-                </a:tc>
-                <a:tc>
-                  <a:txBody>
-                    <a:bodyPr/>
-                    <a:lstStyle/>
-                    <a:p>
-                      <a:pPr algn="ctr"/>
-                      <a:r>
-                        <a:rPr lang="en-GB" dirty="0"/>
+                      <a:endParaRPr lang="en-SE" b="1" dirty="0"/>
+                    </a:p>
+                  </a:txBody>
+                  <a:tcPr>
+                    <a:solidFill>
+                      <a:schemeClr val="bg1">
+                        <a:lumMod val="85000"/>
+                      </a:schemeClr>
+                    </a:solidFill>
+                  </a:tcPr>
+                </a:tc>
+                <a:tc>
+                  <a:txBody>
+                    <a:bodyPr/>
+                    <a:lstStyle/>
+                    <a:p>
+                      <a:pPr algn="ctr"/>
+                      <a:r>
+                        <a:rPr lang="en-GB" b="1" dirty="0"/>
                         <a:t>2</a:t>
                       </a:r>
-                      <a:endParaRPr lang="en-SE" dirty="0"/>
-                    </a:p>
-                  </a:txBody>
-                  <a:tcPr/>
-                </a:tc>
-                <a:tc>
-                  <a:txBody>
-                    <a:bodyPr/>
-                    <a:lstStyle/>
-                    <a:p>
-                      <a:pPr algn="ctr"/>
-                      <a:r>
-                        <a:rPr lang="en-GB" dirty="0"/>
+                      <a:endParaRPr lang="en-SE" b="1" dirty="0"/>
+                    </a:p>
+                  </a:txBody>
+                  <a:tcPr>
+                    <a:solidFill>
+                      <a:schemeClr val="bg1">
+                        <a:lumMod val="85000"/>
+                      </a:schemeClr>
+                    </a:solidFill>
+                  </a:tcPr>
+                </a:tc>
+                <a:tc>
+                  <a:txBody>
+                    <a:bodyPr/>
+                    <a:lstStyle/>
+                    <a:p>
+                      <a:pPr algn="ctr"/>
+                      <a:r>
+                        <a:rPr lang="en-GB" b="1" dirty="0"/>
                         <a:t>0</a:t>
                       </a:r>
-                      <a:endParaRPr lang="en-SE" dirty="0"/>
-                    </a:p>
-                  </a:txBody>
-                  <a:tcPr/>
-                </a:tc>
-                <a:tc>
-                  <a:txBody>
-                    <a:bodyPr/>
-                    <a:lstStyle/>
-                    <a:p>
-                      <a:pPr algn="ctr"/>
-                      <a:r>
-                        <a:rPr lang="en-GB" dirty="0"/>
+                      <a:endParaRPr lang="en-SE" b="1" dirty="0"/>
+                    </a:p>
+                  </a:txBody>
+                  <a:tcPr>
+                    <a:solidFill>
+                      <a:schemeClr val="bg1">
+                        <a:lumMod val="85000"/>
+                      </a:schemeClr>
+                    </a:solidFill>
+                  </a:tcPr>
+                </a:tc>
+                <a:tc>
+                  <a:txBody>
+                    <a:bodyPr/>
+                    <a:lstStyle/>
+                    <a:p>
+                      <a:pPr algn="ctr"/>
+                      <a:r>
+                        <a:rPr lang="en-GB" b="1" dirty="0"/>
                         <a:t>3</a:t>
                       </a:r>
-                      <a:endParaRPr lang="en-SE" dirty="0"/>
-                    </a:p>
-                  </a:txBody>
-                  <a:tcPr/>
-                </a:tc>
-                <a:tc>
-                  <a:txBody>
-                    <a:bodyPr/>
-                    <a:lstStyle/>
-                    <a:p>
-                      <a:pPr algn="ctr"/>
-                      <a:r>
-                        <a:rPr lang="en-GB" dirty="0"/>
+                      <a:endParaRPr lang="en-SE" b="1" dirty="0"/>
+                    </a:p>
+                  </a:txBody>
+                  <a:tcPr>
+                    <a:solidFill>
+                      <a:schemeClr val="bg1">
+                        <a:lumMod val="85000"/>
+                      </a:schemeClr>
+                    </a:solidFill>
+                  </a:tcPr>
+                </a:tc>
+                <a:tc>
+                  <a:txBody>
+                    <a:bodyPr/>
+                    <a:lstStyle/>
+                    <a:p>
+                      <a:pPr algn="ctr"/>
+                      <a:r>
+                        <a:rPr lang="en-GB" b="1" dirty="0"/>
                         <a:t>0</a:t>
                       </a:r>
-                      <a:endParaRPr lang="en-SE" dirty="0"/>
-                    </a:p>
-                  </a:txBody>
-                  <a:tcPr/>
-                </a:tc>
-                <a:tc>
-                  <a:txBody>
-                    <a:bodyPr/>
-                    <a:lstStyle/>
-                    <a:p>
-                      <a:pPr algn="ctr"/>
-                      <a:r>
-                        <a:rPr lang="en-GB" dirty="0"/>
+                      <a:endParaRPr lang="en-SE" b="1" dirty="0"/>
+                    </a:p>
+                  </a:txBody>
+                  <a:tcPr>
+                    <a:solidFill>
+                      <a:schemeClr val="bg1">
+                        <a:lumMod val="85000"/>
+                      </a:schemeClr>
+                    </a:solidFill>
+                  </a:tcPr>
+                </a:tc>
+                <a:tc>
+                  <a:txBody>
+                    <a:bodyPr/>
+                    <a:lstStyle/>
+                    <a:p>
+                      <a:pPr algn="ctr"/>
+                      <a:r>
+                        <a:rPr lang="en-GB" b="1" dirty="0"/>
                         <a:t>4</a:t>
                       </a:r>
-                      <a:endParaRPr lang="en-SE" dirty="0"/>
-                    </a:p>
-                  </a:txBody>
-                  <a:tcPr/>
-                </a:tc>
-                <a:tc>
-                  <a:txBody>
-                    <a:bodyPr/>
-                    <a:lstStyle/>
-                    <a:p>
-                      <a:pPr algn="ctr"/>
-                      <a:r>
-                        <a:rPr lang="en-GB" dirty="0"/>
+                      <a:endParaRPr lang="en-SE" b="1" dirty="0"/>
+                    </a:p>
+                  </a:txBody>
+                  <a:tcPr>
+                    <a:solidFill>
+                      <a:schemeClr val="bg1">
+                        <a:lumMod val="85000"/>
+                      </a:schemeClr>
+                    </a:solidFill>
+                  </a:tcPr>
+                </a:tc>
+                <a:tc>
+                  <a:txBody>
+                    <a:bodyPr/>
+                    <a:lstStyle/>
+                    <a:p>
+                      <a:pPr algn="ctr"/>
+                      <a:r>
+                        <a:rPr lang="en-GB" b="1" dirty="0"/>
                         <a:t>2</a:t>
                       </a:r>
-                      <a:endParaRPr lang="en-SE" dirty="0"/>
-                    </a:p>
-                  </a:txBody>
-                  <a:tcPr/>
-                </a:tc>
-                <a:tc>
-                  <a:txBody>
-                    <a:bodyPr/>
-                    <a:lstStyle/>
-                    <a:p>
-                      <a:pPr algn="ctr"/>
-                      <a:r>
-                        <a:rPr lang="en-GB" dirty="0"/>
+                      <a:endParaRPr lang="en-SE" b="1" dirty="0"/>
+                    </a:p>
+                  </a:txBody>
+                  <a:tcPr>
+                    <a:solidFill>
+                      <a:schemeClr val="bg1">
+                        <a:lumMod val="85000"/>
+                      </a:schemeClr>
+                    </a:solidFill>
+                  </a:tcPr>
+                </a:tc>
+                <a:tc>
+                  <a:txBody>
+                    <a:bodyPr/>
+                    <a:lstStyle/>
+                    <a:p>
+                      <a:pPr algn="ctr"/>
+                      <a:r>
+                        <a:rPr lang="en-GB" b="1" dirty="0"/>
                         <a:t>3</a:t>
                       </a:r>
-                      <a:endParaRPr lang="en-SE" dirty="0"/>
-                    </a:p>
-                  </a:txBody>
-                  <a:tcPr/>
-                </a:tc>
-                <a:tc>
-                  <a:txBody>
-                    <a:bodyPr/>
-                    <a:lstStyle/>
-                    <a:p>
-                      <a:pPr algn="ctr"/>
-                      <a:r>
-                        <a:rPr lang="en-GB" dirty="0"/>
+                      <a:endParaRPr lang="en-SE" b="1" dirty="0"/>
+                    </a:p>
+                  </a:txBody>
+                  <a:tcPr>
+                    <a:solidFill>
+                      <a:schemeClr val="bg1">
+                        <a:lumMod val="85000"/>
+                      </a:schemeClr>
+                    </a:solidFill>
+                  </a:tcPr>
+                </a:tc>
+                <a:tc>
+                  <a:txBody>
+                    <a:bodyPr/>
+                    <a:lstStyle/>
+                    <a:p>
+                      <a:pPr algn="ctr"/>
+                      <a:r>
+                        <a:rPr lang="en-GB" b="1" dirty="0"/>
                         <a:t>0</a:t>
                       </a:r>
-                      <a:endParaRPr lang="en-SE" dirty="0"/>
-                    </a:p>
-                  </a:txBody>
-                  <a:tcPr/>
-                </a:tc>
-                <a:tc>
-                  <a:txBody>
-                    <a:bodyPr/>
-                    <a:lstStyle/>
-                    <a:p>
-                      <a:pPr algn="ctr"/>
-                      <a:r>
-                        <a:rPr lang="en-GB" dirty="0"/>
+                      <a:endParaRPr lang="en-SE" b="1" dirty="0"/>
+                    </a:p>
+                  </a:txBody>
+                  <a:tcPr>
+                    <a:solidFill>
+                      <a:schemeClr val="bg1">
+                        <a:lumMod val="85000"/>
+                      </a:schemeClr>
+                    </a:solidFill>
+                  </a:tcPr>
+                </a:tc>
+                <a:tc>
+                  <a:txBody>
+                    <a:bodyPr/>
+                    <a:lstStyle/>
+                    <a:p>
+                      <a:pPr algn="ctr"/>
+                      <a:r>
+                        <a:rPr lang="en-GB" b="1" dirty="0"/>
                         <a:t>3</a:t>
                       </a:r>
-                      <a:endParaRPr lang="en-SE" dirty="0"/>
-                    </a:p>
-                  </a:txBody>
-                  <a:tcPr/>
-                </a:tc>
-                <a:tc>
-                  <a:txBody>
-                    <a:bodyPr/>
-                    <a:lstStyle/>
-                    <a:p>
-                      <a:pPr algn="ctr"/>
-                      <a:r>
-                        <a:rPr lang="en-GB" dirty="0"/>
+                      <a:endParaRPr lang="en-SE" b="1" dirty="0"/>
+                    </a:p>
+                  </a:txBody>
+                  <a:tcPr>
+                    <a:solidFill>
+                      <a:schemeClr val="bg1">
+                        <a:lumMod val="85000"/>
+                      </a:schemeClr>
+                    </a:solidFill>
+                  </a:tcPr>
+                </a:tc>
+                <a:tc>
+                  <a:txBody>
+                    <a:bodyPr/>
+                    <a:lstStyle/>
+                    <a:p>
+                      <a:pPr algn="ctr"/>
+                      <a:r>
+                        <a:rPr lang="en-GB" b="1" dirty="0"/>
                         <a:t>1</a:t>
                       </a:r>
-                      <a:endParaRPr lang="en-SE" dirty="0"/>
-                    </a:p>
-                  </a:txBody>
-                  <a:tcPr/>
-                </a:tc>
-                <a:tc>
-                  <a:txBody>
-                    <a:bodyPr/>
-                    <a:lstStyle/>
-                    <a:p>
-                      <a:pPr algn="ctr"/>
-                      <a:r>
-                        <a:rPr lang="en-GB" dirty="0"/>
+                      <a:endParaRPr lang="en-SE" b="1" dirty="0"/>
+                    </a:p>
+                  </a:txBody>
+                  <a:tcPr>
+                    <a:solidFill>
+                      <a:schemeClr val="bg1">
+                        <a:lumMod val="85000"/>
+                      </a:schemeClr>
+                    </a:solidFill>
+                  </a:tcPr>
+                </a:tc>
+                <a:tc>
+                  <a:txBody>
+                    <a:bodyPr/>
+                    <a:lstStyle/>
+                    <a:p>
+                      <a:pPr algn="ctr"/>
+                      <a:r>
+                        <a:rPr lang="en-GB" b="1" dirty="0"/>
                         <a:t>2</a:t>
                       </a:r>
-                      <a:endParaRPr lang="en-SE" dirty="0"/>
-                    </a:p>
-                  </a:txBody>
-                  <a:tcPr/>
-                </a:tc>
-                <a:tc>
-                  <a:txBody>
-                    <a:bodyPr/>
-                    <a:lstStyle/>
-                    <a:p>
-                      <a:pPr algn="ctr"/>
-                      <a:r>
-                        <a:rPr lang="en-GB" dirty="0"/>
+                      <a:endParaRPr lang="en-SE" b="1" dirty="0"/>
+                    </a:p>
+                  </a:txBody>
+                  <a:tcPr>
+                    <a:solidFill>
+                      <a:schemeClr val="bg1">
+                        <a:lumMod val="85000"/>
+                      </a:schemeClr>
+                    </a:solidFill>
+                  </a:tcPr>
+                </a:tc>
+                <a:tc>
+                  <a:txBody>
+                    <a:bodyPr/>
+                    <a:lstStyle/>
+                    <a:p>
+                      <a:pPr algn="ctr"/>
+                      <a:r>
+                        <a:rPr lang="en-GB" b="1" dirty="0"/>
                         <a:t>0</a:t>
                       </a:r>
-                      <a:endParaRPr lang="en-SE" dirty="0"/>
-                    </a:p>
-                  </a:txBody>
-                  <a:tcPr/>
+                      <a:endParaRPr lang="en-SE" b="1" dirty="0"/>
+                    </a:p>
+                  </a:txBody>
+                  <a:tcPr>
+                    <a:solidFill>
+                      <a:schemeClr val="bg1">
+                        <a:lumMod val="85000"/>
+                      </a:schemeClr>
+                    </a:solidFill>
+                  </a:tcPr>
                 </a:tc>
                 <a:extLst>
                   <a:ext uri="{0D108BD9-81ED-4DB2-BD59-A6C34878D82A}">
@@ -11824,7 +12304,7 @@
           <p:nvPr>
             <p:extLst>
               <p:ext uri="{D42A27DB-BD31-4B8C-83A1-F6EECF244321}">
-                <p14:modId xmlns:p14="http://schemas.microsoft.com/office/powerpoint/2010/main" val="1255691902"/>
+                <p14:modId xmlns:p14="http://schemas.microsoft.com/office/powerpoint/2010/main" val="218900966"/>
               </p:ext>
             </p:extLst>
           </p:nvPr>
@@ -11961,238 +12441,334 @@
                     <a:p>
                       <a:pPr algn="ctr"/>
                       <a:r>
-                        <a:rPr lang="en-GB" dirty="0"/>
+                        <a:rPr lang="en-GB" b="1" dirty="0"/>
                         <a:t>Ref</a:t>
                       </a:r>
-                      <a:endParaRPr lang="en-SE" dirty="0"/>
-                    </a:p>
-                  </a:txBody>
-                  <a:tcPr/>
-                </a:tc>
-                <a:tc>
-                  <a:txBody>
-                    <a:bodyPr/>
-                    <a:lstStyle/>
-                    <a:p>
-                      <a:pPr algn="ctr"/>
-                      <a:r>
-                        <a:rPr lang="en-GB" dirty="0"/>
+                      <a:endParaRPr lang="en-SE" b="1" dirty="0"/>
+                    </a:p>
+                  </a:txBody>
+                  <a:tcPr>
+                    <a:solidFill>
+                      <a:schemeClr val="bg1">
+                        <a:lumMod val="85000"/>
+                      </a:schemeClr>
+                    </a:solidFill>
+                  </a:tcPr>
+                </a:tc>
+                <a:tc>
+                  <a:txBody>
+                    <a:bodyPr/>
+                    <a:lstStyle/>
+                    <a:p>
+                      <a:pPr algn="ctr"/>
+                      <a:r>
+                        <a:rPr lang="en-GB" b="1" dirty="0"/>
                         <a:t>7</a:t>
                       </a:r>
-                      <a:endParaRPr lang="en-SE" dirty="0"/>
-                    </a:p>
-                  </a:txBody>
-                  <a:tcPr/>
-                </a:tc>
-                <a:tc>
-                  <a:txBody>
-                    <a:bodyPr/>
-                    <a:lstStyle/>
-                    <a:p>
-                      <a:pPr algn="ctr"/>
-                      <a:r>
-                        <a:rPr lang="en-GB" dirty="0"/>
+                      <a:endParaRPr lang="en-SE" b="1" dirty="0"/>
+                    </a:p>
+                  </a:txBody>
+                  <a:tcPr>
+                    <a:solidFill>
+                      <a:schemeClr val="bg1">
+                        <a:lumMod val="85000"/>
+                      </a:schemeClr>
+                    </a:solidFill>
+                  </a:tcPr>
+                </a:tc>
+                <a:tc>
+                  <a:txBody>
+                    <a:bodyPr/>
+                    <a:lstStyle/>
+                    <a:p>
+                      <a:pPr algn="ctr"/>
+                      <a:r>
+                        <a:rPr lang="en-GB" b="1" dirty="0"/>
                         <a:t>0</a:t>
                       </a:r>
-                      <a:endParaRPr lang="en-SE" dirty="0"/>
-                    </a:p>
-                  </a:txBody>
-                  <a:tcPr/>
-                </a:tc>
-                <a:tc>
-                  <a:txBody>
-                    <a:bodyPr/>
-                    <a:lstStyle/>
-                    <a:p>
-                      <a:pPr algn="ctr"/>
-                      <a:r>
-                        <a:rPr lang="en-GB" dirty="0"/>
+                      <a:endParaRPr lang="en-SE" b="1" dirty="0"/>
+                    </a:p>
+                  </a:txBody>
+                  <a:tcPr>
+                    <a:solidFill>
+                      <a:schemeClr val="bg1">
+                        <a:lumMod val="85000"/>
+                      </a:schemeClr>
+                    </a:solidFill>
+                  </a:tcPr>
+                </a:tc>
+                <a:tc>
+                  <a:txBody>
+                    <a:bodyPr/>
+                    <a:lstStyle/>
+                    <a:p>
+                      <a:pPr algn="ctr"/>
+                      <a:r>
+                        <a:rPr lang="en-GB" b="1" dirty="0"/>
                         <a:t>1</a:t>
                       </a:r>
-                      <a:endParaRPr lang="en-SE" dirty="0"/>
-                    </a:p>
-                  </a:txBody>
-                  <a:tcPr/>
-                </a:tc>
-                <a:tc>
-                  <a:txBody>
-                    <a:bodyPr/>
-                    <a:lstStyle/>
-                    <a:p>
-                      <a:pPr algn="ctr"/>
-                      <a:r>
-                        <a:rPr lang="en-GB" dirty="0"/>
+                      <a:endParaRPr lang="en-SE" b="1" dirty="0"/>
+                    </a:p>
+                  </a:txBody>
+                  <a:tcPr>
+                    <a:solidFill>
+                      <a:schemeClr val="bg1">
+                        <a:lumMod val="85000"/>
+                      </a:schemeClr>
+                    </a:solidFill>
+                  </a:tcPr>
+                </a:tc>
+                <a:tc>
+                  <a:txBody>
+                    <a:bodyPr/>
+                    <a:lstStyle/>
+                    <a:p>
+                      <a:pPr algn="ctr"/>
+                      <a:r>
+                        <a:rPr lang="en-GB" b="1" dirty="0"/>
                         <a:t>2</a:t>
                       </a:r>
-                      <a:endParaRPr lang="en-SE" dirty="0"/>
-                    </a:p>
-                  </a:txBody>
-                  <a:tcPr/>
-                </a:tc>
-                <a:tc>
-                  <a:txBody>
-                    <a:bodyPr/>
-                    <a:lstStyle/>
-                    <a:p>
-                      <a:pPr algn="ctr"/>
-                      <a:r>
-                        <a:rPr lang="en-GB" dirty="0"/>
+                      <a:endParaRPr lang="en-SE" b="1" dirty="0"/>
+                    </a:p>
+                  </a:txBody>
+                  <a:tcPr>
+                    <a:solidFill>
+                      <a:schemeClr val="bg1">
+                        <a:lumMod val="85000"/>
+                      </a:schemeClr>
+                    </a:solidFill>
+                  </a:tcPr>
+                </a:tc>
+                <a:tc>
+                  <a:txBody>
+                    <a:bodyPr/>
+                    <a:lstStyle/>
+                    <a:p>
+                      <a:pPr algn="ctr"/>
+                      <a:r>
+                        <a:rPr lang="en-GB" b="1" dirty="0"/>
                         <a:t>0</a:t>
                       </a:r>
-                      <a:endParaRPr lang="en-SE" dirty="0"/>
-                    </a:p>
-                  </a:txBody>
-                  <a:tcPr/>
-                </a:tc>
-                <a:tc>
-                  <a:txBody>
-                    <a:bodyPr/>
-                    <a:lstStyle/>
-                    <a:p>
-                      <a:pPr algn="ctr"/>
-                      <a:r>
-                        <a:rPr lang="en-GB" dirty="0"/>
+                      <a:endParaRPr lang="en-SE" b="1" dirty="0"/>
+                    </a:p>
+                  </a:txBody>
+                  <a:tcPr>
+                    <a:solidFill>
+                      <a:schemeClr val="bg1">
+                        <a:lumMod val="85000"/>
+                      </a:schemeClr>
+                    </a:solidFill>
+                  </a:tcPr>
+                </a:tc>
+                <a:tc>
+                  <a:txBody>
+                    <a:bodyPr/>
+                    <a:lstStyle/>
+                    <a:p>
+                      <a:pPr algn="ctr"/>
+                      <a:r>
+                        <a:rPr lang="en-GB" b="1" dirty="0"/>
                         <a:t>3</a:t>
                       </a:r>
-                      <a:endParaRPr lang="en-SE" dirty="0"/>
-                    </a:p>
-                  </a:txBody>
-                  <a:tcPr/>
-                </a:tc>
-                <a:tc>
-                  <a:txBody>
-                    <a:bodyPr/>
-                    <a:lstStyle/>
-                    <a:p>
-                      <a:pPr algn="ctr"/>
-                      <a:r>
-                        <a:rPr lang="en-GB" dirty="0"/>
+                      <a:endParaRPr lang="en-SE" b="1" dirty="0"/>
+                    </a:p>
+                  </a:txBody>
+                  <a:tcPr>
+                    <a:solidFill>
+                      <a:schemeClr val="bg1">
+                        <a:lumMod val="85000"/>
+                      </a:schemeClr>
+                    </a:solidFill>
+                  </a:tcPr>
+                </a:tc>
+                <a:tc>
+                  <a:txBody>
+                    <a:bodyPr/>
+                    <a:lstStyle/>
+                    <a:p>
+                      <a:pPr algn="ctr"/>
+                      <a:r>
+                        <a:rPr lang="en-GB" b="1" dirty="0"/>
                         <a:t>0</a:t>
                       </a:r>
-                      <a:endParaRPr lang="en-SE" dirty="0"/>
-                    </a:p>
-                  </a:txBody>
-                  <a:tcPr/>
-                </a:tc>
-                <a:tc>
-                  <a:txBody>
-                    <a:bodyPr/>
-                    <a:lstStyle/>
-                    <a:p>
-                      <a:pPr algn="ctr"/>
-                      <a:r>
-                        <a:rPr lang="en-GB" dirty="0"/>
+                      <a:endParaRPr lang="en-SE" b="1" dirty="0"/>
+                    </a:p>
+                  </a:txBody>
+                  <a:tcPr>
+                    <a:solidFill>
+                      <a:schemeClr val="bg1">
+                        <a:lumMod val="85000"/>
+                      </a:schemeClr>
+                    </a:solidFill>
+                  </a:tcPr>
+                </a:tc>
+                <a:tc>
+                  <a:txBody>
+                    <a:bodyPr/>
+                    <a:lstStyle/>
+                    <a:p>
+                      <a:pPr algn="ctr"/>
+                      <a:r>
+                        <a:rPr lang="en-GB" b="1" dirty="0"/>
                         <a:t>4</a:t>
                       </a:r>
-                      <a:endParaRPr lang="en-SE" dirty="0"/>
-                    </a:p>
-                  </a:txBody>
-                  <a:tcPr/>
-                </a:tc>
-                <a:tc>
-                  <a:txBody>
-                    <a:bodyPr/>
-                    <a:lstStyle/>
-                    <a:p>
-                      <a:pPr algn="ctr"/>
-                      <a:r>
-                        <a:rPr lang="en-GB" dirty="0"/>
+                      <a:endParaRPr lang="en-SE" b="1" dirty="0"/>
+                    </a:p>
+                  </a:txBody>
+                  <a:tcPr>
+                    <a:solidFill>
+                      <a:schemeClr val="bg1">
+                        <a:lumMod val="85000"/>
+                      </a:schemeClr>
+                    </a:solidFill>
+                  </a:tcPr>
+                </a:tc>
+                <a:tc>
+                  <a:txBody>
+                    <a:bodyPr/>
+                    <a:lstStyle/>
+                    <a:p>
+                      <a:pPr algn="ctr"/>
+                      <a:r>
+                        <a:rPr lang="en-GB" b="1" dirty="0"/>
                         <a:t>2</a:t>
                       </a:r>
-                      <a:endParaRPr lang="en-SE" dirty="0"/>
-                    </a:p>
-                  </a:txBody>
-                  <a:tcPr/>
-                </a:tc>
-                <a:tc>
-                  <a:txBody>
-                    <a:bodyPr/>
-                    <a:lstStyle/>
-                    <a:p>
-                      <a:pPr algn="ctr"/>
-                      <a:r>
-                        <a:rPr lang="en-GB" dirty="0"/>
+                      <a:endParaRPr lang="en-SE" b="1" dirty="0"/>
+                    </a:p>
+                  </a:txBody>
+                  <a:tcPr>
+                    <a:solidFill>
+                      <a:schemeClr val="bg1">
+                        <a:lumMod val="85000"/>
+                      </a:schemeClr>
+                    </a:solidFill>
+                  </a:tcPr>
+                </a:tc>
+                <a:tc>
+                  <a:txBody>
+                    <a:bodyPr/>
+                    <a:lstStyle/>
+                    <a:p>
+                      <a:pPr algn="ctr"/>
+                      <a:r>
+                        <a:rPr lang="en-GB" b="1" dirty="0"/>
                         <a:t>3</a:t>
                       </a:r>
-                      <a:endParaRPr lang="en-SE" dirty="0"/>
-                    </a:p>
-                  </a:txBody>
-                  <a:tcPr/>
-                </a:tc>
-                <a:tc>
-                  <a:txBody>
-                    <a:bodyPr/>
-                    <a:lstStyle/>
-                    <a:p>
-                      <a:pPr algn="ctr"/>
-                      <a:r>
-                        <a:rPr lang="en-GB" dirty="0"/>
+                      <a:endParaRPr lang="en-SE" b="1" dirty="0"/>
+                    </a:p>
+                  </a:txBody>
+                  <a:tcPr>
+                    <a:solidFill>
+                      <a:schemeClr val="bg1">
+                        <a:lumMod val="85000"/>
+                      </a:schemeClr>
+                    </a:solidFill>
+                  </a:tcPr>
+                </a:tc>
+                <a:tc>
+                  <a:txBody>
+                    <a:bodyPr/>
+                    <a:lstStyle/>
+                    <a:p>
+                      <a:pPr algn="ctr"/>
+                      <a:r>
+                        <a:rPr lang="en-GB" b="1" dirty="0"/>
                         <a:t>0</a:t>
                       </a:r>
-                      <a:endParaRPr lang="en-SE" dirty="0"/>
-                    </a:p>
-                  </a:txBody>
-                  <a:tcPr/>
-                </a:tc>
-                <a:tc>
-                  <a:txBody>
-                    <a:bodyPr/>
-                    <a:lstStyle/>
-                    <a:p>
-                      <a:pPr algn="ctr"/>
-                      <a:r>
-                        <a:rPr lang="en-GB" dirty="0"/>
+                      <a:endParaRPr lang="en-SE" b="1" dirty="0"/>
+                    </a:p>
+                  </a:txBody>
+                  <a:tcPr>
+                    <a:solidFill>
+                      <a:schemeClr val="bg1">
+                        <a:lumMod val="85000"/>
+                      </a:schemeClr>
+                    </a:solidFill>
+                  </a:tcPr>
+                </a:tc>
+                <a:tc>
+                  <a:txBody>
+                    <a:bodyPr/>
+                    <a:lstStyle/>
+                    <a:p>
+                      <a:pPr algn="ctr"/>
+                      <a:r>
+                        <a:rPr lang="en-GB" b="1" dirty="0"/>
                         <a:t>3</a:t>
                       </a:r>
-                      <a:endParaRPr lang="en-SE" dirty="0"/>
-                    </a:p>
-                  </a:txBody>
-                  <a:tcPr/>
-                </a:tc>
-                <a:tc>
-                  <a:txBody>
-                    <a:bodyPr/>
-                    <a:lstStyle/>
-                    <a:p>
-                      <a:pPr algn="ctr"/>
-                      <a:r>
-                        <a:rPr lang="en-GB" dirty="0"/>
+                      <a:endParaRPr lang="en-SE" b="1" dirty="0"/>
+                    </a:p>
+                  </a:txBody>
+                  <a:tcPr>
+                    <a:solidFill>
+                      <a:schemeClr val="bg1">
+                        <a:lumMod val="85000"/>
+                      </a:schemeClr>
+                    </a:solidFill>
+                  </a:tcPr>
+                </a:tc>
+                <a:tc>
+                  <a:txBody>
+                    <a:bodyPr/>
+                    <a:lstStyle/>
+                    <a:p>
+                      <a:pPr algn="ctr"/>
+                      <a:r>
+                        <a:rPr lang="en-GB" b="1" dirty="0"/>
                         <a:t>1</a:t>
                       </a:r>
-                      <a:endParaRPr lang="en-SE" dirty="0"/>
-                    </a:p>
-                  </a:txBody>
-                  <a:tcPr/>
-                </a:tc>
-                <a:tc>
-                  <a:txBody>
-                    <a:bodyPr/>
-                    <a:lstStyle/>
-                    <a:p>
-                      <a:pPr algn="ctr"/>
-                      <a:r>
-                        <a:rPr lang="en-GB" dirty="0"/>
+                      <a:endParaRPr lang="en-SE" b="1" dirty="0"/>
+                    </a:p>
+                  </a:txBody>
+                  <a:tcPr>
+                    <a:solidFill>
+                      <a:schemeClr val="bg1">
+                        <a:lumMod val="85000"/>
+                      </a:schemeClr>
+                    </a:solidFill>
+                  </a:tcPr>
+                </a:tc>
+                <a:tc>
+                  <a:txBody>
+                    <a:bodyPr/>
+                    <a:lstStyle/>
+                    <a:p>
+                      <a:pPr algn="ctr"/>
+                      <a:r>
+                        <a:rPr lang="en-GB" b="1" dirty="0"/>
                         <a:t>2</a:t>
                       </a:r>
-                      <a:endParaRPr lang="en-SE" dirty="0"/>
-                    </a:p>
-                  </a:txBody>
-                  <a:tcPr/>
-                </a:tc>
-                <a:tc>
-                  <a:txBody>
-                    <a:bodyPr/>
-                    <a:lstStyle/>
-                    <a:p>
-                      <a:pPr algn="ctr"/>
-                      <a:r>
-                        <a:rPr lang="en-GB" dirty="0"/>
+                      <a:endParaRPr lang="en-SE" b="1" dirty="0"/>
+                    </a:p>
+                  </a:txBody>
+                  <a:tcPr>
+                    <a:solidFill>
+                      <a:schemeClr val="bg1">
+                        <a:lumMod val="85000"/>
+                      </a:schemeClr>
+                    </a:solidFill>
+                  </a:tcPr>
+                </a:tc>
+                <a:tc>
+                  <a:txBody>
+                    <a:bodyPr/>
+                    <a:lstStyle/>
+                    <a:p>
+                      <a:pPr algn="ctr"/>
+                      <a:r>
+                        <a:rPr lang="en-GB" b="1" dirty="0"/>
                         <a:t>0</a:t>
                       </a:r>
-                      <a:endParaRPr lang="en-SE" dirty="0"/>
-                    </a:p>
-                  </a:txBody>
-                  <a:tcPr/>
+                      <a:endParaRPr lang="en-SE" b="1" dirty="0"/>
+                    </a:p>
+                  </a:txBody>
+                  <a:tcPr>
+                    <a:solidFill>
+                      <a:schemeClr val="bg1">
+                        <a:lumMod val="85000"/>
+                      </a:schemeClr>
+                    </a:solidFill>
+                  </a:tcPr>
                 </a:tc>
                 <a:extLst>
                   <a:ext uri="{0D108BD9-81ED-4DB2-BD59-A6C34878D82A}">
@@ -13170,7 +13746,7 @@
           <p:nvPr>
             <p:extLst>
               <p:ext uri="{D42A27DB-BD31-4B8C-83A1-F6EECF244321}">
-                <p14:modId xmlns:p14="http://schemas.microsoft.com/office/powerpoint/2010/main" val="2922566088"/>
+                <p14:modId xmlns:p14="http://schemas.microsoft.com/office/powerpoint/2010/main" val="889082072"/>
               </p:ext>
             </p:extLst>
           </p:nvPr>
@@ -13307,238 +13883,334 @@
                     <a:p>
                       <a:pPr algn="ctr"/>
                       <a:r>
-                        <a:rPr lang="en-GB" dirty="0"/>
+                        <a:rPr lang="en-GB" b="1" dirty="0"/>
                         <a:t>Ref</a:t>
                       </a:r>
-                      <a:endParaRPr lang="en-SE" dirty="0"/>
-                    </a:p>
-                  </a:txBody>
-                  <a:tcPr/>
-                </a:tc>
-                <a:tc>
-                  <a:txBody>
-                    <a:bodyPr/>
-                    <a:lstStyle/>
-                    <a:p>
-                      <a:pPr algn="ctr"/>
-                      <a:r>
-                        <a:rPr lang="en-GB" dirty="0"/>
+                      <a:endParaRPr lang="en-SE" b="1" dirty="0"/>
+                    </a:p>
+                  </a:txBody>
+                  <a:tcPr>
+                    <a:solidFill>
+                      <a:schemeClr val="bg1">
+                        <a:lumMod val="85000"/>
+                      </a:schemeClr>
+                    </a:solidFill>
+                  </a:tcPr>
+                </a:tc>
+                <a:tc>
+                  <a:txBody>
+                    <a:bodyPr/>
+                    <a:lstStyle/>
+                    <a:p>
+                      <a:pPr algn="ctr"/>
+                      <a:r>
+                        <a:rPr lang="en-GB" b="1" dirty="0"/>
                         <a:t>7</a:t>
                       </a:r>
-                      <a:endParaRPr lang="en-SE" dirty="0"/>
-                    </a:p>
-                  </a:txBody>
-                  <a:tcPr/>
-                </a:tc>
-                <a:tc>
-                  <a:txBody>
-                    <a:bodyPr/>
-                    <a:lstStyle/>
-                    <a:p>
-                      <a:pPr algn="ctr"/>
-                      <a:r>
-                        <a:rPr lang="en-GB" dirty="0"/>
+                      <a:endParaRPr lang="en-SE" b="1" dirty="0"/>
+                    </a:p>
+                  </a:txBody>
+                  <a:tcPr>
+                    <a:solidFill>
+                      <a:schemeClr val="bg1">
+                        <a:lumMod val="85000"/>
+                      </a:schemeClr>
+                    </a:solidFill>
+                  </a:tcPr>
+                </a:tc>
+                <a:tc>
+                  <a:txBody>
+                    <a:bodyPr/>
+                    <a:lstStyle/>
+                    <a:p>
+                      <a:pPr algn="ctr"/>
+                      <a:r>
+                        <a:rPr lang="en-GB" b="1" dirty="0"/>
                         <a:t>0</a:t>
                       </a:r>
-                      <a:endParaRPr lang="en-SE" dirty="0"/>
-                    </a:p>
-                  </a:txBody>
-                  <a:tcPr/>
-                </a:tc>
-                <a:tc>
-                  <a:txBody>
-                    <a:bodyPr/>
-                    <a:lstStyle/>
-                    <a:p>
-                      <a:pPr algn="ctr"/>
-                      <a:r>
-                        <a:rPr lang="en-GB" dirty="0"/>
+                      <a:endParaRPr lang="en-SE" b="1" dirty="0"/>
+                    </a:p>
+                  </a:txBody>
+                  <a:tcPr>
+                    <a:solidFill>
+                      <a:schemeClr val="bg1">
+                        <a:lumMod val="85000"/>
+                      </a:schemeClr>
+                    </a:solidFill>
+                  </a:tcPr>
+                </a:tc>
+                <a:tc>
+                  <a:txBody>
+                    <a:bodyPr/>
+                    <a:lstStyle/>
+                    <a:p>
+                      <a:pPr algn="ctr"/>
+                      <a:r>
+                        <a:rPr lang="en-GB" b="1" dirty="0"/>
                         <a:t>1</a:t>
                       </a:r>
-                      <a:endParaRPr lang="en-SE" dirty="0"/>
-                    </a:p>
-                  </a:txBody>
-                  <a:tcPr/>
-                </a:tc>
-                <a:tc>
-                  <a:txBody>
-                    <a:bodyPr/>
-                    <a:lstStyle/>
-                    <a:p>
-                      <a:pPr algn="ctr"/>
-                      <a:r>
-                        <a:rPr lang="en-GB" dirty="0"/>
+                      <a:endParaRPr lang="en-SE" b="1" dirty="0"/>
+                    </a:p>
+                  </a:txBody>
+                  <a:tcPr>
+                    <a:solidFill>
+                      <a:schemeClr val="bg1">
+                        <a:lumMod val="85000"/>
+                      </a:schemeClr>
+                    </a:solidFill>
+                  </a:tcPr>
+                </a:tc>
+                <a:tc>
+                  <a:txBody>
+                    <a:bodyPr/>
+                    <a:lstStyle/>
+                    <a:p>
+                      <a:pPr algn="ctr"/>
+                      <a:r>
+                        <a:rPr lang="en-GB" b="1" dirty="0"/>
                         <a:t>2</a:t>
                       </a:r>
-                      <a:endParaRPr lang="en-SE" dirty="0"/>
-                    </a:p>
-                  </a:txBody>
-                  <a:tcPr/>
-                </a:tc>
-                <a:tc>
-                  <a:txBody>
-                    <a:bodyPr/>
-                    <a:lstStyle/>
-                    <a:p>
-                      <a:pPr algn="ctr"/>
-                      <a:r>
-                        <a:rPr lang="en-GB" dirty="0"/>
+                      <a:endParaRPr lang="en-SE" b="1" dirty="0"/>
+                    </a:p>
+                  </a:txBody>
+                  <a:tcPr>
+                    <a:solidFill>
+                      <a:schemeClr val="bg1">
+                        <a:lumMod val="85000"/>
+                      </a:schemeClr>
+                    </a:solidFill>
+                  </a:tcPr>
+                </a:tc>
+                <a:tc>
+                  <a:txBody>
+                    <a:bodyPr/>
+                    <a:lstStyle/>
+                    <a:p>
+                      <a:pPr algn="ctr"/>
+                      <a:r>
+                        <a:rPr lang="en-GB" b="1" dirty="0"/>
                         <a:t>0</a:t>
                       </a:r>
-                      <a:endParaRPr lang="en-SE" dirty="0"/>
-                    </a:p>
-                  </a:txBody>
-                  <a:tcPr/>
-                </a:tc>
-                <a:tc>
-                  <a:txBody>
-                    <a:bodyPr/>
-                    <a:lstStyle/>
-                    <a:p>
-                      <a:pPr algn="ctr"/>
-                      <a:r>
-                        <a:rPr lang="en-GB" dirty="0"/>
+                      <a:endParaRPr lang="en-SE" b="1" dirty="0"/>
+                    </a:p>
+                  </a:txBody>
+                  <a:tcPr>
+                    <a:solidFill>
+                      <a:schemeClr val="bg1">
+                        <a:lumMod val="85000"/>
+                      </a:schemeClr>
+                    </a:solidFill>
+                  </a:tcPr>
+                </a:tc>
+                <a:tc>
+                  <a:txBody>
+                    <a:bodyPr/>
+                    <a:lstStyle/>
+                    <a:p>
+                      <a:pPr algn="ctr"/>
+                      <a:r>
+                        <a:rPr lang="en-GB" b="1" dirty="0"/>
                         <a:t>3</a:t>
                       </a:r>
-                      <a:endParaRPr lang="en-SE" dirty="0"/>
-                    </a:p>
-                  </a:txBody>
-                  <a:tcPr/>
-                </a:tc>
-                <a:tc>
-                  <a:txBody>
-                    <a:bodyPr/>
-                    <a:lstStyle/>
-                    <a:p>
-                      <a:pPr algn="ctr"/>
-                      <a:r>
-                        <a:rPr lang="en-GB" dirty="0"/>
+                      <a:endParaRPr lang="en-SE" b="1" dirty="0"/>
+                    </a:p>
+                  </a:txBody>
+                  <a:tcPr>
+                    <a:solidFill>
+                      <a:schemeClr val="bg1">
+                        <a:lumMod val="85000"/>
+                      </a:schemeClr>
+                    </a:solidFill>
+                  </a:tcPr>
+                </a:tc>
+                <a:tc>
+                  <a:txBody>
+                    <a:bodyPr/>
+                    <a:lstStyle/>
+                    <a:p>
+                      <a:pPr algn="ctr"/>
+                      <a:r>
+                        <a:rPr lang="en-GB" b="1" dirty="0"/>
                         <a:t>0</a:t>
                       </a:r>
-                      <a:endParaRPr lang="en-SE" dirty="0"/>
-                    </a:p>
-                  </a:txBody>
-                  <a:tcPr/>
-                </a:tc>
-                <a:tc>
-                  <a:txBody>
-                    <a:bodyPr/>
-                    <a:lstStyle/>
-                    <a:p>
-                      <a:pPr algn="ctr"/>
-                      <a:r>
-                        <a:rPr lang="en-GB" dirty="0"/>
+                      <a:endParaRPr lang="en-SE" b="1" dirty="0"/>
+                    </a:p>
+                  </a:txBody>
+                  <a:tcPr>
+                    <a:solidFill>
+                      <a:schemeClr val="bg1">
+                        <a:lumMod val="85000"/>
+                      </a:schemeClr>
+                    </a:solidFill>
+                  </a:tcPr>
+                </a:tc>
+                <a:tc>
+                  <a:txBody>
+                    <a:bodyPr/>
+                    <a:lstStyle/>
+                    <a:p>
+                      <a:pPr algn="ctr"/>
+                      <a:r>
+                        <a:rPr lang="en-GB" b="1" dirty="0"/>
                         <a:t>4</a:t>
                       </a:r>
-                      <a:endParaRPr lang="en-SE" dirty="0"/>
-                    </a:p>
-                  </a:txBody>
-                  <a:tcPr/>
-                </a:tc>
-                <a:tc>
-                  <a:txBody>
-                    <a:bodyPr/>
-                    <a:lstStyle/>
-                    <a:p>
-                      <a:pPr algn="ctr"/>
-                      <a:r>
-                        <a:rPr lang="en-GB" dirty="0"/>
+                      <a:endParaRPr lang="en-SE" b="1" dirty="0"/>
+                    </a:p>
+                  </a:txBody>
+                  <a:tcPr>
+                    <a:solidFill>
+                      <a:schemeClr val="bg1">
+                        <a:lumMod val="85000"/>
+                      </a:schemeClr>
+                    </a:solidFill>
+                  </a:tcPr>
+                </a:tc>
+                <a:tc>
+                  <a:txBody>
+                    <a:bodyPr/>
+                    <a:lstStyle/>
+                    <a:p>
+                      <a:pPr algn="ctr"/>
+                      <a:r>
+                        <a:rPr lang="en-GB" b="1" dirty="0"/>
                         <a:t>2</a:t>
                       </a:r>
-                      <a:endParaRPr lang="en-SE" dirty="0"/>
-                    </a:p>
-                  </a:txBody>
-                  <a:tcPr/>
-                </a:tc>
-                <a:tc>
-                  <a:txBody>
-                    <a:bodyPr/>
-                    <a:lstStyle/>
-                    <a:p>
-                      <a:pPr algn="ctr"/>
-                      <a:r>
-                        <a:rPr lang="en-GB" dirty="0"/>
+                      <a:endParaRPr lang="en-SE" b="1" dirty="0"/>
+                    </a:p>
+                  </a:txBody>
+                  <a:tcPr>
+                    <a:solidFill>
+                      <a:schemeClr val="bg1">
+                        <a:lumMod val="85000"/>
+                      </a:schemeClr>
+                    </a:solidFill>
+                  </a:tcPr>
+                </a:tc>
+                <a:tc>
+                  <a:txBody>
+                    <a:bodyPr/>
+                    <a:lstStyle/>
+                    <a:p>
+                      <a:pPr algn="ctr"/>
+                      <a:r>
+                        <a:rPr lang="en-GB" b="1" dirty="0"/>
                         <a:t>3</a:t>
                       </a:r>
-                      <a:endParaRPr lang="en-SE" dirty="0"/>
-                    </a:p>
-                  </a:txBody>
-                  <a:tcPr/>
-                </a:tc>
-                <a:tc>
-                  <a:txBody>
-                    <a:bodyPr/>
-                    <a:lstStyle/>
-                    <a:p>
-                      <a:pPr algn="ctr"/>
-                      <a:r>
-                        <a:rPr lang="en-GB" dirty="0"/>
+                      <a:endParaRPr lang="en-SE" b="1" dirty="0"/>
+                    </a:p>
+                  </a:txBody>
+                  <a:tcPr>
+                    <a:solidFill>
+                      <a:schemeClr val="bg1">
+                        <a:lumMod val="85000"/>
+                      </a:schemeClr>
+                    </a:solidFill>
+                  </a:tcPr>
+                </a:tc>
+                <a:tc>
+                  <a:txBody>
+                    <a:bodyPr/>
+                    <a:lstStyle/>
+                    <a:p>
+                      <a:pPr algn="ctr"/>
+                      <a:r>
+                        <a:rPr lang="en-GB" b="1" dirty="0"/>
                         <a:t>0</a:t>
                       </a:r>
-                      <a:endParaRPr lang="en-SE" dirty="0"/>
-                    </a:p>
-                  </a:txBody>
-                  <a:tcPr/>
-                </a:tc>
-                <a:tc>
-                  <a:txBody>
-                    <a:bodyPr/>
-                    <a:lstStyle/>
-                    <a:p>
-                      <a:pPr algn="ctr"/>
-                      <a:r>
-                        <a:rPr lang="en-GB" dirty="0"/>
+                      <a:endParaRPr lang="en-SE" b="1" dirty="0"/>
+                    </a:p>
+                  </a:txBody>
+                  <a:tcPr>
+                    <a:solidFill>
+                      <a:schemeClr val="bg1">
+                        <a:lumMod val="85000"/>
+                      </a:schemeClr>
+                    </a:solidFill>
+                  </a:tcPr>
+                </a:tc>
+                <a:tc>
+                  <a:txBody>
+                    <a:bodyPr/>
+                    <a:lstStyle/>
+                    <a:p>
+                      <a:pPr algn="ctr"/>
+                      <a:r>
+                        <a:rPr lang="en-GB" b="1" dirty="0"/>
                         <a:t>3</a:t>
                       </a:r>
-                      <a:endParaRPr lang="en-SE" dirty="0"/>
-                    </a:p>
-                  </a:txBody>
-                  <a:tcPr/>
-                </a:tc>
-                <a:tc>
-                  <a:txBody>
-                    <a:bodyPr/>
-                    <a:lstStyle/>
-                    <a:p>
-                      <a:pPr algn="ctr"/>
-                      <a:r>
-                        <a:rPr lang="en-GB" dirty="0"/>
+                      <a:endParaRPr lang="en-SE" b="1" dirty="0"/>
+                    </a:p>
+                  </a:txBody>
+                  <a:tcPr>
+                    <a:solidFill>
+                      <a:schemeClr val="bg1">
+                        <a:lumMod val="85000"/>
+                      </a:schemeClr>
+                    </a:solidFill>
+                  </a:tcPr>
+                </a:tc>
+                <a:tc>
+                  <a:txBody>
+                    <a:bodyPr/>
+                    <a:lstStyle/>
+                    <a:p>
+                      <a:pPr algn="ctr"/>
+                      <a:r>
+                        <a:rPr lang="en-GB" b="1" dirty="0"/>
                         <a:t>1</a:t>
                       </a:r>
-                      <a:endParaRPr lang="en-SE" dirty="0"/>
-                    </a:p>
-                  </a:txBody>
-                  <a:tcPr/>
-                </a:tc>
-                <a:tc>
-                  <a:txBody>
-                    <a:bodyPr/>
-                    <a:lstStyle/>
-                    <a:p>
-                      <a:pPr algn="ctr"/>
-                      <a:r>
-                        <a:rPr lang="en-GB" dirty="0"/>
+                      <a:endParaRPr lang="en-SE" b="1" dirty="0"/>
+                    </a:p>
+                  </a:txBody>
+                  <a:tcPr>
+                    <a:solidFill>
+                      <a:schemeClr val="bg1">
+                        <a:lumMod val="85000"/>
+                      </a:schemeClr>
+                    </a:solidFill>
+                  </a:tcPr>
+                </a:tc>
+                <a:tc>
+                  <a:txBody>
+                    <a:bodyPr/>
+                    <a:lstStyle/>
+                    <a:p>
+                      <a:pPr algn="ctr"/>
+                      <a:r>
+                        <a:rPr lang="en-GB" b="1" dirty="0"/>
                         <a:t>2</a:t>
                       </a:r>
-                      <a:endParaRPr lang="en-SE" dirty="0"/>
-                    </a:p>
-                  </a:txBody>
-                  <a:tcPr/>
-                </a:tc>
-                <a:tc>
-                  <a:txBody>
-                    <a:bodyPr/>
-                    <a:lstStyle/>
-                    <a:p>
-                      <a:pPr algn="ctr"/>
-                      <a:r>
-                        <a:rPr lang="en-GB" dirty="0"/>
+                      <a:endParaRPr lang="en-SE" b="1" dirty="0"/>
+                    </a:p>
+                  </a:txBody>
+                  <a:tcPr>
+                    <a:solidFill>
+                      <a:schemeClr val="bg1">
+                        <a:lumMod val="85000"/>
+                      </a:schemeClr>
+                    </a:solidFill>
+                  </a:tcPr>
+                </a:tc>
+                <a:tc>
+                  <a:txBody>
+                    <a:bodyPr/>
+                    <a:lstStyle/>
+                    <a:p>
+                      <a:pPr algn="ctr"/>
+                      <a:r>
+                        <a:rPr lang="en-GB" b="1" dirty="0"/>
                         <a:t>0</a:t>
                       </a:r>
-                      <a:endParaRPr lang="en-SE" dirty="0"/>
-                    </a:p>
-                  </a:txBody>
-                  <a:tcPr/>
+                      <a:endParaRPr lang="en-SE" b="1" dirty="0"/>
+                    </a:p>
+                  </a:txBody>
+                  <a:tcPr>
+                    <a:solidFill>
+                      <a:schemeClr val="bg1">
+                        <a:lumMod val="85000"/>
+                      </a:schemeClr>
+                    </a:solidFill>
+                  </a:tcPr>
                 </a:tc>
                 <a:extLst>
                   <a:ext uri="{0D108BD9-81ED-4DB2-BD59-A6C34878D82A}">
@@ -16037,7 +16709,7 @@
         <a:effectLst/>
         <a:extLst>
           <a:ext uri="{AF507438-7753-43e0-B8FC-AC1667EBCBE1}">
-            <a14:hiddenEffects xmlns="" xmlns:a14="http://schemas.microsoft.com/office/drawing/2010/main">
+            <a14:hiddenEffects xmlns:a14="http://schemas.microsoft.com/office/drawing/2010/main" xmlns="">
               <a:effectLst>
                 <a:outerShdw dist="35921" dir="2700000" algn="ctr" rotWithShape="0">
                   <a:schemeClr val="bg2"/>
@@ -16110,7 +16782,7 @@
         <a:effectLst/>
         <a:extLst>
           <a:ext uri="{AF507438-7753-43e0-B8FC-AC1667EBCBE1}">
-            <a14:hiddenEffects xmlns="" xmlns:a14="http://schemas.microsoft.com/office/drawing/2010/main">
+            <a14:hiddenEffects xmlns:a14="http://schemas.microsoft.com/office/drawing/2010/main" xmlns="">
               <a:effectLst>
                 <a:outerShdw dist="35921" dir="2700000" algn="ctr" rotWithShape="0">
                   <a:schemeClr val="bg2"/>

--- a/PPTs/L8-Exercises ANS.pptx
+++ b/PPTs/L8-Exercises ANS.pptx
@@ -219,14 +219,14 @@
           <a:effectLst/>
           <a:extLst>
             <a:ext uri="{909E8E84-426E-40dd-AFC4-6F175D3DCCD1}">
-              <a14:hiddenFill xmlns:a14="http://schemas.microsoft.com/office/drawing/2010/main" xmlns="">
+              <a14:hiddenFill xmlns="" xmlns:a14="http://schemas.microsoft.com/office/drawing/2010/main">
                 <a:solidFill>
                   <a:schemeClr val="bg1"/>
                 </a:solidFill>
               </a14:hiddenFill>
             </a:ext>
             <a:ext uri="{91240B29-F687-4f45-9708-019B960494DF}">
-              <a14:hiddenLine xmlns:a14="http://schemas.microsoft.com/office/drawing/2010/main" xmlns="" w="12700">
+              <a14:hiddenLine xmlns="" xmlns:a14="http://schemas.microsoft.com/office/drawing/2010/main" w="12700">
                 <a:pattFill prst="narHorz">
                   <a:fgClr>
                     <a:schemeClr val="tx1"/>
@@ -241,7 +241,7 @@
               </a14:hiddenLine>
             </a:ext>
             <a:ext uri="{AF507438-7753-43e0-B8FC-AC1667EBCBE1}">
-              <a14:hiddenEffects xmlns:a14="http://schemas.microsoft.com/office/drawing/2010/main" xmlns="">
+              <a14:hiddenEffects xmlns="" xmlns:a14="http://schemas.microsoft.com/office/drawing/2010/main">
                 <a:effectLst>
                   <a:outerShdw dist="35921" dir="2700000" algn="ctr" rotWithShape="0">
                     <a:schemeClr val="bg2"/>
@@ -347,14 +347,14 @@
           <a:effectLst/>
           <a:extLst>
             <a:ext uri="{909E8E84-426E-40dd-AFC4-6F175D3DCCD1}">
-              <a14:hiddenFill xmlns:a14="http://schemas.microsoft.com/office/drawing/2010/main" xmlns="">
+              <a14:hiddenFill xmlns="" xmlns:a14="http://schemas.microsoft.com/office/drawing/2010/main">
                 <a:solidFill>
                   <a:schemeClr val="bg1"/>
                 </a:solidFill>
               </a14:hiddenFill>
             </a:ext>
             <a:ext uri="{91240B29-F687-4f45-9708-019B960494DF}">
-              <a14:hiddenLine xmlns:a14="http://schemas.microsoft.com/office/drawing/2010/main" xmlns="" w="12700">
+              <a14:hiddenLine xmlns="" xmlns:a14="http://schemas.microsoft.com/office/drawing/2010/main" w="12700">
                 <a:pattFill prst="narHorz">
                   <a:fgClr>
                     <a:schemeClr val="tx1"/>
@@ -369,7 +369,7 @@
               </a14:hiddenLine>
             </a:ext>
             <a:ext uri="{AF507438-7753-43e0-B8FC-AC1667EBCBE1}">
-              <a14:hiddenEffects xmlns:a14="http://schemas.microsoft.com/office/drawing/2010/main" xmlns="">
+              <a14:hiddenEffects xmlns="" xmlns:a14="http://schemas.microsoft.com/office/drawing/2010/main">
                 <a:effectLst>
                   <a:outerShdw dist="35921" dir="2700000" algn="ctr" rotWithShape="0">
                     <a:schemeClr val="bg2"/>
@@ -437,17 +437,17 @@
           <a:effectLst/>
           <a:extLst>
             <a:ext uri="{FAA26D3D-D897-4be2-8F04-BA451C77F1D7}">
-              <ma14:placeholderFlag xmlns:ma14="http://schemas.microsoft.com/office/mac/drawingml/2011/main" xmlns="" val="1"/>
+              <ma14:placeholderFlag xmlns="" xmlns:ma14="http://schemas.microsoft.com/office/mac/drawingml/2011/main" val="1"/>
             </a:ext>
             <a:ext uri="{909E8E84-426E-40dd-AFC4-6F175D3DCCD1}">
-              <a14:hiddenFill xmlns:a14="http://schemas.microsoft.com/office/drawing/2010/main" xmlns="">
+              <a14:hiddenFill xmlns="" xmlns:a14="http://schemas.microsoft.com/office/drawing/2010/main">
                 <a:solidFill>
                   <a:srgbClr val="FFFFFF"/>
                 </a:solidFill>
               </a14:hiddenFill>
             </a:ext>
             <a:ext uri="{AF507438-7753-43e0-B8FC-AC1667EBCBE1}">
-              <a14:hiddenEffects xmlns:a14="http://schemas.microsoft.com/office/drawing/2010/main" xmlns="">
+              <a14:hiddenEffects xmlns="" xmlns:a14="http://schemas.microsoft.com/office/drawing/2010/main">
                 <a:effectLst>
                   <a:outerShdw blurRad="63500" dist="38099" dir="2700000" algn="ctr" rotWithShape="0">
                     <a:srgbClr val="000000">
@@ -458,7 +458,7 @@
               </a14:hiddenEffects>
             </a:ext>
             <a:ext uri="{53640926-AAD7-44d8-BBD7-CCE9431645EC}">
-              <a14:shadowObscured xmlns:a14="http://schemas.microsoft.com/office/drawing/2010/main" xmlns="" val="1"/>
+              <a14:shadowObscured xmlns="" xmlns:a14="http://schemas.microsoft.com/office/drawing/2010/main" val="1"/>
             </a:ext>
           </a:extLst>
         </p:spPr>
@@ -488,14 +488,14 @@
           <a:effectLst/>
           <a:extLst>
             <a:ext uri="{909E8E84-426E-40dd-AFC4-6F175D3DCCD1}">
-              <a14:hiddenFill xmlns:a14="http://schemas.microsoft.com/office/drawing/2010/main" xmlns="">
+              <a14:hiddenFill xmlns="" xmlns:a14="http://schemas.microsoft.com/office/drawing/2010/main">
                 <a:solidFill>
                   <a:schemeClr val="bg1"/>
                 </a:solidFill>
               </a14:hiddenFill>
             </a:ext>
             <a:ext uri="{91240B29-F687-4f45-9708-019B960494DF}">
-              <a14:hiddenLine xmlns:a14="http://schemas.microsoft.com/office/drawing/2010/main" xmlns="" w="12700">
+              <a14:hiddenLine xmlns="" xmlns:a14="http://schemas.microsoft.com/office/drawing/2010/main" w="12700">
                 <a:pattFill prst="narHorz">
                   <a:fgClr>
                     <a:schemeClr val="tx1"/>
@@ -510,7 +510,7 @@
               </a14:hiddenLine>
             </a:ext>
             <a:ext uri="{AF507438-7753-43e0-B8FC-AC1667EBCBE1}">
-              <a14:hiddenEffects xmlns:a14="http://schemas.microsoft.com/office/drawing/2010/main" xmlns="">
+              <a14:hiddenEffects xmlns="" xmlns:a14="http://schemas.microsoft.com/office/drawing/2010/main">
                 <a:effectLst>
                   <a:outerShdw dist="35921" dir="2700000" algn="ctr" rotWithShape="0">
                     <a:schemeClr val="bg2"/>
@@ -760,10 +760,10 @@
         <p:spPr>
           <a:extLst>
             <a:ext uri="{FAA26D3D-D897-4be2-8F04-BA451C77F1D7}">
-              <ma14:placeholderFlag xmlns:ma14="http://schemas.microsoft.com/office/mac/drawingml/2011/main" xmlns="" val="1"/>
+              <ma14:placeholderFlag xmlns="" xmlns:ma14="http://schemas.microsoft.com/office/mac/drawingml/2011/main" val="1"/>
             </a:ext>
             <a:ext uri="{AF507438-7753-43e0-B8FC-AC1667EBCBE1}">
-              <a14:hiddenEffects xmlns:a14="http://schemas.microsoft.com/office/drawing/2010/main" xmlns="">
+              <a14:hiddenEffects xmlns="" xmlns:a14="http://schemas.microsoft.com/office/drawing/2010/main">
                 <a:effectLst>
                   <a:outerShdw blurRad="63500" dist="38099" dir="2700000" algn="ctr" rotWithShape="0">
                     <a:schemeClr val="bg2">
@@ -2978,17 +2978,17 @@
           <a:effectLst/>
           <a:extLst>
             <a:ext uri="{FAA26D3D-D897-4be2-8F04-BA451C77F1D7}">
-              <ma14:placeholderFlag xmlns:ma14="http://schemas.microsoft.com/office/mac/drawingml/2011/main" xmlns="" val="1"/>
+              <ma14:placeholderFlag xmlns="" xmlns:ma14="http://schemas.microsoft.com/office/mac/drawingml/2011/main" val="1"/>
             </a:ext>
             <a:ext uri="{909E8E84-426E-40dd-AFC4-6F175D3DCCD1}">
-              <a14:hiddenFill xmlns:a14="http://schemas.microsoft.com/office/drawing/2010/main" xmlns="">
+              <a14:hiddenFill xmlns="" xmlns:a14="http://schemas.microsoft.com/office/drawing/2010/main">
                 <a:solidFill>
                   <a:schemeClr val="bg1"/>
                 </a:solidFill>
               </a14:hiddenFill>
             </a:ext>
             <a:ext uri="{91240B29-F687-4f45-9708-019B960494DF}">
-              <a14:hiddenLine xmlns:a14="http://schemas.microsoft.com/office/drawing/2010/main" xmlns="" w="12700">
+              <a14:hiddenLine xmlns="" xmlns:a14="http://schemas.microsoft.com/office/drawing/2010/main" w="12700">
                 <a:pattFill prst="narHorz">
                   <a:fgClr>
                     <a:schemeClr val="tx1"/>
@@ -3003,7 +3003,7 @@
               </a14:hiddenLine>
             </a:ext>
             <a:ext uri="{AF507438-7753-43e0-B8FC-AC1667EBCBE1}">
-              <a14:hiddenEffects xmlns:a14="http://schemas.microsoft.com/office/drawing/2010/main" xmlns="">
+              <a14:hiddenEffects xmlns="" xmlns:a14="http://schemas.microsoft.com/office/drawing/2010/main">
                 <a:effectLst>
                   <a:outerShdw blurRad="63500" dist="38099" dir="2700000" algn="ctr" rotWithShape="0">
                     <a:schemeClr val="bg2">
@@ -3056,17 +3056,17 @@
           <a:effectLst/>
           <a:extLst>
             <a:ext uri="{FAA26D3D-D897-4be2-8F04-BA451C77F1D7}">
-              <ma14:placeholderFlag xmlns:ma14="http://schemas.microsoft.com/office/mac/drawingml/2011/main" xmlns="" val="1"/>
+              <ma14:placeholderFlag xmlns="" xmlns:ma14="http://schemas.microsoft.com/office/mac/drawingml/2011/main" val="1"/>
             </a:ext>
             <a:ext uri="{909E8E84-426E-40dd-AFC4-6F175D3DCCD1}">
-              <a14:hiddenFill xmlns:a14="http://schemas.microsoft.com/office/drawing/2010/main" xmlns="">
+              <a14:hiddenFill xmlns="" xmlns:a14="http://schemas.microsoft.com/office/drawing/2010/main">
                 <a:solidFill>
                   <a:schemeClr val="bg1"/>
                 </a:solidFill>
               </a14:hiddenFill>
             </a:ext>
             <a:ext uri="{91240B29-F687-4f45-9708-019B960494DF}">
-              <a14:hiddenLine xmlns:a14="http://schemas.microsoft.com/office/drawing/2010/main" xmlns="" w="12700">
+              <a14:hiddenLine xmlns="" xmlns:a14="http://schemas.microsoft.com/office/drawing/2010/main" w="12700">
                 <a:pattFill prst="narHorz">
                   <a:fgClr>
                     <a:schemeClr val="tx1"/>
@@ -3081,7 +3081,7 @@
               </a14:hiddenLine>
             </a:ext>
             <a:ext uri="{AF507438-7753-43e0-B8FC-AC1667EBCBE1}">
-              <a14:hiddenEffects xmlns:a14="http://schemas.microsoft.com/office/drawing/2010/main" xmlns="">
+              <a14:hiddenEffects xmlns="" xmlns:a14="http://schemas.microsoft.com/office/drawing/2010/main">
                 <a:effectLst>
                   <a:outerShdw blurRad="63500" dist="38099" dir="2700000" algn="ctr" rotWithShape="0">
                     <a:schemeClr val="bg2">
@@ -3165,12 +3165,12 @@
           <a:effectLst/>
           <a:extLst>
             <a:ext uri="{909E8E84-426E-40dd-AFC4-6F175D3DCCD1}">
-              <a14:hiddenFill xmlns:a14="http://schemas.microsoft.com/office/drawing/2010/main" xmlns="">
+              <a14:hiddenFill xmlns="" xmlns:a14="http://schemas.microsoft.com/office/drawing/2010/main">
                 <a:noFill/>
               </a14:hiddenFill>
             </a:ext>
             <a:ext uri="{AF507438-7753-43e0-B8FC-AC1667EBCBE1}">
-              <a14:hiddenEffects xmlns:a14="http://schemas.microsoft.com/office/drawing/2010/main" xmlns="">
+              <a14:hiddenEffects xmlns="" xmlns:a14="http://schemas.microsoft.com/office/drawing/2010/main">
                 <a:effectLst>
                   <a:outerShdw blurRad="63500" dist="38099" dir="2700000" algn="ctr" rotWithShape="0">
                     <a:schemeClr val="bg2">
@@ -7708,7 +7708,7 @@
               <a:rPr lang="en-US" sz="1600" b="0" dirty="0">
                 <a:latin typeface="+mj-lt"/>
               </a:rPr>
-              <a:t>5 page faults</a:t>
+              <a:t>6 page faults</a:t>
             </a:r>
           </a:p>
           <a:p>
@@ -9377,7 +9377,7 @@
                     <a:lstStyle/>
                     <a:p>
                       <a:pPr algn="ctr"/>
-                      <a:endParaRPr lang="en-SE"/>
+                      <a:endParaRPr lang="en-SE" dirty="0"/>
                     </a:p>
                   </a:txBody>
                   <a:tcPr/>
@@ -16709,7 +16709,7 @@
         <a:effectLst/>
         <a:extLst>
           <a:ext uri="{AF507438-7753-43e0-B8FC-AC1667EBCBE1}">
-            <a14:hiddenEffects xmlns:a14="http://schemas.microsoft.com/office/drawing/2010/main" xmlns="">
+            <a14:hiddenEffects xmlns="" xmlns:a14="http://schemas.microsoft.com/office/drawing/2010/main">
               <a:effectLst>
                 <a:outerShdw dist="35921" dir="2700000" algn="ctr" rotWithShape="0">
                   <a:schemeClr val="bg2"/>
@@ -16782,7 +16782,7 @@
         <a:effectLst/>
         <a:extLst>
           <a:ext uri="{AF507438-7753-43e0-B8FC-AC1667EBCBE1}">
-            <a14:hiddenEffects xmlns:a14="http://schemas.microsoft.com/office/drawing/2010/main" xmlns="">
+            <a14:hiddenEffects xmlns="" xmlns:a14="http://schemas.microsoft.com/office/drawing/2010/main">
               <a:effectLst>
                 <a:outerShdw dist="35921" dir="2700000" algn="ctr" rotWithShape="0">
                   <a:schemeClr val="bg2"/>
